--- a/doc/CS01/task14/cs1-task14-presentation.pptx
+++ b/doc/CS01/task14/cs1-task14-presentation.pptx
@@ -9,12 +9,13 @@
     <p:sldId id="270" r:id="rId3"/>
     <p:sldId id="262" r:id="rId4"/>
     <p:sldId id="271" r:id="rId5"/>
-    <p:sldId id="272" r:id="rId6"/>
-    <p:sldId id="273" r:id="rId7"/>
-    <p:sldId id="263" r:id="rId8"/>
-    <p:sldId id="274" r:id="rId9"/>
-    <p:sldId id="264" r:id="rId10"/>
-    <p:sldId id="265" r:id="rId11"/>
+    <p:sldId id="273" r:id="rId6"/>
+    <p:sldId id="263" r:id="rId7"/>
+    <p:sldId id="274" r:id="rId8"/>
+    <p:sldId id="276" r:id="rId9"/>
+    <p:sldId id="275" r:id="rId10"/>
+    <p:sldId id="264" r:id="rId11"/>
+    <p:sldId id="265" r:id="rId12"/>
   </p:sldIdLst>
   <p:sldSz cx="12192000" cy="6858000"/>
   <p:notesSz cx="6858000" cy="9144000"/>
@@ -3079,6 +3080,112 @@
           <a:p>
             <a:r>
               <a:rPr lang="de-CH" dirty="0" err="1"/>
+              <a:t>Contributions</a:t>
+            </a:r>
+            <a:endParaRPr lang="de-CH" dirty="0"/>
+          </a:p>
+        </p:txBody>
+      </p:sp>
+      <p:sp>
+        <p:nvSpPr>
+          <p:cNvPr id="3" name="Inhaltsplatzhalter 2">
+            <a:extLst>
+              <a:ext uri="{FF2B5EF4-FFF2-40B4-BE49-F238E27FC236}">
+                <a16:creationId xmlns:a16="http://schemas.microsoft.com/office/drawing/2014/main" id="{64638A87-DF53-41F7-80F1-05C8FBC11759}"/>
+              </a:ext>
+            </a:extLst>
+          </p:cNvPr>
+          <p:cNvSpPr>
+            <a:spLocks noGrp="1"/>
+          </p:cNvSpPr>
+          <p:nvPr>
+            <p:ph idx="1"/>
+          </p:nvPr>
+        </p:nvSpPr>
+        <p:spPr/>
+        <p:txBody>
+          <a:bodyPr/>
+          <a:lstStyle/>
+          <a:p>
+            <a:r>
+              <a:rPr lang="en-US" dirty="0"/>
+              <a:t>Martin: Diary</a:t>
+            </a:r>
+          </a:p>
+          <a:p>
+            <a:r>
+              <a:rPr lang="en-US" dirty="0"/>
+              <a:t>André: Settings</a:t>
+            </a:r>
+          </a:p>
+          <a:p>
+            <a:r>
+              <a:rPr lang="en-US" dirty="0"/>
+              <a:t>Claudio: Login / Sign Up</a:t>
+            </a:r>
+          </a:p>
+          <a:p>
+            <a:r>
+              <a:rPr lang="en-US" dirty="0"/>
+              <a:t>Joël: Main View / Roaster</a:t>
+            </a:r>
+          </a:p>
+          <a:p>
+            <a:r>
+              <a:rPr lang="en-US" dirty="0"/>
+              <a:t>Patrick: Persistence / Scrum Master</a:t>
+            </a:r>
+            <a:endParaRPr lang="de-CH" dirty="0"/>
+          </a:p>
+        </p:txBody>
+      </p:sp>
+    </p:spTree>
+    <p:extLst>
+      <p:ext uri="{BB962C8B-B14F-4D97-AF65-F5344CB8AC3E}">
+        <p14:creationId xmlns:p14="http://schemas.microsoft.com/office/powerpoint/2010/main" val="726713197"/>
+      </p:ext>
+    </p:extLst>
+  </p:cSld>
+  <p:clrMapOvr>
+    <a:masterClrMapping/>
+  </p:clrMapOvr>
+</p:sld>
+</file>
+
+<file path=ppt/slides/slide11.xml><?xml version="1.0" encoding="utf-8"?>
+<p:sld xmlns:a="http://schemas.openxmlformats.org/drawingml/2006/main" xmlns:r="http://schemas.openxmlformats.org/officeDocument/2006/relationships" xmlns:p="http://schemas.openxmlformats.org/presentationml/2006/main">
+  <p:cSld>
+    <p:spTree>
+      <p:nvGrpSpPr>
+        <p:cNvPr id="1" name=""/>
+        <p:cNvGrpSpPr/>
+        <p:nvPr/>
+      </p:nvGrpSpPr>
+      <p:grpSpPr>
+        <a:xfrm>
+          <a:off x="0" y="0"/>
+          <a:ext cx="0" cy="0"/>
+          <a:chOff x="0" y="0"/>
+          <a:chExt cx="0" cy="0"/>
+        </a:xfrm>
+      </p:grpSpPr>
+      <p:sp>
+        <p:nvSpPr>
+          <p:cNvPr id="2" name="Titel 1"/>
+          <p:cNvSpPr>
+            <a:spLocks noGrp="1"/>
+          </p:cNvSpPr>
+          <p:nvPr>
+            <p:ph type="title"/>
+          </p:nvPr>
+        </p:nvSpPr>
+        <p:spPr/>
+        <p:txBody>
+          <a:bodyPr/>
+          <a:lstStyle/>
+          <a:p>
+            <a:r>
+              <a:rPr lang="de-CH" dirty="0" err="1"/>
               <a:t>Lessons</a:t>
             </a:r>
             <a:r>
@@ -3343,7 +3450,7 @@
           <p:cNvPr id="2" name="Titel 1">
             <a:extLst>
               <a:ext uri="{FF2B5EF4-FFF2-40B4-BE49-F238E27FC236}">
-                <a16:creationId xmlns:a16="http://schemas.microsoft.com/office/drawing/2014/main" id="{2AAD617C-0F27-497D-98D2-DF74B8360085}"/>
+                <a16:creationId xmlns:a16="http://schemas.microsoft.com/office/drawing/2014/main" id="{270A3D69-3227-41AA-91FE-85F7AFC6BFC0}"/>
               </a:ext>
             </a:extLst>
           </p:cNvPr>
@@ -3351,7 +3458,7 @@
             <a:spLocks noGrp="1"/>
           </p:cNvSpPr>
           <p:nvPr>
-            <p:ph type="title"/>
+            <p:ph type="ctrTitle"/>
           </p:nvPr>
         </p:nvSpPr>
         <p:spPr/>
@@ -3359,16 +3466,20 @@
           <a:bodyPr/>
           <a:lstStyle/>
           <a:p>
-            <a:endParaRPr lang="de-CH"/>
-          </a:p>
-        </p:txBody>
-      </p:sp>
-      <p:sp>
-        <p:nvSpPr>
-          <p:cNvPr id="3" name="Inhaltsplatzhalter 2">
+            <a:r>
+              <a:rPr lang="en-US" dirty="0"/>
+              <a:t>Features / Noteworthy Coding </a:t>
+            </a:r>
+            <a:endParaRPr lang="de-CH" dirty="0"/>
+          </a:p>
+        </p:txBody>
+      </p:sp>
+      <p:sp>
+        <p:nvSpPr>
+          <p:cNvPr id="3" name="Untertitel 2">
             <a:extLst>
               <a:ext uri="{FF2B5EF4-FFF2-40B4-BE49-F238E27FC236}">
-                <a16:creationId xmlns:a16="http://schemas.microsoft.com/office/drawing/2014/main" id="{3EC2E34E-7CF7-4E3B-A7D2-C0D432BD5752}"/>
+                <a16:creationId xmlns:a16="http://schemas.microsoft.com/office/drawing/2014/main" id="{A67DACA7-3592-4F74-A238-C4AF10FE90C3}"/>
               </a:ext>
             </a:extLst>
           </p:cNvPr>
@@ -3376,7 +3487,7 @@
             <a:spLocks noGrp="1"/>
           </p:cNvSpPr>
           <p:nvPr>
-            <p:ph idx="1"/>
+            <p:ph type="subTitle" idx="1"/>
           </p:nvPr>
         </p:nvSpPr>
         <p:spPr/>
@@ -3391,7 +3502,7 @@
     </p:spTree>
     <p:extLst>
       <p:ext uri="{BB962C8B-B14F-4D97-AF65-F5344CB8AC3E}">
-        <p14:creationId xmlns:p14="http://schemas.microsoft.com/office/powerpoint/2010/main" val="1144389623"/>
+        <p14:creationId xmlns:p14="http://schemas.microsoft.com/office/powerpoint/2010/main" val="800263352"/>
       </p:ext>
     </p:extLst>
   </p:cSld>
@@ -3420,10 +3531,40 @@
       </p:grpSpPr>
       <p:sp>
         <p:nvSpPr>
-          <p:cNvPr id="2" name="Titel 1">
+          <p:cNvPr id="2" name="Titel 1"/>
+          <p:cNvSpPr>
+            <a:spLocks noGrp="1"/>
+          </p:cNvSpPr>
+          <p:nvPr>
+            <p:ph type="title"/>
+          </p:nvPr>
+        </p:nvSpPr>
+        <p:spPr/>
+        <p:txBody>
+          <a:bodyPr/>
+          <a:lstStyle/>
+          <a:p>
+            <a:r>
+              <a:rPr lang="en-US" dirty="0"/>
+              <a:t>S</a:t>
+            </a:r>
+            <a:r>
+              <a:rPr lang="de-CH" dirty="0" err="1"/>
+              <a:t>ign</a:t>
+            </a:r>
+            <a:r>
+              <a:rPr lang="de-CH" dirty="0"/>
+              <a:t> Up – Client Side Validation</a:t>
+            </a:r>
+          </a:p>
+        </p:txBody>
+      </p:sp>
+      <p:sp>
+        <p:nvSpPr>
+          <p:cNvPr id="4" name="Inhaltsplatzhalter 3">
             <a:extLst>
               <a:ext uri="{FF2B5EF4-FFF2-40B4-BE49-F238E27FC236}">
-                <a16:creationId xmlns:a16="http://schemas.microsoft.com/office/drawing/2014/main" id="{270A3D69-3227-41AA-91FE-85F7AFC6BFC0}"/>
+                <a16:creationId xmlns:a16="http://schemas.microsoft.com/office/drawing/2014/main" id="{1BE177C7-3EAB-4849-B4C7-09252070B93F}"/>
               </a:ext>
             </a:extLst>
           </p:cNvPr>
@@ -3431,7 +3572,7 @@
             <a:spLocks noGrp="1"/>
           </p:cNvSpPr>
           <p:nvPr>
-            <p:ph type="ctrTitle"/>
+            <p:ph idx="1"/>
           </p:nvPr>
         </p:nvSpPr>
         <p:spPr/>
@@ -3439,43 +3580,371 @@
           <a:bodyPr/>
           <a:lstStyle/>
           <a:p>
-            <a:r>
-              <a:rPr lang="en-US" dirty="0"/>
-              <a:t>Noteworthy Coding</a:t>
+            <a:pPr marL="0" indent="0">
+              <a:buNone/>
+            </a:pPr>
+            <a:r>
+              <a:rPr lang="de-CH" dirty="0">
+                <a:solidFill>
+                  <a:srgbClr val="0000C0"/>
+                </a:solidFill>
+                <a:latin typeface="Consolas" panose="020B0609020204030204" pitchFamily="49" charset="0"/>
+              </a:rPr>
+              <a:t>email</a:t>
+            </a:r>
+            <a:r>
+              <a:rPr lang="de-CH" dirty="0">
+                <a:solidFill>
+                  <a:srgbClr val="000000"/>
+                </a:solidFill>
+                <a:latin typeface="Consolas" panose="020B0609020204030204" pitchFamily="49" charset="0"/>
+              </a:rPr>
+              <a:t> = </a:t>
+            </a:r>
+            <a:r>
+              <a:rPr lang="de-CH" b="1" dirty="0" err="1">
+                <a:solidFill>
+                  <a:srgbClr val="7F0055"/>
+                </a:solidFill>
+                <a:latin typeface="Consolas" panose="020B0609020204030204" pitchFamily="49" charset="0"/>
+              </a:rPr>
+              <a:t>new</a:t>
+            </a:r>
+            <a:r>
+              <a:rPr lang="de-CH" b="1" dirty="0">
+                <a:solidFill>
+                  <a:srgbClr val="000000"/>
+                </a:solidFill>
+                <a:latin typeface="Consolas" panose="020B0609020204030204" pitchFamily="49" charset="0"/>
+              </a:rPr>
+              <a:t> </a:t>
+            </a:r>
+            <a:r>
+              <a:rPr lang="de-CH" b="1" dirty="0" err="1">
+                <a:solidFill>
+                  <a:srgbClr val="000000"/>
+                </a:solidFill>
+                <a:latin typeface="Consolas" panose="020B0609020204030204" pitchFamily="49" charset="0"/>
+              </a:rPr>
+              <a:t>TextField</a:t>
+            </a:r>
+            <a:r>
+              <a:rPr lang="de-CH" b="1" dirty="0">
+                <a:solidFill>
+                  <a:srgbClr val="000000"/>
+                </a:solidFill>
+                <a:latin typeface="Consolas" panose="020B0609020204030204" pitchFamily="49" charset="0"/>
+              </a:rPr>
+              <a:t>();</a:t>
+            </a:r>
+          </a:p>
+          <a:p>
+            <a:pPr marL="0" indent="0">
+              <a:buNone/>
+            </a:pPr>
+            <a:r>
+              <a:rPr lang="de-CH" dirty="0" err="1">
+                <a:solidFill>
+                  <a:srgbClr val="0000C0"/>
+                </a:solidFill>
+                <a:latin typeface="Consolas" panose="020B0609020204030204" pitchFamily="49" charset="0"/>
+              </a:rPr>
+              <a:t>email</a:t>
+            </a:r>
+            <a:r>
+              <a:rPr lang="de-CH" dirty="0" err="1">
+                <a:solidFill>
+                  <a:srgbClr val="000000"/>
+                </a:solidFill>
+                <a:latin typeface="Consolas" panose="020B0609020204030204" pitchFamily="49" charset="0"/>
+              </a:rPr>
+              <a:t>.setCaption</a:t>
+            </a:r>
+            <a:r>
+              <a:rPr lang="de-CH" dirty="0">
+                <a:solidFill>
+                  <a:srgbClr val="000000"/>
+                </a:solidFill>
+                <a:latin typeface="Consolas" panose="020B0609020204030204" pitchFamily="49" charset="0"/>
+              </a:rPr>
+              <a:t>(</a:t>
+            </a:r>
+            <a:r>
+              <a:rPr lang="de-CH" dirty="0">
+                <a:solidFill>
+                  <a:srgbClr val="2A00FF"/>
+                </a:solidFill>
+                <a:latin typeface="Consolas" panose="020B0609020204030204" pitchFamily="49" charset="0"/>
+              </a:rPr>
+              <a:t>"Email </a:t>
+            </a:r>
+            <a:r>
+              <a:rPr lang="de-CH" dirty="0" err="1">
+                <a:solidFill>
+                  <a:srgbClr val="2A00FF"/>
+                </a:solidFill>
+                <a:latin typeface="Consolas" panose="020B0609020204030204" pitchFamily="49" charset="0"/>
+              </a:rPr>
+              <a:t>Address</a:t>
+            </a:r>
+            <a:r>
+              <a:rPr lang="de-CH" dirty="0">
+                <a:solidFill>
+                  <a:srgbClr val="2A00FF"/>
+                </a:solidFill>
+                <a:latin typeface="Consolas" panose="020B0609020204030204" pitchFamily="49" charset="0"/>
+              </a:rPr>
+              <a:t>"</a:t>
+            </a:r>
+            <a:r>
+              <a:rPr lang="de-CH" dirty="0">
+                <a:solidFill>
+                  <a:srgbClr val="000000"/>
+                </a:solidFill>
+                <a:latin typeface="Consolas" panose="020B0609020204030204" pitchFamily="49" charset="0"/>
+              </a:rPr>
+              <a:t>);</a:t>
+            </a:r>
+          </a:p>
+          <a:p>
+            <a:pPr marL="0" indent="0">
+              <a:buNone/>
+            </a:pPr>
+            <a:r>
+              <a:rPr lang="en-US" dirty="0" err="1">
+                <a:solidFill>
+                  <a:srgbClr val="0000C0"/>
+                </a:solidFill>
+                <a:latin typeface="Consolas" panose="020B0609020204030204" pitchFamily="49" charset="0"/>
+              </a:rPr>
+              <a:t>binder</a:t>
+            </a:r>
+            <a:r>
+              <a:rPr lang="en-US" dirty="0" err="1">
+                <a:solidFill>
+                  <a:srgbClr val="000000"/>
+                </a:solidFill>
+                <a:latin typeface="Consolas" panose="020B0609020204030204" pitchFamily="49" charset="0"/>
+              </a:rPr>
+              <a:t>.forField</a:t>
+            </a:r>
+            <a:r>
+              <a:rPr lang="en-US" dirty="0">
+                <a:solidFill>
+                  <a:srgbClr val="000000"/>
+                </a:solidFill>
+                <a:latin typeface="Consolas" panose="020B0609020204030204" pitchFamily="49" charset="0"/>
+              </a:rPr>
+              <a:t>(</a:t>
+            </a:r>
+            <a:r>
+              <a:rPr lang="en-US" dirty="0">
+                <a:solidFill>
+                  <a:srgbClr val="0000C0"/>
+                </a:solidFill>
+                <a:latin typeface="Consolas" panose="020B0609020204030204" pitchFamily="49" charset="0"/>
+              </a:rPr>
+              <a:t>email</a:t>
+            </a:r>
+            <a:r>
+              <a:rPr lang="en-US" dirty="0">
+                <a:solidFill>
+                  <a:srgbClr val="000000"/>
+                </a:solidFill>
+                <a:latin typeface="Consolas" panose="020B0609020204030204" pitchFamily="49" charset="0"/>
+              </a:rPr>
+              <a:t>).</a:t>
+            </a:r>
+            <a:r>
+              <a:rPr lang="en-US" dirty="0" err="1">
+                <a:solidFill>
+                  <a:srgbClr val="000000"/>
+                </a:solidFill>
+                <a:latin typeface="Consolas" panose="020B0609020204030204" pitchFamily="49" charset="0"/>
+              </a:rPr>
+              <a:t>withValidator</a:t>
+            </a:r>
+            <a:r>
+              <a:rPr lang="en-US" dirty="0">
+                <a:solidFill>
+                  <a:srgbClr val="000000"/>
+                </a:solidFill>
+                <a:latin typeface="Consolas" panose="020B0609020204030204" pitchFamily="49" charset="0"/>
+              </a:rPr>
+              <a:t>(</a:t>
+            </a:r>
+            <a:r>
+              <a:rPr lang="en-US" b="1" dirty="0">
+                <a:solidFill>
+                  <a:srgbClr val="7F0055"/>
+                </a:solidFill>
+                <a:latin typeface="Consolas" panose="020B0609020204030204" pitchFamily="49" charset="0"/>
+              </a:rPr>
+              <a:t>new</a:t>
+            </a:r>
+            <a:r>
+              <a:rPr lang="en-US" b="1" dirty="0">
+                <a:solidFill>
+                  <a:srgbClr val="000000"/>
+                </a:solidFill>
+                <a:latin typeface="Consolas" panose="020B0609020204030204" pitchFamily="49" charset="0"/>
+              </a:rPr>
+              <a:t> </a:t>
+            </a:r>
+            <a:r>
+              <a:rPr lang="en-US" b="1" dirty="0" err="1">
+                <a:solidFill>
+                  <a:srgbClr val="000000"/>
+                </a:solidFill>
+                <a:latin typeface="Consolas" panose="020B0609020204030204" pitchFamily="49" charset="0"/>
+              </a:rPr>
+              <a:t>EmailValidator</a:t>
+            </a:r>
+            <a:r>
+              <a:rPr lang="en-US" b="1" dirty="0">
+                <a:solidFill>
+                  <a:srgbClr val="000000"/>
+                </a:solidFill>
+                <a:latin typeface="Consolas" panose="020B0609020204030204" pitchFamily="49" charset="0"/>
+              </a:rPr>
+              <a:t>(</a:t>
+            </a:r>
+            <a:r>
+              <a:rPr lang="en-US" b="1" dirty="0">
+                <a:solidFill>
+                  <a:srgbClr val="2A00FF"/>
+                </a:solidFill>
+                <a:latin typeface="Consolas" panose="020B0609020204030204" pitchFamily="49" charset="0"/>
+              </a:rPr>
+              <a:t>"This is not a valid email address"</a:t>
+            </a:r>
+            <a:r>
+              <a:rPr lang="en-US" b="1" dirty="0">
+                <a:solidFill>
+                  <a:srgbClr val="000000"/>
+                </a:solidFill>
+                <a:latin typeface="Consolas" panose="020B0609020204030204" pitchFamily="49" charset="0"/>
+              </a:rPr>
+              <a:t>))</a:t>
+            </a:r>
+          </a:p>
+          <a:p>
+            <a:pPr marL="0" indent="0">
+              <a:buNone/>
+            </a:pPr>
+            <a:r>
+              <a:rPr lang="de-CH" dirty="0">
+                <a:solidFill>
+                  <a:srgbClr val="000000"/>
+                </a:solidFill>
+                <a:latin typeface="Consolas" panose="020B0609020204030204" pitchFamily="49" charset="0"/>
+              </a:rPr>
+              <a:t>	.bind(</a:t>
+            </a:r>
+            <a:r>
+              <a:rPr lang="de-CH" dirty="0" err="1">
+                <a:solidFill>
+                  <a:srgbClr val="000000"/>
+                </a:solidFill>
+                <a:highlight>
+                  <a:srgbClr val="D4D4D4"/>
+                </a:highlight>
+                <a:latin typeface="Consolas" panose="020B0609020204030204" pitchFamily="49" charset="0"/>
+              </a:rPr>
+              <a:t>LoginAccount</a:t>
+            </a:r>
+            <a:r>
+              <a:rPr lang="de-CH" dirty="0">
+                <a:solidFill>
+                  <a:srgbClr val="000000"/>
+                </a:solidFill>
+                <a:highlight>
+                  <a:srgbClr val="D4D4D4"/>
+                </a:highlight>
+                <a:latin typeface="Consolas" panose="020B0609020204030204" pitchFamily="49" charset="0"/>
+              </a:rPr>
+              <a:t>::</a:t>
+            </a:r>
+            <a:r>
+              <a:rPr lang="de-CH" dirty="0" err="1">
+                <a:solidFill>
+                  <a:srgbClr val="000000"/>
+                </a:solidFill>
+                <a:highlight>
+                  <a:srgbClr val="D4D4D4"/>
+                </a:highlight>
+                <a:latin typeface="Consolas" panose="020B0609020204030204" pitchFamily="49" charset="0"/>
+              </a:rPr>
+              <a:t>getEmail</a:t>
+            </a:r>
+            <a:r>
+              <a:rPr lang="de-CH" dirty="0">
+                <a:solidFill>
+                  <a:srgbClr val="000000"/>
+                </a:solidFill>
+                <a:highlight>
+                  <a:srgbClr val="D4D4D4"/>
+                </a:highlight>
+                <a:latin typeface="Consolas" panose="020B0609020204030204" pitchFamily="49" charset="0"/>
+              </a:rPr>
+              <a:t>, 	</a:t>
+            </a:r>
+            <a:r>
+              <a:rPr lang="de-CH" dirty="0" err="1">
+                <a:solidFill>
+                  <a:srgbClr val="000000"/>
+                </a:solidFill>
+                <a:highlight>
+                  <a:srgbClr val="D4D4D4"/>
+                </a:highlight>
+                <a:latin typeface="Consolas" panose="020B0609020204030204" pitchFamily="49" charset="0"/>
+              </a:rPr>
+              <a:t>LoginAccount</a:t>
+            </a:r>
+            <a:r>
+              <a:rPr lang="de-CH" dirty="0">
+                <a:solidFill>
+                  <a:srgbClr val="000000"/>
+                </a:solidFill>
+                <a:highlight>
+                  <a:srgbClr val="D4D4D4"/>
+                </a:highlight>
+                <a:latin typeface="Consolas" panose="020B0609020204030204" pitchFamily="49" charset="0"/>
+              </a:rPr>
+              <a:t>::</a:t>
+            </a:r>
+            <a:r>
+              <a:rPr lang="de-CH" dirty="0" err="1">
+                <a:solidFill>
+                  <a:srgbClr val="000000"/>
+                </a:solidFill>
+                <a:highlight>
+                  <a:srgbClr val="D4D4D4"/>
+                </a:highlight>
+                <a:latin typeface="Consolas" panose="020B0609020204030204" pitchFamily="49" charset="0"/>
+              </a:rPr>
+              <a:t>setEmail</a:t>
+            </a:r>
+            <a:r>
+              <a:rPr lang="de-CH" dirty="0">
+                <a:solidFill>
+                  <a:srgbClr val="000000"/>
+                </a:solidFill>
+                <a:highlight>
+                  <a:srgbClr val="D4D4D4"/>
+                </a:highlight>
+                <a:latin typeface="Consolas" panose="020B0609020204030204" pitchFamily="49" charset="0"/>
+              </a:rPr>
+              <a:t>);</a:t>
             </a:r>
             <a:endParaRPr lang="de-CH" dirty="0"/>
-          </a:p>
-        </p:txBody>
-      </p:sp>
-      <p:sp>
-        <p:nvSpPr>
-          <p:cNvPr id="3" name="Untertitel 2">
-            <a:extLst>
-              <a:ext uri="{FF2B5EF4-FFF2-40B4-BE49-F238E27FC236}">
-                <a16:creationId xmlns:a16="http://schemas.microsoft.com/office/drawing/2014/main" id="{A67DACA7-3592-4F74-A238-C4AF10FE90C3}"/>
-              </a:ext>
-            </a:extLst>
-          </p:cNvPr>
-          <p:cNvSpPr>
-            <a:spLocks noGrp="1"/>
-          </p:cNvSpPr>
-          <p:nvPr>
-            <p:ph type="subTitle" idx="1"/>
-          </p:nvPr>
-        </p:nvSpPr>
-        <p:spPr/>
-        <p:txBody>
-          <a:bodyPr/>
-          <a:lstStyle/>
-          <a:p>
-            <a:endParaRPr lang="de-CH"/>
           </a:p>
         </p:txBody>
       </p:sp>
     </p:spTree>
     <p:extLst>
       <p:ext uri="{BB962C8B-B14F-4D97-AF65-F5344CB8AC3E}">
-        <p14:creationId xmlns:p14="http://schemas.microsoft.com/office/powerpoint/2010/main" val="800263352"/>
+        <p14:creationId xmlns:p14="http://schemas.microsoft.com/office/powerpoint/2010/main" val="476015163"/>
       </p:ext>
     </p:extLst>
   </p:cSld>
@@ -3504,40 +3973,10 @@
       </p:grpSpPr>
       <p:sp>
         <p:nvSpPr>
-          <p:cNvPr id="2" name="Titel 1"/>
-          <p:cNvSpPr>
-            <a:spLocks noGrp="1"/>
-          </p:cNvSpPr>
-          <p:nvPr>
-            <p:ph type="title"/>
-          </p:nvPr>
-        </p:nvSpPr>
-        <p:spPr/>
-        <p:txBody>
-          <a:bodyPr/>
-          <a:lstStyle/>
-          <a:p>
-            <a:r>
-              <a:rPr lang="en-US" dirty="0"/>
-              <a:t>S</a:t>
-            </a:r>
-            <a:r>
-              <a:rPr lang="de-CH" dirty="0" err="1"/>
-              <a:t>ign</a:t>
-            </a:r>
-            <a:r>
-              <a:rPr lang="de-CH" dirty="0"/>
-              <a:t> Up – Client Side Validation</a:t>
-            </a:r>
-          </a:p>
-        </p:txBody>
-      </p:sp>
-      <p:sp>
-        <p:nvSpPr>
-          <p:cNvPr id="4" name="Inhaltsplatzhalter 3">
+          <p:cNvPr id="2" name="Titel 1">
             <a:extLst>
               <a:ext uri="{FF2B5EF4-FFF2-40B4-BE49-F238E27FC236}">
-                <a16:creationId xmlns:a16="http://schemas.microsoft.com/office/drawing/2014/main" id="{1BE177C7-3EAB-4849-B4C7-09252070B93F}"/>
+                <a16:creationId xmlns:a16="http://schemas.microsoft.com/office/drawing/2014/main" id="{A8374660-D150-4433-B606-00CDC0EFC0D8}"/>
               </a:ext>
             </a:extLst>
           </p:cNvPr>
@@ -3545,12 +3984,43 @@
             <a:spLocks noGrp="1"/>
           </p:cNvSpPr>
           <p:nvPr>
+            <p:ph type="title"/>
+          </p:nvPr>
+        </p:nvSpPr>
+        <p:spPr/>
+        <p:txBody>
+          <a:bodyPr/>
+          <a:lstStyle/>
+          <a:p>
+            <a:r>
+              <a:rPr lang="en-US" dirty="0"/>
+              <a:t>Persistence</a:t>
+            </a:r>
+            <a:endParaRPr lang="de-CH" dirty="0"/>
+          </a:p>
+        </p:txBody>
+      </p:sp>
+      <p:sp>
+        <p:nvSpPr>
+          <p:cNvPr id="3" name="Inhaltsplatzhalter 2">
+            <a:extLst>
+              <a:ext uri="{FF2B5EF4-FFF2-40B4-BE49-F238E27FC236}">
+                <a16:creationId xmlns:a16="http://schemas.microsoft.com/office/drawing/2014/main" id="{135645D6-6EDB-442C-9DA1-653A2790DC12}"/>
+              </a:ext>
+            </a:extLst>
+          </p:cNvPr>
+          <p:cNvSpPr>
+            <a:spLocks noGrp="1"/>
+          </p:cNvSpPr>
+          <p:nvPr>
             <p:ph idx="1"/>
           </p:nvPr>
         </p:nvSpPr>
         <p:spPr/>
         <p:txBody>
-          <a:bodyPr/>
+          <a:bodyPr>
+            <a:normAutofit fontScale="62500" lnSpcReduction="20000"/>
+          </a:bodyPr>
           <a:lstStyle/>
           <a:p>
             <a:pPr marL="0" indent="0">
@@ -3559,56 +4029,92 @@
             <a:r>
               <a:rPr lang="de-CH" dirty="0">
                 <a:solidFill>
-                  <a:srgbClr val="0000C0"/>
-                </a:solidFill>
-                <a:latin typeface="Consolas" panose="020B0609020204030204" pitchFamily="49" charset="0"/>
-              </a:rPr>
-              <a:t>email</a:t>
+                  <a:srgbClr val="008080"/>
+                </a:solidFill>
+                <a:latin typeface="Consolas" panose="020B0609020204030204" pitchFamily="49" charset="0"/>
+              </a:rPr>
+              <a:t>&lt;?</a:t>
+            </a:r>
+            <a:r>
+              <a:rPr lang="de-CH" dirty="0" err="1">
+                <a:solidFill>
+                  <a:srgbClr val="3F7F7F"/>
+                </a:solidFill>
+                <a:latin typeface="Consolas" panose="020B0609020204030204" pitchFamily="49" charset="0"/>
+              </a:rPr>
+              <a:t>xml</a:t>
             </a:r>
             <a:r>
               <a:rPr lang="de-CH" dirty="0">
                 <a:solidFill>
-                  <a:srgbClr val="000000"/>
-                </a:solidFill>
-                <a:latin typeface="Consolas" panose="020B0609020204030204" pitchFamily="49" charset="0"/>
-              </a:rPr>
-              <a:t> = </a:t>
-            </a:r>
-            <a:r>
-              <a:rPr lang="de-CH" b="1" dirty="0" err="1">
-                <a:solidFill>
-                  <a:srgbClr val="7F0055"/>
-                </a:solidFill>
-                <a:latin typeface="Consolas" panose="020B0609020204030204" pitchFamily="49" charset="0"/>
-              </a:rPr>
-              <a:t>new</a:t>
-            </a:r>
-            <a:r>
-              <a:rPr lang="de-CH" b="1" dirty="0">
-                <a:solidFill>
-                  <a:srgbClr val="000000"/>
+                  <a:srgbClr val="3F7F7F"/>
                 </a:solidFill>
                 <a:latin typeface="Consolas" panose="020B0609020204030204" pitchFamily="49" charset="0"/>
               </a:rPr>
               <a:t> </a:t>
             </a:r>
             <a:r>
-              <a:rPr lang="de-CH" b="1" dirty="0" err="1">
-                <a:solidFill>
-                  <a:srgbClr val="000000"/>
-                </a:solidFill>
-                <a:latin typeface="Consolas" panose="020B0609020204030204" pitchFamily="49" charset="0"/>
-              </a:rPr>
-              <a:t>TextField</a:t>
-            </a:r>
-            <a:r>
-              <a:rPr lang="de-CH" b="1" dirty="0">
-                <a:solidFill>
-                  <a:srgbClr val="000000"/>
-                </a:solidFill>
-                <a:latin typeface="Consolas" panose="020B0609020204030204" pitchFamily="49" charset="0"/>
-              </a:rPr>
-              <a:t>();</a:t>
+              <a:rPr lang="de-CH" dirty="0" err="1">
+                <a:solidFill>
+                  <a:srgbClr val="7F007F"/>
+                </a:solidFill>
+                <a:latin typeface="Consolas" panose="020B0609020204030204" pitchFamily="49" charset="0"/>
+              </a:rPr>
+              <a:t>version</a:t>
+            </a:r>
+            <a:r>
+              <a:rPr lang="de-CH" dirty="0">
+                <a:solidFill>
+                  <a:srgbClr val="000000"/>
+                </a:solidFill>
+                <a:latin typeface="Consolas" panose="020B0609020204030204" pitchFamily="49" charset="0"/>
+              </a:rPr>
+              <a:t>=</a:t>
+            </a:r>
+            <a:r>
+              <a:rPr lang="de-CH" i="1" dirty="0">
+                <a:solidFill>
+                  <a:srgbClr val="2A00FF"/>
+                </a:solidFill>
+                <a:latin typeface="Consolas" panose="020B0609020204030204" pitchFamily="49" charset="0"/>
+              </a:rPr>
+              <a:t>"1.0" </a:t>
+            </a:r>
+            <a:r>
+              <a:rPr lang="de-CH" i="1" dirty="0" err="1">
+                <a:solidFill>
+                  <a:srgbClr val="7F007F"/>
+                </a:solidFill>
+                <a:latin typeface="Consolas" panose="020B0609020204030204" pitchFamily="49" charset="0"/>
+              </a:rPr>
+              <a:t>encoding</a:t>
+            </a:r>
+            <a:r>
+              <a:rPr lang="de-CH" i="1" dirty="0">
+                <a:solidFill>
+                  <a:srgbClr val="000000"/>
+                </a:solidFill>
+                <a:latin typeface="Consolas" panose="020B0609020204030204" pitchFamily="49" charset="0"/>
+              </a:rPr>
+              <a:t>=</a:t>
+            </a:r>
+            <a:r>
+              <a:rPr lang="de-CH" i="1" dirty="0">
+                <a:solidFill>
+                  <a:srgbClr val="2A00FF"/>
+                </a:solidFill>
+                <a:latin typeface="Consolas" panose="020B0609020204030204" pitchFamily="49" charset="0"/>
+              </a:rPr>
+              <a:t>"UTF-8"</a:t>
+            </a:r>
+            <a:r>
+              <a:rPr lang="de-CH" i="1" dirty="0">
+                <a:solidFill>
+                  <a:srgbClr val="008080"/>
+                </a:solidFill>
+                <a:latin typeface="Consolas" panose="020B0609020204030204" pitchFamily="49" charset="0"/>
+              </a:rPr>
+              <a:t>?&gt;</a:t>
             </a:r>
           </a:p>
           <a:p>
@@ -3616,22 +4122,234 @@
               <a:buNone/>
             </a:pPr>
             <a:r>
+              <a:rPr lang="fr-FR" dirty="0">
+                <a:solidFill>
+                  <a:srgbClr val="008080"/>
+                </a:solidFill>
+                <a:latin typeface="Consolas" panose="020B0609020204030204" pitchFamily="49" charset="0"/>
+              </a:rPr>
+              <a:t>&lt;</a:t>
+            </a:r>
+            <a:r>
+              <a:rPr lang="fr-FR" dirty="0" err="1">
+                <a:solidFill>
+                  <a:srgbClr val="3F7F7F"/>
+                </a:solidFill>
+                <a:latin typeface="Consolas" panose="020B0609020204030204" pitchFamily="49" charset="0"/>
+              </a:rPr>
+              <a:t>persistence</a:t>
+            </a:r>
+            <a:r>
+              <a:rPr lang="fr-FR" dirty="0">
+                <a:solidFill>
+                  <a:srgbClr val="3F7F7F"/>
+                </a:solidFill>
+                <a:latin typeface="Consolas" panose="020B0609020204030204" pitchFamily="49" charset="0"/>
+              </a:rPr>
+              <a:t> </a:t>
+            </a:r>
+            <a:r>
+              <a:rPr lang="fr-FR" dirty="0" err="1">
+                <a:solidFill>
+                  <a:srgbClr val="7F007F"/>
+                </a:solidFill>
+                <a:latin typeface="Consolas" panose="020B0609020204030204" pitchFamily="49" charset="0"/>
+              </a:rPr>
+              <a:t>xmlns</a:t>
+            </a:r>
+            <a:r>
+              <a:rPr lang="fr-FR" dirty="0">
+                <a:solidFill>
+                  <a:srgbClr val="000000"/>
+                </a:solidFill>
+                <a:latin typeface="Consolas" panose="020B0609020204030204" pitchFamily="49" charset="0"/>
+              </a:rPr>
+              <a:t>=</a:t>
+            </a:r>
+            <a:r>
+              <a:rPr lang="fr-FR" i="1" dirty="0">
+                <a:solidFill>
+                  <a:srgbClr val="2A00FF"/>
+                </a:solidFill>
+                <a:latin typeface="Consolas" panose="020B0609020204030204" pitchFamily="49" charset="0"/>
+              </a:rPr>
+              <a:t>"http://java.sun.com/xml/ns/</a:t>
+            </a:r>
+            <a:r>
+              <a:rPr lang="fr-FR" i="1" dirty="0" err="1">
+                <a:solidFill>
+                  <a:srgbClr val="2A00FF"/>
+                </a:solidFill>
+                <a:latin typeface="Consolas" panose="020B0609020204030204" pitchFamily="49" charset="0"/>
+              </a:rPr>
+              <a:t>persistence</a:t>
+            </a:r>
+            <a:r>
+              <a:rPr lang="fr-FR" i="1" dirty="0">
+                <a:solidFill>
+                  <a:srgbClr val="2A00FF"/>
+                </a:solidFill>
+                <a:latin typeface="Consolas" panose="020B0609020204030204" pitchFamily="49" charset="0"/>
+              </a:rPr>
+              <a:t>" </a:t>
+            </a:r>
+            <a:r>
+              <a:rPr lang="fr-FR" i="1" dirty="0" err="1">
+                <a:solidFill>
+                  <a:srgbClr val="7F007F"/>
+                </a:solidFill>
+                <a:latin typeface="Consolas" panose="020B0609020204030204" pitchFamily="49" charset="0"/>
+              </a:rPr>
+              <a:t>xmlns:xsi</a:t>
+            </a:r>
+            <a:r>
+              <a:rPr lang="fr-FR" i="1" dirty="0">
+                <a:solidFill>
+                  <a:srgbClr val="000000"/>
+                </a:solidFill>
+                <a:latin typeface="Consolas" panose="020B0609020204030204" pitchFamily="49" charset="0"/>
+              </a:rPr>
+              <a:t>=</a:t>
+            </a:r>
+            <a:r>
+              <a:rPr lang="fr-FR" i="1" dirty="0">
+                <a:solidFill>
+                  <a:srgbClr val="2A00FF"/>
+                </a:solidFill>
+                <a:latin typeface="Consolas" panose="020B0609020204030204" pitchFamily="49" charset="0"/>
+              </a:rPr>
+              <a:t>"http://www.w3.org/2001/XMLSchema-instance" </a:t>
+            </a:r>
+            <a:r>
+              <a:rPr lang="fr-FR" i="1" dirty="0" err="1">
+                <a:solidFill>
+                  <a:srgbClr val="7F007F"/>
+                </a:solidFill>
+                <a:latin typeface="Consolas" panose="020B0609020204030204" pitchFamily="49" charset="0"/>
+              </a:rPr>
+              <a:t>xsi:schemaLocation</a:t>
+            </a:r>
+            <a:r>
+              <a:rPr lang="fr-FR" i="1" dirty="0">
+                <a:solidFill>
+                  <a:srgbClr val="000000"/>
+                </a:solidFill>
+                <a:latin typeface="Consolas" panose="020B0609020204030204" pitchFamily="49" charset="0"/>
+              </a:rPr>
+              <a:t>=</a:t>
+            </a:r>
+            <a:r>
+              <a:rPr lang="fr-FR" i="1" dirty="0">
+                <a:solidFill>
+                  <a:srgbClr val="2A00FF"/>
+                </a:solidFill>
+                <a:latin typeface="Consolas" panose="020B0609020204030204" pitchFamily="49" charset="0"/>
+              </a:rPr>
+              <a:t>"http://java.sun.com/xml/ns/</a:t>
+            </a:r>
+            <a:r>
+              <a:rPr lang="fr-FR" i="1" dirty="0" err="1">
+                <a:solidFill>
+                  <a:srgbClr val="2A00FF"/>
+                </a:solidFill>
+                <a:latin typeface="Consolas" panose="020B0609020204030204" pitchFamily="49" charset="0"/>
+              </a:rPr>
+              <a:t>persistence</a:t>
+            </a:r>
+            <a:r>
+              <a:rPr lang="fr-FR" i="1" dirty="0">
+                <a:solidFill>
+                  <a:srgbClr val="2A00FF"/>
+                </a:solidFill>
+                <a:latin typeface="Consolas" panose="020B0609020204030204" pitchFamily="49" charset="0"/>
+              </a:rPr>
+              <a:t> persistence_1_0.xsd" </a:t>
+            </a:r>
+            <a:r>
+              <a:rPr lang="fr-FR" i="1" dirty="0">
+                <a:solidFill>
+                  <a:srgbClr val="7F007F"/>
+                </a:solidFill>
+                <a:latin typeface="Consolas" panose="020B0609020204030204" pitchFamily="49" charset="0"/>
+              </a:rPr>
+              <a:t>version</a:t>
+            </a:r>
+            <a:r>
+              <a:rPr lang="fr-FR" i="1" dirty="0">
+                <a:solidFill>
+                  <a:srgbClr val="000000"/>
+                </a:solidFill>
+                <a:latin typeface="Consolas" panose="020B0609020204030204" pitchFamily="49" charset="0"/>
+              </a:rPr>
+              <a:t>=</a:t>
+            </a:r>
+            <a:r>
+              <a:rPr lang="fr-FR" i="1" dirty="0">
+                <a:solidFill>
+                  <a:srgbClr val="2A00FF"/>
+                </a:solidFill>
+                <a:latin typeface="Consolas" panose="020B0609020204030204" pitchFamily="49" charset="0"/>
+              </a:rPr>
+              <a:t>"1.0"</a:t>
+            </a:r>
+            <a:r>
+              <a:rPr lang="fr-FR" i="1" dirty="0">
+                <a:solidFill>
+                  <a:srgbClr val="008080"/>
+                </a:solidFill>
+                <a:latin typeface="Consolas" panose="020B0609020204030204" pitchFamily="49" charset="0"/>
+              </a:rPr>
+              <a:t>&gt;</a:t>
+            </a:r>
+          </a:p>
+          <a:p>
+            <a:pPr marL="0" indent="0">
+              <a:buNone/>
+            </a:pPr>
+            <a:r>
+              <a:rPr lang="de-CH" dirty="0">
+                <a:solidFill>
+                  <a:srgbClr val="000000"/>
+                </a:solidFill>
+                <a:latin typeface="Consolas" panose="020B0609020204030204" pitchFamily="49" charset="0"/>
+              </a:rPr>
+              <a:t>    </a:t>
+            </a:r>
+            <a:r>
+              <a:rPr lang="de-CH" dirty="0">
+                <a:solidFill>
+                  <a:srgbClr val="008080"/>
+                </a:solidFill>
+                <a:latin typeface="Consolas" panose="020B0609020204030204" pitchFamily="49" charset="0"/>
+              </a:rPr>
+              <a:t>&lt;</a:t>
+            </a:r>
+            <a:r>
               <a:rPr lang="de-CH" dirty="0" err="1">
                 <a:solidFill>
-                  <a:srgbClr val="0000C0"/>
-                </a:solidFill>
-                <a:latin typeface="Consolas" panose="020B0609020204030204" pitchFamily="49" charset="0"/>
-              </a:rPr>
-              <a:t>email</a:t>
+                  <a:srgbClr val="3F7F7F"/>
+                </a:solidFill>
+                <a:latin typeface="Consolas" panose="020B0609020204030204" pitchFamily="49" charset="0"/>
+              </a:rPr>
+              <a:t>persistence</a:t>
+            </a:r>
+            <a:r>
+              <a:rPr lang="de-CH" dirty="0">
+                <a:solidFill>
+                  <a:srgbClr val="3F7F7F"/>
+                </a:solidFill>
+                <a:latin typeface="Consolas" panose="020B0609020204030204" pitchFamily="49" charset="0"/>
+              </a:rPr>
+              <a:t>-unit </a:t>
             </a:r>
             <a:r>
               <a:rPr lang="de-CH" dirty="0" err="1">
                 <a:solidFill>
-                  <a:srgbClr val="000000"/>
-                </a:solidFill>
-                <a:latin typeface="Consolas" panose="020B0609020204030204" pitchFamily="49" charset="0"/>
-              </a:rPr>
-              <a:t>.setCaption</a:t>
+                  <a:srgbClr val="7F007F"/>
+                </a:solidFill>
+                <a:latin typeface="Consolas" panose="020B0609020204030204" pitchFamily="49" charset="0"/>
+              </a:rPr>
+              <a:t>name</a:t>
             </a:r>
             <a:r>
               <a:rPr lang="de-CH" dirty="0">
@@ -3640,43 +4358,458 @@
                 </a:solidFill>
                 <a:latin typeface="Consolas" panose="020B0609020204030204" pitchFamily="49" charset="0"/>
               </a:rPr>
-              <a:t>(</a:t>
-            </a:r>
+              <a:t>=</a:t>
+            </a:r>
+            <a:r>
+              <a:rPr lang="de-CH" i="1" dirty="0">
+                <a:solidFill>
+                  <a:srgbClr val="2A00FF"/>
+                </a:solidFill>
+                <a:latin typeface="Consolas" panose="020B0609020204030204" pitchFamily="49" charset="0"/>
+              </a:rPr>
+              <a:t>"</a:t>
+            </a:r>
+            <a:r>
+              <a:rPr lang="de-CH" i="1" dirty="0" err="1">
+                <a:solidFill>
+                  <a:srgbClr val="2A00FF"/>
+                </a:solidFill>
+                <a:latin typeface="Consolas" panose="020B0609020204030204" pitchFamily="49" charset="0"/>
+              </a:rPr>
+              <a:t>borderlinecare</a:t>
+            </a:r>
+            <a:r>
+              <a:rPr lang="de-CH" i="1" dirty="0">
+                <a:solidFill>
+                  <a:srgbClr val="2A00FF"/>
+                </a:solidFill>
+                <a:latin typeface="Consolas" panose="020B0609020204030204" pitchFamily="49" charset="0"/>
+              </a:rPr>
+              <a:t>" </a:t>
+            </a:r>
+            <a:r>
+              <a:rPr lang="de-CH" i="1" dirty="0">
+                <a:solidFill>
+                  <a:srgbClr val="7F007F"/>
+                </a:solidFill>
+                <a:latin typeface="Consolas" panose="020B0609020204030204" pitchFamily="49" charset="0"/>
+              </a:rPr>
+              <a:t>transaction-type</a:t>
+            </a:r>
+            <a:r>
+              <a:rPr lang="de-CH" i="1" dirty="0">
+                <a:solidFill>
+                  <a:srgbClr val="000000"/>
+                </a:solidFill>
+                <a:latin typeface="Consolas" panose="020B0609020204030204" pitchFamily="49" charset="0"/>
+              </a:rPr>
+              <a:t>=</a:t>
+            </a:r>
+            <a:r>
+              <a:rPr lang="de-CH" i="1" dirty="0">
+                <a:solidFill>
+                  <a:srgbClr val="2A00FF"/>
+                </a:solidFill>
+                <a:latin typeface="Consolas" panose="020B0609020204030204" pitchFamily="49" charset="0"/>
+              </a:rPr>
+              <a:t>"RESOURCE_LOCAL"</a:t>
+            </a:r>
+            <a:r>
+              <a:rPr lang="de-CH" i="1" dirty="0">
+                <a:solidFill>
+                  <a:srgbClr val="008080"/>
+                </a:solidFill>
+                <a:latin typeface="Consolas" panose="020B0609020204030204" pitchFamily="49" charset="0"/>
+              </a:rPr>
+              <a:t>&gt;</a:t>
+            </a:r>
+          </a:p>
+          <a:p>
+            <a:pPr marL="0" indent="0">
+              <a:buNone/>
+            </a:pPr>
+            <a:r>
+              <a:rPr lang="en-US" i="1" dirty="0">
+                <a:solidFill>
+                  <a:srgbClr val="008080"/>
+                </a:solidFill>
+                <a:latin typeface="Consolas" panose="020B0609020204030204" pitchFamily="49" charset="0"/>
+              </a:rPr>
+              <a:t>…</a:t>
+            </a:r>
+            <a:endParaRPr lang="de-CH" i="1" dirty="0">
+              <a:solidFill>
+                <a:srgbClr val="008080"/>
+              </a:solidFill>
+              <a:latin typeface="Consolas" panose="020B0609020204030204" pitchFamily="49" charset="0"/>
+            </a:endParaRPr>
+          </a:p>
+          <a:p>
+            <a:pPr marL="0" indent="0">
+              <a:buNone/>
+            </a:pPr>
             <a:r>
               <a:rPr lang="de-CH" dirty="0">
                 <a:solidFill>
+                  <a:srgbClr val="008080"/>
+                </a:solidFill>
+                <a:latin typeface="Consolas" panose="020B0609020204030204" pitchFamily="49" charset="0"/>
+              </a:rPr>
+              <a:t>&lt;</a:t>
+            </a:r>
+            <a:r>
+              <a:rPr lang="de-CH" dirty="0" err="1">
+                <a:solidFill>
+                  <a:srgbClr val="3F7F7F"/>
+                </a:solidFill>
+                <a:latin typeface="Consolas" panose="020B0609020204030204" pitchFamily="49" charset="0"/>
+              </a:rPr>
+              <a:t>property</a:t>
+            </a:r>
+            <a:r>
+              <a:rPr lang="de-CH" dirty="0">
+                <a:solidFill>
+                  <a:srgbClr val="3F7F7F"/>
+                </a:solidFill>
+                <a:latin typeface="Consolas" panose="020B0609020204030204" pitchFamily="49" charset="0"/>
+              </a:rPr>
+              <a:t> </a:t>
+            </a:r>
+            <a:r>
+              <a:rPr lang="de-CH" dirty="0" err="1">
+                <a:solidFill>
+                  <a:srgbClr val="7F007F"/>
+                </a:solidFill>
+                <a:latin typeface="Consolas" panose="020B0609020204030204" pitchFamily="49" charset="0"/>
+              </a:rPr>
+              <a:t>name</a:t>
+            </a:r>
+            <a:r>
+              <a:rPr lang="de-CH" dirty="0">
+                <a:solidFill>
+                  <a:srgbClr val="000000"/>
+                </a:solidFill>
+                <a:latin typeface="Consolas" panose="020B0609020204030204" pitchFamily="49" charset="0"/>
+              </a:rPr>
+              <a:t>=</a:t>
+            </a:r>
+            <a:r>
+              <a:rPr lang="de-CH" i="1" dirty="0">
+                <a:solidFill>
                   <a:srgbClr val="2A00FF"/>
                 </a:solidFill>
                 <a:latin typeface="Consolas" panose="020B0609020204030204" pitchFamily="49" charset="0"/>
               </a:rPr>
-              <a:t>"Email </a:t>
+              <a:t>"</a:t>
+            </a:r>
+            <a:r>
+              <a:rPr lang="de-CH" i="1" dirty="0" err="1">
+                <a:solidFill>
+                  <a:srgbClr val="2A00FF"/>
+                </a:solidFill>
+                <a:latin typeface="Consolas" panose="020B0609020204030204" pitchFamily="49" charset="0"/>
+              </a:rPr>
+              <a:t>javax.persistence.jdbc.driver</a:t>
+            </a:r>
+            <a:r>
+              <a:rPr lang="de-CH" i="1" dirty="0">
+                <a:solidFill>
+                  <a:srgbClr val="2A00FF"/>
+                </a:solidFill>
+                <a:latin typeface="Consolas" panose="020B0609020204030204" pitchFamily="49" charset="0"/>
+              </a:rPr>
+              <a:t>" </a:t>
+            </a:r>
+            <a:r>
+              <a:rPr lang="de-CH" i="1" dirty="0" err="1">
+                <a:solidFill>
+                  <a:srgbClr val="7F007F"/>
+                </a:solidFill>
+                <a:latin typeface="Consolas" panose="020B0609020204030204" pitchFamily="49" charset="0"/>
+              </a:rPr>
+              <a:t>value</a:t>
+            </a:r>
+            <a:r>
+              <a:rPr lang="de-CH" i="1" dirty="0">
+                <a:solidFill>
+                  <a:srgbClr val="000000"/>
+                </a:solidFill>
+                <a:latin typeface="Consolas" panose="020B0609020204030204" pitchFamily="49" charset="0"/>
+              </a:rPr>
+              <a:t>=</a:t>
+            </a:r>
+            <a:r>
+              <a:rPr lang="de-CH" i="1" dirty="0">
+                <a:solidFill>
+                  <a:srgbClr val="2A00FF"/>
+                </a:solidFill>
+                <a:latin typeface="Consolas" panose="020B0609020204030204" pitchFamily="49" charset="0"/>
+              </a:rPr>
+              <a:t>"</a:t>
+            </a:r>
+            <a:r>
+              <a:rPr lang="de-CH" i="1" dirty="0" err="1">
+                <a:solidFill>
+                  <a:srgbClr val="2A00FF"/>
+                </a:solidFill>
+                <a:latin typeface="Consolas" panose="020B0609020204030204" pitchFamily="49" charset="0"/>
+              </a:rPr>
+              <a:t>com.mysql.jdbc.Driver</a:t>
+            </a:r>
+            <a:r>
+              <a:rPr lang="de-CH" i="1" dirty="0">
+                <a:solidFill>
+                  <a:srgbClr val="2A00FF"/>
+                </a:solidFill>
+                <a:latin typeface="Consolas" panose="020B0609020204030204" pitchFamily="49" charset="0"/>
+              </a:rPr>
+              <a:t>"</a:t>
+            </a:r>
+            <a:r>
+              <a:rPr lang="de-CH" i="1" dirty="0">
+                <a:solidFill>
+                  <a:srgbClr val="008080"/>
+                </a:solidFill>
+                <a:latin typeface="Consolas" panose="020B0609020204030204" pitchFamily="49" charset="0"/>
+              </a:rPr>
+              <a:t>/&gt;</a:t>
+            </a:r>
+          </a:p>
+          <a:p>
+            <a:pPr marL="0" indent="0">
+              <a:buNone/>
+            </a:pPr>
+            <a:r>
+              <a:rPr lang="de-CH" dirty="0">
+                <a:solidFill>
+                  <a:srgbClr val="000000"/>
+                </a:solidFill>
+                <a:latin typeface="Consolas" panose="020B0609020204030204" pitchFamily="49" charset="0"/>
+              </a:rPr>
+              <a:t>            </a:t>
+            </a:r>
+            <a:r>
+              <a:rPr lang="de-CH" dirty="0">
+                <a:solidFill>
+                  <a:srgbClr val="008080"/>
+                </a:solidFill>
+                <a:latin typeface="Consolas" panose="020B0609020204030204" pitchFamily="49" charset="0"/>
+              </a:rPr>
+              <a:t>&lt;</a:t>
             </a:r>
             <a:r>
               <a:rPr lang="de-CH" dirty="0" err="1">
                 <a:solidFill>
+                  <a:srgbClr val="3F7F7F"/>
+                </a:solidFill>
+                <a:latin typeface="Consolas" panose="020B0609020204030204" pitchFamily="49" charset="0"/>
+              </a:rPr>
+              <a:t>property</a:t>
+            </a:r>
+            <a:r>
+              <a:rPr lang="de-CH" dirty="0">
+                <a:solidFill>
+                  <a:srgbClr val="3F7F7F"/>
+                </a:solidFill>
+                <a:latin typeface="Consolas" panose="020B0609020204030204" pitchFamily="49" charset="0"/>
+              </a:rPr>
+              <a:t> </a:t>
+            </a:r>
+            <a:r>
+              <a:rPr lang="de-CH" dirty="0" err="1">
+                <a:solidFill>
+                  <a:srgbClr val="7F007F"/>
+                </a:solidFill>
+                <a:latin typeface="Consolas" panose="020B0609020204030204" pitchFamily="49" charset="0"/>
+              </a:rPr>
+              <a:t>name</a:t>
+            </a:r>
+            <a:r>
+              <a:rPr lang="de-CH" dirty="0">
+                <a:solidFill>
+                  <a:srgbClr val="000000"/>
+                </a:solidFill>
+                <a:latin typeface="Consolas" panose="020B0609020204030204" pitchFamily="49" charset="0"/>
+              </a:rPr>
+              <a:t>=</a:t>
+            </a:r>
+            <a:r>
+              <a:rPr lang="de-CH" i="1" dirty="0">
+                <a:solidFill>
                   <a:srgbClr val="2A00FF"/>
                 </a:solidFill>
                 <a:latin typeface="Consolas" panose="020B0609020204030204" pitchFamily="49" charset="0"/>
               </a:rPr>
-              <a:t>Address</a:t>
-            </a:r>
+              <a:t>"javax.persistence.jdbc.url" </a:t>
+            </a:r>
+            <a:r>
+              <a:rPr lang="de-CH" i="1" dirty="0" err="1">
+                <a:solidFill>
+                  <a:srgbClr val="7F007F"/>
+                </a:solidFill>
+                <a:latin typeface="Consolas" panose="020B0609020204030204" pitchFamily="49" charset="0"/>
+              </a:rPr>
+              <a:t>value</a:t>
+            </a:r>
+            <a:r>
+              <a:rPr lang="de-CH" i="1" dirty="0">
+                <a:solidFill>
+                  <a:srgbClr val="000000"/>
+                </a:solidFill>
+                <a:latin typeface="Consolas" panose="020B0609020204030204" pitchFamily="49" charset="0"/>
+              </a:rPr>
+              <a:t>=</a:t>
+            </a:r>
+            <a:r>
+              <a:rPr lang="de-CH" i="1" dirty="0">
+                <a:solidFill>
+                  <a:srgbClr val="2A00FF"/>
+                </a:solidFill>
+                <a:latin typeface="Consolas" panose="020B0609020204030204" pitchFamily="49" charset="0"/>
+              </a:rPr>
+              <a:t>"</a:t>
+            </a:r>
+            <a:r>
+              <a:rPr lang="de-CH" i="1" dirty="0" err="1">
+                <a:solidFill>
+                  <a:srgbClr val="2A00FF"/>
+                </a:solidFill>
+                <a:latin typeface="Consolas" panose="020B0609020204030204" pitchFamily="49" charset="0"/>
+              </a:rPr>
+              <a:t>jdbc:mysql</a:t>
+            </a:r>
+            <a:r>
+              <a:rPr lang="de-CH" i="1" dirty="0">
+                <a:solidFill>
+                  <a:srgbClr val="2A00FF"/>
+                </a:solidFill>
+                <a:latin typeface="Consolas" panose="020B0609020204030204" pitchFamily="49" charset="0"/>
+              </a:rPr>
+              <a:t>://</a:t>
+            </a:r>
+            <a:r>
+              <a:rPr lang="de-CH" i="1" dirty="0" err="1">
+                <a:solidFill>
+                  <a:srgbClr val="2A00FF"/>
+                </a:solidFill>
+                <a:latin typeface="Consolas" panose="020B0609020204030204" pitchFamily="49" charset="0"/>
+              </a:rPr>
+              <a:t>localhost</a:t>
+            </a:r>
+            <a:r>
+              <a:rPr lang="de-CH" i="1" dirty="0">
+                <a:solidFill>
+                  <a:srgbClr val="2A00FF"/>
+                </a:solidFill>
+                <a:latin typeface="Consolas" panose="020B0609020204030204" pitchFamily="49" charset="0"/>
+              </a:rPr>
+              <a:t>/</a:t>
+            </a:r>
+            <a:r>
+              <a:rPr lang="de-CH" i="1" dirty="0" err="1">
+                <a:solidFill>
+                  <a:srgbClr val="2A00FF"/>
+                </a:solidFill>
+                <a:latin typeface="Consolas" panose="020B0609020204030204" pitchFamily="49" charset="0"/>
+              </a:rPr>
+              <a:t>borderlinecare?useTimezone</a:t>
+            </a:r>
+            <a:r>
+              <a:rPr lang="de-CH" i="1" dirty="0">
+                <a:solidFill>
+                  <a:srgbClr val="2A00FF"/>
+                </a:solidFill>
+                <a:latin typeface="Consolas" panose="020B0609020204030204" pitchFamily="49" charset="0"/>
+              </a:rPr>
+              <a:t>=</a:t>
+            </a:r>
+            <a:r>
+              <a:rPr lang="de-CH" i="1" dirty="0" err="1">
+                <a:solidFill>
+                  <a:srgbClr val="2A00FF"/>
+                </a:solidFill>
+                <a:latin typeface="Consolas" panose="020B0609020204030204" pitchFamily="49" charset="0"/>
+              </a:rPr>
+              <a:t>true&amp;amp;serverTimezone</a:t>
+            </a:r>
+            <a:r>
+              <a:rPr lang="de-CH" i="1" dirty="0">
+                <a:solidFill>
+                  <a:srgbClr val="2A00FF"/>
+                </a:solidFill>
+                <a:latin typeface="Consolas" panose="020B0609020204030204" pitchFamily="49" charset="0"/>
+              </a:rPr>
+              <a:t>=UTC"</a:t>
+            </a:r>
+            <a:r>
+              <a:rPr lang="de-CH" i="1" dirty="0">
+                <a:solidFill>
+                  <a:srgbClr val="008080"/>
+                </a:solidFill>
+                <a:latin typeface="Consolas" panose="020B0609020204030204" pitchFamily="49" charset="0"/>
+              </a:rPr>
+              <a:t>/&gt;</a:t>
+            </a:r>
+          </a:p>
+          <a:p>
+            <a:pPr marL="0" indent="0">
+              <a:buNone/>
+            </a:pPr>
+            <a:r>
+              <a:rPr lang="en-US" dirty="0">
+                <a:solidFill>
+                  <a:srgbClr val="008080"/>
+                </a:solidFill>
+                <a:latin typeface="Consolas" panose="020B0609020204030204" pitchFamily="49" charset="0"/>
+              </a:rPr>
+              <a:t>…</a:t>
+            </a:r>
+            <a:endParaRPr lang="de-CH" dirty="0">
+              <a:solidFill>
+                <a:srgbClr val="008080"/>
+              </a:solidFill>
+              <a:latin typeface="Consolas" panose="020B0609020204030204" pitchFamily="49" charset="0"/>
+            </a:endParaRPr>
+          </a:p>
+          <a:p>
+            <a:pPr marL="0" indent="0">
+              <a:buNone/>
+            </a:pPr>
             <a:r>
               <a:rPr lang="de-CH" dirty="0">
                 <a:solidFill>
-                  <a:srgbClr val="2A00FF"/>
-                </a:solidFill>
-                <a:latin typeface="Consolas" panose="020B0609020204030204" pitchFamily="49" charset="0"/>
-              </a:rPr>
-              <a:t>"</a:t>
+                  <a:srgbClr val="008080"/>
+                </a:solidFill>
+                <a:latin typeface="Consolas" panose="020B0609020204030204" pitchFamily="49" charset="0"/>
+              </a:rPr>
+              <a:t>&lt;/</a:t>
+            </a:r>
+            <a:r>
+              <a:rPr lang="de-CH" dirty="0" err="1">
+                <a:solidFill>
+                  <a:srgbClr val="3F7F7F"/>
+                </a:solidFill>
+                <a:latin typeface="Consolas" panose="020B0609020204030204" pitchFamily="49" charset="0"/>
+              </a:rPr>
+              <a:t>persistence</a:t>
             </a:r>
             <a:r>
               <a:rPr lang="de-CH" dirty="0">
                 <a:solidFill>
-                  <a:srgbClr val="000000"/>
-                </a:solidFill>
-                <a:latin typeface="Consolas" panose="020B0609020204030204" pitchFamily="49" charset="0"/>
-              </a:rPr>
-              <a:t>);</a:t>
+                  <a:srgbClr val="3F7F7F"/>
+                </a:solidFill>
+                <a:latin typeface="Consolas" panose="020B0609020204030204" pitchFamily="49" charset="0"/>
+              </a:rPr>
+              <a:t>-unit</a:t>
+            </a:r>
+            <a:r>
+              <a:rPr lang="de-CH" dirty="0">
+                <a:solidFill>
+                  <a:srgbClr val="008080"/>
+                </a:solidFill>
+                <a:latin typeface="Consolas" panose="020B0609020204030204" pitchFamily="49" charset="0"/>
+              </a:rPr>
+              <a:t>&gt;</a:t>
             </a:r>
           </a:p>
           <a:p>
@@ -3684,232 +4817,103 @@
               <a:buNone/>
             </a:pPr>
             <a:r>
-              <a:rPr lang="en-US" dirty="0" err="1">
-                <a:solidFill>
-                  <a:srgbClr val="0000C0"/>
-                </a:solidFill>
-                <a:latin typeface="Consolas" panose="020B0609020204030204" pitchFamily="49" charset="0"/>
-              </a:rPr>
-              <a:t>binder</a:t>
-            </a:r>
-            <a:r>
-              <a:rPr lang="en-US" dirty="0" err="1">
-                <a:solidFill>
-                  <a:srgbClr val="000000"/>
-                </a:solidFill>
-                <a:latin typeface="Consolas" panose="020B0609020204030204" pitchFamily="49" charset="0"/>
-              </a:rPr>
-              <a:t>.forField</a:t>
-            </a:r>
-            <a:r>
-              <a:rPr lang="en-US" dirty="0">
-                <a:solidFill>
-                  <a:srgbClr val="000000"/>
-                </a:solidFill>
-                <a:latin typeface="Consolas" panose="020B0609020204030204" pitchFamily="49" charset="0"/>
-              </a:rPr>
-              <a:t>(</a:t>
-            </a:r>
-            <a:r>
-              <a:rPr lang="en-US" dirty="0">
-                <a:solidFill>
-                  <a:srgbClr val="0000C0"/>
-                </a:solidFill>
-                <a:latin typeface="Consolas" panose="020B0609020204030204" pitchFamily="49" charset="0"/>
-              </a:rPr>
-              <a:t>email</a:t>
-            </a:r>
-            <a:r>
-              <a:rPr lang="en-US" dirty="0">
-                <a:solidFill>
-                  <a:srgbClr val="000000"/>
-                </a:solidFill>
-                <a:latin typeface="Consolas" panose="020B0609020204030204" pitchFamily="49" charset="0"/>
-              </a:rPr>
-              <a:t>).</a:t>
-            </a:r>
-            <a:r>
-              <a:rPr lang="en-US" dirty="0" err="1">
-                <a:solidFill>
-                  <a:srgbClr val="000000"/>
-                </a:solidFill>
-                <a:latin typeface="Consolas" panose="020B0609020204030204" pitchFamily="49" charset="0"/>
-              </a:rPr>
-              <a:t>withValidator</a:t>
-            </a:r>
-            <a:r>
-              <a:rPr lang="en-US" dirty="0">
-                <a:solidFill>
-                  <a:srgbClr val="000000"/>
-                </a:solidFill>
-                <a:latin typeface="Consolas" panose="020B0609020204030204" pitchFamily="49" charset="0"/>
-              </a:rPr>
-              <a:t>(</a:t>
-            </a:r>
-            <a:r>
-              <a:rPr lang="en-US" b="1" dirty="0">
-                <a:solidFill>
-                  <a:srgbClr val="7F0055"/>
-                </a:solidFill>
-                <a:latin typeface="Consolas" panose="020B0609020204030204" pitchFamily="49" charset="0"/>
-              </a:rPr>
-              <a:t>new</a:t>
-            </a:r>
-            <a:r>
-              <a:rPr lang="en-US" b="1" dirty="0">
-                <a:solidFill>
-                  <a:srgbClr val="000000"/>
-                </a:solidFill>
-                <a:latin typeface="Consolas" panose="020B0609020204030204" pitchFamily="49" charset="0"/>
-              </a:rPr>
-              <a:t> </a:t>
-            </a:r>
-            <a:r>
-              <a:rPr lang="en-US" b="1" dirty="0" err="1">
-                <a:solidFill>
-                  <a:srgbClr val="000000"/>
-                </a:solidFill>
-                <a:latin typeface="Consolas" panose="020B0609020204030204" pitchFamily="49" charset="0"/>
-              </a:rPr>
-              <a:t>EmailValidator</a:t>
-            </a:r>
-            <a:r>
-              <a:rPr lang="en-US" b="1" dirty="0">
-                <a:solidFill>
-                  <a:srgbClr val="000000"/>
-                </a:solidFill>
-                <a:latin typeface="Consolas" panose="020B0609020204030204" pitchFamily="49" charset="0"/>
-              </a:rPr>
-              <a:t>(</a:t>
-            </a:r>
-            <a:r>
-              <a:rPr lang="en-US" b="1" dirty="0">
-                <a:solidFill>
-                  <a:srgbClr val="2A00FF"/>
-                </a:solidFill>
-                <a:latin typeface="Consolas" panose="020B0609020204030204" pitchFamily="49" charset="0"/>
-              </a:rPr>
-              <a:t>"This is not a valid email address"</a:t>
-            </a:r>
-            <a:r>
-              <a:rPr lang="en-US" b="1" dirty="0">
-                <a:solidFill>
-                  <a:srgbClr val="000000"/>
-                </a:solidFill>
-                <a:latin typeface="Consolas" panose="020B0609020204030204" pitchFamily="49" charset="0"/>
-              </a:rPr>
-              <a:t>))</a:t>
+              <a:rPr lang="de-CH" dirty="0">
+                <a:solidFill>
+                  <a:srgbClr val="008080"/>
+                </a:solidFill>
+                <a:latin typeface="Consolas" panose="020B0609020204030204" pitchFamily="49" charset="0"/>
+              </a:rPr>
+              <a:t>&lt;/</a:t>
+            </a:r>
+            <a:r>
+              <a:rPr lang="de-CH" dirty="0" err="1">
+                <a:solidFill>
+                  <a:srgbClr val="3F7F7F"/>
+                </a:solidFill>
+                <a:latin typeface="Consolas" panose="020B0609020204030204" pitchFamily="49" charset="0"/>
+              </a:rPr>
+              <a:t>persistence</a:t>
+            </a:r>
+            <a:r>
+              <a:rPr lang="de-CH" dirty="0">
+                <a:solidFill>
+                  <a:srgbClr val="3F7F7F"/>
+                </a:solidFill>
+                <a:latin typeface="Consolas" panose="020B0609020204030204" pitchFamily="49" charset="0"/>
+              </a:rPr>
+              <a:t>&gt;</a:t>
             </a:r>
           </a:p>
           <a:p>
             <a:pPr marL="0" indent="0">
               <a:buNone/>
             </a:pPr>
-            <a:r>
-              <a:rPr lang="de-CH" dirty="0">
-                <a:solidFill>
-                  <a:srgbClr val="000000"/>
-                </a:solidFill>
-                <a:latin typeface="Consolas" panose="020B0609020204030204" pitchFamily="49" charset="0"/>
-              </a:rPr>
-              <a:t>	.bind(</a:t>
-            </a:r>
-            <a:r>
-              <a:rPr lang="de-CH" dirty="0" err="1">
-                <a:solidFill>
-                  <a:srgbClr val="000000"/>
-                </a:solidFill>
-                <a:highlight>
-                  <a:srgbClr val="D4D4D4"/>
-                </a:highlight>
-                <a:latin typeface="Consolas" panose="020B0609020204030204" pitchFamily="49" charset="0"/>
-              </a:rPr>
-              <a:t>LoginAccount</a:t>
-            </a:r>
-            <a:r>
-              <a:rPr lang="de-CH" dirty="0">
-                <a:solidFill>
-                  <a:srgbClr val="000000"/>
-                </a:solidFill>
-                <a:highlight>
-                  <a:srgbClr val="D4D4D4"/>
-                </a:highlight>
-                <a:latin typeface="Consolas" panose="020B0609020204030204" pitchFamily="49" charset="0"/>
-              </a:rPr>
-              <a:t>::</a:t>
-            </a:r>
-            <a:r>
-              <a:rPr lang="de-CH" dirty="0" err="1">
-                <a:solidFill>
-                  <a:srgbClr val="000000"/>
-                </a:solidFill>
-                <a:highlight>
-                  <a:srgbClr val="D4D4D4"/>
-                </a:highlight>
-                <a:latin typeface="Consolas" panose="020B0609020204030204" pitchFamily="49" charset="0"/>
-              </a:rPr>
-              <a:t>getEmail</a:t>
-            </a:r>
-            <a:r>
-              <a:rPr lang="de-CH" dirty="0">
-                <a:solidFill>
-                  <a:srgbClr val="000000"/>
-                </a:solidFill>
-                <a:highlight>
-                  <a:srgbClr val="D4D4D4"/>
-                </a:highlight>
-                <a:latin typeface="Consolas" panose="020B0609020204030204" pitchFamily="49" charset="0"/>
-              </a:rPr>
-              <a:t>, 	</a:t>
-            </a:r>
-            <a:r>
-              <a:rPr lang="de-CH" dirty="0" err="1">
-                <a:solidFill>
-                  <a:srgbClr val="000000"/>
-                </a:solidFill>
-                <a:highlight>
-                  <a:srgbClr val="D4D4D4"/>
-                </a:highlight>
-                <a:latin typeface="Consolas" panose="020B0609020204030204" pitchFamily="49" charset="0"/>
-              </a:rPr>
-              <a:t>LoginAccount</a:t>
-            </a:r>
-            <a:r>
-              <a:rPr lang="de-CH" dirty="0">
-                <a:solidFill>
-                  <a:srgbClr val="000000"/>
-                </a:solidFill>
-                <a:highlight>
-                  <a:srgbClr val="D4D4D4"/>
-                </a:highlight>
-                <a:latin typeface="Consolas" panose="020B0609020204030204" pitchFamily="49" charset="0"/>
-              </a:rPr>
-              <a:t>::</a:t>
-            </a:r>
-            <a:r>
-              <a:rPr lang="de-CH" dirty="0" err="1">
-                <a:solidFill>
-                  <a:srgbClr val="000000"/>
-                </a:solidFill>
-                <a:highlight>
-                  <a:srgbClr val="D4D4D4"/>
-                </a:highlight>
-                <a:latin typeface="Consolas" panose="020B0609020204030204" pitchFamily="49" charset="0"/>
-              </a:rPr>
-              <a:t>setEmail</a:t>
-            </a:r>
-            <a:r>
-              <a:rPr lang="de-CH" dirty="0">
-                <a:solidFill>
-                  <a:srgbClr val="000000"/>
-                </a:solidFill>
-                <a:highlight>
-                  <a:srgbClr val="D4D4D4"/>
-                </a:highlight>
-                <a:latin typeface="Consolas" panose="020B0609020204030204" pitchFamily="49" charset="0"/>
-              </a:rPr>
-              <a:t>);</a:t>
-            </a:r>
+            <a:endParaRPr lang="en-US" dirty="0">
+              <a:solidFill>
+                <a:srgbClr val="3F7F7F"/>
+              </a:solidFill>
+              <a:latin typeface="Consolas" panose="020B0609020204030204" pitchFamily="49" charset="0"/>
+            </a:endParaRPr>
+          </a:p>
+          <a:p>
+            <a:pPr marL="0" indent="0">
+              <a:buNone/>
+            </a:pPr>
+            <a:endParaRPr lang="en-US" dirty="0">
+              <a:solidFill>
+                <a:srgbClr val="3F7F7F"/>
+              </a:solidFill>
+              <a:latin typeface="Consolas" panose="020B0609020204030204" pitchFamily="49" charset="0"/>
+            </a:endParaRPr>
+          </a:p>
+          <a:p>
+            <a:pPr marL="0" indent="0">
+              <a:buNone/>
+            </a:pPr>
+            <a:endParaRPr lang="en-US" dirty="0">
+              <a:solidFill>
+                <a:srgbClr val="3F7F7F"/>
+              </a:solidFill>
+              <a:latin typeface="Consolas" panose="020B0609020204030204" pitchFamily="49" charset="0"/>
+            </a:endParaRPr>
+          </a:p>
+          <a:p>
+            <a:pPr marL="0" indent="0">
+              <a:buNone/>
+            </a:pPr>
+            <a:endParaRPr lang="en-US" dirty="0">
+              <a:solidFill>
+                <a:srgbClr val="3F7F7F"/>
+              </a:solidFill>
+              <a:latin typeface="Consolas" panose="020B0609020204030204" pitchFamily="49" charset="0"/>
+            </a:endParaRPr>
+          </a:p>
+          <a:p>
+            <a:pPr marL="0" indent="0">
+              <a:buNone/>
+            </a:pPr>
+            <a:endParaRPr lang="en-US" dirty="0">
+              <a:solidFill>
+                <a:srgbClr val="3F7F7F"/>
+              </a:solidFill>
+              <a:latin typeface="Consolas" panose="020B0609020204030204" pitchFamily="49" charset="0"/>
+            </a:endParaRPr>
+          </a:p>
+          <a:p>
+            <a:pPr marL="0" indent="0">
+              <a:buNone/>
+            </a:pPr>
+            <a:endParaRPr lang="en-US" dirty="0">
+              <a:solidFill>
+                <a:srgbClr val="3F7F7F"/>
+              </a:solidFill>
+              <a:latin typeface="Consolas" panose="020B0609020204030204" pitchFamily="49" charset="0"/>
+            </a:endParaRPr>
+          </a:p>
+          <a:p>
+            <a:pPr marL="0" indent="0">
+              <a:buNone/>
+            </a:pPr>
             <a:endParaRPr lang="de-CH" dirty="0"/>
           </a:p>
         </p:txBody>
@@ -3917,7 +4921,7 @@
     </p:spTree>
     <p:extLst>
       <p:ext uri="{BB962C8B-B14F-4D97-AF65-F5344CB8AC3E}">
-        <p14:creationId xmlns:p14="http://schemas.microsoft.com/office/powerpoint/2010/main" val="476015163"/>
+        <p14:creationId xmlns:p14="http://schemas.microsoft.com/office/powerpoint/2010/main" val="2133003563"/>
       </p:ext>
     </p:extLst>
   </p:cSld>
@@ -3946,10 +4950,10 @@
       </p:grpSpPr>
       <p:sp>
         <p:nvSpPr>
-          <p:cNvPr id="2" name="Titel 1">
+          <p:cNvPr id="3" name="Inhaltsplatzhalter 2">
             <a:extLst>
               <a:ext uri="{FF2B5EF4-FFF2-40B4-BE49-F238E27FC236}">
-                <a16:creationId xmlns:a16="http://schemas.microsoft.com/office/drawing/2014/main" id="{A8374660-D150-4433-B606-00CDC0EFC0D8}"/>
+                <a16:creationId xmlns:a16="http://schemas.microsoft.com/office/drawing/2014/main" id="{9FA8D05D-3264-44E6-8F29-A7D2A10D2DF0}"/>
               </a:ext>
             </a:extLst>
           </p:cNvPr>
@@ -3957,42 +4961,18 @@
             <a:spLocks noGrp="1"/>
           </p:cNvSpPr>
           <p:nvPr>
-            <p:ph type="title"/>
-          </p:nvPr>
-        </p:nvSpPr>
-        <p:spPr/>
-        <p:txBody>
-          <a:bodyPr/>
-          <a:lstStyle/>
-          <a:p>
-            <a:r>
-              <a:rPr lang="en-US" dirty="0"/>
-              <a:t>Persistence</a:t>
-            </a:r>
-            <a:endParaRPr lang="de-CH" dirty="0"/>
-          </a:p>
-        </p:txBody>
-      </p:sp>
-      <p:sp>
-        <p:nvSpPr>
-          <p:cNvPr id="3" name="Inhaltsplatzhalter 2">
-            <a:extLst>
-              <a:ext uri="{FF2B5EF4-FFF2-40B4-BE49-F238E27FC236}">
-                <a16:creationId xmlns:a16="http://schemas.microsoft.com/office/drawing/2014/main" id="{135645D6-6EDB-442C-9DA1-653A2790DC12}"/>
-              </a:ext>
-            </a:extLst>
-          </p:cNvPr>
-          <p:cNvSpPr>
-            <a:spLocks noGrp="1"/>
-          </p:cNvSpPr>
-          <p:nvPr>
             <p:ph idx="1"/>
           </p:nvPr>
         </p:nvSpPr>
-        <p:spPr/>
+        <p:spPr>
+          <a:xfrm>
+            <a:off x="838200" y="358219"/>
+            <a:ext cx="10515600" cy="5818744"/>
+          </a:xfrm>
+        </p:spPr>
         <p:txBody>
           <a:bodyPr>
-            <a:normAutofit fontScale="32500" lnSpcReduction="20000"/>
+            <a:normAutofit/>
           </a:bodyPr>
           <a:lstStyle/>
           <a:p>
@@ -4002,38 +4982,151 @@
             <a:r>
               <a:rPr lang="de-CH" dirty="0">
                 <a:solidFill>
-                  <a:srgbClr val="008080"/>
-                </a:solidFill>
-                <a:latin typeface="Consolas" panose="020B0609020204030204" pitchFamily="49" charset="0"/>
-              </a:rPr>
-              <a:t>&lt;?</a:t>
+                  <a:srgbClr val="646464"/>
+                </a:solidFill>
+                <a:latin typeface="Consolas" panose="020B0609020204030204" pitchFamily="49" charset="0"/>
+              </a:rPr>
+              <a:t>@</a:t>
             </a:r>
             <a:r>
               <a:rPr lang="de-CH" dirty="0" err="1">
                 <a:solidFill>
-                  <a:srgbClr val="3F7F7F"/>
-                </a:solidFill>
-                <a:latin typeface="Consolas" panose="020B0609020204030204" pitchFamily="49" charset="0"/>
-              </a:rPr>
-              <a:t>xml</a:t>
-            </a:r>
+                  <a:srgbClr val="646464"/>
+                </a:solidFill>
+                <a:highlight>
+                  <a:srgbClr val="D4D4D4"/>
+                </a:highlight>
+                <a:latin typeface="Consolas" panose="020B0609020204030204" pitchFamily="49" charset="0"/>
+              </a:rPr>
+              <a:t>Id</a:t>
+            </a:r>
+            <a:endParaRPr lang="de-CH" dirty="0">
+              <a:solidFill>
+                <a:srgbClr val="646464"/>
+              </a:solidFill>
+              <a:highlight>
+                <a:srgbClr val="D4D4D4"/>
+              </a:highlight>
+              <a:latin typeface="Consolas" panose="020B0609020204030204" pitchFamily="49" charset="0"/>
+            </a:endParaRPr>
+          </a:p>
+          <a:p>
+            <a:pPr marL="0" indent="0">
+              <a:buNone/>
+            </a:pPr>
             <a:r>
               <a:rPr lang="de-CH" dirty="0">
                 <a:solidFill>
-                  <a:srgbClr val="3F7F7F"/>
+                  <a:srgbClr val="646464"/>
+                </a:solidFill>
+                <a:latin typeface="Consolas" panose="020B0609020204030204" pitchFamily="49" charset="0"/>
+              </a:rPr>
+              <a:t>@</a:t>
+            </a:r>
+            <a:r>
+              <a:rPr lang="de-CH" dirty="0" err="1">
+                <a:solidFill>
+                  <a:srgbClr val="646464"/>
+                </a:solidFill>
+                <a:latin typeface="Consolas" panose="020B0609020204030204" pitchFamily="49" charset="0"/>
+              </a:rPr>
+              <a:t>GeneratedValue</a:t>
+            </a:r>
+            <a:endParaRPr lang="de-CH" dirty="0">
+              <a:solidFill>
+                <a:srgbClr val="646464"/>
+              </a:solidFill>
+              <a:latin typeface="Consolas" panose="020B0609020204030204" pitchFamily="49" charset="0"/>
+            </a:endParaRPr>
+          </a:p>
+          <a:p>
+            <a:pPr marL="0" indent="0">
+              <a:buNone/>
+            </a:pPr>
+            <a:r>
+              <a:rPr lang="de-CH" b="1" dirty="0">
+                <a:solidFill>
+                  <a:srgbClr val="7F0055"/>
+                </a:solidFill>
+                <a:latin typeface="Consolas" panose="020B0609020204030204" pitchFamily="49" charset="0"/>
+              </a:rPr>
+              <a:t>private</a:t>
+            </a:r>
+            <a:r>
+              <a:rPr lang="de-CH" b="1" dirty="0">
+                <a:solidFill>
+                  <a:srgbClr val="000000"/>
                 </a:solidFill>
                 <a:latin typeface="Consolas" panose="020B0609020204030204" pitchFamily="49" charset="0"/>
               </a:rPr>
               <a:t> </a:t>
             </a:r>
             <a:r>
+              <a:rPr lang="de-CH" b="1" dirty="0" err="1">
+                <a:solidFill>
+                  <a:srgbClr val="7F0055"/>
+                </a:solidFill>
+                <a:latin typeface="Consolas" panose="020B0609020204030204" pitchFamily="49" charset="0"/>
+              </a:rPr>
+              <a:t>int</a:t>
+            </a:r>
+            <a:r>
+              <a:rPr lang="de-CH" b="1" dirty="0">
+                <a:solidFill>
+                  <a:srgbClr val="000000"/>
+                </a:solidFill>
+                <a:latin typeface="Consolas" panose="020B0609020204030204" pitchFamily="49" charset="0"/>
+              </a:rPr>
+              <a:t> </a:t>
+            </a:r>
+            <a:r>
+              <a:rPr lang="de-CH" b="1" dirty="0" err="1">
+                <a:solidFill>
+                  <a:srgbClr val="0000C0"/>
+                </a:solidFill>
+                <a:latin typeface="Consolas" panose="020B0609020204030204" pitchFamily="49" charset="0"/>
+              </a:rPr>
+              <a:t>id</a:t>
+            </a:r>
+            <a:r>
+              <a:rPr lang="de-CH" b="1" dirty="0">
+                <a:solidFill>
+                  <a:srgbClr val="000000"/>
+                </a:solidFill>
+                <a:latin typeface="Consolas" panose="020B0609020204030204" pitchFamily="49" charset="0"/>
+              </a:rPr>
+              <a:t>;</a:t>
+            </a:r>
+          </a:p>
+          <a:p>
+            <a:pPr marL="0" indent="0">
+              <a:buNone/>
+            </a:pPr>
+            <a:endParaRPr lang="de-CH" dirty="0">
+              <a:latin typeface="Consolas" panose="020B0609020204030204" pitchFamily="49" charset="0"/>
+            </a:endParaRPr>
+          </a:p>
+          <a:p>
+            <a:pPr marL="0" indent="0">
+              <a:buNone/>
+            </a:pPr>
+            <a:r>
+              <a:rPr lang="de-CH" dirty="0">
+                <a:solidFill>
+                  <a:srgbClr val="646464"/>
+                </a:solidFill>
+                <a:latin typeface="Consolas" panose="020B0609020204030204" pitchFamily="49" charset="0"/>
+              </a:rPr>
+              <a:t>@</a:t>
+            </a:r>
+            <a:r>
               <a:rPr lang="de-CH" dirty="0" err="1">
                 <a:solidFill>
-                  <a:srgbClr val="7F007F"/>
-                </a:solidFill>
-                <a:latin typeface="Consolas" panose="020B0609020204030204" pitchFamily="49" charset="0"/>
-              </a:rPr>
-              <a:t>version</a:t>
+                  <a:srgbClr val="646464"/>
+                </a:solidFill>
+                <a:latin typeface="Consolas" panose="020B0609020204030204" pitchFamily="49" charset="0"/>
+              </a:rPr>
+              <a:t>ManyToOne</a:t>
             </a:r>
             <a:r>
               <a:rPr lang="de-CH" dirty="0">
@@ -4042,28 +5135,288 @@
                 </a:solidFill>
                 <a:latin typeface="Consolas" panose="020B0609020204030204" pitchFamily="49" charset="0"/>
               </a:rPr>
+              <a:t>(</a:t>
+            </a:r>
+            <a:r>
+              <a:rPr lang="de-CH" dirty="0" err="1">
+                <a:solidFill>
+                  <a:srgbClr val="000000"/>
+                </a:solidFill>
+                <a:latin typeface="Consolas" panose="020B0609020204030204" pitchFamily="49" charset="0"/>
+              </a:rPr>
+              <a:t>cascade</a:t>
+            </a:r>
+            <a:r>
+              <a:rPr lang="de-CH" dirty="0">
+                <a:solidFill>
+                  <a:srgbClr val="000000"/>
+                </a:solidFill>
+                <a:latin typeface="Consolas" panose="020B0609020204030204" pitchFamily="49" charset="0"/>
+              </a:rPr>
               <a:t>=</a:t>
             </a:r>
             <a:r>
-              <a:rPr lang="de-CH" i="1" dirty="0">
+              <a:rPr lang="de-CH" dirty="0" err="1">
+                <a:solidFill>
+                  <a:srgbClr val="000000"/>
+                </a:solidFill>
+                <a:latin typeface="Consolas" panose="020B0609020204030204" pitchFamily="49" charset="0"/>
+              </a:rPr>
+              <a:t>CascadeType.</a:t>
+            </a:r>
+            <a:r>
+              <a:rPr lang="de-CH" b="1" i="1" dirty="0" err="1">
+                <a:solidFill>
+                  <a:srgbClr val="0000C0"/>
+                </a:solidFill>
+                <a:latin typeface="Consolas" panose="020B0609020204030204" pitchFamily="49" charset="0"/>
+              </a:rPr>
+              <a:t>PERSIST</a:t>
+            </a:r>
+            <a:r>
+              <a:rPr lang="de-CH" b="1" i="1" dirty="0">
+                <a:solidFill>
+                  <a:srgbClr val="000000"/>
+                </a:solidFill>
+                <a:latin typeface="Consolas" panose="020B0609020204030204" pitchFamily="49" charset="0"/>
+              </a:rPr>
+              <a:t>)</a:t>
+            </a:r>
+          </a:p>
+          <a:p>
+            <a:pPr marL="0" indent="0">
+              <a:buNone/>
+            </a:pPr>
+            <a:r>
+              <a:rPr lang="de-CH" dirty="0">
+                <a:solidFill>
+                  <a:srgbClr val="646464"/>
+                </a:solidFill>
+                <a:latin typeface="Consolas" panose="020B0609020204030204" pitchFamily="49" charset="0"/>
+              </a:rPr>
+              <a:t>@</a:t>
+            </a:r>
+            <a:r>
+              <a:rPr lang="de-CH" dirty="0" err="1">
+                <a:solidFill>
+                  <a:srgbClr val="646464"/>
+                </a:solidFill>
+                <a:latin typeface="Consolas" panose="020B0609020204030204" pitchFamily="49" charset="0"/>
+              </a:rPr>
+              <a:t>JoinColumn</a:t>
+            </a:r>
+            <a:r>
+              <a:rPr lang="de-CH" dirty="0">
+                <a:solidFill>
+                  <a:srgbClr val="000000"/>
+                </a:solidFill>
+                <a:latin typeface="Consolas" panose="020B0609020204030204" pitchFamily="49" charset="0"/>
+              </a:rPr>
+              <a:t>(</a:t>
+            </a:r>
+            <a:r>
+              <a:rPr lang="de-CH" dirty="0" err="1">
+                <a:solidFill>
+                  <a:srgbClr val="000000"/>
+                </a:solidFill>
+                <a:latin typeface="Consolas" panose="020B0609020204030204" pitchFamily="49" charset="0"/>
+              </a:rPr>
+              <a:t>name</a:t>
+            </a:r>
+            <a:r>
+              <a:rPr lang="de-CH" dirty="0">
+                <a:solidFill>
+                  <a:srgbClr val="000000"/>
+                </a:solidFill>
+                <a:latin typeface="Consolas" panose="020B0609020204030204" pitchFamily="49" charset="0"/>
+              </a:rPr>
+              <a:t>=</a:t>
+            </a:r>
+            <a:r>
+              <a:rPr lang="de-CH" dirty="0">
                 <a:solidFill>
                   <a:srgbClr val="2A00FF"/>
                 </a:solidFill>
                 <a:latin typeface="Consolas" panose="020B0609020204030204" pitchFamily="49" charset="0"/>
               </a:rPr>
-              <a:t>"1.0" </a:t>
-            </a:r>
-            <a:r>
-              <a:rPr lang="de-CH" i="1" dirty="0" err="1">
-                <a:solidFill>
-                  <a:srgbClr val="7F007F"/>
-                </a:solidFill>
-                <a:latin typeface="Consolas" panose="020B0609020204030204" pitchFamily="49" charset="0"/>
-              </a:rPr>
-              <a:t>encoding</a:t>
-            </a:r>
-            <a:r>
-              <a:rPr lang="de-CH" i="1" dirty="0">
+              <a:t>"LOGINACCOUNT_EMAIL"</a:t>
+            </a:r>
+            <a:r>
+              <a:rPr lang="de-CH" dirty="0">
+                <a:solidFill>
+                  <a:srgbClr val="000000"/>
+                </a:solidFill>
+                <a:latin typeface="Consolas" panose="020B0609020204030204" pitchFamily="49" charset="0"/>
+              </a:rPr>
+              <a:t>)</a:t>
+            </a:r>
+          </a:p>
+          <a:p>
+            <a:pPr marL="0" indent="0">
+              <a:buNone/>
+            </a:pPr>
+            <a:r>
+              <a:rPr lang="de-CH" b="1" dirty="0">
+                <a:solidFill>
+                  <a:srgbClr val="7F0055"/>
+                </a:solidFill>
+                <a:latin typeface="Consolas" panose="020B0609020204030204" pitchFamily="49" charset="0"/>
+              </a:rPr>
+              <a:t>private</a:t>
+            </a:r>
+            <a:r>
+              <a:rPr lang="de-CH" b="1" dirty="0">
+                <a:solidFill>
+                  <a:srgbClr val="000000"/>
+                </a:solidFill>
+                <a:latin typeface="Consolas" panose="020B0609020204030204" pitchFamily="49" charset="0"/>
+              </a:rPr>
+              <a:t> </a:t>
+            </a:r>
+            <a:r>
+              <a:rPr lang="de-CH" b="1" dirty="0" err="1">
+                <a:solidFill>
+                  <a:srgbClr val="000000"/>
+                </a:solidFill>
+                <a:latin typeface="Consolas" panose="020B0609020204030204" pitchFamily="49" charset="0"/>
+              </a:rPr>
+              <a:t>LoginAccount</a:t>
+            </a:r>
+            <a:r>
+              <a:rPr lang="de-CH" b="1" dirty="0">
+                <a:solidFill>
+                  <a:srgbClr val="000000"/>
+                </a:solidFill>
+                <a:latin typeface="Consolas" panose="020B0609020204030204" pitchFamily="49" charset="0"/>
+              </a:rPr>
+              <a:t> </a:t>
+            </a:r>
+            <a:r>
+              <a:rPr lang="de-CH" b="1" dirty="0" err="1">
+                <a:solidFill>
+                  <a:srgbClr val="0000C0"/>
+                </a:solidFill>
+                <a:latin typeface="Consolas" panose="020B0609020204030204" pitchFamily="49" charset="0"/>
+              </a:rPr>
+              <a:t>loginAccount</a:t>
+            </a:r>
+            <a:r>
+              <a:rPr lang="de-CH" b="1" dirty="0">
+                <a:solidFill>
+                  <a:srgbClr val="000000"/>
+                </a:solidFill>
+                <a:latin typeface="Consolas" panose="020B0609020204030204" pitchFamily="49" charset="0"/>
+              </a:rPr>
+              <a:t>;</a:t>
+            </a:r>
+          </a:p>
+          <a:p>
+            <a:pPr marL="0" indent="0">
+              <a:buNone/>
+            </a:pPr>
+            <a:endParaRPr lang="it-IT" dirty="0">
+              <a:solidFill>
+                <a:srgbClr val="646464"/>
+              </a:solidFill>
+              <a:latin typeface="Consolas" panose="020B0609020204030204" pitchFamily="49" charset="0"/>
+            </a:endParaRPr>
+          </a:p>
+          <a:p>
+            <a:pPr marL="0" indent="0">
+              <a:buNone/>
+            </a:pPr>
+            <a:r>
+              <a:rPr lang="it-IT" dirty="0">
+                <a:solidFill>
+                  <a:srgbClr val="646464"/>
+                </a:solidFill>
+                <a:latin typeface="Consolas" panose="020B0609020204030204" pitchFamily="49" charset="0"/>
+              </a:rPr>
+              <a:t>@</a:t>
+            </a:r>
+            <a:r>
+              <a:rPr lang="it-IT" dirty="0" err="1">
+                <a:solidFill>
+                  <a:srgbClr val="646464"/>
+                </a:solidFill>
+                <a:latin typeface="Consolas" panose="020B0609020204030204" pitchFamily="49" charset="0"/>
+              </a:rPr>
+              <a:t>OneToMany</a:t>
+            </a:r>
+            <a:r>
+              <a:rPr lang="it-IT" dirty="0">
+                <a:solidFill>
+                  <a:srgbClr val="000000"/>
+                </a:solidFill>
+                <a:latin typeface="Consolas" panose="020B0609020204030204" pitchFamily="49" charset="0"/>
+              </a:rPr>
+              <a:t>(</a:t>
+            </a:r>
+            <a:r>
+              <a:rPr lang="it-IT" dirty="0" err="1">
+                <a:solidFill>
+                  <a:srgbClr val="000000"/>
+                </a:solidFill>
+                <a:latin typeface="Consolas" panose="020B0609020204030204" pitchFamily="49" charset="0"/>
+              </a:rPr>
+              <a:t>mappedBy</a:t>
+            </a:r>
+            <a:r>
+              <a:rPr lang="it-IT" dirty="0">
+                <a:solidFill>
+                  <a:srgbClr val="000000"/>
+                </a:solidFill>
+                <a:latin typeface="Consolas" panose="020B0609020204030204" pitchFamily="49" charset="0"/>
+              </a:rPr>
+              <a:t> = </a:t>
+            </a:r>
+            <a:r>
+              <a:rPr lang="it-IT" dirty="0">
+                <a:solidFill>
+                  <a:srgbClr val="2A00FF"/>
+                </a:solidFill>
+                <a:latin typeface="Consolas" panose="020B0609020204030204" pitchFamily="49" charset="0"/>
+              </a:rPr>
+              <a:t>"</a:t>
+            </a:r>
+            <a:r>
+              <a:rPr lang="it-IT" dirty="0" err="1">
+                <a:solidFill>
+                  <a:srgbClr val="2A00FF"/>
+                </a:solidFill>
+                <a:latin typeface="Consolas" panose="020B0609020204030204" pitchFamily="49" charset="0"/>
+              </a:rPr>
+              <a:t>loginAccount</a:t>
+            </a:r>
+            <a:r>
+              <a:rPr lang="it-IT" dirty="0">
+                <a:solidFill>
+                  <a:srgbClr val="2A00FF"/>
+                </a:solidFill>
+                <a:latin typeface="Consolas" panose="020B0609020204030204" pitchFamily="49" charset="0"/>
+              </a:rPr>
+              <a:t>"</a:t>
+            </a:r>
+            <a:r>
+              <a:rPr lang="it-IT" dirty="0">
+                <a:solidFill>
+                  <a:srgbClr val="000000"/>
+                </a:solidFill>
+                <a:latin typeface="Consolas" panose="020B0609020204030204" pitchFamily="49" charset="0"/>
+              </a:rPr>
+              <a:t>, </a:t>
+            </a:r>
+            <a:r>
+              <a:rPr lang="it-IT" dirty="0" err="1">
+                <a:solidFill>
+                  <a:srgbClr val="000000"/>
+                </a:solidFill>
+                <a:latin typeface="Consolas" panose="020B0609020204030204" pitchFamily="49" charset="0"/>
+              </a:rPr>
+              <a:t>cascade</a:t>
+            </a:r>
+            <a:r>
+              <a:rPr lang="it-IT" dirty="0">
                 <a:solidFill>
                   <a:srgbClr val="000000"/>
                 </a:solidFill>
@@ -4072,22 +5425,31 @@
               <a:t>=</a:t>
             </a:r>
             <a:r>
-              <a:rPr lang="de-CH" i="1" dirty="0">
-                <a:solidFill>
-                  <a:srgbClr val="2A00FF"/>
-                </a:solidFill>
-                <a:latin typeface="Consolas" panose="020B0609020204030204" pitchFamily="49" charset="0"/>
-              </a:rPr>
-              <a:t>"UTF-8"</a:t>
-            </a:r>
-            <a:r>
-              <a:rPr lang="de-CH" i="1" dirty="0">
-                <a:solidFill>
-                  <a:srgbClr val="008080"/>
-                </a:solidFill>
-                <a:latin typeface="Consolas" panose="020B0609020204030204" pitchFamily="49" charset="0"/>
-              </a:rPr>
-              <a:t>?&gt;</a:t>
+              <a:rPr lang="it-IT" dirty="0" err="1">
+                <a:solidFill>
+                  <a:srgbClr val="000000"/>
+                </a:solidFill>
+                <a:latin typeface="Consolas" panose="020B0609020204030204" pitchFamily="49" charset="0"/>
+              </a:rPr>
+              <a:t>CascadeType.</a:t>
+            </a:r>
+            <a:r>
+              <a:rPr lang="it-IT" b="1" i="1" dirty="0" err="1">
+                <a:solidFill>
+                  <a:srgbClr val="0000C0"/>
+                </a:solidFill>
+                <a:latin typeface="Consolas" panose="020B0609020204030204" pitchFamily="49" charset="0"/>
+              </a:rPr>
+              <a:t>PERSIST</a:t>
+            </a:r>
+            <a:r>
+              <a:rPr lang="it-IT" b="1" i="1" dirty="0">
+                <a:solidFill>
+                  <a:srgbClr val="000000"/>
+                </a:solidFill>
+                <a:latin typeface="Consolas" panose="020B0609020204030204" pitchFamily="49" charset="0"/>
+              </a:rPr>
+              <a:t>)</a:t>
             </a:r>
           </a:p>
           <a:p>
@@ -4095,1456 +5457,58 @@
               <a:buNone/>
             </a:pPr>
             <a:r>
-              <a:rPr lang="fr-FR" dirty="0">
-                <a:solidFill>
-                  <a:srgbClr val="008080"/>
-                </a:solidFill>
-                <a:latin typeface="Consolas" panose="020B0609020204030204" pitchFamily="49" charset="0"/>
-              </a:rPr>
-              <a:t>&lt;</a:t>
-            </a:r>
-            <a:r>
-              <a:rPr lang="fr-FR" dirty="0" err="1">
-                <a:solidFill>
-                  <a:srgbClr val="3F7F7F"/>
-                </a:solidFill>
-                <a:latin typeface="Consolas" panose="020B0609020204030204" pitchFamily="49" charset="0"/>
-              </a:rPr>
-              <a:t>persistence</a:t>
-            </a:r>
-            <a:r>
-              <a:rPr lang="fr-FR" dirty="0">
-                <a:solidFill>
-                  <a:srgbClr val="3F7F7F"/>
-                </a:solidFill>
-                <a:latin typeface="Consolas" panose="020B0609020204030204" pitchFamily="49" charset="0"/>
-              </a:rPr>
-              <a:t> </a:t>
-            </a:r>
-            <a:r>
-              <a:rPr lang="fr-FR" dirty="0" err="1">
-                <a:solidFill>
-                  <a:srgbClr val="7F007F"/>
-                </a:solidFill>
-                <a:latin typeface="Consolas" panose="020B0609020204030204" pitchFamily="49" charset="0"/>
-              </a:rPr>
-              <a:t>xmlns</a:t>
-            </a:r>
-            <a:r>
-              <a:rPr lang="fr-FR" dirty="0">
-                <a:solidFill>
-                  <a:srgbClr val="000000"/>
-                </a:solidFill>
-                <a:latin typeface="Consolas" panose="020B0609020204030204" pitchFamily="49" charset="0"/>
-              </a:rPr>
-              <a:t>=</a:t>
-            </a:r>
-            <a:r>
-              <a:rPr lang="fr-FR" i="1" dirty="0">
-                <a:solidFill>
-                  <a:srgbClr val="2A00FF"/>
-                </a:solidFill>
-                <a:latin typeface="Consolas" panose="020B0609020204030204" pitchFamily="49" charset="0"/>
-              </a:rPr>
-              <a:t>"http://java.sun.com/xml/ns/</a:t>
-            </a:r>
-            <a:r>
-              <a:rPr lang="fr-FR" i="1" dirty="0" err="1">
-                <a:solidFill>
-                  <a:srgbClr val="2A00FF"/>
-                </a:solidFill>
-                <a:latin typeface="Consolas" panose="020B0609020204030204" pitchFamily="49" charset="0"/>
-              </a:rPr>
-              <a:t>persistence</a:t>
-            </a:r>
-            <a:r>
-              <a:rPr lang="fr-FR" i="1" dirty="0">
-                <a:solidFill>
-                  <a:srgbClr val="2A00FF"/>
-                </a:solidFill>
-                <a:latin typeface="Consolas" panose="020B0609020204030204" pitchFamily="49" charset="0"/>
-              </a:rPr>
-              <a:t>" </a:t>
-            </a:r>
-            <a:r>
-              <a:rPr lang="fr-FR" i="1" dirty="0" err="1">
-                <a:solidFill>
-                  <a:srgbClr val="7F007F"/>
-                </a:solidFill>
-                <a:latin typeface="Consolas" panose="020B0609020204030204" pitchFamily="49" charset="0"/>
-              </a:rPr>
-              <a:t>xmlns:xsi</a:t>
-            </a:r>
-            <a:r>
-              <a:rPr lang="fr-FR" i="1" dirty="0">
-                <a:solidFill>
-                  <a:srgbClr val="000000"/>
-                </a:solidFill>
-                <a:latin typeface="Consolas" panose="020B0609020204030204" pitchFamily="49" charset="0"/>
-              </a:rPr>
-              <a:t>=</a:t>
-            </a:r>
-            <a:r>
-              <a:rPr lang="fr-FR" i="1" dirty="0">
-                <a:solidFill>
-                  <a:srgbClr val="2A00FF"/>
-                </a:solidFill>
-                <a:latin typeface="Consolas" panose="020B0609020204030204" pitchFamily="49" charset="0"/>
-              </a:rPr>
-              <a:t>"http://www.w3.org/2001/XMLSchema-instance" </a:t>
-            </a:r>
-            <a:r>
-              <a:rPr lang="fr-FR" i="1" dirty="0" err="1">
-                <a:solidFill>
-                  <a:srgbClr val="7F007F"/>
-                </a:solidFill>
-                <a:latin typeface="Consolas" panose="020B0609020204030204" pitchFamily="49" charset="0"/>
-              </a:rPr>
-              <a:t>xsi:schemaLocation</a:t>
-            </a:r>
-            <a:r>
-              <a:rPr lang="fr-FR" i="1" dirty="0">
-                <a:solidFill>
-                  <a:srgbClr val="000000"/>
-                </a:solidFill>
-                <a:latin typeface="Consolas" panose="020B0609020204030204" pitchFamily="49" charset="0"/>
-              </a:rPr>
-              <a:t>=</a:t>
-            </a:r>
-            <a:r>
-              <a:rPr lang="fr-FR" i="1" dirty="0">
-                <a:solidFill>
-                  <a:srgbClr val="2A00FF"/>
-                </a:solidFill>
-                <a:latin typeface="Consolas" panose="020B0609020204030204" pitchFamily="49" charset="0"/>
-              </a:rPr>
-              <a:t>"http://java.sun.com/xml/ns/</a:t>
-            </a:r>
-            <a:r>
-              <a:rPr lang="fr-FR" i="1" dirty="0" err="1">
-                <a:solidFill>
-                  <a:srgbClr val="2A00FF"/>
-                </a:solidFill>
-                <a:latin typeface="Consolas" panose="020B0609020204030204" pitchFamily="49" charset="0"/>
-              </a:rPr>
-              <a:t>persistence</a:t>
-            </a:r>
-            <a:r>
-              <a:rPr lang="fr-FR" i="1" dirty="0">
-                <a:solidFill>
-                  <a:srgbClr val="2A00FF"/>
-                </a:solidFill>
-                <a:latin typeface="Consolas" panose="020B0609020204030204" pitchFamily="49" charset="0"/>
-              </a:rPr>
-              <a:t> persistence_1_0.xsd" </a:t>
-            </a:r>
-            <a:r>
-              <a:rPr lang="fr-FR" i="1" dirty="0">
-                <a:solidFill>
-                  <a:srgbClr val="7F007F"/>
-                </a:solidFill>
-                <a:latin typeface="Consolas" panose="020B0609020204030204" pitchFamily="49" charset="0"/>
-              </a:rPr>
-              <a:t>version</a:t>
-            </a:r>
-            <a:r>
-              <a:rPr lang="fr-FR" i="1" dirty="0">
-                <a:solidFill>
-                  <a:srgbClr val="000000"/>
-                </a:solidFill>
-                <a:latin typeface="Consolas" panose="020B0609020204030204" pitchFamily="49" charset="0"/>
-              </a:rPr>
-              <a:t>=</a:t>
-            </a:r>
-            <a:r>
-              <a:rPr lang="fr-FR" i="1" dirty="0">
-                <a:solidFill>
-                  <a:srgbClr val="2A00FF"/>
-                </a:solidFill>
-                <a:latin typeface="Consolas" panose="020B0609020204030204" pitchFamily="49" charset="0"/>
-              </a:rPr>
-              <a:t>"1.0"</a:t>
-            </a:r>
-            <a:r>
-              <a:rPr lang="fr-FR" i="1" dirty="0">
-                <a:solidFill>
-                  <a:srgbClr val="008080"/>
-                </a:solidFill>
-                <a:latin typeface="Consolas" panose="020B0609020204030204" pitchFamily="49" charset="0"/>
-              </a:rPr>
-              <a:t>&gt;</a:t>
-            </a:r>
-          </a:p>
-          <a:p>
-            <a:pPr marL="0" indent="0">
-              <a:buNone/>
-            </a:pPr>
-            <a:r>
-              <a:rPr lang="de-CH" dirty="0">
-                <a:solidFill>
-                  <a:srgbClr val="000000"/>
-                </a:solidFill>
-                <a:latin typeface="Consolas" panose="020B0609020204030204" pitchFamily="49" charset="0"/>
-              </a:rPr>
-              <a:t>    </a:t>
-            </a:r>
-            <a:r>
-              <a:rPr lang="de-CH" dirty="0">
-                <a:solidFill>
-                  <a:srgbClr val="008080"/>
-                </a:solidFill>
-                <a:latin typeface="Consolas" panose="020B0609020204030204" pitchFamily="49" charset="0"/>
-              </a:rPr>
-              <a:t>&lt;</a:t>
-            </a:r>
-            <a:r>
-              <a:rPr lang="de-CH" dirty="0" err="1">
-                <a:solidFill>
-                  <a:srgbClr val="3F7F7F"/>
-                </a:solidFill>
-                <a:latin typeface="Consolas" panose="020B0609020204030204" pitchFamily="49" charset="0"/>
-              </a:rPr>
-              <a:t>persistence</a:t>
-            </a:r>
-            <a:r>
-              <a:rPr lang="de-CH" dirty="0">
-                <a:solidFill>
-                  <a:srgbClr val="3F7F7F"/>
-                </a:solidFill>
-                <a:latin typeface="Consolas" panose="020B0609020204030204" pitchFamily="49" charset="0"/>
-              </a:rPr>
-              <a:t>-unit </a:t>
-            </a:r>
-            <a:r>
-              <a:rPr lang="de-CH" dirty="0" err="1">
-                <a:solidFill>
-                  <a:srgbClr val="7F007F"/>
-                </a:solidFill>
-                <a:latin typeface="Consolas" panose="020B0609020204030204" pitchFamily="49" charset="0"/>
-              </a:rPr>
-              <a:t>name</a:t>
-            </a:r>
-            <a:r>
-              <a:rPr lang="de-CH" dirty="0">
-                <a:solidFill>
-                  <a:srgbClr val="000000"/>
-                </a:solidFill>
-                <a:latin typeface="Consolas" panose="020B0609020204030204" pitchFamily="49" charset="0"/>
-              </a:rPr>
-              <a:t>=</a:t>
-            </a:r>
-            <a:r>
-              <a:rPr lang="de-CH" i="1" dirty="0">
-                <a:solidFill>
-                  <a:srgbClr val="2A00FF"/>
-                </a:solidFill>
-                <a:latin typeface="Consolas" panose="020B0609020204030204" pitchFamily="49" charset="0"/>
-              </a:rPr>
-              <a:t>"</a:t>
-            </a:r>
-            <a:r>
-              <a:rPr lang="de-CH" i="1" dirty="0" err="1">
-                <a:solidFill>
-                  <a:srgbClr val="2A00FF"/>
-                </a:solidFill>
-                <a:latin typeface="Consolas" panose="020B0609020204030204" pitchFamily="49" charset="0"/>
-              </a:rPr>
-              <a:t>borderlinecare</a:t>
-            </a:r>
-            <a:r>
-              <a:rPr lang="de-CH" i="1" dirty="0">
-                <a:solidFill>
-                  <a:srgbClr val="2A00FF"/>
-                </a:solidFill>
-                <a:latin typeface="Consolas" panose="020B0609020204030204" pitchFamily="49" charset="0"/>
-              </a:rPr>
-              <a:t>" </a:t>
-            </a:r>
-            <a:r>
-              <a:rPr lang="de-CH" i="1" dirty="0">
-                <a:solidFill>
-                  <a:srgbClr val="7F007F"/>
-                </a:solidFill>
-                <a:latin typeface="Consolas" panose="020B0609020204030204" pitchFamily="49" charset="0"/>
-              </a:rPr>
-              <a:t>transaction-type</a:t>
-            </a:r>
-            <a:r>
-              <a:rPr lang="de-CH" i="1" dirty="0">
-                <a:solidFill>
-                  <a:srgbClr val="000000"/>
-                </a:solidFill>
-                <a:latin typeface="Consolas" panose="020B0609020204030204" pitchFamily="49" charset="0"/>
-              </a:rPr>
-              <a:t>=</a:t>
-            </a:r>
-            <a:r>
-              <a:rPr lang="de-CH" i="1" dirty="0">
-                <a:solidFill>
-                  <a:srgbClr val="2A00FF"/>
-                </a:solidFill>
-                <a:latin typeface="Consolas" panose="020B0609020204030204" pitchFamily="49" charset="0"/>
-              </a:rPr>
-              <a:t>"RESOURCE_LOCAL"</a:t>
-            </a:r>
-            <a:r>
-              <a:rPr lang="de-CH" i="1" dirty="0">
-                <a:solidFill>
-                  <a:srgbClr val="008080"/>
-                </a:solidFill>
-                <a:latin typeface="Consolas" panose="020B0609020204030204" pitchFamily="49" charset="0"/>
-              </a:rPr>
-              <a:t>&gt;</a:t>
-            </a:r>
-          </a:p>
-          <a:p>
-            <a:pPr marL="0" indent="0">
-              <a:buNone/>
-            </a:pPr>
-            <a:r>
-              <a:rPr lang="de-CH" dirty="0">
-                <a:solidFill>
-                  <a:srgbClr val="000000"/>
-                </a:solidFill>
-                <a:latin typeface="Consolas" panose="020B0609020204030204" pitchFamily="49" charset="0"/>
-              </a:rPr>
-              <a:t>        </a:t>
-            </a:r>
-            <a:r>
-              <a:rPr lang="de-CH" dirty="0">
-                <a:solidFill>
-                  <a:srgbClr val="008080"/>
-                </a:solidFill>
-                <a:latin typeface="Consolas" panose="020B0609020204030204" pitchFamily="49" charset="0"/>
-              </a:rPr>
-              <a:t>&lt;</a:t>
-            </a:r>
-            <a:r>
-              <a:rPr lang="de-CH" dirty="0" err="1">
-                <a:solidFill>
-                  <a:srgbClr val="3F7F7F"/>
-                </a:solidFill>
-                <a:latin typeface="Consolas" panose="020B0609020204030204" pitchFamily="49" charset="0"/>
-              </a:rPr>
-              <a:t>provider</a:t>
-            </a:r>
-            <a:r>
-              <a:rPr lang="de-CH" dirty="0">
-                <a:solidFill>
-                  <a:srgbClr val="008080"/>
-                </a:solidFill>
-                <a:latin typeface="Consolas" panose="020B0609020204030204" pitchFamily="49" charset="0"/>
-              </a:rPr>
-              <a:t>&gt;</a:t>
-            </a:r>
-            <a:r>
-              <a:rPr lang="de-CH" dirty="0" err="1">
-                <a:solidFill>
-                  <a:srgbClr val="000000"/>
-                </a:solidFill>
-                <a:latin typeface="Consolas" panose="020B0609020204030204" pitchFamily="49" charset="0"/>
-              </a:rPr>
-              <a:t>org.eclipse.persistence.jpa.PersistenceProvider</a:t>
-            </a:r>
-            <a:r>
-              <a:rPr lang="de-CH" dirty="0">
-                <a:solidFill>
-                  <a:srgbClr val="008080"/>
-                </a:solidFill>
-                <a:latin typeface="Consolas" panose="020B0609020204030204" pitchFamily="49" charset="0"/>
-              </a:rPr>
-              <a:t>&lt;/</a:t>
-            </a:r>
-            <a:r>
-              <a:rPr lang="de-CH" dirty="0" err="1">
-                <a:solidFill>
-                  <a:srgbClr val="3F7F7F"/>
-                </a:solidFill>
-                <a:latin typeface="Consolas" panose="020B0609020204030204" pitchFamily="49" charset="0"/>
-              </a:rPr>
-              <a:t>provider</a:t>
-            </a:r>
-            <a:r>
-              <a:rPr lang="de-CH" dirty="0">
-                <a:solidFill>
-                  <a:srgbClr val="008080"/>
-                </a:solidFill>
-                <a:latin typeface="Consolas" panose="020B0609020204030204" pitchFamily="49" charset="0"/>
-              </a:rPr>
-              <a:t>&gt;</a:t>
-            </a:r>
-          </a:p>
-          <a:p>
-            <a:pPr marL="0" indent="0">
-              <a:buNone/>
-            </a:pPr>
-            <a:r>
-              <a:rPr lang="de-CH" dirty="0">
-                <a:solidFill>
-                  <a:srgbClr val="000000"/>
-                </a:solidFill>
-                <a:latin typeface="Consolas" panose="020B0609020204030204" pitchFamily="49" charset="0"/>
-              </a:rPr>
-              <a:t>        </a:t>
-            </a:r>
-            <a:r>
-              <a:rPr lang="de-CH" dirty="0">
-                <a:solidFill>
-                  <a:srgbClr val="008080"/>
-                </a:solidFill>
-                <a:latin typeface="Consolas" panose="020B0609020204030204" pitchFamily="49" charset="0"/>
-              </a:rPr>
-              <a:t>&lt;</a:t>
-            </a:r>
-            <a:r>
-              <a:rPr lang="de-CH" dirty="0" err="1">
-                <a:solidFill>
-                  <a:srgbClr val="3F7F7F"/>
-                </a:solidFill>
-                <a:latin typeface="Consolas" panose="020B0609020204030204" pitchFamily="49" charset="0"/>
-              </a:rPr>
-              <a:t>class</a:t>
-            </a:r>
-            <a:r>
-              <a:rPr lang="de-CH" dirty="0">
-                <a:solidFill>
-                  <a:srgbClr val="008080"/>
-                </a:solidFill>
-                <a:latin typeface="Consolas" panose="020B0609020204030204" pitchFamily="49" charset="0"/>
-              </a:rPr>
-              <a:t>&gt;</a:t>
-            </a:r>
-            <a:r>
-              <a:rPr lang="de-CH" dirty="0">
-                <a:solidFill>
-                  <a:srgbClr val="000000"/>
-                </a:solidFill>
-                <a:latin typeface="Consolas" panose="020B0609020204030204" pitchFamily="49" charset="0"/>
-              </a:rPr>
-              <a:t>ch.bfh.bti7081.s2017.blue.BorderlineCare.UI.model.Contact</a:t>
-            </a:r>
-            <a:r>
-              <a:rPr lang="de-CH" dirty="0">
-                <a:solidFill>
-                  <a:srgbClr val="008080"/>
-                </a:solidFill>
-                <a:latin typeface="Consolas" panose="020B0609020204030204" pitchFamily="49" charset="0"/>
-              </a:rPr>
-              <a:t>&lt;/</a:t>
-            </a:r>
-            <a:r>
-              <a:rPr lang="de-CH" dirty="0" err="1">
-                <a:solidFill>
-                  <a:srgbClr val="3F7F7F"/>
-                </a:solidFill>
-                <a:latin typeface="Consolas" panose="020B0609020204030204" pitchFamily="49" charset="0"/>
-              </a:rPr>
-              <a:t>class</a:t>
-            </a:r>
-            <a:r>
-              <a:rPr lang="de-CH" dirty="0">
-                <a:solidFill>
-                  <a:srgbClr val="008080"/>
-                </a:solidFill>
-                <a:latin typeface="Consolas" panose="020B0609020204030204" pitchFamily="49" charset="0"/>
-              </a:rPr>
-              <a:t>&gt;</a:t>
-            </a:r>
-          </a:p>
-          <a:p>
-            <a:pPr marL="0" indent="0">
-              <a:buNone/>
-            </a:pPr>
-            <a:r>
-              <a:rPr lang="de-CH" dirty="0">
-                <a:solidFill>
-                  <a:srgbClr val="000000"/>
-                </a:solidFill>
-                <a:latin typeface="Consolas" panose="020B0609020204030204" pitchFamily="49" charset="0"/>
-              </a:rPr>
-              <a:t>        </a:t>
-            </a:r>
-            <a:r>
-              <a:rPr lang="de-CH" dirty="0">
-                <a:solidFill>
-                  <a:srgbClr val="008080"/>
-                </a:solidFill>
-                <a:latin typeface="Consolas" panose="020B0609020204030204" pitchFamily="49" charset="0"/>
-              </a:rPr>
-              <a:t>&lt;</a:t>
-            </a:r>
-            <a:r>
-              <a:rPr lang="de-CH" dirty="0" err="1">
-                <a:solidFill>
-                  <a:srgbClr val="3F7F7F"/>
-                </a:solidFill>
-                <a:latin typeface="Consolas" panose="020B0609020204030204" pitchFamily="49" charset="0"/>
-              </a:rPr>
-              <a:t>class</a:t>
-            </a:r>
-            <a:r>
-              <a:rPr lang="de-CH" dirty="0">
-                <a:solidFill>
-                  <a:srgbClr val="008080"/>
-                </a:solidFill>
-                <a:latin typeface="Consolas" panose="020B0609020204030204" pitchFamily="49" charset="0"/>
-              </a:rPr>
-              <a:t>&gt;</a:t>
-            </a:r>
-            <a:r>
-              <a:rPr lang="de-CH" dirty="0">
-                <a:solidFill>
-                  <a:srgbClr val="000000"/>
-                </a:solidFill>
-                <a:latin typeface="Consolas" panose="020B0609020204030204" pitchFamily="49" charset="0"/>
-              </a:rPr>
-              <a:t>ch.bfh.bti7081.s2017.blue.BorderlineCare.UI.model.DiaryEntry</a:t>
-            </a:r>
-            <a:r>
-              <a:rPr lang="de-CH" dirty="0">
-                <a:solidFill>
-                  <a:srgbClr val="008080"/>
-                </a:solidFill>
-                <a:latin typeface="Consolas" panose="020B0609020204030204" pitchFamily="49" charset="0"/>
-              </a:rPr>
-              <a:t>&lt;/</a:t>
-            </a:r>
-            <a:r>
-              <a:rPr lang="de-CH" dirty="0" err="1">
-                <a:solidFill>
-                  <a:srgbClr val="3F7F7F"/>
-                </a:solidFill>
-                <a:latin typeface="Consolas" panose="020B0609020204030204" pitchFamily="49" charset="0"/>
-              </a:rPr>
-              <a:t>class</a:t>
-            </a:r>
-            <a:r>
-              <a:rPr lang="de-CH" dirty="0">
-                <a:solidFill>
-                  <a:srgbClr val="008080"/>
-                </a:solidFill>
-                <a:latin typeface="Consolas" panose="020B0609020204030204" pitchFamily="49" charset="0"/>
-              </a:rPr>
-              <a:t>&gt;</a:t>
-            </a:r>
-          </a:p>
-          <a:p>
-            <a:pPr marL="0" indent="0">
-              <a:buNone/>
-            </a:pPr>
-            <a:r>
-              <a:rPr lang="de-CH" dirty="0">
-                <a:solidFill>
-                  <a:srgbClr val="000000"/>
-                </a:solidFill>
-                <a:latin typeface="Consolas" panose="020B0609020204030204" pitchFamily="49" charset="0"/>
-              </a:rPr>
-              <a:t>        </a:t>
-            </a:r>
-            <a:r>
-              <a:rPr lang="de-CH" dirty="0">
-                <a:solidFill>
-                  <a:srgbClr val="008080"/>
-                </a:solidFill>
-                <a:latin typeface="Consolas" panose="020B0609020204030204" pitchFamily="49" charset="0"/>
-              </a:rPr>
-              <a:t>&lt;</a:t>
-            </a:r>
-            <a:r>
-              <a:rPr lang="de-CH" dirty="0" err="1">
-                <a:solidFill>
-                  <a:srgbClr val="3F7F7F"/>
-                </a:solidFill>
-                <a:latin typeface="Consolas" panose="020B0609020204030204" pitchFamily="49" charset="0"/>
-              </a:rPr>
-              <a:t>class</a:t>
-            </a:r>
-            <a:r>
-              <a:rPr lang="de-CH" dirty="0">
-                <a:solidFill>
-                  <a:srgbClr val="008080"/>
-                </a:solidFill>
-                <a:latin typeface="Consolas" panose="020B0609020204030204" pitchFamily="49" charset="0"/>
-              </a:rPr>
-              <a:t>&gt;</a:t>
-            </a:r>
-            <a:r>
-              <a:rPr lang="de-CH" dirty="0">
-                <a:solidFill>
-                  <a:srgbClr val="000000"/>
-                </a:solidFill>
-                <a:latin typeface="Consolas" panose="020B0609020204030204" pitchFamily="49" charset="0"/>
-              </a:rPr>
-              <a:t>ch.bfh.bti7081.s2017.blue.BorderlineCare.UI.model.exercise.CalmDownExercise</a:t>
-            </a:r>
-            <a:r>
-              <a:rPr lang="de-CH" dirty="0">
-                <a:solidFill>
-                  <a:srgbClr val="008080"/>
-                </a:solidFill>
-                <a:latin typeface="Consolas" panose="020B0609020204030204" pitchFamily="49" charset="0"/>
-              </a:rPr>
-              <a:t>&lt;/</a:t>
-            </a:r>
-            <a:r>
-              <a:rPr lang="de-CH" dirty="0" err="1">
-                <a:solidFill>
-                  <a:srgbClr val="3F7F7F"/>
-                </a:solidFill>
-                <a:latin typeface="Consolas" panose="020B0609020204030204" pitchFamily="49" charset="0"/>
-              </a:rPr>
-              <a:t>class</a:t>
-            </a:r>
-            <a:r>
-              <a:rPr lang="de-CH" dirty="0">
-                <a:solidFill>
-                  <a:srgbClr val="008080"/>
-                </a:solidFill>
-                <a:latin typeface="Consolas" panose="020B0609020204030204" pitchFamily="49" charset="0"/>
-              </a:rPr>
-              <a:t>&gt;</a:t>
-            </a:r>
-          </a:p>
-          <a:p>
-            <a:pPr marL="0" indent="0">
-              <a:buNone/>
-            </a:pPr>
-            <a:r>
-              <a:rPr lang="de-CH" dirty="0">
-                <a:solidFill>
-                  <a:srgbClr val="000000"/>
-                </a:solidFill>
-                <a:latin typeface="Consolas" panose="020B0609020204030204" pitchFamily="49" charset="0"/>
-              </a:rPr>
-              <a:t>        </a:t>
-            </a:r>
-            <a:r>
-              <a:rPr lang="de-CH" dirty="0">
-                <a:solidFill>
-                  <a:srgbClr val="008080"/>
-                </a:solidFill>
-                <a:latin typeface="Consolas" panose="020B0609020204030204" pitchFamily="49" charset="0"/>
-              </a:rPr>
-              <a:t>&lt;</a:t>
-            </a:r>
-            <a:r>
-              <a:rPr lang="de-CH" dirty="0" err="1">
-                <a:solidFill>
-                  <a:srgbClr val="3F7F7F"/>
-                </a:solidFill>
-                <a:latin typeface="Consolas" panose="020B0609020204030204" pitchFamily="49" charset="0"/>
-              </a:rPr>
-              <a:t>class</a:t>
-            </a:r>
-            <a:r>
-              <a:rPr lang="de-CH" dirty="0">
-                <a:solidFill>
-                  <a:srgbClr val="008080"/>
-                </a:solidFill>
-                <a:latin typeface="Consolas" panose="020B0609020204030204" pitchFamily="49" charset="0"/>
-              </a:rPr>
-              <a:t>&gt;</a:t>
-            </a:r>
-            <a:r>
-              <a:rPr lang="de-CH" dirty="0">
-                <a:solidFill>
-                  <a:srgbClr val="000000"/>
-                </a:solidFill>
-                <a:latin typeface="Consolas" panose="020B0609020204030204" pitchFamily="49" charset="0"/>
-              </a:rPr>
-              <a:t>ch.bfh.bti7081.s2017.blue.BorderlineCare.UI.model.login.LoginAccount</a:t>
-            </a:r>
-            <a:r>
-              <a:rPr lang="de-CH" dirty="0">
-                <a:solidFill>
-                  <a:srgbClr val="008080"/>
-                </a:solidFill>
-                <a:latin typeface="Consolas" panose="020B0609020204030204" pitchFamily="49" charset="0"/>
-              </a:rPr>
-              <a:t>&lt;/</a:t>
-            </a:r>
-            <a:r>
-              <a:rPr lang="de-CH" dirty="0" err="1">
-                <a:solidFill>
-                  <a:srgbClr val="3F7F7F"/>
-                </a:solidFill>
-                <a:latin typeface="Consolas" panose="020B0609020204030204" pitchFamily="49" charset="0"/>
-              </a:rPr>
-              <a:t>class</a:t>
-            </a:r>
-            <a:r>
-              <a:rPr lang="de-CH" dirty="0">
-                <a:solidFill>
-                  <a:srgbClr val="008080"/>
-                </a:solidFill>
-                <a:latin typeface="Consolas" panose="020B0609020204030204" pitchFamily="49" charset="0"/>
-              </a:rPr>
-              <a:t>&gt;</a:t>
-            </a:r>
-          </a:p>
-          <a:p>
-            <a:pPr marL="0" indent="0">
-              <a:buNone/>
-            </a:pPr>
-            <a:r>
-              <a:rPr lang="de-CH" dirty="0">
-                <a:solidFill>
-                  <a:srgbClr val="000000"/>
-                </a:solidFill>
-                <a:latin typeface="Consolas" panose="020B0609020204030204" pitchFamily="49" charset="0"/>
-              </a:rPr>
-              <a:t>        </a:t>
-            </a:r>
-            <a:r>
-              <a:rPr lang="de-CH" dirty="0">
-                <a:solidFill>
-                  <a:srgbClr val="008080"/>
-                </a:solidFill>
-                <a:latin typeface="Consolas" panose="020B0609020204030204" pitchFamily="49" charset="0"/>
-              </a:rPr>
-              <a:t>&lt;</a:t>
-            </a:r>
-            <a:r>
-              <a:rPr lang="de-CH" dirty="0" err="1">
-                <a:solidFill>
-                  <a:srgbClr val="3F7F7F"/>
-                </a:solidFill>
-                <a:latin typeface="Consolas" panose="020B0609020204030204" pitchFamily="49" charset="0"/>
-              </a:rPr>
-              <a:t>properties</a:t>
-            </a:r>
-            <a:r>
-              <a:rPr lang="de-CH" dirty="0">
-                <a:solidFill>
-                  <a:srgbClr val="008080"/>
-                </a:solidFill>
-                <a:latin typeface="Consolas" panose="020B0609020204030204" pitchFamily="49" charset="0"/>
-              </a:rPr>
-              <a:t>&gt;</a:t>
-            </a:r>
-          </a:p>
-          <a:p>
-            <a:pPr marL="0" indent="0">
-              <a:buNone/>
-            </a:pPr>
-            <a:r>
-              <a:rPr lang="de-CH" dirty="0">
-                <a:solidFill>
-                  <a:srgbClr val="000000"/>
-                </a:solidFill>
-                <a:latin typeface="Consolas" panose="020B0609020204030204" pitchFamily="49" charset="0"/>
-              </a:rPr>
-              <a:t>            </a:t>
-            </a:r>
-            <a:r>
-              <a:rPr lang="de-CH" dirty="0">
-                <a:solidFill>
-                  <a:srgbClr val="008080"/>
-                </a:solidFill>
-                <a:latin typeface="Consolas" panose="020B0609020204030204" pitchFamily="49" charset="0"/>
-              </a:rPr>
-              <a:t>&lt;</a:t>
-            </a:r>
-            <a:r>
-              <a:rPr lang="de-CH" dirty="0" err="1">
-                <a:solidFill>
-                  <a:srgbClr val="3F7F7F"/>
-                </a:solidFill>
-                <a:latin typeface="Consolas" panose="020B0609020204030204" pitchFamily="49" charset="0"/>
-              </a:rPr>
-              <a:t>property</a:t>
-            </a:r>
-            <a:r>
-              <a:rPr lang="de-CH" dirty="0">
-                <a:solidFill>
-                  <a:srgbClr val="3F7F7F"/>
-                </a:solidFill>
-                <a:latin typeface="Consolas" panose="020B0609020204030204" pitchFamily="49" charset="0"/>
-              </a:rPr>
-              <a:t> </a:t>
-            </a:r>
-            <a:r>
-              <a:rPr lang="de-CH" dirty="0" err="1">
-                <a:solidFill>
-                  <a:srgbClr val="7F007F"/>
-                </a:solidFill>
-                <a:latin typeface="Consolas" panose="020B0609020204030204" pitchFamily="49" charset="0"/>
-              </a:rPr>
-              <a:t>name</a:t>
-            </a:r>
-            <a:r>
-              <a:rPr lang="de-CH" dirty="0">
-                <a:solidFill>
-                  <a:srgbClr val="000000"/>
-                </a:solidFill>
-                <a:latin typeface="Consolas" panose="020B0609020204030204" pitchFamily="49" charset="0"/>
-              </a:rPr>
-              <a:t>=</a:t>
-            </a:r>
-            <a:r>
-              <a:rPr lang="de-CH" i="1" dirty="0">
-                <a:solidFill>
-                  <a:srgbClr val="2A00FF"/>
-                </a:solidFill>
-                <a:latin typeface="Consolas" panose="020B0609020204030204" pitchFamily="49" charset="0"/>
-              </a:rPr>
-              <a:t>"</a:t>
-            </a:r>
-            <a:r>
-              <a:rPr lang="de-CH" i="1" dirty="0" err="1">
-                <a:solidFill>
-                  <a:srgbClr val="2A00FF"/>
-                </a:solidFill>
-                <a:latin typeface="Consolas" panose="020B0609020204030204" pitchFamily="49" charset="0"/>
-              </a:rPr>
-              <a:t>javax.persistence.jdbc.driver</a:t>
-            </a:r>
-            <a:r>
-              <a:rPr lang="de-CH" i="1" dirty="0">
-                <a:solidFill>
-                  <a:srgbClr val="2A00FF"/>
-                </a:solidFill>
-                <a:latin typeface="Consolas" panose="020B0609020204030204" pitchFamily="49" charset="0"/>
-              </a:rPr>
-              <a:t>" </a:t>
-            </a:r>
-            <a:r>
-              <a:rPr lang="de-CH" i="1" dirty="0" err="1">
-                <a:solidFill>
-                  <a:srgbClr val="7F007F"/>
-                </a:solidFill>
-                <a:latin typeface="Consolas" panose="020B0609020204030204" pitchFamily="49" charset="0"/>
-              </a:rPr>
-              <a:t>value</a:t>
-            </a:r>
-            <a:r>
-              <a:rPr lang="de-CH" i="1" dirty="0">
-                <a:solidFill>
-                  <a:srgbClr val="000000"/>
-                </a:solidFill>
-                <a:latin typeface="Consolas" panose="020B0609020204030204" pitchFamily="49" charset="0"/>
-              </a:rPr>
-              <a:t>=</a:t>
-            </a:r>
-            <a:r>
-              <a:rPr lang="de-CH" i="1" dirty="0">
-                <a:solidFill>
-                  <a:srgbClr val="2A00FF"/>
-                </a:solidFill>
-                <a:latin typeface="Consolas" panose="020B0609020204030204" pitchFamily="49" charset="0"/>
-              </a:rPr>
-              <a:t>"</a:t>
-            </a:r>
-            <a:r>
-              <a:rPr lang="de-CH" i="1" dirty="0" err="1">
-                <a:solidFill>
-                  <a:srgbClr val="2A00FF"/>
-                </a:solidFill>
-                <a:latin typeface="Consolas" panose="020B0609020204030204" pitchFamily="49" charset="0"/>
-              </a:rPr>
-              <a:t>com.mysql.jdbc.Driver</a:t>
-            </a:r>
-            <a:r>
-              <a:rPr lang="de-CH" i="1" dirty="0">
-                <a:solidFill>
-                  <a:srgbClr val="2A00FF"/>
-                </a:solidFill>
-                <a:latin typeface="Consolas" panose="020B0609020204030204" pitchFamily="49" charset="0"/>
-              </a:rPr>
-              <a:t>"</a:t>
-            </a:r>
-            <a:r>
-              <a:rPr lang="de-CH" i="1" dirty="0">
-                <a:solidFill>
-                  <a:srgbClr val="008080"/>
-                </a:solidFill>
-                <a:latin typeface="Consolas" panose="020B0609020204030204" pitchFamily="49" charset="0"/>
-              </a:rPr>
-              <a:t>/&gt;</a:t>
-            </a:r>
-          </a:p>
-          <a:p>
-            <a:pPr marL="0" indent="0">
-              <a:buNone/>
-            </a:pPr>
-            <a:r>
-              <a:rPr lang="de-CH" dirty="0">
-                <a:solidFill>
-                  <a:srgbClr val="000000"/>
-                </a:solidFill>
-                <a:latin typeface="Consolas" panose="020B0609020204030204" pitchFamily="49" charset="0"/>
-              </a:rPr>
-              <a:t>            </a:t>
-            </a:r>
-            <a:r>
-              <a:rPr lang="de-CH" dirty="0">
-                <a:solidFill>
-                  <a:srgbClr val="008080"/>
-                </a:solidFill>
-                <a:latin typeface="Consolas" panose="020B0609020204030204" pitchFamily="49" charset="0"/>
-              </a:rPr>
-              <a:t>&lt;</a:t>
-            </a:r>
-            <a:r>
-              <a:rPr lang="de-CH" dirty="0" err="1">
-                <a:solidFill>
-                  <a:srgbClr val="3F7F7F"/>
-                </a:solidFill>
-                <a:latin typeface="Consolas" panose="020B0609020204030204" pitchFamily="49" charset="0"/>
-              </a:rPr>
-              <a:t>property</a:t>
-            </a:r>
-            <a:r>
-              <a:rPr lang="de-CH" dirty="0">
-                <a:solidFill>
-                  <a:srgbClr val="3F7F7F"/>
-                </a:solidFill>
-                <a:latin typeface="Consolas" panose="020B0609020204030204" pitchFamily="49" charset="0"/>
-              </a:rPr>
-              <a:t> </a:t>
-            </a:r>
-            <a:r>
-              <a:rPr lang="de-CH" dirty="0" err="1">
-                <a:solidFill>
-                  <a:srgbClr val="7F007F"/>
-                </a:solidFill>
-                <a:latin typeface="Consolas" panose="020B0609020204030204" pitchFamily="49" charset="0"/>
-              </a:rPr>
-              <a:t>name</a:t>
-            </a:r>
-            <a:r>
-              <a:rPr lang="de-CH" dirty="0">
-                <a:solidFill>
-                  <a:srgbClr val="000000"/>
-                </a:solidFill>
-                <a:latin typeface="Consolas" panose="020B0609020204030204" pitchFamily="49" charset="0"/>
-              </a:rPr>
-              <a:t>=</a:t>
-            </a:r>
-            <a:r>
-              <a:rPr lang="de-CH" i="1" dirty="0">
-                <a:solidFill>
-                  <a:srgbClr val="2A00FF"/>
-                </a:solidFill>
-                <a:latin typeface="Consolas" panose="020B0609020204030204" pitchFamily="49" charset="0"/>
-              </a:rPr>
-              <a:t>"javax.persistence.jdbc.url" </a:t>
-            </a:r>
-            <a:r>
-              <a:rPr lang="de-CH" i="1" dirty="0" err="1">
-                <a:solidFill>
-                  <a:srgbClr val="7F007F"/>
-                </a:solidFill>
-                <a:latin typeface="Consolas" panose="020B0609020204030204" pitchFamily="49" charset="0"/>
-              </a:rPr>
-              <a:t>value</a:t>
-            </a:r>
-            <a:r>
-              <a:rPr lang="de-CH" i="1" dirty="0">
-                <a:solidFill>
-                  <a:srgbClr val="000000"/>
-                </a:solidFill>
-                <a:latin typeface="Consolas" panose="020B0609020204030204" pitchFamily="49" charset="0"/>
-              </a:rPr>
-              <a:t>=</a:t>
-            </a:r>
-            <a:r>
-              <a:rPr lang="de-CH" i="1" dirty="0">
-                <a:solidFill>
-                  <a:srgbClr val="2A00FF"/>
-                </a:solidFill>
-                <a:latin typeface="Consolas" panose="020B0609020204030204" pitchFamily="49" charset="0"/>
-              </a:rPr>
-              <a:t>"</a:t>
-            </a:r>
-            <a:r>
-              <a:rPr lang="de-CH" i="1" dirty="0" err="1">
-                <a:solidFill>
-                  <a:srgbClr val="2A00FF"/>
-                </a:solidFill>
-                <a:latin typeface="Consolas" panose="020B0609020204030204" pitchFamily="49" charset="0"/>
-              </a:rPr>
-              <a:t>jdbc:mysql</a:t>
-            </a:r>
-            <a:r>
-              <a:rPr lang="de-CH" i="1" dirty="0">
-                <a:solidFill>
-                  <a:srgbClr val="2A00FF"/>
-                </a:solidFill>
-                <a:latin typeface="Consolas" panose="020B0609020204030204" pitchFamily="49" charset="0"/>
-              </a:rPr>
-              <a:t>://</a:t>
-            </a:r>
-            <a:r>
-              <a:rPr lang="de-CH" i="1" dirty="0" err="1">
-                <a:solidFill>
-                  <a:srgbClr val="2A00FF"/>
-                </a:solidFill>
-                <a:latin typeface="Consolas" panose="020B0609020204030204" pitchFamily="49" charset="0"/>
-              </a:rPr>
-              <a:t>localhost</a:t>
-            </a:r>
-            <a:r>
-              <a:rPr lang="de-CH" i="1" dirty="0">
-                <a:solidFill>
-                  <a:srgbClr val="2A00FF"/>
-                </a:solidFill>
-                <a:latin typeface="Consolas" panose="020B0609020204030204" pitchFamily="49" charset="0"/>
-              </a:rPr>
-              <a:t>/</a:t>
-            </a:r>
-            <a:r>
-              <a:rPr lang="de-CH" i="1" dirty="0" err="1">
-                <a:solidFill>
-                  <a:srgbClr val="2A00FF"/>
-                </a:solidFill>
-                <a:latin typeface="Consolas" panose="020B0609020204030204" pitchFamily="49" charset="0"/>
-              </a:rPr>
-              <a:t>borderlinecare?useTimezone</a:t>
-            </a:r>
-            <a:r>
-              <a:rPr lang="de-CH" i="1" dirty="0">
-                <a:solidFill>
-                  <a:srgbClr val="2A00FF"/>
-                </a:solidFill>
-                <a:latin typeface="Consolas" panose="020B0609020204030204" pitchFamily="49" charset="0"/>
-              </a:rPr>
-              <a:t>=</a:t>
-            </a:r>
-            <a:r>
-              <a:rPr lang="de-CH" i="1" dirty="0" err="1">
-                <a:solidFill>
-                  <a:srgbClr val="2A00FF"/>
-                </a:solidFill>
-                <a:latin typeface="Consolas" panose="020B0609020204030204" pitchFamily="49" charset="0"/>
-              </a:rPr>
-              <a:t>true&amp;amp;serverTimezone</a:t>
-            </a:r>
-            <a:r>
-              <a:rPr lang="de-CH" i="1" dirty="0">
-                <a:solidFill>
-                  <a:srgbClr val="2A00FF"/>
-                </a:solidFill>
-                <a:latin typeface="Consolas" panose="020B0609020204030204" pitchFamily="49" charset="0"/>
-              </a:rPr>
-              <a:t>=UTC"</a:t>
-            </a:r>
-            <a:r>
-              <a:rPr lang="de-CH" i="1" dirty="0">
-                <a:solidFill>
-                  <a:srgbClr val="008080"/>
-                </a:solidFill>
-                <a:latin typeface="Consolas" panose="020B0609020204030204" pitchFamily="49" charset="0"/>
-              </a:rPr>
-              <a:t>/&gt;</a:t>
-            </a:r>
-          </a:p>
-          <a:p>
-            <a:pPr marL="0" indent="0">
-              <a:buNone/>
-            </a:pPr>
-            <a:r>
-              <a:rPr lang="de-CH" dirty="0">
-                <a:solidFill>
-                  <a:srgbClr val="000000"/>
-                </a:solidFill>
-                <a:latin typeface="Consolas" panose="020B0609020204030204" pitchFamily="49" charset="0"/>
-              </a:rPr>
-              <a:t>            </a:t>
-            </a:r>
-            <a:r>
-              <a:rPr lang="de-CH" dirty="0">
-                <a:solidFill>
-                  <a:srgbClr val="008080"/>
-                </a:solidFill>
-                <a:latin typeface="Consolas" panose="020B0609020204030204" pitchFamily="49" charset="0"/>
-              </a:rPr>
-              <a:t>&lt;</a:t>
-            </a:r>
-            <a:r>
-              <a:rPr lang="de-CH" dirty="0" err="1">
-                <a:solidFill>
-                  <a:srgbClr val="3F7F7F"/>
-                </a:solidFill>
-                <a:latin typeface="Consolas" panose="020B0609020204030204" pitchFamily="49" charset="0"/>
-              </a:rPr>
-              <a:t>property</a:t>
-            </a:r>
-            <a:r>
-              <a:rPr lang="de-CH" dirty="0">
-                <a:solidFill>
-                  <a:srgbClr val="3F7F7F"/>
-                </a:solidFill>
-                <a:latin typeface="Consolas" panose="020B0609020204030204" pitchFamily="49" charset="0"/>
-              </a:rPr>
-              <a:t> </a:t>
-            </a:r>
-            <a:r>
-              <a:rPr lang="de-CH" dirty="0" err="1">
-                <a:solidFill>
-                  <a:srgbClr val="7F007F"/>
-                </a:solidFill>
-                <a:latin typeface="Consolas" panose="020B0609020204030204" pitchFamily="49" charset="0"/>
-              </a:rPr>
-              <a:t>name</a:t>
-            </a:r>
-            <a:r>
-              <a:rPr lang="de-CH" dirty="0">
-                <a:solidFill>
-                  <a:srgbClr val="000000"/>
-                </a:solidFill>
-                <a:latin typeface="Consolas" panose="020B0609020204030204" pitchFamily="49" charset="0"/>
-              </a:rPr>
-              <a:t>=</a:t>
-            </a:r>
-            <a:r>
-              <a:rPr lang="de-CH" i="1" dirty="0">
-                <a:solidFill>
-                  <a:srgbClr val="2A00FF"/>
-                </a:solidFill>
-                <a:latin typeface="Consolas" panose="020B0609020204030204" pitchFamily="49" charset="0"/>
-              </a:rPr>
-              <a:t>"</a:t>
-            </a:r>
-            <a:r>
-              <a:rPr lang="de-CH" i="1" dirty="0" err="1">
-                <a:solidFill>
-                  <a:srgbClr val="2A00FF"/>
-                </a:solidFill>
-                <a:latin typeface="Consolas" panose="020B0609020204030204" pitchFamily="49" charset="0"/>
-              </a:rPr>
-              <a:t>javax.persistence.jdbc.user</a:t>
-            </a:r>
-            <a:r>
-              <a:rPr lang="de-CH" i="1" dirty="0">
-                <a:solidFill>
-                  <a:srgbClr val="2A00FF"/>
-                </a:solidFill>
-                <a:latin typeface="Consolas" panose="020B0609020204030204" pitchFamily="49" charset="0"/>
-              </a:rPr>
-              <a:t>" </a:t>
-            </a:r>
-            <a:r>
-              <a:rPr lang="de-CH" i="1" dirty="0" err="1">
-                <a:solidFill>
-                  <a:srgbClr val="7F007F"/>
-                </a:solidFill>
-                <a:latin typeface="Consolas" panose="020B0609020204030204" pitchFamily="49" charset="0"/>
-              </a:rPr>
-              <a:t>value</a:t>
-            </a:r>
-            <a:r>
-              <a:rPr lang="de-CH" i="1" dirty="0">
-                <a:solidFill>
-                  <a:srgbClr val="000000"/>
-                </a:solidFill>
-                <a:latin typeface="Consolas" panose="020B0609020204030204" pitchFamily="49" charset="0"/>
-              </a:rPr>
-              <a:t>=</a:t>
-            </a:r>
-            <a:r>
-              <a:rPr lang="de-CH" i="1" dirty="0">
-                <a:solidFill>
-                  <a:srgbClr val="2A00FF"/>
-                </a:solidFill>
-                <a:latin typeface="Consolas" panose="020B0609020204030204" pitchFamily="49" charset="0"/>
-              </a:rPr>
-              <a:t>"</a:t>
-            </a:r>
-            <a:r>
-              <a:rPr lang="de-CH" i="1" dirty="0" err="1">
-                <a:solidFill>
-                  <a:srgbClr val="2A00FF"/>
-                </a:solidFill>
-                <a:latin typeface="Consolas" panose="020B0609020204030204" pitchFamily="49" charset="0"/>
-              </a:rPr>
-              <a:t>root</a:t>
-            </a:r>
-            <a:r>
-              <a:rPr lang="de-CH" i="1" dirty="0">
-                <a:solidFill>
-                  <a:srgbClr val="2A00FF"/>
-                </a:solidFill>
-                <a:latin typeface="Consolas" panose="020B0609020204030204" pitchFamily="49" charset="0"/>
-              </a:rPr>
-              <a:t>"</a:t>
-            </a:r>
-            <a:r>
-              <a:rPr lang="de-CH" i="1" dirty="0">
-                <a:solidFill>
-                  <a:srgbClr val="008080"/>
-                </a:solidFill>
-                <a:latin typeface="Consolas" panose="020B0609020204030204" pitchFamily="49" charset="0"/>
-              </a:rPr>
-              <a:t>/&gt;</a:t>
-            </a:r>
-          </a:p>
-          <a:p>
-            <a:pPr marL="0" indent="0">
-              <a:buNone/>
-            </a:pPr>
-            <a:r>
-              <a:rPr lang="de-CH" dirty="0">
-                <a:solidFill>
-                  <a:srgbClr val="000000"/>
-                </a:solidFill>
-                <a:latin typeface="Consolas" panose="020B0609020204030204" pitchFamily="49" charset="0"/>
-              </a:rPr>
-              <a:t>            </a:t>
-            </a:r>
-            <a:r>
-              <a:rPr lang="de-CH" dirty="0">
-                <a:solidFill>
-                  <a:srgbClr val="008080"/>
-                </a:solidFill>
-                <a:latin typeface="Consolas" panose="020B0609020204030204" pitchFamily="49" charset="0"/>
-              </a:rPr>
-              <a:t>&lt;</a:t>
-            </a:r>
-            <a:r>
-              <a:rPr lang="de-CH" dirty="0" err="1">
-                <a:solidFill>
-                  <a:srgbClr val="3F7F7F"/>
-                </a:solidFill>
-                <a:latin typeface="Consolas" panose="020B0609020204030204" pitchFamily="49" charset="0"/>
-              </a:rPr>
-              <a:t>property</a:t>
-            </a:r>
-            <a:r>
-              <a:rPr lang="de-CH" dirty="0">
-                <a:solidFill>
-                  <a:srgbClr val="3F7F7F"/>
-                </a:solidFill>
-                <a:latin typeface="Consolas" panose="020B0609020204030204" pitchFamily="49" charset="0"/>
-              </a:rPr>
-              <a:t> </a:t>
-            </a:r>
-            <a:r>
-              <a:rPr lang="de-CH" dirty="0" err="1">
-                <a:solidFill>
-                  <a:srgbClr val="7F007F"/>
-                </a:solidFill>
-                <a:latin typeface="Consolas" panose="020B0609020204030204" pitchFamily="49" charset="0"/>
-              </a:rPr>
-              <a:t>name</a:t>
-            </a:r>
-            <a:r>
-              <a:rPr lang="de-CH" dirty="0">
-                <a:solidFill>
-                  <a:srgbClr val="000000"/>
-                </a:solidFill>
-                <a:latin typeface="Consolas" panose="020B0609020204030204" pitchFamily="49" charset="0"/>
-              </a:rPr>
-              <a:t>=</a:t>
-            </a:r>
-            <a:r>
-              <a:rPr lang="de-CH" i="1" dirty="0">
-                <a:solidFill>
-                  <a:srgbClr val="2A00FF"/>
-                </a:solidFill>
-                <a:latin typeface="Consolas" panose="020B0609020204030204" pitchFamily="49" charset="0"/>
-              </a:rPr>
-              <a:t>"</a:t>
-            </a:r>
-            <a:r>
-              <a:rPr lang="de-CH" i="1" dirty="0" err="1">
-                <a:solidFill>
-                  <a:srgbClr val="2A00FF"/>
-                </a:solidFill>
-                <a:latin typeface="Consolas" panose="020B0609020204030204" pitchFamily="49" charset="0"/>
-              </a:rPr>
-              <a:t>javax.persistence.jdbc.password</a:t>
-            </a:r>
-            <a:r>
-              <a:rPr lang="de-CH" i="1" dirty="0">
-                <a:solidFill>
-                  <a:srgbClr val="2A00FF"/>
-                </a:solidFill>
-                <a:latin typeface="Consolas" panose="020B0609020204030204" pitchFamily="49" charset="0"/>
-              </a:rPr>
-              <a:t>" </a:t>
-            </a:r>
-            <a:r>
-              <a:rPr lang="de-CH" i="1" dirty="0" err="1">
-                <a:solidFill>
-                  <a:srgbClr val="7F007F"/>
-                </a:solidFill>
-                <a:latin typeface="Consolas" panose="020B0609020204030204" pitchFamily="49" charset="0"/>
-              </a:rPr>
-              <a:t>value</a:t>
-            </a:r>
-            <a:r>
-              <a:rPr lang="de-CH" i="1" dirty="0">
-                <a:solidFill>
-                  <a:srgbClr val="000000"/>
-                </a:solidFill>
-                <a:latin typeface="Consolas" panose="020B0609020204030204" pitchFamily="49" charset="0"/>
-              </a:rPr>
-              <a:t>=</a:t>
-            </a:r>
-            <a:r>
-              <a:rPr lang="de-CH" i="1" dirty="0">
-                <a:solidFill>
-                  <a:srgbClr val="2A00FF"/>
-                </a:solidFill>
-                <a:latin typeface="Consolas" panose="020B0609020204030204" pitchFamily="49" charset="0"/>
-              </a:rPr>
-              <a:t>"22JrCCM5$"</a:t>
-            </a:r>
-            <a:r>
-              <a:rPr lang="de-CH" i="1" dirty="0">
-                <a:solidFill>
-                  <a:srgbClr val="008080"/>
-                </a:solidFill>
-                <a:latin typeface="Consolas" panose="020B0609020204030204" pitchFamily="49" charset="0"/>
-              </a:rPr>
-              <a:t>/&gt;</a:t>
-            </a:r>
-          </a:p>
-          <a:p>
-            <a:pPr marL="0" indent="0">
-              <a:buNone/>
-            </a:pPr>
-            <a:r>
-              <a:rPr lang="en-US" dirty="0">
-                <a:solidFill>
-                  <a:srgbClr val="3F5FBF"/>
-                </a:solidFill>
-                <a:latin typeface="Consolas" panose="020B0609020204030204" pitchFamily="49" charset="0"/>
-              </a:rPr>
-              <a:t>&lt;!--             &lt;property name="</a:t>
-            </a:r>
-            <a:r>
-              <a:rPr lang="en-US" dirty="0" err="1">
-                <a:solidFill>
-                  <a:srgbClr val="3F5FBF"/>
-                </a:solidFill>
-                <a:latin typeface="Consolas" panose="020B0609020204030204" pitchFamily="49" charset="0"/>
-              </a:rPr>
-              <a:t>eclipselink.ddl</a:t>
-            </a:r>
-            <a:r>
-              <a:rPr lang="en-US" dirty="0">
-                <a:solidFill>
-                  <a:srgbClr val="3F5FBF"/>
-                </a:solidFill>
-                <a:latin typeface="Consolas" panose="020B0609020204030204" pitchFamily="49" charset="0"/>
-              </a:rPr>
-              <a:t>-generation" value="create-tables" /&gt; --&gt;</a:t>
-            </a:r>
-          </a:p>
-          <a:p>
-            <a:pPr marL="0" indent="0">
-              <a:buNone/>
-            </a:pPr>
-            <a:r>
-              <a:rPr lang="de-CH" dirty="0">
-                <a:solidFill>
-                  <a:srgbClr val="000000"/>
-                </a:solidFill>
-                <a:latin typeface="Consolas" panose="020B0609020204030204" pitchFamily="49" charset="0"/>
-              </a:rPr>
-              <a:t>        </a:t>
-            </a:r>
-            <a:r>
-              <a:rPr lang="de-CH" dirty="0">
-                <a:solidFill>
-                  <a:srgbClr val="008080"/>
-                </a:solidFill>
-                <a:latin typeface="Consolas" panose="020B0609020204030204" pitchFamily="49" charset="0"/>
-              </a:rPr>
-              <a:t>&lt;/</a:t>
-            </a:r>
-            <a:r>
-              <a:rPr lang="de-CH" dirty="0" err="1">
-                <a:solidFill>
-                  <a:srgbClr val="3F7F7F"/>
-                </a:solidFill>
-                <a:latin typeface="Consolas" panose="020B0609020204030204" pitchFamily="49" charset="0"/>
-              </a:rPr>
-              <a:t>properties</a:t>
-            </a:r>
-            <a:r>
-              <a:rPr lang="de-CH" dirty="0">
-                <a:solidFill>
-                  <a:srgbClr val="008080"/>
-                </a:solidFill>
-                <a:latin typeface="Consolas" panose="020B0609020204030204" pitchFamily="49" charset="0"/>
-              </a:rPr>
-              <a:t>&gt;</a:t>
-            </a:r>
-          </a:p>
-          <a:p>
-            <a:pPr marL="0" indent="0">
-              <a:buNone/>
-            </a:pPr>
-            <a:r>
-              <a:rPr lang="de-CH" dirty="0">
-                <a:solidFill>
-                  <a:srgbClr val="000000"/>
-                </a:solidFill>
-                <a:latin typeface="Consolas" panose="020B0609020204030204" pitchFamily="49" charset="0"/>
-              </a:rPr>
-              <a:t>    </a:t>
-            </a:r>
-            <a:r>
-              <a:rPr lang="de-CH" dirty="0">
-                <a:solidFill>
-                  <a:srgbClr val="008080"/>
-                </a:solidFill>
-                <a:latin typeface="Consolas" panose="020B0609020204030204" pitchFamily="49" charset="0"/>
-              </a:rPr>
-              <a:t>&lt;/</a:t>
-            </a:r>
-            <a:r>
-              <a:rPr lang="de-CH" dirty="0" err="1">
-                <a:solidFill>
-                  <a:srgbClr val="3F7F7F"/>
-                </a:solidFill>
-                <a:latin typeface="Consolas" panose="020B0609020204030204" pitchFamily="49" charset="0"/>
-              </a:rPr>
-              <a:t>persistence</a:t>
-            </a:r>
-            <a:r>
-              <a:rPr lang="de-CH" dirty="0">
-                <a:solidFill>
-                  <a:srgbClr val="3F7F7F"/>
-                </a:solidFill>
-                <a:latin typeface="Consolas" panose="020B0609020204030204" pitchFamily="49" charset="0"/>
-              </a:rPr>
-              <a:t>-unit</a:t>
-            </a:r>
-            <a:r>
-              <a:rPr lang="de-CH" dirty="0">
-                <a:solidFill>
-                  <a:srgbClr val="008080"/>
-                </a:solidFill>
-                <a:latin typeface="Consolas" panose="020B0609020204030204" pitchFamily="49" charset="0"/>
-              </a:rPr>
-              <a:t>&gt;</a:t>
-            </a:r>
-          </a:p>
-          <a:p>
-            <a:pPr marL="0" indent="0">
-              <a:buNone/>
-            </a:pPr>
-            <a:r>
-              <a:rPr lang="de-CH" dirty="0">
-                <a:solidFill>
-                  <a:srgbClr val="008080"/>
-                </a:solidFill>
-                <a:latin typeface="Consolas" panose="020B0609020204030204" pitchFamily="49" charset="0"/>
-              </a:rPr>
-              <a:t>&lt;/</a:t>
-            </a:r>
-            <a:r>
-              <a:rPr lang="de-CH" dirty="0" err="1">
-                <a:solidFill>
-                  <a:srgbClr val="3F7F7F"/>
-                </a:solidFill>
-                <a:latin typeface="Consolas" panose="020B0609020204030204" pitchFamily="49" charset="0"/>
-              </a:rPr>
-              <a:t>persistence</a:t>
+              <a:rPr lang="de-CH" b="1" dirty="0">
+                <a:solidFill>
+                  <a:srgbClr val="7F0055"/>
+                </a:solidFill>
+                <a:latin typeface="Consolas" panose="020B0609020204030204" pitchFamily="49" charset="0"/>
+              </a:rPr>
+              <a:t>private</a:t>
+            </a:r>
+            <a:r>
+              <a:rPr lang="de-CH" b="1" dirty="0">
+                <a:solidFill>
+                  <a:srgbClr val="000000"/>
+                </a:solidFill>
+                <a:latin typeface="Consolas" panose="020B0609020204030204" pitchFamily="49" charset="0"/>
+              </a:rPr>
+              <a:t> Set&lt;</a:t>
+            </a:r>
+            <a:r>
+              <a:rPr lang="de-CH" b="1" dirty="0" err="1">
+                <a:solidFill>
+                  <a:srgbClr val="000000"/>
+                </a:solidFill>
+                <a:latin typeface="Consolas" panose="020B0609020204030204" pitchFamily="49" charset="0"/>
+              </a:rPr>
+              <a:t>CalmDownExercise</a:t>
+            </a:r>
+            <a:r>
+              <a:rPr lang="de-CH" b="1" dirty="0">
+                <a:solidFill>
+                  <a:srgbClr val="000000"/>
+                </a:solidFill>
+                <a:latin typeface="Consolas" panose="020B0609020204030204" pitchFamily="49" charset="0"/>
+              </a:rPr>
+              <a:t>&gt; </a:t>
+            </a:r>
+            <a:r>
+              <a:rPr lang="de-CH" b="1" dirty="0" err="1">
+                <a:solidFill>
+                  <a:srgbClr val="0000C0"/>
+                </a:solidFill>
+                <a:latin typeface="Consolas" panose="020B0609020204030204" pitchFamily="49" charset="0"/>
+              </a:rPr>
+              <a:t>calmDownExercises</a:t>
+            </a:r>
+            <a:r>
+              <a:rPr lang="de-CH" b="1" dirty="0">
+                <a:solidFill>
+                  <a:srgbClr val="000000"/>
+                </a:solidFill>
+                <a:latin typeface="Consolas" panose="020B0609020204030204" pitchFamily="49" charset="0"/>
+              </a:rPr>
+              <a:t>;</a:t>
             </a:r>
             <a:endParaRPr lang="de-CH" dirty="0"/>
           </a:p>
@@ -5553,7 +5517,7 @@
     </p:spTree>
     <p:extLst>
       <p:ext uri="{BB962C8B-B14F-4D97-AF65-F5344CB8AC3E}">
-        <p14:creationId xmlns:p14="http://schemas.microsoft.com/office/powerpoint/2010/main" val="2133003563"/>
+        <p14:creationId xmlns:p14="http://schemas.microsoft.com/office/powerpoint/2010/main" val="252097818"/>
       </p:ext>
     </p:extLst>
   </p:cSld>
@@ -5582,7 +5546,13 @@
       </p:grpSpPr>
       <p:sp>
         <p:nvSpPr>
-          <p:cNvPr id="2" name="Titel 1"/>
+          <p:cNvPr id="2" name="Titel 1">
+            <a:extLst>
+              <a:ext uri="{FF2B5EF4-FFF2-40B4-BE49-F238E27FC236}">
+                <a16:creationId xmlns:a16="http://schemas.microsoft.com/office/drawing/2014/main" id="{018CCBB4-34F7-4042-8B5A-7ABE6B7B2746}"/>
+              </a:ext>
+            </a:extLst>
+          </p:cNvPr>
           <p:cNvSpPr>
             <a:spLocks noGrp="1"/>
           </p:cNvSpPr>
@@ -5596,8 +5566,8 @@
           <a:lstStyle/>
           <a:p>
             <a:r>
-              <a:rPr lang="de-CH" dirty="0" err="1"/>
-              <a:t>Contributions</a:t>
+              <a:rPr lang="en-US" dirty="0"/>
+              <a:t>Emergency Buttons</a:t>
             </a:r>
             <a:endParaRPr lang="de-CH" dirty="0"/>
           </a:p>
@@ -5608,7 +5578,7 @@
           <p:cNvPr id="3" name="Inhaltsplatzhalter 2">
             <a:extLst>
               <a:ext uri="{FF2B5EF4-FFF2-40B4-BE49-F238E27FC236}">
-                <a16:creationId xmlns:a16="http://schemas.microsoft.com/office/drawing/2014/main" id="{64638A87-DF53-41F7-80F1-05C8FBC11759}"/>
+                <a16:creationId xmlns:a16="http://schemas.microsoft.com/office/drawing/2014/main" id="{DB14BDEC-9AB4-4588-8A7C-560D4EE66141}"/>
               </a:ext>
             </a:extLst>
           </p:cNvPr>
@@ -5621,45 +5591,266 @@
         </p:nvSpPr>
         <p:spPr/>
         <p:txBody>
-          <a:bodyPr/>
-          <a:lstStyle/>
-          <a:p>
-            <a:r>
-              <a:rPr lang="en-US" dirty="0"/>
-              <a:t>Martin: Diary</a:t>
-            </a:r>
-          </a:p>
-          <a:p>
-            <a:r>
-              <a:rPr lang="en-US" dirty="0"/>
-              <a:t>André: Settings</a:t>
-            </a:r>
-          </a:p>
-          <a:p>
-            <a:r>
-              <a:rPr lang="en-US" dirty="0"/>
-              <a:t>Claudio: Login / Sign Up</a:t>
-            </a:r>
-          </a:p>
-          <a:p>
-            <a:r>
-              <a:rPr lang="en-US" dirty="0"/>
-              <a:t>Joël: Main View / Roaster</a:t>
-            </a:r>
-          </a:p>
-          <a:p>
-            <a:r>
-              <a:rPr lang="en-US" dirty="0"/>
-              <a:t>Patrick: Persistence / Scrum Master</a:t>
-            </a:r>
-            <a:endParaRPr lang="de-CH" dirty="0"/>
+          <a:bodyPr>
+            <a:normAutofit/>
+          </a:bodyPr>
+          <a:lstStyle/>
+          <a:p>
+            <a:pPr marL="0" indent="0">
+              <a:buNone/>
+            </a:pPr>
+            <a:r>
+              <a:rPr lang="en-US" sz="3200" b="1" dirty="0">
+                <a:solidFill>
+                  <a:srgbClr val="7F0055"/>
+                </a:solidFill>
+                <a:latin typeface="Consolas" panose="020B0609020204030204" pitchFamily="49" charset="0"/>
+              </a:rPr>
+              <a:t>public</a:t>
+            </a:r>
+            <a:r>
+              <a:rPr lang="en-US" sz="3200" b="1" dirty="0">
+                <a:solidFill>
+                  <a:srgbClr val="000000"/>
+                </a:solidFill>
+                <a:latin typeface="Consolas" panose="020B0609020204030204" pitchFamily="49" charset="0"/>
+              </a:rPr>
+              <a:t> String </a:t>
+            </a:r>
+            <a:r>
+              <a:rPr lang="en-US" sz="3200" b="1" dirty="0" err="1">
+                <a:solidFill>
+                  <a:srgbClr val="000000"/>
+                </a:solidFill>
+                <a:latin typeface="Consolas" panose="020B0609020204030204" pitchFamily="49" charset="0"/>
+              </a:rPr>
+              <a:t>getMessageLink</a:t>
+            </a:r>
+            <a:r>
+              <a:rPr lang="en-US" sz="3200" b="1" dirty="0">
+                <a:solidFill>
+                  <a:srgbClr val="000000"/>
+                </a:solidFill>
+                <a:latin typeface="Consolas" panose="020B0609020204030204" pitchFamily="49" charset="0"/>
+              </a:rPr>
+              <a:t>() </a:t>
+            </a:r>
+            <a:r>
+              <a:rPr lang="en-US" sz="3200" b="1" dirty="0">
+                <a:solidFill>
+                  <a:srgbClr val="7F0055"/>
+                </a:solidFill>
+                <a:latin typeface="Consolas" panose="020B0609020204030204" pitchFamily="49" charset="0"/>
+              </a:rPr>
+              <a:t>throws</a:t>
+            </a:r>
+            <a:r>
+              <a:rPr lang="en-US" sz="3200" b="1" dirty="0">
+                <a:solidFill>
+                  <a:srgbClr val="000000"/>
+                </a:solidFill>
+                <a:latin typeface="Consolas" panose="020B0609020204030204" pitchFamily="49" charset="0"/>
+              </a:rPr>
+              <a:t> Exception {</a:t>
+            </a:r>
+          </a:p>
+          <a:p>
+            <a:pPr marL="457200" lvl="1" indent="0">
+              <a:buNone/>
+            </a:pPr>
+            <a:r>
+              <a:rPr lang="en-US" sz="2800" b="1" dirty="0">
+                <a:solidFill>
+                  <a:srgbClr val="7F0055"/>
+                </a:solidFill>
+                <a:latin typeface="Consolas" panose="020B0609020204030204" pitchFamily="49" charset="0"/>
+              </a:rPr>
+              <a:t>…</a:t>
+            </a:r>
+            <a:endParaRPr lang="de-CH" sz="2800" dirty="0">
+              <a:solidFill>
+                <a:srgbClr val="000000"/>
+              </a:solidFill>
+              <a:latin typeface="Consolas" panose="020B0609020204030204" pitchFamily="49" charset="0"/>
+            </a:endParaRPr>
+          </a:p>
+          <a:p>
+            <a:pPr marL="457200" lvl="1" indent="0">
+              <a:buNone/>
+            </a:pPr>
+            <a:r>
+              <a:rPr lang="en-US" sz="2800" dirty="0">
+                <a:solidFill>
+                  <a:srgbClr val="000000"/>
+                </a:solidFill>
+                <a:latin typeface="Consolas" panose="020B0609020204030204" pitchFamily="49" charset="0"/>
+              </a:rPr>
+              <a:t>String body = </a:t>
+            </a:r>
+            <a:r>
+              <a:rPr lang="en-US" sz="2800" dirty="0">
+                <a:solidFill>
+                  <a:srgbClr val="2A00FF"/>
+                </a:solidFill>
+                <a:latin typeface="Consolas" panose="020B0609020204030204" pitchFamily="49" charset="0"/>
+              </a:rPr>
+              <a:t>"I need help."</a:t>
+            </a:r>
+            <a:r>
+              <a:rPr lang="en-US" sz="2800" dirty="0">
+                <a:solidFill>
+                  <a:srgbClr val="000000"/>
+                </a:solidFill>
+                <a:latin typeface="Consolas" panose="020B0609020204030204" pitchFamily="49" charset="0"/>
+              </a:rPr>
+              <a:t>;</a:t>
+            </a:r>
+          </a:p>
+          <a:p>
+            <a:pPr marL="457200" lvl="1" indent="0">
+              <a:buNone/>
+            </a:pPr>
+            <a:r>
+              <a:rPr lang="en-US" sz="2800" dirty="0">
+                <a:solidFill>
+                  <a:srgbClr val="000000"/>
+                </a:solidFill>
+                <a:latin typeface="Consolas" panose="020B0609020204030204" pitchFamily="49" charset="0"/>
+              </a:rPr>
+              <a:t>String </a:t>
+            </a:r>
+            <a:r>
+              <a:rPr lang="en-US" sz="2800" dirty="0" err="1">
+                <a:solidFill>
+                  <a:srgbClr val="000000"/>
+                </a:solidFill>
+                <a:latin typeface="Consolas" panose="020B0609020204030204" pitchFamily="49" charset="0"/>
+              </a:rPr>
+              <a:t>fullLink</a:t>
+            </a:r>
+            <a:r>
+              <a:rPr lang="en-US" sz="2800" dirty="0">
+                <a:solidFill>
+                  <a:srgbClr val="000000"/>
+                </a:solidFill>
+                <a:latin typeface="Consolas" panose="020B0609020204030204" pitchFamily="49" charset="0"/>
+              </a:rPr>
+              <a:t> = </a:t>
+            </a:r>
+            <a:r>
+              <a:rPr lang="en-US" sz="2800" dirty="0">
+                <a:solidFill>
+                  <a:srgbClr val="2A00FF"/>
+                </a:solidFill>
+                <a:latin typeface="Consolas" panose="020B0609020204030204" pitchFamily="49" charset="0"/>
+              </a:rPr>
+              <a:t>"</a:t>
+            </a:r>
+            <a:r>
+              <a:rPr lang="en-US" sz="2800" dirty="0" err="1">
+                <a:solidFill>
+                  <a:srgbClr val="2A00FF"/>
+                </a:solidFill>
+                <a:latin typeface="Consolas" panose="020B0609020204030204" pitchFamily="49" charset="0"/>
+              </a:rPr>
+              <a:t>sms</a:t>
+            </a:r>
+            <a:r>
+              <a:rPr lang="en-US" sz="2800" dirty="0">
+                <a:solidFill>
+                  <a:srgbClr val="2A00FF"/>
+                </a:solidFill>
+                <a:latin typeface="Consolas" panose="020B0609020204030204" pitchFamily="49" charset="0"/>
+              </a:rPr>
+              <a:t>://"</a:t>
+            </a:r>
+            <a:r>
+              <a:rPr lang="en-US" sz="2800" dirty="0">
+                <a:solidFill>
+                  <a:srgbClr val="000000"/>
+                </a:solidFill>
+                <a:latin typeface="Consolas" panose="020B0609020204030204" pitchFamily="49" charset="0"/>
+              </a:rPr>
+              <a:t> + </a:t>
+            </a:r>
+            <a:r>
+              <a:rPr lang="en-US" sz="2800" dirty="0" err="1">
+                <a:solidFill>
+                  <a:srgbClr val="000000"/>
+                </a:solidFill>
+                <a:latin typeface="Consolas" panose="020B0609020204030204" pitchFamily="49" charset="0"/>
+              </a:rPr>
+              <a:t>phoneNumber</a:t>
+            </a:r>
+            <a:r>
+              <a:rPr lang="en-US" sz="2800" dirty="0">
+                <a:solidFill>
+                  <a:srgbClr val="000000"/>
+                </a:solidFill>
+                <a:latin typeface="Consolas" panose="020B0609020204030204" pitchFamily="49" charset="0"/>
+              </a:rPr>
+              <a:t> + </a:t>
+            </a:r>
+            <a:r>
+              <a:rPr lang="en-US" sz="2800" dirty="0">
+                <a:solidFill>
+                  <a:srgbClr val="2A00FF"/>
+                </a:solidFill>
+                <a:latin typeface="Consolas" panose="020B0609020204030204" pitchFamily="49" charset="0"/>
+              </a:rPr>
+              <a:t>"?body="</a:t>
+            </a:r>
+            <a:r>
+              <a:rPr lang="en-US" sz="2800" dirty="0">
+                <a:solidFill>
+                  <a:srgbClr val="000000"/>
+                </a:solidFill>
+                <a:latin typeface="Consolas" panose="020B0609020204030204" pitchFamily="49" charset="0"/>
+              </a:rPr>
+              <a:t> + body; </a:t>
+            </a:r>
+          </a:p>
+          <a:p>
+            <a:pPr marL="457200" lvl="1" indent="0">
+              <a:buNone/>
+            </a:pPr>
+            <a:r>
+              <a:rPr lang="de-CH" sz="2800" dirty="0">
+                <a:solidFill>
+                  <a:srgbClr val="000000"/>
+                </a:solidFill>
+                <a:latin typeface="Consolas" panose="020B0609020204030204" pitchFamily="49" charset="0"/>
+              </a:rPr>
+              <a:t>…</a:t>
+            </a:r>
+            <a:endParaRPr lang="de-CH" sz="2800" b="1" dirty="0">
+              <a:solidFill>
+                <a:srgbClr val="000000"/>
+              </a:solidFill>
+              <a:latin typeface="Consolas" panose="020B0609020204030204" pitchFamily="49" charset="0"/>
+            </a:endParaRPr>
+          </a:p>
+          <a:p>
+            <a:pPr marL="0" indent="0">
+              <a:buNone/>
+            </a:pPr>
+            <a:r>
+              <a:rPr lang="de-CH" sz="3200" dirty="0">
+                <a:solidFill>
+                  <a:srgbClr val="000000"/>
+                </a:solidFill>
+                <a:latin typeface="Consolas" panose="020B0609020204030204" pitchFamily="49" charset="0"/>
+              </a:rPr>
+              <a:t>}</a:t>
+            </a:r>
+            <a:endParaRPr lang="de-CH" sz="3200" dirty="0"/>
           </a:p>
         </p:txBody>
       </p:sp>
     </p:spTree>
     <p:extLst>
       <p:ext uri="{BB962C8B-B14F-4D97-AF65-F5344CB8AC3E}">
-        <p14:creationId xmlns:p14="http://schemas.microsoft.com/office/powerpoint/2010/main" val="726713197"/>
+        <p14:creationId xmlns:p14="http://schemas.microsoft.com/office/powerpoint/2010/main" val="867228576"/>
       </p:ext>
     </p:extLst>
   </p:cSld>

--- a/doc/CS01/task14/cs1-task14-presentation.pptx
+++ b/doc/CS01/task14/cs1-task14-presentation.pptx
@@ -15,7 +15,7 @@
     <p:sldId id="276" r:id="rId9"/>
     <p:sldId id="275" r:id="rId10"/>
     <p:sldId id="264" r:id="rId11"/>
-    <p:sldId id="265" r:id="rId12"/>
+    <p:sldId id="277" r:id="rId12"/>
   </p:sldIdLst>
   <p:sldSz cx="12192000" cy="6858000"/>
   <p:notesSz cx="6858000" cy="9144000"/>
@@ -257,7 +257,7 @@
           <a:p>
             <a:fld id="{AEE3A045-6375-4E19-9858-CCC701FC405B}" type="datetimeFigureOut">
               <a:rPr lang="de-CH" smtClean="0"/>
-              <a:t>13.06.2017</a:t>
+              <a:t>15.06.2017</a:t>
             </a:fld>
             <a:endParaRPr lang="de-CH"/>
           </a:p>
@@ -299,7 +299,7 @@
           <a:p>
             <a:fld id="{902A4810-9EAF-40E3-8DD5-4DE595B6BF74}" type="slidenum">
               <a:rPr lang="de-CH" smtClean="0"/>
-              <a:t>‹Nr.›</a:t>
+              <a:t>‹#›</a:t>
             </a:fld>
             <a:endParaRPr lang="de-CH"/>
           </a:p>
@@ -427,7 +427,7 @@
           <a:p>
             <a:fld id="{AEE3A045-6375-4E19-9858-CCC701FC405B}" type="datetimeFigureOut">
               <a:rPr lang="de-CH" smtClean="0"/>
-              <a:t>13.06.2017</a:t>
+              <a:t>15.06.2017</a:t>
             </a:fld>
             <a:endParaRPr lang="de-CH"/>
           </a:p>
@@ -469,7 +469,7 @@
           <a:p>
             <a:fld id="{902A4810-9EAF-40E3-8DD5-4DE595B6BF74}" type="slidenum">
               <a:rPr lang="de-CH" smtClean="0"/>
-              <a:t>‹Nr.›</a:t>
+              <a:t>‹#›</a:t>
             </a:fld>
             <a:endParaRPr lang="de-CH"/>
           </a:p>
@@ -607,7 +607,7 @@
           <a:p>
             <a:fld id="{AEE3A045-6375-4E19-9858-CCC701FC405B}" type="datetimeFigureOut">
               <a:rPr lang="de-CH" smtClean="0"/>
-              <a:t>13.06.2017</a:t>
+              <a:t>15.06.2017</a:t>
             </a:fld>
             <a:endParaRPr lang="de-CH"/>
           </a:p>
@@ -649,7 +649,7 @@
           <a:p>
             <a:fld id="{902A4810-9EAF-40E3-8DD5-4DE595B6BF74}" type="slidenum">
               <a:rPr lang="de-CH" smtClean="0"/>
-              <a:t>‹Nr.›</a:t>
+              <a:t>‹#›</a:t>
             </a:fld>
             <a:endParaRPr lang="de-CH"/>
           </a:p>
@@ -777,7 +777,7 @@
           <a:p>
             <a:fld id="{AEE3A045-6375-4E19-9858-CCC701FC405B}" type="datetimeFigureOut">
               <a:rPr lang="de-CH" smtClean="0"/>
-              <a:t>13.06.2017</a:t>
+              <a:t>15.06.2017</a:t>
             </a:fld>
             <a:endParaRPr lang="de-CH"/>
           </a:p>
@@ -819,7 +819,7 @@
           <a:p>
             <a:fld id="{902A4810-9EAF-40E3-8DD5-4DE595B6BF74}" type="slidenum">
               <a:rPr lang="de-CH" smtClean="0"/>
-              <a:t>‹Nr.›</a:t>
+              <a:t>‹#›</a:t>
             </a:fld>
             <a:endParaRPr lang="de-CH"/>
           </a:p>
@@ -1023,7 +1023,7 @@
           <a:p>
             <a:fld id="{AEE3A045-6375-4E19-9858-CCC701FC405B}" type="datetimeFigureOut">
               <a:rPr lang="de-CH" smtClean="0"/>
-              <a:t>13.06.2017</a:t>
+              <a:t>15.06.2017</a:t>
             </a:fld>
             <a:endParaRPr lang="de-CH"/>
           </a:p>
@@ -1065,7 +1065,7 @@
           <a:p>
             <a:fld id="{902A4810-9EAF-40E3-8DD5-4DE595B6BF74}" type="slidenum">
               <a:rPr lang="de-CH" smtClean="0"/>
-              <a:t>‹Nr.›</a:t>
+              <a:t>‹#›</a:t>
             </a:fld>
             <a:endParaRPr lang="de-CH"/>
           </a:p>
@@ -1255,7 +1255,7 @@
           <a:p>
             <a:fld id="{AEE3A045-6375-4E19-9858-CCC701FC405B}" type="datetimeFigureOut">
               <a:rPr lang="de-CH" smtClean="0"/>
-              <a:t>13.06.2017</a:t>
+              <a:t>15.06.2017</a:t>
             </a:fld>
             <a:endParaRPr lang="de-CH"/>
           </a:p>
@@ -1297,7 +1297,7 @@
           <a:p>
             <a:fld id="{902A4810-9EAF-40E3-8DD5-4DE595B6BF74}" type="slidenum">
               <a:rPr lang="de-CH" smtClean="0"/>
-              <a:t>‹Nr.›</a:t>
+              <a:t>‹#›</a:t>
             </a:fld>
             <a:endParaRPr lang="de-CH"/>
           </a:p>
@@ -1622,7 +1622,7 @@
           <a:p>
             <a:fld id="{AEE3A045-6375-4E19-9858-CCC701FC405B}" type="datetimeFigureOut">
               <a:rPr lang="de-CH" smtClean="0"/>
-              <a:t>13.06.2017</a:t>
+              <a:t>15.06.2017</a:t>
             </a:fld>
             <a:endParaRPr lang="de-CH"/>
           </a:p>
@@ -1664,7 +1664,7 @@
           <a:p>
             <a:fld id="{902A4810-9EAF-40E3-8DD5-4DE595B6BF74}" type="slidenum">
               <a:rPr lang="de-CH" smtClean="0"/>
-              <a:t>‹Nr.›</a:t>
+              <a:t>‹#›</a:t>
             </a:fld>
             <a:endParaRPr lang="de-CH"/>
           </a:p>
@@ -1740,7 +1740,7 @@
           <a:p>
             <a:fld id="{AEE3A045-6375-4E19-9858-CCC701FC405B}" type="datetimeFigureOut">
               <a:rPr lang="de-CH" smtClean="0"/>
-              <a:t>13.06.2017</a:t>
+              <a:t>15.06.2017</a:t>
             </a:fld>
             <a:endParaRPr lang="de-CH"/>
           </a:p>
@@ -1782,7 +1782,7 @@
           <a:p>
             <a:fld id="{902A4810-9EAF-40E3-8DD5-4DE595B6BF74}" type="slidenum">
               <a:rPr lang="de-CH" smtClean="0"/>
-              <a:t>‹Nr.›</a:t>
+              <a:t>‹#›</a:t>
             </a:fld>
             <a:endParaRPr lang="de-CH"/>
           </a:p>
@@ -1835,7 +1835,7 @@
           <a:p>
             <a:fld id="{AEE3A045-6375-4E19-9858-CCC701FC405B}" type="datetimeFigureOut">
               <a:rPr lang="de-CH" smtClean="0"/>
-              <a:t>13.06.2017</a:t>
+              <a:t>15.06.2017</a:t>
             </a:fld>
             <a:endParaRPr lang="de-CH"/>
           </a:p>
@@ -1877,7 +1877,7 @@
           <a:p>
             <a:fld id="{902A4810-9EAF-40E3-8DD5-4DE595B6BF74}" type="slidenum">
               <a:rPr lang="de-CH" smtClean="0"/>
-              <a:t>‹Nr.›</a:t>
+              <a:t>‹#›</a:t>
             </a:fld>
             <a:endParaRPr lang="de-CH"/>
           </a:p>
@@ -2112,7 +2112,7 @@
           <a:p>
             <a:fld id="{AEE3A045-6375-4E19-9858-CCC701FC405B}" type="datetimeFigureOut">
               <a:rPr lang="de-CH" smtClean="0"/>
-              <a:t>13.06.2017</a:t>
+              <a:t>15.06.2017</a:t>
             </a:fld>
             <a:endParaRPr lang="de-CH"/>
           </a:p>
@@ -2154,7 +2154,7 @@
           <a:p>
             <a:fld id="{902A4810-9EAF-40E3-8DD5-4DE595B6BF74}" type="slidenum">
               <a:rPr lang="de-CH" smtClean="0"/>
-              <a:t>‹Nr.›</a:t>
+              <a:t>‹#›</a:t>
             </a:fld>
             <a:endParaRPr lang="de-CH"/>
           </a:p>
@@ -2365,7 +2365,7 @@
           <a:p>
             <a:fld id="{AEE3A045-6375-4E19-9858-CCC701FC405B}" type="datetimeFigureOut">
               <a:rPr lang="de-CH" smtClean="0"/>
-              <a:t>13.06.2017</a:t>
+              <a:t>15.06.2017</a:t>
             </a:fld>
             <a:endParaRPr lang="de-CH"/>
           </a:p>
@@ -2407,7 +2407,7 @@
           <a:p>
             <a:fld id="{902A4810-9EAF-40E3-8DD5-4DE595B6BF74}" type="slidenum">
               <a:rPr lang="de-CH" smtClean="0"/>
-              <a:t>‹Nr.›</a:t>
+              <a:t>‹#›</a:t>
             </a:fld>
             <a:endParaRPr lang="de-CH"/>
           </a:p>
@@ -2578,7 +2578,7 @@
           <a:p>
             <a:fld id="{AEE3A045-6375-4E19-9858-CCC701FC405B}" type="datetimeFigureOut">
               <a:rPr lang="de-CH" smtClean="0"/>
-              <a:t>13.06.2017</a:t>
+              <a:t>15.06.2017</a:t>
             </a:fld>
             <a:endParaRPr lang="de-CH"/>
           </a:p>
@@ -2656,7 +2656,7 @@
           <a:p>
             <a:fld id="{902A4810-9EAF-40E3-8DD5-4DE595B6BF74}" type="slidenum">
               <a:rPr lang="de-CH" smtClean="0"/>
-              <a:t>‹Nr.›</a:t>
+              <a:t>‹#›</a:t>
             </a:fld>
             <a:endParaRPr lang="de-CH"/>
           </a:p>
@@ -3091,7 +3091,7 @@
           <p:cNvPr id="3" name="Inhaltsplatzhalter 2">
             <a:extLst>
               <a:ext uri="{FF2B5EF4-FFF2-40B4-BE49-F238E27FC236}">
-                <a16:creationId xmlns:a16="http://schemas.microsoft.com/office/drawing/2014/main" id="{64638A87-DF53-41F7-80F1-05C8FBC11759}"/>
+                <a16:creationId xmlns:a16="http://schemas.microsoft.com/office/drawing/2014/main" xmlns="" id="{64638A87-DF53-41F7-80F1-05C8FBC11759}"/>
               </a:ext>
             </a:extLst>
           </p:cNvPr>
@@ -3171,7 +3171,7 @@
       </p:grpSpPr>
       <p:sp>
         <p:nvSpPr>
-          <p:cNvPr id="2" name="Titel 1"/>
+          <p:cNvPr id="2" name="Title 1"/>
           <p:cNvSpPr>
             <a:spLocks noGrp="1"/>
           </p:cNvSpPr>
@@ -3185,25 +3185,70 @@
           <a:lstStyle/>
           <a:p>
             <a:r>
-              <a:rPr lang="de-CH" dirty="0" err="1"/>
-              <a:t>Lessons</a:t>
-            </a:r>
-            <a:r>
               <a:rPr lang="de-CH" dirty="0"/>
-              <a:t> </a:t>
-            </a:r>
-            <a:r>
-              <a:rPr lang="de-CH" dirty="0" err="1"/>
-              <a:t>learnt</a:t>
-            </a:r>
+              <a:t>Lessons learnt</a:t>
+            </a:r>
+            <a:endParaRPr lang="en-GB" dirty="0"/>
+          </a:p>
+        </p:txBody>
+      </p:sp>
+      <p:sp>
+        <p:nvSpPr>
+          <p:cNvPr id="3" name="Content Placeholder 2"/>
+          <p:cNvSpPr>
+            <a:spLocks noGrp="1"/>
+          </p:cNvSpPr>
+          <p:nvPr>
+            <p:ph idx="1"/>
+          </p:nvPr>
+        </p:nvSpPr>
+        <p:spPr/>
+        <p:txBody>
+          <a:bodyPr/>
+          <a:lstStyle/>
+          <a:p>
+            <a:endParaRPr lang="de-CH" dirty="0" smtClean="0"/>
+          </a:p>
+          <a:p>
             <a:endParaRPr lang="de-CH" dirty="0"/>
+          </a:p>
+          <a:p>
+            <a:r>
+              <a:rPr lang="de-CH" dirty="0" smtClean="0"/>
+              <a:t>Scrum</a:t>
+            </a:r>
+          </a:p>
+          <a:p>
+            <a:r>
+              <a:rPr lang="de-CH" dirty="0" smtClean="0"/>
+              <a:t>MVP Pattern</a:t>
+            </a:r>
+          </a:p>
+          <a:p>
+            <a:r>
+              <a:rPr lang="de-CH" smtClean="0"/>
+              <a:t>State Event</a:t>
+            </a:r>
+            <a:endParaRPr lang="de-CH" dirty="0" smtClean="0"/>
+          </a:p>
+          <a:p>
+            <a:r>
+              <a:rPr lang="de-CH" dirty="0" smtClean="0"/>
+              <a:t>Schwierigkeiten bei Zusammenarbeit(pushen/pullen des Projekts)</a:t>
+            </a:r>
+          </a:p>
+          <a:p>
+            <a:pPr marL="0" indent="0">
+              <a:buNone/>
+            </a:pPr>
+            <a:endParaRPr lang="en-GB" dirty="0"/>
           </a:p>
         </p:txBody>
       </p:sp>
     </p:spTree>
     <p:extLst>
       <p:ext uri="{BB962C8B-B14F-4D97-AF65-F5344CB8AC3E}">
-        <p14:creationId xmlns:p14="http://schemas.microsoft.com/office/powerpoint/2010/main" val="2224598702"/>
+        <p14:creationId xmlns:p14="http://schemas.microsoft.com/office/powerpoint/2010/main" val="2652800997"/>
       </p:ext>
     </p:extLst>
   </p:cSld>
@@ -3311,7 +3356,7 @@
           <p:cNvPr id="4" name="Inhaltsplatzhalter 3">
             <a:extLst>
               <a:ext uri="{FF2B5EF4-FFF2-40B4-BE49-F238E27FC236}">
-                <a16:creationId xmlns:a16="http://schemas.microsoft.com/office/drawing/2014/main" id="{D9FD71CC-A5DA-4D69-827B-82904EA9C3AE}"/>
+                <a16:creationId xmlns:a16="http://schemas.microsoft.com/office/drawing/2014/main" xmlns="" id="{D9FD71CC-A5DA-4D69-827B-82904EA9C3AE}"/>
               </a:ext>
             </a:extLst>
           </p:cNvPr>
@@ -3366,7 +3411,7 @@
           <p:cNvPr id="2" name="Titel 1">
             <a:extLst>
               <a:ext uri="{FF2B5EF4-FFF2-40B4-BE49-F238E27FC236}">
-                <a16:creationId xmlns:a16="http://schemas.microsoft.com/office/drawing/2014/main" id="{DBB265B3-1DCA-48AB-ABFE-8ADAE010A7E1}"/>
+                <a16:creationId xmlns:a16="http://schemas.microsoft.com/office/drawing/2014/main" xmlns="" id="{DBB265B3-1DCA-48AB-ABFE-8ADAE010A7E1}"/>
               </a:ext>
             </a:extLst>
           </p:cNvPr>
@@ -3395,7 +3440,7 @@
           <p:cNvPr id="3" name="Inhaltsplatzhalter 2">
             <a:extLst>
               <a:ext uri="{FF2B5EF4-FFF2-40B4-BE49-F238E27FC236}">
-                <a16:creationId xmlns:a16="http://schemas.microsoft.com/office/drawing/2014/main" id="{ED592DAE-42C6-4200-8504-A267949FB9F7}"/>
+                <a16:creationId xmlns:a16="http://schemas.microsoft.com/office/drawing/2014/main" xmlns="" id="{ED592DAE-42C6-4200-8504-A267949FB9F7}"/>
               </a:ext>
             </a:extLst>
           </p:cNvPr>
@@ -3450,7 +3495,7 @@
           <p:cNvPr id="2" name="Titel 1">
             <a:extLst>
               <a:ext uri="{FF2B5EF4-FFF2-40B4-BE49-F238E27FC236}">
-                <a16:creationId xmlns:a16="http://schemas.microsoft.com/office/drawing/2014/main" id="{270A3D69-3227-41AA-91FE-85F7AFC6BFC0}"/>
+                <a16:creationId xmlns:a16="http://schemas.microsoft.com/office/drawing/2014/main" xmlns="" id="{270A3D69-3227-41AA-91FE-85F7AFC6BFC0}"/>
               </a:ext>
             </a:extLst>
           </p:cNvPr>
@@ -3479,7 +3524,7 @@
           <p:cNvPr id="3" name="Untertitel 2">
             <a:extLst>
               <a:ext uri="{FF2B5EF4-FFF2-40B4-BE49-F238E27FC236}">
-                <a16:creationId xmlns:a16="http://schemas.microsoft.com/office/drawing/2014/main" id="{A67DACA7-3592-4F74-A238-C4AF10FE90C3}"/>
+                <a16:creationId xmlns:a16="http://schemas.microsoft.com/office/drawing/2014/main" xmlns="" id="{A67DACA7-3592-4F74-A238-C4AF10FE90C3}"/>
               </a:ext>
             </a:extLst>
           </p:cNvPr>
@@ -3564,7 +3609,7 @@
           <p:cNvPr id="4" name="Inhaltsplatzhalter 3">
             <a:extLst>
               <a:ext uri="{FF2B5EF4-FFF2-40B4-BE49-F238E27FC236}">
-                <a16:creationId xmlns:a16="http://schemas.microsoft.com/office/drawing/2014/main" id="{1BE177C7-3EAB-4849-B4C7-09252070B93F}"/>
+                <a16:creationId xmlns:a16="http://schemas.microsoft.com/office/drawing/2014/main" xmlns="" id="{1BE177C7-3EAB-4849-B4C7-09252070B93F}"/>
               </a:ext>
             </a:extLst>
           </p:cNvPr>
@@ -3976,7 +4021,7 @@
           <p:cNvPr id="2" name="Titel 1">
             <a:extLst>
               <a:ext uri="{FF2B5EF4-FFF2-40B4-BE49-F238E27FC236}">
-                <a16:creationId xmlns:a16="http://schemas.microsoft.com/office/drawing/2014/main" id="{A8374660-D150-4433-B606-00CDC0EFC0D8}"/>
+                <a16:creationId xmlns:a16="http://schemas.microsoft.com/office/drawing/2014/main" xmlns="" id="{A8374660-D150-4433-B606-00CDC0EFC0D8}"/>
               </a:ext>
             </a:extLst>
           </p:cNvPr>
@@ -4005,7 +4050,7 @@
           <p:cNvPr id="3" name="Inhaltsplatzhalter 2">
             <a:extLst>
               <a:ext uri="{FF2B5EF4-FFF2-40B4-BE49-F238E27FC236}">
-                <a16:creationId xmlns:a16="http://schemas.microsoft.com/office/drawing/2014/main" id="{135645D6-6EDB-442C-9DA1-653A2790DC12}"/>
+                <a16:creationId xmlns:a16="http://schemas.microsoft.com/office/drawing/2014/main" xmlns="" id="{135645D6-6EDB-442C-9DA1-653A2790DC12}"/>
               </a:ext>
             </a:extLst>
           </p:cNvPr>
@@ -4953,7 +4998,7 @@
           <p:cNvPr id="3" name="Inhaltsplatzhalter 2">
             <a:extLst>
               <a:ext uri="{FF2B5EF4-FFF2-40B4-BE49-F238E27FC236}">
-                <a16:creationId xmlns:a16="http://schemas.microsoft.com/office/drawing/2014/main" id="{9FA8D05D-3264-44E6-8F29-A7D2A10D2DF0}"/>
+                <a16:creationId xmlns:a16="http://schemas.microsoft.com/office/drawing/2014/main" xmlns="" id="{9FA8D05D-3264-44E6-8F29-A7D2A10D2DF0}"/>
               </a:ext>
             </a:extLst>
           </p:cNvPr>
@@ -5549,7 +5594,7 @@
           <p:cNvPr id="2" name="Titel 1">
             <a:extLst>
               <a:ext uri="{FF2B5EF4-FFF2-40B4-BE49-F238E27FC236}">
-                <a16:creationId xmlns:a16="http://schemas.microsoft.com/office/drawing/2014/main" id="{018CCBB4-34F7-4042-8B5A-7ABE6B7B2746}"/>
+                <a16:creationId xmlns:a16="http://schemas.microsoft.com/office/drawing/2014/main" xmlns="" id="{018CCBB4-34F7-4042-8B5A-7ABE6B7B2746}"/>
               </a:ext>
             </a:extLst>
           </p:cNvPr>
@@ -5578,7 +5623,7 @@
           <p:cNvPr id="3" name="Inhaltsplatzhalter 2">
             <a:extLst>
               <a:ext uri="{FF2B5EF4-FFF2-40B4-BE49-F238E27FC236}">
-                <a16:creationId xmlns:a16="http://schemas.microsoft.com/office/drawing/2014/main" id="{DB14BDEC-9AB4-4588-8A7C-560D4EE66141}"/>
+                <a16:creationId xmlns:a16="http://schemas.microsoft.com/office/drawing/2014/main" xmlns="" id="{DB14BDEC-9AB4-4588-8A7C-560D4EE66141}"/>
               </a:ext>
             </a:extLst>
           </p:cNvPr>

--- a/doc/CS01/task14/cs1-task14-presentation.pptx
+++ b/doc/CS01/task14/cs1-task14-presentation.pptx
@@ -7,15 +7,14 @@
   <p:sldIdLst>
     <p:sldId id="261" r:id="rId2"/>
     <p:sldId id="270" r:id="rId3"/>
-    <p:sldId id="262" r:id="rId4"/>
-    <p:sldId id="271" r:id="rId5"/>
-    <p:sldId id="273" r:id="rId6"/>
-    <p:sldId id="263" r:id="rId7"/>
-    <p:sldId id="274" r:id="rId8"/>
-    <p:sldId id="276" r:id="rId9"/>
-    <p:sldId id="275" r:id="rId10"/>
-    <p:sldId id="264" r:id="rId11"/>
-    <p:sldId id="277" r:id="rId12"/>
+    <p:sldId id="273" r:id="rId4"/>
+    <p:sldId id="263" r:id="rId5"/>
+    <p:sldId id="274" r:id="rId6"/>
+    <p:sldId id="276" r:id="rId7"/>
+    <p:sldId id="275" r:id="rId8"/>
+    <p:sldId id="278" r:id="rId9"/>
+    <p:sldId id="264" r:id="rId10"/>
+    <p:sldId id="277" r:id="rId11"/>
   </p:sldIdLst>
   <p:sldSz cx="12192000" cy="6858000"/>
   <p:notesSz cx="6858000" cy="9144000"/>
@@ -299,7 +298,7 @@
           <a:p>
             <a:fld id="{902A4810-9EAF-40E3-8DD5-4DE595B6BF74}" type="slidenum">
               <a:rPr lang="de-CH" smtClean="0"/>
-              <a:t>‹#›</a:t>
+              <a:t>‹Nr.›</a:t>
             </a:fld>
             <a:endParaRPr lang="de-CH"/>
           </a:p>
@@ -469,7 +468,7 @@
           <a:p>
             <a:fld id="{902A4810-9EAF-40E3-8DD5-4DE595B6BF74}" type="slidenum">
               <a:rPr lang="de-CH" smtClean="0"/>
-              <a:t>‹#›</a:t>
+              <a:t>‹Nr.›</a:t>
             </a:fld>
             <a:endParaRPr lang="de-CH"/>
           </a:p>
@@ -649,7 +648,7 @@
           <a:p>
             <a:fld id="{902A4810-9EAF-40E3-8DD5-4DE595B6BF74}" type="slidenum">
               <a:rPr lang="de-CH" smtClean="0"/>
-              <a:t>‹#›</a:t>
+              <a:t>‹Nr.›</a:t>
             </a:fld>
             <a:endParaRPr lang="de-CH"/>
           </a:p>
@@ -819,7 +818,7 @@
           <a:p>
             <a:fld id="{902A4810-9EAF-40E3-8DD5-4DE595B6BF74}" type="slidenum">
               <a:rPr lang="de-CH" smtClean="0"/>
-              <a:t>‹#›</a:t>
+              <a:t>‹Nr.›</a:t>
             </a:fld>
             <a:endParaRPr lang="de-CH"/>
           </a:p>
@@ -1065,7 +1064,7 @@
           <a:p>
             <a:fld id="{902A4810-9EAF-40E3-8DD5-4DE595B6BF74}" type="slidenum">
               <a:rPr lang="de-CH" smtClean="0"/>
-              <a:t>‹#›</a:t>
+              <a:t>‹Nr.›</a:t>
             </a:fld>
             <a:endParaRPr lang="de-CH"/>
           </a:p>
@@ -1297,7 +1296,7 @@
           <a:p>
             <a:fld id="{902A4810-9EAF-40E3-8DD5-4DE595B6BF74}" type="slidenum">
               <a:rPr lang="de-CH" smtClean="0"/>
-              <a:t>‹#›</a:t>
+              <a:t>‹Nr.›</a:t>
             </a:fld>
             <a:endParaRPr lang="de-CH"/>
           </a:p>
@@ -1664,7 +1663,7 @@
           <a:p>
             <a:fld id="{902A4810-9EAF-40E3-8DD5-4DE595B6BF74}" type="slidenum">
               <a:rPr lang="de-CH" smtClean="0"/>
-              <a:t>‹#›</a:t>
+              <a:t>‹Nr.›</a:t>
             </a:fld>
             <a:endParaRPr lang="de-CH"/>
           </a:p>
@@ -1782,7 +1781,7 @@
           <a:p>
             <a:fld id="{902A4810-9EAF-40E3-8DD5-4DE595B6BF74}" type="slidenum">
               <a:rPr lang="de-CH" smtClean="0"/>
-              <a:t>‹#›</a:t>
+              <a:t>‹Nr.›</a:t>
             </a:fld>
             <a:endParaRPr lang="de-CH"/>
           </a:p>
@@ -1877,7 +1876,7 @@
           <a:p>
             <a:fld id="{902A4810-9EAF-40E3-8DD5-4DE595B6BF74}" type="slidenum">
               <a:rPr lang="de-CH" smtClean="0"/>
-              <a:t>‹#›</a:t>
+              <a:t>‹Nr.›</a:t>
             </a:fld>
             <a:endParaRPr lang="de-CH"/>
           </a:p>
@@ -2154,7 +2153,7 @@
           <a:p>
             <a:fld id="{902A4810-9EAF-40E3-8DD5-4DE595B6BF74}" type="slidenum">
               <a:rPr lang="de-CH" smtClean="0"/>
-              <a:t>‹#›</a:t>
+              <a:t>‹Nr.›</a:t>
             </a:fld>
             <a:endParaRPr lang="de-CH"/>
           </a:p>
@@ -2407,7 +2406,7 @@
           <a:p>
             <a:fld id="{902A4810-9EAF-40E3-8DD5-4DE595B6BF74}" type="slidenum">
               <a:rPr lang="de-CH" smtClean="0"/>
-              <a:t>‹#›</a:t>
+              <a:t>‹Nr.›</a:t>
             </a:fld>
             <a:endParaRPr lang="de-CH"/>
           </a:p>
@@ -2656,7 +2655,7 @@
           <a:p>
             <a:fld id="{902A4810-9EAF-40E3-8DD5-4DE595B6BF74}" type="slidenum">
               <a:rPr lang="de-CH" smtClean="0"/>
-              <a:t>‹#›</a:t>
+              <a:t>‹Nr.›</a:t>
             </a:fld>
             <a:endParaRPr lang="de-CH"/>
           </a:p>
@@ -3065,7 +3064,7 @@
       </p:grpSpPr>
       <p:sp>
         <p:nvSpPr>
-          <p:cNvPr id="2" name="Titel 1"/>
+          <p:cNvPr id="2" name="Title 1"/>
           <p:cNvSpPr>
             <a:spLocks noGrp="1"/>
           </p:cNvSpPr>
@@ -3079,22 +3078,16 @@
           <a:lstStyle/>
           <a:p>
             <a:r>
-              <a:rPr lang="de-CH" dirty="0" err="1"/>
-              <a:t>Contributions</a:t>
-            </a:r>
-            <a:endParaRPr lang="de-CH" dirty="0"/>
-          </a:p>
-        </p:txBody>
-      </p:sp>
-      <p:sp>
-        <p:nvSpPr>
-          <p:cNvPr id="3" name="Inhaltsplatzhalter 2">
-            <a:extLst>
-              <a:ext uri="{FF2B5EF4-FFF2-40B4-BE49-F238E27FC236}">
-                <a16:creationId xmlns:a16="http://schemas.microsoft.com/office/drawing/2014/main" xmlns="" id="{64638A87-DF53-41F7-80F1-05C8FBC11759}"/>
-              </a:ext>
-            </a:extLst>
-          </p:cNvPr>
+              <a:rPr lang="de-CH" dirty="0"/>
+              <a:t>Lessons learnt</a:t>
+            </a:r>
+            <a:endParaRPr lang="en-GB" dirty="0"/>
+          </a:p>
+        </p:txBody>
+      </p:sp>
+      <p:sp>
+        <p:nvSpPr>
+          <p:cNvPr id="3" name="Content Placeholder 2"/>
           <p:cNvSpPr>
             <a:spLocks noGrp="1"/>
           </p:cNvSpPr>
@@ -3109,131 +3102,38 @@
           <a:p>
             <a:r>
               <a:rPr lang="en-US" dirty="0"/>
-              <a:t>Martin: Diary</a:t>
-            </a:r>
+              <a:t>Iteration</a:t>
+            </a:r>
+            <a:endParaRPr lang="de-CH" dirty="0"/>
           </a:p>
           <a:p>
             <a:r>
               <a:rPr lang="en-US" dirty="0"/>
-              <a:t>André: Settings</a:t>
-            </a:r>
-          </a:p>
-          <a:p>
-            <a:r>
-              <a:rPr lang="en-US" dirty="0"/>
-              <a:t>Claudio: Login / Sign Up</a:t>
-            </a:r>
-          </a:p>
-          <a:p>
-            <a:r>
-              <a:rPr lang="en-US" dirty="0"/>
-              <a:t>Joël: Main View / Roaster</a:t>
-            </a:r>
-          </a:p>
-          <a:p>
-            <a:r>
-              <a:rPr lang="en-US" dirty="0"/>
-              <a:t>Patrick: Persistence / Scrum Master</a:t>
+              <a:t>Testing &amp; Modeling</a:t>
             </a:r>
             <a:endParaRPr lang="de-CH" dirty="0"/>
           </a:p>
-        </p:txBody>
-      </p:sp>
-    </p:spTree>
-    <p:extLst>
-      <p:ext uri="{BB962C8B-B14F-4D97-AF65-F5344CB8AC3E}">
-        <p14:creationId xmlns:p14="http://schemas.microsoft.com/office/powerpoint/2010/main" val="726713197"/>
-      </p:ext>
-    </p:extLst>
-  </p:cSld>
-  <p:clrMapOvr>
-    <a:masterClrMapping/>
-  </p:clrMapOvr>
-</p:sld>
-</file>
-
-<file path=ppt/slides/slide11.xml><?xml version="1.0" encoding="utf-8"?>
-<p:sld xmlns:a="http://schemas.openxmlformats.org/drawingml/2006/main" xmlns:r="http://schemas.openxmlformats.org/officeDocument/2006/relationships" xmlns:p="http://schemas.openxmlformats.org/presentationml/2006/main">
-  <p:cSld>
-    <p:spTree>
-      <p:nvGrpSpPr>
-        <p:cNvPr id="1" name=""/>
-        <p:cNvGrpSpPr/>
-        <p:nvPr/>
-      </p:nvGrpSpPr>
-      <p:grpSpPr>
-        <a:xfrm>
-          <a:off x="0" y="0"/>
-          <a:ext cx="0" cy="0"/>
-          <a:chOff x="0" y="0"/>
-          <a:chExt cx="0" cy="0"/>
-        </a:xfrm>
-      </p:grpSpPr>
-      <p:sp>
-        <p:nvSpPr>
-          <p:cNvPr id="2" name="Title 1"/>
-          <p:cNvSpPr>
-            <a:spLocks noGrp="1"/>
-          </p:cNvSpPr>
-          <p:nvPr>
-            <p:ph type="title"/>
-          </p:nvPr>
-        </p:nvSpPr>
-        <p:spPr/>
-        <p:txBody>
-          <a:bodyPr/>
-          <a:lstStyle/>
           <a:p>
             <a:r>
               <a:rPr lang="de-CH" dirty="0"/>
-              <a:t>Lessons learnt</a:t>
-            </a:r>
-            <a:endParaRPr lang="en-GB" dirty="0"/>
-          </a:p>
-        </p:txBody>
-      </p:sp>
-      <p:sp>
-        <p:nvSpPr>
-          <p:cNvPr id="3" name="Content Placeholder 2"/>
-          <p:cNvSpPr>
-            <a:spLocks noGrp="1"/>
-          </p:cNvSpPr>
-          <p:nvPr>
-            <p:ph idx="1"/>
-          </p:nvPr>
-        </p:nvSpPr>
-        <p:spPr/>
-        <p:txBody>
-          <a:bodyPr/>
-          <a:lstStyle/>
-          <a:p>
-            <a:endParaRPr lang="de-CH" dirty="0" smtClean="0"/>
-          </a:p>
-          <a:p>
-            <a:endParaRPr lang="de-CH" dirty="0"/>
-          </a:p>
-          <a:p>
-            <a:r>
-              <a:rPr lang="de-CH" dirty="0" smtClean="0"/>
               <a:t>Scrum</a:t>
             </a:r>
           </a:p>
           <a:p>
             <a:r>
-              <a:rPr lang="de-CH" dirty="0" smtClean="0"/>
+              <a:rPr lang="de-CH" dirty="0"/>
               <a:t>MVP Pattern</a:t>
             </a:r>
           </a:p>
           <a:p>
             <a:r>
-              <a:rPr lang="de-CH" smtClean="0"/>
+              <a:rPr lang="de-CH" dirty="0"/>
               <a:t>State Event</a:t>
             </a:r>
-            <a:endParaRPr lang="de-CH" dirty="0" smtClean="0"/>
-          </a:p>
-          <a:p>
-            <a:r>
-              <a:rPr lang="de-CH" dirty="0" smtClean="0"/>
+          </a:p>
+          <a:p>
+            <a:r>
+              <a:rPr lang="de-CH" dirty="0"/>
               <a:t>Schwierigkeiten bei Zusammenarbeit(pushen/pullen des Projekts)</a:t>
             </a:r>
           </a:p>
@@ -3330,33 +3230,10 @@
       </p:grpSpPr>
       <p:sp>
         <p:nvSpPr>
-          <p:cNvPr id="2" name="Titel 1"/>
-          <p:cNvSpPr>
-            <a:spLocks noGrp="1"/>
-          </p:cNvSpPr>
-          <p:nvPr>
-            <p:ph type="title"/>
-          </p:nvPr>
-        </p:nvSpPr>
-        <p:spPr/>
-        <p:txBody>
-          <a:bodyPr/>
-          <a:lstStyle/>
-          <a:p>
-            <a:r>
-              <a:rPr lang="en-US" dirty="0"/>
-              <a:t>Highlights</a:t>
-            </a:r>
-            <a:endParaRPr lang="de-CH" dirty="0"/>
-          </a:p>
-        </p:txBody>
-      </p:sp>
-      <p:sp>
-        <p:nvSpPr>
-          <p:cNvPr id="4" name="Inhaltsplatzhalter 3">
+          <p:cNvPr id="2" name="Titel 1">
             <a:extLst>
               <a:ext uri="{FF2B5EF4-FFF2-40B4-BE49-F238E27FC236}">
-                <a16:creationId xmlns:a16="http://schemas.microsoft.com/office/drawing/2014/main" xmlns="" id="{D9FD71CC-A5DA-4D69-827B-82904EA9C3AE}"/>
+                <a16:creationId xmlns:a16="http://schemas.microsoft.com/office/drawing/2014/main" id="{270A3D69-3227-41AA-91FE-85F7AFC6BFC0}"/>
               </a:ext>
             </a:extLst>
           </p:cNvPr>
@@ -3364,7 +3241,7 @@
             <a:spLocks noGrp="1"/>
           </p:cNvSpPr>
           <p:nvPr>
-            <p:ph idx="1"/>
+            <p:ph type="ctrTitle"/>
           </p:nvPr>
         </p:nvSpPr>
         <p:spPr/>
@@ -3372,14 +3249,43 @@
           <a:bodyPr/>
           <a:lstStyle/>
           <a:p>
+            <a:r>
+              <a:rPr lang="en-US" dirty="0"/>
+              <a:t>Features / Noteworthy Coding </a:t>
+            </a:r>
             <a:endParaRPr lang="de-CH" dirty="0"/>
+          </a:p>
+        </p:txBody>
+      </p:sp>
+      <p:sp>
+        <p:nvSpPr>
+          <p:cNvPr id="3" name="Untertitel 2">
+            <a:extLst>
+              <a:ext uri="{FF2B5EF4-FFF2-40B4-BE49-F238E27FC236}">
+                <a16:creationId xmlns:a16="http://schemas.microsoft.com/office/drawing/2014/main" id="{A67DACA7-3592-4F74-A238-C4AF10FE90C3}"/>
+              </a:ext>
+            </a:extLst>
+          </p:cNvPr>
+          <p:cNvSpPr>
+            <a:spLocks noGrp="1"/>
+          </p:cNvSpPr>
+          <p:nvPr>
+            <p:ph type="subTitle" idx="1"/>
+          </p:nvPr>
+        </p:nvSpPr>
+        <p:spPr/>
+        <p:txBody>
+          <a:bodyPr/>
+          <a:lstStyle/>
+          <a:p>
+            <a:endParaRPr lang="de-CH"/>
           </a:p>
         </p:txBody>
       </p:sp>
     </p:spTree>
     <p:extLst>
       <p:ext uri="{BB962C8B-B14F-4D97-AF65-F5344CB8AC3E}">
-        <p14:creationId xmlns:p14="http://schemas.microsoft.com/office/powerpoint/2010/main" val="2583583408"/>
+        <p14:creationId xmlns:p14="http://schemas.microsoft.com/office/powerpoint/2010/main" val="800263352"/>
       </p:ext>
     </p:extLst>
   </p:cSld>
@@ -3408,10 +3314,40 @@
       </p:grpSpPr>
       <p:sp>
         <p:nvSpPr>
-          <p:cNvPr id="2" name="Titel 1">
+          <p:cNvPr id="2" name="Titel 1"/>
+          <p:cNvSpPr>
+            <a:spLocks noGrp="1"/>
+          </p:cNvSpPr>
+          <p:nvPr>
+            <p:ph type="title"/>
+          </p:nvPr>
+        </p:nvSpPr>
+        <p:spPr/>
+        <p:txBody>
+          <a:bodyPr/>
+          <a:lstStyle/>
+          <a:p>
+            <a:r>
+              <a:rPr lang="en-US" dirty="0"/>
+              <a:t>S</a:t>
+            </a:r>
+            <a:r>
+              <a:rPr lang="de-CH" dirty="0" err="1"/>
+              <a:t>ign</a:t>
+            </a:r>
+            <a:r>
+              <a:rPr lang="de-CH" dirty="0"/>
+              <a:t> Up – Client Side Validation</a:t>
+            </a:r>
+          </a:p>
+        </p:txBody>
+      </p:sp>
+      <p:sp>
+        <p:nvSpPr>
+          <p:cNvPr id="4" name="Inhaltsplatzhalter 3">
             <a:extLst>
               <a:ext uri="{FF2B5EF4-FFF2-40B4-BE49-F238E27FC236}">
-                <a16:creationId xmlns:a16="http://schemas.microsoft.com/office/drawing/2014/main" xmlns="" id="{DBB265B3-1DCA-48AB-ABFE-8ADAE010A7E1}"/>
+                <a16:creationId xmlns:a16="http://schemas.microsoft.com/office/drawing/2014/main" id="{1BE177C7-3EAB-4849-B4C7-09252070B93F}"/>
               </a:ext>
             </a:extLst>
           </p:cNvPr>
@@ -3419,7 +3355,7 @@
             <a:spLocks noGrp="1"/>
           </p:cNvSpPr>
           <p:nvPr>
-            <p:ph type="title"/>
+            <p:ph idx="1"/>
           </p:nvPr>
         </p:nvSpPr>
         <p:spPr/>
@@ -3427,43 +3363,371 @@
           <a:bodyPr/>
           <a:lstStyle/>
           <a:p>
-            <a:r>
-              <a:rPr lang="en-US" dirty="0"/>
-              <a:t>Features</a:t>
+            <a:pPr marL="0" indent="0">
+              <a:buNone/>
+            </a:pPr>
+            <a:r>
+              <a:rPr lang="de-CH" dirty="0">
+                <a:solidFill>
+                  <a:srgbClr val="0000C0"/>
+                </a:solidFill>
+                <a:latin typeface="Consolas" panose="020B0609020204030204" pitchFamily="49" charset="0"/>
+              </a:rPr>
+              <a:t>email</a:t>
+            </a:r>
+            <a:r>
+              <a:rPr lang="de-CH" dirty="0">
+                <a:solidFill>
+                  <a:srgbClr val="000000"/>
+                </a:solidFill>
+                <a:latin typeface="Consolas" panose="020B0609020204030204" pitchFamily="49" charset="0"/>
+              </a:rPr>
+              <a:t> = </a:t>
+            </a:r>
+            <a:r>
+              <a:rPr lang="de-CH" b="1" dirty="0" err="1">
+                <a:solidFill>
+                  <a:srgbClr val="7F0055"/>
+                </a:solidFill>
+                <a:latin typeface="Consolas" panose="020B0609020204030204" pitchFamily="49" charset="0"/>
+              </a:rPr>
+              <a:t>new</a:t>
+            </a:r>
+            <a:r>
+              <a:rPr lang="de-CH" b="1" dirty="0">
+                <a:solidFill>
+                  <a:srgbClr val="000000"/>
+                </a:solidFill>
+                <a:latin typeface="Consolas" panose="020B0609020204030204" pitchFamily="49" charset="0"/>
+              </a:rPr>
+              <a:t> </a:t>
+            </a:r>
+            <a:r>
+              <a:rPr lang="de-CH" b="1" dirty="0" err="1">
+                <a:solidFill>
+                  <a:srgbClr val="000000"/>
+                </a:solidFill>
+                <a:latin typeface="Consolas" panose="020B0609020204030204" pitchFamily="49" charset="0"/>
+              </a:rPr>
+              <a:t>TextField</a:t>
+            </a:r>
+            <a:r>
+              <a:rPr lang="de-CH" b="1" dirty="0">
+                <a:solidFill>
+                  <a:srgbClr val="000000"/>
+                </a:solidFill>
+                <a:latin typeface="Consolas" panose="020B0609020204030204" pitchFamily="49" charset="0"/>
+              </a:rPr>
+              <a:t>();</a:t>
+            </a:r>
+          </a:p>
+          <a:p>
+            <a:pPr marL="0" indent="0">
+              <a:buNone/>
+            </a:pPr>
+            <a:r>
+              <a:rPr lang="de-CH" dirty="0" err="1">
+                <a:solidFill>
+                  <a:srgbClr val="0000C0"/>
+                </a:solidFill>
+                <a:latin typeface="Consolas" panose="020B0609020204030204" pitchFamily="49" charset="0"/>
+              </a:rPr>
+              <a:t>email</a:t>
+            </a:r>
+            <a:r>
+              <a:rPr lang="de-CH" dirty="0" err="1">
+                <a:solidFill>
+                  <a:srgbClr val="000000"/>
+                </a:solidFill>
+                <a:latin typeface="Consolas" panose="020B0609020204030204" pitchFamily="49" charset="0"/>
+              </a:rPr>
+              <a:t>.setCaption</a:t>
+            </a:r>
+            <a:r>
+              <a:rPr lang="de-CH" dirty="0">
+                <a:solidFill>
+                  <a:srgbClr val="000000"/>
+                </a:solidFill>
+                <a:latin typeface="Consolas" panose="020B0609020204030204" pitchFamily="49" charset="0"/>
+              </a:rPr>
+              <a:t>(</a:t>
+            </a:r>
+            <a:r>
+              <a:rPr lang="de-CH" dirty="0">
+                <a:solidFill>
+                  <a:srgbClr val="2A00FF"/>
+                </a:solidFill>
+                <a:latin typeface="Consolas" panose="020B0609020204030204" pitchFamily="49" charset="0"/>
+              </a:rPr>
+              <a:t>"Email </a:t>
+            </a:r>
+            <a:r>
+              <a:rPr lang="de-CH" dirty="0" err="1">
+                <a:solidFill>
+                  <a:srgbClr val="2A00FF"/>
+                </a:solidFill>
+                <a:latin typeface="Consolas" panose="020B0609020204030204" pitchFamily="49" charset="0"/>
+              </a:rPr>
+              <a:t>Address</a:t>
+            </a:r>
+            <a:r>
+              <a:rPr lang="de-CH" dirty="0">
+                <a:solidFill>
+                  <a:srgbClr val="2A00FF"/>
+                </a:solidFill>
+                <a:latin typeface="Consolas" panose="020B0609020204030204" pitchFamily="49" charset="0"/>
+              </a:rPr>
+              <a:t>"</a:t>
+            </a:r>
+            <a:r>
+              <a:rPr lang="de-CH" dirty="0">
+                <a:solidFill>
+                  <a:srgbClr val="000000"/>
+                </a:solidFill>
+                <a:latin typeface="Consolas" panose="020B0609020204030204" pitchFamily="49" charset="0"/>
+              </a:rPr>
+              <a:t>);</a:t>
+            </a:r>
+          </a:p>
+          <a:p>
+            <a:pPr marL="0" indent="0">
+              <a:buNone/>
+            </a:pPr>
+            <a:r>
+              <a:rPr lang="en-US" dirty="0" err="1">
+                <a:solidFill>
+                  <a:srgbClr val="0000C0"/>
+                </a:solidFill>
+                <a:latin typeface="Consolas" panose="020B0609020204030204" pitchFamily="49" charset="0"/>
+              </a:rPr>
+              <a:t>binder</a:t>
+            </a:r>
+            <a:r>
+              <a:rPr lang="en-US" dirty="0" err="1">
+                <a:solidFill>
+                  <a:srgbClr val="000000"/>
+                </a:solidFill>
+                <a:latin typeface="Consolas" panose="020B0609020204030204" pitchFamily="49" charset="0"/>
+              </a:rPr>
+              <a:t>.forField</a:t>
+            </a:r>
+            <a:r>
+              <a:rPr lang="en-US" dirty="0">
+                <a:solidFill>
+                  <a:srgbClr val="000000"/>
+                </a:solidFill>
+                <a:latin typeface="Consolas" panose="020B0609020204030204" pitchFamily="49" charset="0"/>
+              </a:rPr>
+              <a:t>(</a:t>
+            </a:r>
+            <a:r>
+              <a:rPr lang="en-US" dirty="0">
+                <a:solidFill>
+                  <a:srgbClr val="0000C0"/>
+                </a:solidFill>
+                <a:latin typeface="Consolas" panose="020B0609020204030204" pitchFamily="49" charset="0"/>
+              </a:rPr>
+              <a:t>email</a:t>
+            </a:r>
+            <a:r>
+              <a:rPr lang="en-US" dirty="0">
+                <a:solidFill>
+                  <a:srgbClr val="000000"/>
+                </a:solidFill>
+                <a:latin typeface="Consolas" panose="020B0609020204030204" pitchFamily="49" charset="0"/>
+              </a:rPr>
+              <a:t>).</a:t>
+            </a:r>
+            <a:r>
+              <a:rPr lang="en-US" dirty="0" err="1">
+                <a:solidFill>
+                  <a:srgbClr val="000000"/>
+                </a:solidFill>
+                <a:latin typeface="Consolas" panose="020B0609020204030204" pitchFamily="49" charset="0"/>
+              </a:rPr>
+              <a:t>withValidator</a:t>
+            </a:r>
+            <a:r>
+              <a:rPr lang="en-US" dirty="0">
+                <a:solidFill>
+                  <a:srgbClr val="000000"/>
+                </a:solidFill>
+                <a:latin typeface="Consolas" panose="020B0609020204030204" pitchFamily="49" charset="0"/>
+              </a:rPr>
+              <a:t>(</a:t>
+            </a:r>
+            <a:r>
+              <a:rPr lang="en-US" b="1" dirty="0">
+                <a:solidFill>
+                  <a:srgbClr val="7F0055"/>
+                </a:solidFill>
+                <a:latin typeface="Consolas" panose="020B0609020204030204" pitchFamily="49" charset="0"/>
+              </a:rPr>
+              <a:t>new</a:t>
+            </a:r>
+            <a:r>
+              <a:rPr lang="en-US" b="1" dirty="0">
+                <a:solidFill>
+                  <a:srgbClr val="000000"/>
+                </a:solidFill>
+                <a:latin typeface="Consolas" panose="020B0609020204030204" pitchFamily="49" charset="0"/>
+              </a:rPr>
+              <a:t> </a:t>
+            </a:r>
+            <a:r>
+              <a:rPr lang="en-US" b="1" dirty="0" err="1">
+                <a:solidFill>
+                  <a:srgbClr val="000000"/>
+                </a:solidFill>
+                <a:latin typeface="Consolas" panose="020B0609020204030204" pitchFamily="49" charset="0"/>
+              </a:rPr>
+              <a:t>EmailValidator</a:t>
+            </a:r>
+            <a:r>
+              <a:rPr lang="en-US" b="1" dirty="0">
+                <a:solidFill>
+                  <a:srgbClr val="000000"/>
+                </a:solidFill>
+                <a:latin typeface="Consolas" panose="020B0609020204030204" pitchFamily="49" charset="0"/>
+              </a:rPr>
+              <a:t>(</a:t>
+            </a:r>
+            <a:r>
+              <a:rPr lang="en-US" b="1" dirty="0">
+                <a:solidFill>
+                  <a:srgbClr val="2A00FF"/>
+                </a:solidFill>
+                <a:latin typeface="Consolas" panose="020B0609020204030204" pitchFamily="49" charset="0"/>
+              </a:rPr>
+              <a:t>"This is not a valid email address"</a:t>
+            </a:r>
+            <a:r>
+              <a:rPr lang="en-US" b="1" dirty="0">
+                <a:solidFill>
+                  <a:srgbClr val="000000"/>
+                </a:solidFill>
+                <a:latin typeface="Consolas" panose="020B0609020204030204" pitchFamily="49" charset="0"/>
+              </a:rPr>
+              <a:t>))</a:t>
+            </a:r>
+          </a:p>
+          <a:p>
+            <a:pPr marL="0" indent="0">
+              <a:buNone/>
+            </a:pPr>
+            <a:r>
+              <a:rPr lang="de-CH" dirty="0">
+                <a:solidFill>
+                  <a:srgbClr val="000000"/>
+                </a:solidFill>
+                <a:latin typeface="Consolas" panose="020B0609020204030204" pitchFamily="49" charset="0"/>
+              </a:rPr>
+              <a:t>	.bind(</a:t>
+            </a:r>
+            <a:r>
+              <a:rPr lang="de-CH" dirty="0" err="1">
+                <a:solidFill>
+                  <a:srgbClr val="000000"/>
+                </a:solidFill>
+                <a:highlight>
+                  <a:srgbClr val="D4D4D4"/>
+                </a:highlight>
+                <a:latin typeface="Consolas" panose="020B0609020204030204" pitchFamily="49" charset="0"/>
+              </a:rPr>
+              <a:t>LoginAccount</a:t>
+            </a:r>
+            <a:r>
+              <a:rPr lang="de-CH" dirty="0">
+                <a:solidFill>
+                  <a:srgbClr val="000000"/>
+                </a:solidFill>
+                <a:highlight>
+                  <a:srgbClr val="D4D4D4"/>
+                </a:highlight>
+                <a:latin typeface="Consolas" panose="020B0609020204030204" pitchFamily="49" charset="0"/>
+              </a:rPr>
+              <a:t>::</a:t>
+            </a:r>
+            <a:r>
+              <a:rPr lang="de-CH" dirty="0" err="1">
+                <a:solidFill>
+                  <a:srgbClr val="000000"/>
+                </a:solidFill>
+                <a:highlight>
+                  <a:srgbClr val="D4D4D4"/>
+                </a:highlight>
+                <a:latin typeface="Consolas" panose="020B0609020204030204" pitchFamily="49" charset="0"/>
+              </a:rPr>
+              <a:t>getEmail</a:t>
+            </a:r>
+            <a:r>
+              <a:rPr lang="de-CH" dirty="0">
+                <a:solidFill>
+                  <a:srgbClr val="000000"/>
+                </a:solidFill>
+                <a:highlight>
+                  <a:srgbClr val="D4D4D4"/>
+                </a:highlight>
+                <a:latin typeface="Consolas" panose="020B0609020204030204" pitchFamily="49" charset="0"/>
+              </a:rPr>
+              <a:t>, 	</a:t>
+            </a:r>
+            <a:r>
+              <a:rPr lang="de-CH" dirty="0" err="1">
+                <a:solidFill>
+                  <a:srgbClr val="000000"/>
+                </a:solidFill>
+                <a:highlight>
+                  <a:srgbClr val="D4D4D4"/>
+                </a:highlight>
+                <a:latin typeface="Consolas" panose="020B0609020204030204" pitchFamily="49" charset="0"/>
+              </a:rPr>
+              <a:t>LoginAccount</a:t>
+            </a:r>
+            <a:r>
+              <a:rPr lang="de-CH" dirty="0">
+                <a:solidFill>
+                  <a:srgbClr val="000000"/>
+                </a:solidFill>
+                <a:highlight>
+                  <a:srgbClr val="D4D4D4"/>
+                </a:highlight>
+                <a:latin typeface="Consolas" panose="020B0609020204030204" pitchFamily="49" charset="0"/>
+              </a:rPr>
+              <a:t>::</a:t>
+            </a:r>
+            <a:r>
+              <a:rPr lang="de-CH" dirty="0" err="1">
+                <a:solidFill>
+                  <a:srgbClr val="000000"/>
+                </a:solidFill>
+                <a:highlight>
+                  <a:srgbClr val="D4D4D4"/>
+                </a:highlight>
+                <a:latin typeface="Consolas" panose="020B0609020204030204" pitchFamily="49" charset="0"/>
+              </a:rPr>
+              <a:t>setEmail</a:t>
+            </a:r>
+            <a:r>
+              <a:rPr lang="de-CH" dirty="0">
+                <a:solidFill>
+                  <a:srgbClr val="000000"/>
+                </a:solidFill>
+                <a:highlight>
+                  <a:srgbClr val="D4D4D4"/>
+                </a:highlight>
+                <a:latin typeface="Consolas" panose="020B0609020204030204" pitchFamily="49" charset="0"/>
+              </a:rPr>
+              <a:t>);</a:t>
             </a:r>
             <a:endParaRPr lang="de-CH" dirty="0"/>
-          </a:p>
-        </p:txBody>
-      </p:sp>
-      <p:sp>
-        <p:nvSpPr>
-          <p:cNvPr id="3" name="Inhaltsplatzhalter 2">
-            <a:extLst>
-              <a:ext uri="{FF2B5EF4-FFF2-40B4-BE49-F238E27FC236}">
-                <a16:creationId xmlns:a16="http://schemas.microsoft.com/office/drawing/2014/main" xmlns="" id="{ED592DAE-42C6-4200-8504-A267949FB9F7}"/>
-              </a:ext>
-            </a:extLst>
-          </p:cNvPr>
-          <p:cNvSpPr>
-            <a:spLocks noGrp="1"/>
-          </p:cNvSpPr>
-          <p:nvPr>
-            <p:ph idx="1"/>
-          </p:nvPr>
-        </p:nvSpPr>
-        <p:spPr/>
-        <p:txBody>
-          <a:bodyPr/>
-          <a:lstStyle/>
-          <a:p>
-            <a:endParaRPr lang="de-CH"/>
           </a:p>
         </p:txBody>
       </p:sp>
     </p:spTree>
     <p:extLst>
       <p:ext uri="{BB962C8B-B14F-4D97-AF65-F5344CB8AC3E}">
-        <p14:creationId xmlns:p14="http://schemas.microsoft.com/office/powerpoint/2010/main" val="113984292"/>
+        <p14:creationId xmlns:p14="http://schemas.microsoft.com/office/powerpoint/2010/main" val="476015163"/>
       </p:ext>
     </p:extLst>
   </p:cSld>
@@ -3495,7 +3759,7 @@
           <p:cNvPr id="2" name="Titel 1">
             <a:extLst>
               <a:ext uri="{FF2B5EF4-FFF2-40B4-BE49-F238E27FC236}">
-                <a16:creationId xmlns:a16="http://schemas.microsoft.com/office/drawing/2014/main" xmlns="" id="{270A3D69-3227-41AA-91FE-85F7AFC6BFC0}"/>
+                <a16:creationId xmlns:a16="http://schemas.microsoft.com/office/drawing/2014/main" id="{A8374660-D150-4433-B606-00CDC0EFC0D8}"/>
               </a:ext>
             </a:extLst>
           </p:cNvPr>
@@ -3503,7 +3767,7 @@
             <a:spLocks noGrp="1"/>
           </p:cNvSpPr>
           <p:nvPr>
-            <p:ph type="ctrTitle"/>
+            <p:ph type="title"/>
           </p:nvPr>
         </p:nvSpPr>
         <p:spPr/>
@@ -3513,7 +3777,7 @@
           <a:p>
             <a:r>
               <a:rPr lang="en-US" dirty="0"/>
-              <a:t>Features / Noteworthy Coding </a:t>
+              <a:t>Persistence</a:t>
             </a:r>
             <a:endParaRPr lang="de-CH" dirty="0"/>
           </a:p>
@@ -3521,10 +3785,10 @@
       </p:sp>
       <p:sp>
         <p:nvSpPr>
-          <p:cNvPr id="3" name="Untertitel 2">
+          <p:cNvPr id="3" name="Inhaltsplatzhalter 2">
             <a:extLst>
               <a:ext uri="{FF2B5EF4-FFF2-40B4-BE49-F238E27FC236}">
-                <a16:creationId xmlns:a16="http://schemas.microsoft.com/office/drawing/2014/main" xmlns="" id="{A67DACA7-3592-4F74-A238-C4AF10FE90C3}"/>
+                <a16:creationId xmlns:a16="http://schemas.microsoft.com/office/drawing/2014/main" id="{135645D6-6EDB-442C-9DA1-653A2790DC12}"/>
               </a:ext>
             </a:extLst>
           </p:cNvPr>
@@ -3532,22 +3796,915 @@
             <a:spLocks noGrp="1"/>
           </p:cNvSpPr>
           <p:nvPr>
-            <p:ph type="subTitle" idx="1"/>
+            <p:ph idx="1"/>
           </p:nvPr>
         </p:nvSpPr>
         <p:spPr/>
         <p:txBody>
-          <a:bodyPr/>
+          <a:bodyPr>
+            <a:normAutofit fontScale="62500" lnSpcReduction="20000"/>
+          </a:bodyPr>
           <a:lstStyle/>
           <a:p>
-            <a:endParaRPr lang="de-CH"/>
+            <a:pPr marL="0" indent="0">
+              <a:buNone/>
+            </a:pPr>
+            <a:r>
+              <a:rPr lang="de-CH" dirty="0">
+                <a:solidFill>
+                  <a:srgbClr val="008080"/>
+                </a:solidFill>
+                <a:latin typeface="Consolas" panose="020B0609020204030204" pitchFamily="49" charset="0"/>
+              </a:rPr>
+              <a:t>&lt;?</a:t>
+            </a:r>
+            <a:r>
+              <a:rPr lang="de-CH" dirty="0" err="1">
+                <a:solidFill>
+                  <a:srgbClr val="3F7F7F"/>
+                </a:solidFill>
+                <a:latin typeface="Consolas" panose="020B0609020204030204" pitchFamily="49" charset="0"/>
+              </a:rPr>
+              <a:t>xml</a:t>
+            </a:r>
+            <a:r>
+              <a:rPr lang="de-CH" dirty="0">
+                <a:solidFill>
+                  <a:srgbClr val="3F7F7F"/>
+                </a:solidFill>
+                <a:latin typeface="Consolas" panose="020B0609020204030204" pitchFamily="49" charset="0"/>
+              </a:rPr>
+              <a:t> </a:t>
+            </a:r>
+            <a:r>
+              <a:rPr lang="de-CH" dirty="0" err="1">
+                <a:solidFill>
+                  <a:srgbClr val="7F007F"/>
+                </a:solidFill>
+                <a:latin typeface="Consolas" panose="020B0609020204030204" pitchFamily="49" charset="0"/>
+              </a:rPr>
+              <a:t>version</a:t>
+            </a:r>
+            <a:r>
+              <a:rPr lang="de-CH" dirty="0">
+                <a:solidFill>
+                  <a:srgbClr val="000000"/>
+                </a:solidFill>
+                <a:latin typeface="Consolas" panose="020B0609020204030204" pitchFamily="49" charset="0"/>
+              </a:rPr>
+              <a:t>=</a:t>
+            </a:r>
+            <a:r>
+              <a:rPr lang="de-CH" i="1" dirty="0">
+                <a:solidFill>
+                  <a:srgbClr val="2A00FF"/>
+                </a:solidFill>
+                <a:latin typeface="Consolas" panose="020B0609020204030204" pitchFamily="49" charset="0"/>
+              </a:rPr>
+              <a:t>"1.0" </a:t>
+            </a:r>
+            <a:r>
+              <a:rPr lang="de-CH" i="1" dirty="0" err="1">
+                <a:solidFill>
+                  <a:srgbClr val="7F007F"/>
+                </a:solidFill>
+                <a:latin typeface="Consolas" panose="020B0609020204030204" pitchFamily="49" charset="0"/>
+              </a:rPr>
+              <a:t>encoding</a:t>
+            </a:r>
+            <a:r>
+              <a:rPr lang="de-CH" i="1" dirty="0">
+                <a:solidFill>
+                  <a:srgbClr val="000000"/>
+                </a:solidFill>
+                <a:latin typeface="Consolas" panose="020B0609020204030204" pitchFamily="49" charset="0"/>
+              </a:rPr>
+              <a:t>=</a:t>
+            </a:r>
+            <a:r>
+              <a:rPr lang="de-CH" i="1" dirty="0">
+                <a:solidFill>
+                  <a:srgbClr val="2A00FF"/>
+                </a:solidFill>
+                <a:latin typeface="Consolas" panose="020B0609020204030204" pitchFamily="49" charset="0"/>
+              </a:rPr>
+              <a:t>"UTF-8"</a:t>
+            </a:r>
+            <a:r>
+              <a:rPr lang="de-CH" i="1" dirty="0">
+                <a:solidFill>
+                  <a:srgbClr val="008080"/>
+                </a:solidFill>
+                <a:latin typeface="Consolas" panose="020B0609020204030204" pitchFamily="49" charset="0"/>
+              </a:rPr>
+              <a:t>?&gt;</a:t>
+            </a:r>
+          </a:p>
+          <a:p>
+            <a:pPr marL="0" indent="0">
+              <a:buNone/>
+            </a:pPr>
+            <a:r>
+              <a:rPr lang="fr-FR" dirty="0">
+                <a:solidFill>
+                  <a:srgbClr val="008080"/>
+                </a:solidFill>
+                <a:latin typeface="Consolas" panose="020B0609020204030204" pitchFamily="49" charset="0"/>
+              </a:rPr>
+              <a:t>&lt;</a:t>
+            </a:r>
+            <a:r>
+              <a:rPr lang="fr-FR" dirty="0" err="1">
+                <a:solidFill>
+                  <a:srgbClr val="3F7F7F"/>
+                </a:solidFill>
+                <a:latin typeface="Consolas" panose="020B0609020204030204" pitchFamily="49" charset="0"/>
+              </a:rPr>
+              <a:t>persistence</a:t>
+            </a:r>
+            <a:r>
+              <a:rPr lang="fr-FR" dirty="0">
+                <a:solidFill>
+                  <a:srgbClr val="3F7F7F"/>
+                </a:solidFill>
+                <a:latin typeface="Consolas" panose="020B0609020204030204" pitchFamily="49" charset="0"/>
+              </a:rPr>
+              <a:t> </a:t>
+            </a:r>
+            <a:r>
+              <a:rPr lang="fr-FR" dirty="0" err="1">
+                <a:solidFill>
+                  <a:srgbClr val="7F007F"/>
+                </a:solidFill>
+                <a:latin typeface="Consolas" panose="020B0609020204030204" pitchFamily="49" charset="0"/>
+              </a:rPr>
+              <a:t>xmlns</a:t>
+            </a:r>
+            <a:r>
+              <a:rPr lang="fr-FR" dirty="0">
+                <a:solidFill>
+                  <a:srgbClr val="000000"/>
+                </a:solidFill>
+                <a:latin typeface="Consolas" panose="020B0609020204030204" pitchFamily="49" charset="0"/>
+              </a:rPr>
+              <a:t>=</a:t>
+            </a:r>
+            <a:r>
+              <a:rPr lang="fr-FR" i="1" dirty="0">
+                <a:solidFill>
+                  <a:srgbClr val="2A00FF"/>
+                </a:solidFill>
+                <a:latin typeface="Consolas" panose="020B0609020204030204" pitchFamily="49" charset="0"/>
+              </a:rPr>
+              <a:t>"http://java.sun.com/xml/ns/</a:t>
+            </a:r>
+            <a:r>
+              <a:rPr lang="fr-FR" i="1" dirty="0" err="1">
+                <a:solidFill>
+                  <a:srgbClr val="2A00FF"/>
+                </a:solidFill>
+                <a:latin typeface="Consolas" panose="020B0609020204030204" pitchFamily="49" charset="0"/>
+              </a:rPr>
+              <a:t>persistence</a:t>
+            </a:r>
+            <a:r>
+              <a:rPr lang="fr-FR" i="1" dirty="0">
+                <a:solidFill>
+                  <a:srgbClr val="2A00FF"/>
+                </a:solidFill>
+                <a:latin typeface="Consolas" panose="020B0609020204030204" pitchFamily="49" charset="0"/>
+              </a:rPr>
+              <a:t>" </a:t>
+            </a:r>
+            <a:r>
+              <a:rPr lang="fr-FR" i="1" dirty="0" err="1">
+                <a:solidFill>
+                  <a:srgbClr val="7F007F"/>
+                </a:solidFill>
+                <a:latin typeface="Consolas" panose="020B0609020204030204" pitchFamily="49" charset="0"/>
+              </a:rPr>
+              <a:t>xmlns:xsi</a:t>
+            </a:r>
+            <a:r>
+              <a:rPr lang="fr-FR" i="1" dirty="0">
+                <a:solidFill>
+                  <a:srgbClr val="000000"/>
+                </a:solidFill>
+                <a:latin typeface="Consolas" panose="020B0609020204030204" pitchFamily="49" charset="0"/>
+              </a:rPr>
+              <a:t>=</a:t>
+            </a:r>
+            <a:r>
+              <a:rPr lang="fr-FR" i="1" dirty="0">
+                <a:solidFill>
+                  <a:srgbClr val="2A00FF"/>
+                </a:solidFill>
+                <a:latin typeface="Consolas" panose="020B0609020204030204" pitchFamily="49" charset="0"/>
+              </a:rPr>
+              <a:t>"http://www.w3.org/2001/XMLSchema-instance" </a:t>
+            </a:r>
+            <a:r>
+              <a:rPr lang="fr-FR" i="1" dirty="0" err="1">
+                <a:solidFill>
+                  <a:srgbClr val="7F007F"/>
+                </a:solidFill>
+                <a:latin typeface="Consolas" panose="020B0609020204030204" pitchFamily="49" charset="0"/>
+              </a:rPr>
+              <a:t>xsi:schemaLocation</a:t>
+            </a:r>
+            <a:r>
+              <a:rPr lang="fr-FR" i="1" dirty="0">
+                <a:solidFill>
+                  <a:srgbClr val="000000"/>
+                </a:solidFill>
+                <a:latin typeface="Consolas" panose="020B0609020204030204" pitchFamily="49" charset="0"/>
+              </a:rPr>
+              <a:t>=</a:t>
+            </a:r>
+            <a:r>
+              <a:rPr lang="fr-FR" i="1" dirty="0">
+                <a:solidFill>
+                  <a:srgbClr val="2A00FF"/>
+                </a:solidFill>
+                <a:latin typeface="Consolas" panose="020B0609020204030204" pitchFamily="49" charset="0"/>
+              </a:rPr>
+              <a:t>"http://java.sun.com/xml/ns/</a:t>
+            </a:r>
+            <a:r>
+              <a:rPr lang="fr-FR" i="1" dirty="0" err="1">
+                <a:solidFill>
+                  <a:srgbClr val="2A00FF"/>
+                </a:solidFill>
+                <a:latin typeface="Consolas" panose="020B0609020204030204" pitchFamily="49" charset="0"/>
+              </a:rPr>
+              <a:t>persistence</a:t>
+            </a:r>
+            <a:r>
+              <a:rPr lang="fr-FR" i="1" dirty="0">
+                <a:solidFill>
+                  <a:srgbClr val="2A00FF"/>
+                </a:solidFill>
+                <a:latin typeface="Consolas" panose="020B0609020204030204" pitchFamily="49" charset="0"/>
+              </a:rPr>
+              <a:t> persistence_1_0.xsd" </a:t>
+            </a:r>
+            <a:r>
+              <a:rPr lang="fr-FR" i="1" dirty="0">
+                <a:solidFill>
+                  <a:srgbClr val="7F007F"/>
+                </a:solidFill>
+                <a:latin typeface="Consolas" panose="020B0609020204030204" pitchFamily="49" charset="0"/>
+              </a:rPr>
+              <a:t>version</a:t>
+            </a:r>
+            <a:r>
+              <a:rPr lang="fr-FR" i="1" dirty="0">
+                <a:solidFill>
+                  <a:srgbClr val="000000"/>
+                </a:solidFill>
+                <a:latin typeface="Consolas" panose="020B0609020204030204" pitchFamily="49" charset="0"/>
+              </a:rPr>
+              <a:t>=</a:t>
+            </a:r>
+            <a:r>
+              <a:rPr lang="fr-FR" i="1" dirty="0">
+                <a:solidFill>
+                  <a:srgbClr val="2A00FF"/>
+                </a:solidFill>
+                <a:latin typeface="Consolas" panose="020B0609020204030204" pitchFamily="49" charset="0"/>
+              </a:rPr>
+              <a:t>"1.0"</a:t>
+            </a:r>
+            <a:r>
+              <a:rPr lang="fr-FR" i="1" dirty="0">
+                <a:solidFill>
+                  <a:srgbClr val="008080"/>
+                </a:solidFill>
+                <a:latin typeface="Consolas" panose="020B0609020204030204" pitchFamily="49" charset="0"/>
+              </a:rPr>
+              <a:t>&gt;</a:t>
+            </a:r>
+          </a:p>
+          <a:p>
+            <a:pPr marL="0" indent="0">
+              <a:buNone/>
+            </a:pPr>
+            <a:r>
+              <a:rPr lang="de-CH" dirty="0">
+                <a:solidFill>
+                  <a:srgbClr val="000000"/>
+                </a:solidFill>
+                <a:latin typeface="Consolas" panose="020B0609020204030204" pitchFamily="49" charset="0"/>
+              </a:rPr>
+              <a:t>    </a:t>
+            </a:r>
+            <a:r>
+              <a:rPr lang="de-CH" dirty="0">
+                <a:solidFill>
+                  <a:srgbClr val="008080"/>
+                </a:solidFill>
+                <a:latin typeface="Consolas" panose="020B0609020204030204" pitchFamily="49" charset="0"/>
+              </a:rPr>
+              <a:t>&lt;</a:t>
+            </a:r>
+            <a:r>
+              <a:rPr lang="de-CH" dirty="0" err="1">
+                <a:solidFill>
+                  <a:srgbClr val="3F7F7F"/>
+                </a:solidFill>
+                <a:latin typeface="Consolas" panose="020B0609020204030204" pitchFamily="49" charset="0"/>
+              </a:rPr>
+              <a:t>persistence</a:t>
+            </a:r>
+            <a:r>
+              <a:rPr lang="de-CH" dirty="0">
+                <a:solidFill>
+                  <a:srgbClr val="3F7F7F"/>
+                </a:solidFill>
+                <a:latin typeface="Consolas" panose="020B0609020204030204" pitchFamily="49" charset="0"/>
+              </a:rPr>
+              <a:t>-unit </a:t>
+            </a:r>
+            <a:r>
+              <a:rPr lang="de-CH" dirty="0" err="1">
+                <a:solidFill>
+                  <a:srgbClr val="7F007F"/>
+                </a:solidFill>
+                <a:latin typeface="Consolas" panose="020B0609020204030204" pitchFamily="49" charset="0"/>
+              </a:rPr>
+              <a:t>name</a:t>
+            </a:r>
+            <a:r>
+              <a:rPr lang="de-CH" dirty="0">
+                <a:solidFill>
+                  <a:srgbClr val="000000"/>
+                </a:solidFill>
+                <a:latin typeface="Consolas" panose="020B0609020204030204" pitchFamily="49" charset="0"/>
+              </a:rPr>
+              <a:t>=</a:t>
+            </a:r>
+            <a:r>
+              <a:rPr lang="de-CH" i="1" dirty="0">
+                <a:solidFill>
+                  <a:srgbClr val="2A00FF"/>
+                </a:solidFill>
+                <a:latin typeface="Consolas" panose="020B0609020204030204" pitchFamily="49" charset="0"/>
+              </a:rPr>
+              <a:t>"</a:t>
+            </a:r>
+            <a:r>
+              <a:rPr lang="de-CH" i="1" dirty="0" err="1">
+                <a:solidFill>
+                  <a:srgbClr val="2A00FF"/>
+                </a:solidFill>
+                <a:latin typeface="Consolas" panose="020B0609020204030204" pitchFamily="49" charset="0"/>
+              </a:rPr>
+              <a:t>borderlinecare</a:t>
+            </a:r>
+            <a:r>
+              <a:rPr lang="de-CH" i="1" dirty="0">
+                <a:solidFill>
+                  <a:srgbClr val="2A00FF"/>
+                </a:solidFill>
+                <a:latin typeface="Consolas" panose="020B0609020204030204" pitchFamily="49" charset="0"/>
+              </a:rPr>
+              <a:t>" </a:t>
+            </a:r>
+            <a:r>
+              <a:rPr lang="de-CH" i="1" dirty="0">
+                <a:solidFill>
+                  <a:srgbClr val="7F007F"/>
+                </a:solidFill>
+                <a:latin typeface="Consolas" panose="020B0609020204030204" pitchFamily="49" charset="0"/>
+              </a:rPr>
+              <a:t>transaction-type</a:t>
+            </a:r>
+            <a:r>
+              <a:rPr lang="de-CH" i="1" dirty="0">
+                <a:solidFill>
+                  <a:srgbClr val="000000"/>
+                </a:solidFill>
+                <a:latin typeface="Consolas" panose="020B0609020204030204" pitchFamily="49" charset="0"/>
+              </a:rPr>
+              <a:t>=</a:t>
+            </a:r>
+            <a:r>
+              <a:rPr lang="de-CH" i="1" dirty="0">
+                <a:solidFill>
+                  <a:srgbClr val="2A00FF"/>
+                </a:solidFill>
+                <a:latin typeface="Consolas" panose="020B0609020204030204" pitchFamily="49" charset="0"/>
+              </a:rPr>
+              <a:t>"RESOURCE_LOCAL"</a:t>
+            </a:r>
+            <a:r>
+              <a:rPr lang="de-CH" i="1" dirty="0">
+                <a:solidFill>
+                  <a:srgbClr val="008080"/>
+                </a:solidFill>
+                <a:latin typeface="Consolas" panose="020B0609020204030204" pitchFamily="49" charset="0"/>
+              </a:rPr>
+              <a:t>&gt;</a:t>
+            </a:r>
+          </a:p>
+          <a:p>
+            <a:pPr marL="0" indent="0">
+              <a:buNone/>
+            </a:pPr>
+            <a:r>
+              <a:rPr lang="en-US" i="1" dirty="0">
+                <a:solidFill>
+                  <a:srgbClr val="008080"/>
+                </a:solidFill>
+                <a:latin typeface="Consolas" panose="020B0609020204030204" pitchFamily="49" charset="0"/>
+              </a:rPr>
+              <a:t>…</a:t>
+            </a:r>
+            <a:endParaRPr lang="de-CH" i="1" dirty="0">
+              <a:solidFill>
+                <a:srgbClr val="008080"/>
+              </a:solidFill>
+              <a:latin typeface="Consolas" panose="020B0609020204030204" pitchFamily="49" charset="0"/>
+            </a:endParaRPr>
+          </a:p>
+          <a:p>
+            <a:pPr marL="0" indent="0">
+              <a:buNone/>
+            </a:pPr>
+            <a:r>
+              <a:rPr lang="de-CH" dirty="0">
+                <a:solidFill>
+                  <a:srgbClr val="008080"/>
+                </a:solidFill>
+                <a:latin typeface="Consolas" panose="020B0609020204030204" pitchFamily="49" charset="0"/>
+              </a:rPr>
+              <a:t>&lt;</a:t>
+            </a:r>
+            <a:r>
+              <a:rPr lang="de-CH" dirty="0" err="1">
+                <a:solidFill>
+                  <a:srgbClr val="3F7F7F"/>
+                </a:solidFill>
+                <a:latin typeface="Consolas" panose="020B0609020204030204" pitchFamily="49" charset="0"/>
+              </a:rPr>
+              <a:t>property</a:t>
+            </a:r>
+            <a:r>
+              <a:rPr lang="de-CH" dirty="0">
+                <a:solidFill>
+                  <a:srgbClr val="3F7F7F"/>
+                </a:solidFill>
+                <a:latin typeface="Consolas" panose="020B0609020204030204" pitchFamily="49" charset="0"/>
+              </a:rPr>
+              <a:t> </a:t>
+            </a:r>
+            <a:r>
+              <a:rPr lang="de-CH" dirty="0" err="1">
+                <a:solidFill>
+                  <a:srgbClr val="7F007F"/>
+                </a:solidFill>
+                <a:latin typeface="Consolas" panose="020B0609020204030204" pitchFamily="49" charset="0"/>
+              </a:rPr>
+              <a:t>name</a:t>
+            </a:r>
+            <a:r>
+              <a:rPr lang="de-CH" dirty="0">
+                <a:solidFill>
+                  <a:srgbClr val="000000"/>
+                </a:solidFill>
+                <a:latin typeface="Consolas" panose="020B0609020204030204" pitchFamily="49" charset="0"/>
+              </a:rPr>
+              <a:t>=</a:t>
+            </a:r>
+            <a:r>
+              <a:rPr lang="de-CH" i="1" dirty="0">
+                <a:solidFill>
+                  <a:srgbClr val="2A00FF"/>
+                </a:solidFill>
+                <a:latin typeface="Consolas" panose="020B0609020204030204" pitchFamily="49" charset="0"/>
+              </a:rPr>
+              <a:t>"</a:t>
+            </a:r>
+            <a:r>
+              <a:rPr lang="de-CH" i="1" dirty="0" err="1">
+                <a:solidFill>
+                  <a:srgbClr val="2A00FF"/>
+                </a:solidFill>
+                <a:latin typeface="Consolas" panose="020B0609020204030204" pitchFamily="49" charset="0"/>
+              </a:rPr>
+              <a:t>javax.persistence.jdbc.driver</a:t>
+            </a:r>
+            <a:r>
+              <a:rPr lang="de-CH" i="1" dirty="0">
+                <a:solidFill>
+                  <a:srgbClr val="2A00FF"/>
+                </a:solidFill>
+                <a:latin typeface="Consolas" panose="020B0609020204030204" pitchFamily="49" charset="0"/>
+              </a:rPr>
+              <a:t>" </a:t>
+            </a:r>
+            <a:r>
+              <a:rPr lang="de-CH" i="1" dirty="0" err="1">
+                <a:solidFill>
+                  <a:srgbClr val="7F007F"/>
+                </a:solidFill>
+                <a:latin typeface="Consolas" panose="020B0609020204030204" pitchFamily="49" charset="0"/>
+              </a:rPr>
+              <a:t>value</a:t>
+            </a:r>
+            <a:r>
+              <a:rPr lang="de-CH" i="1" dirty="0">
+                <a:solidFill>
+                  <a:srgbClr val="000000"/>
+                </a:solidFill>
+                <a:latin typeface="Consolas" panose="020B0609020204030204" pitchFamily="49" charset="0"/>
+              </a:rPr>
+              <a:t>=</a:t>
+            </a:r>
+            <a:r>
+              <a:rPr lang="de-CH" i="1" dirty="0">
+                <a:solidFill>
+                  <a:srgbClr val="2A00FF"/>
+                </a:solidFill>
+                <a:latin typeface="Consolas" panose="020B0609020204030204" pitchFamily="49" charset="0"/>
+              </a:rPr>
+              <a:t>"</a:t>
+            </a:r>
+            <a:r>
+              <a:rPr lang="de-CH" i="1" dirty="0" err="1">
+                <a:solidFill>
+                  <a:srgbClr val="2A00FF"/>
+                </a:solidFill>
+                <a:latin typeface="Consolas" panose="020B0609020204030204" pitchFamily="49" charset="0"/>
+              </a:rPr>
+              <a:t>com.mysql.jdbc.Driver</a:t>
+            </a:r>
+            <a:r>
+              <a:rPr lang="de-CH" i="1" dirty="0">
+                <a:solidFill>
+                  <a:srgbClr val="2A00FF"/>
+                </a:solidFill>
+                <a:latin typeface="Consolas" panose="020B0609020204030204" pitchFamily="49" charset="0"/>
+              </a:rPr>
+              <a:t>"</a:t>
+            </a:r>
+            <a:r>
+              <a:rPr lang="de-CH" i="1" dirty="0">
+                <a:solidFill>
+                  <a:srgbClr val="008080"/>
+                </a:solidFill>
+                <a:latin typeface="Consolas" panose="020B0609020204030204" pitchFamily="49" charset="0"/>
+              </a:rPr>
+              <a:t>/&gt;</a:t>
+            </a:r>
+          </a:p>
+          <a:p>
+            <a:pPr marL="0" indent="0">
+              <a:buNone/>
+            </a:pPr>
+            <a:r>
+              <a:rPr lang="de-CH" dirty="0">
+                <a:solidFill>
+                  <a:srgbClr val="000000"/>
+                </a:solidFill>
+                <a:latin typeface="Consolas" panose="020B0609020204030204" pitchFamily="49" charset="0"/>
+              </a:rPr>
+              <a:t>            </a:t>
+            </a:r>
+            <a:r>
+              <a:rPr lang="de-CH" dirty="0">
+                <a:solidFill>
+                  <a:srgbClr val="008080"/>
+                </a:solidFill>
+                <a:latin typeface="Consolas" panose="020B0609020204030204" pitchFamily="49" charset="0"/>
+              </a:rPr>
+              <a:t>&lt;</a:t>
+            </a:r>
+            <a:r>
+              <a:rPr lang="de-CH" dirty="0" err="1">
+                <a:solidFill>
+                  <a:srgbClr val="3F7F7F"/>
+                </a:solidFill>
+                <a:latin typeface="Consolas" panose="020B0609020204030204" pitchFamily="49" charset="0"/>
+              </a:rPr>
+              <a:t>property</a:t>
+            </a:r>
+            <a:r>
+              <a:rPr lang="de-CH" dirty="0">
+                <a:solidFill>
+                  <a:srgbClr val="3F7F7F"/>
+                </a:solidFill>
+                <a:latin typeface="Consolas" panose="020B0609020204030204" pitchFamily="49" charset="0"/>
+              </a:rPr>
+              <a:t> </a:t>
+            </a:r>
+            <a:r>
+              <a:rPr lang="de-CH" dirty="0" err="1">
+                <a:solidFill>
+                  <a:srgbClr val="7F007F"/>
+                </a:solidFill>
+                <a:latin typeface="Consolas" panose="020B0609020204030204" pitchFamily="49" charset="0"/>
+              </a:rPr>
+              <a:t>name</a:t>
+            </a:r>
+            <a:r>
+              <a:rPr lang="de-CH" dirty="0">
+                <a:solidFill>
+                  <a:srgbClr val="000000"/>
+                </a:solidFill>
+                <a:latin typeface="Consolas" panose="020B0609020204030204" pitchFamily="49" charset="0"/>
+              </a:rPr>
+              <a:t>=</a:t>
+            </a:r>
+            <a:r>
+              <a:rPr lang="de-CH" i="1" dirty="0">
+                <a:solidFill>
+                  <a:srgbClr val="2A00FF"/>
+                </a:solidFill>
+                <a:latin typeface="Consolas" panose="020B0609020204030204" pitchFamily="49" charset="0"/>
+              </a:rPr>
+              <a:t>"javax.persistence.jdbc.url" </a:t>
+            </a:r>
+            <a:r>
+              <a:rPr lang="de-CH" i="1" dirty="0" err="1">
+                <a:solidFill>
+                  <a:srgbClr val="7F007F"/>
+                </a:solidFill>
+                <a:latin typeface="Consolas" panose="020B0609020204030204" pitchFamily="49" charset="0"/>
+              </a:rPr>
+              <a:t>value</a:t>
+            </a:r>
+            <a:r>
+              <a:rPr lang="de-CH" i="1" dirty="0">
+                <a:solidFill>
+                  <a:srgbClr val="000000"/>
+                </a:solidFill>
+                <a:latin typeface="Consolas" panose="020B0609020204030204" pitchFamily="49" charset="0"/>
+              </a:rPr>
+              <a:t>=</a:t>
+            </a:r>
+            <a:r>
+              <a:rPr lang="de-CH" i="1" dirty="0">
+                <a:solidFill>
+                  <a:srgbClr val="2A00FF"/>
+                </a:solidFill>
+                <a:latin typeface="Consolas" panose="020B0609020204030204" pitchFamily="49" charset="0"/>
+              </a:rPr>
+              <a:t>"</a:t>
+            </a:r>
+            <a:r>
+              <a:rPr lang="de-CH" i="1" dirty="0" err="1">
+                <a:solidFill>
+                  <a:srgbClr val="2A00FF"/>
+                </a:solidFill>
+                <a:latin typeface="Consolas" panose="020B0609020204030204" pitchFamily="49" charset="0"/>
+              </a:rPr>
+              <a:t>jdbc:mysql</a:t>
+            </a:r>
+            <a:r>
+              <a:rPr lang="de-CH" i="1" dirty="0">
+                <a:solidFill>
+                  <a:srgbClr val="2A00FF"/>
+                </a:solidFill>
+                <a:latin typeface="Consolas" panose="020B0609020204030204" pitchFamily="49" charset="0"/>
+              </a:rPr>
+              <a:t>://</a:t>
+            </a:r>
+            <a:r>
+              <a:rPr lang="de-CH" i="1" dirty="0" err="1">
+                <a:solidFill>
+                  <a:srgbClr val="2A00FF"/>
+                </a:solidFill>
+                <a:latin typeface="Consolas" panose="020B0609020204030204" pitchFamily="49" charset="0"/>
+              </a:rPr>
+              <a:t>localhost</a:t>
+            </a:r>
+            <a:r>
+              <a:rPr lang="de-CH" i="1" dirty="0">
+                <a:solidFill>
+                  <a:srgbClr val="2A00FF"/>
+                </a:solidFill>
+                <a:latin typeface="Consolas" panose="020B0609020204030204" pitchFamily="49" charset="0"/>
+              </a:rPr>
+              <a:t>/</a:t>
+            </a:r>
+            <a:r>
+              <a:rPr lang="de-CH" i="1" dirty="0" err="1">
+                <a:solidFill>
+                  <a:srgbClr val="2A00FF"/>
+                </a:solidFill>
+                <a:latin typeface="Consolas" panose="020B0609020204030204" pitchFamily="49" charset="0"/>
+              </a:rPr>
+              <a:t>borderlinecare?useTimezone</a:t>
+            </a:r>
+            <a:r>
+              <a:rPr lang="de-CH" i="1" dirty="0">
+                <a:solidFill>
+                  <a:srgbClr val="2A00FF"/>
+                </a:solidFill>
+                <a:latin typeface="Consolas" panose="020B0609020204030204" pitchFamily="49" charset="0"/>
+              </a:rPr>
+              <a:t>=</a:t>
+            </a:r>
+            <a:r>
+              <a:rPr lang="de-CH" i="1" dirty="0" err="1">
+                <a:solidFill>
+                  <a:srgbClr val="2A00FF"/>
+                </a:solidFill>
+                <a:latin typeface="Consolas" panose="020B0609020204030204" pitchFamily="49" charset="0"/>
+              </a:rPr>
+              <a:t>true&amp;amp;serverTimezone</a:t>
+            </a:r>
+            <a:r>
+              <a:rPr lang="de-CH" i="1" dirty="0">
+                <a:solidFill>
+                  <a:srgbClr val="2A00FF"/>
+                </a:solidFill>
+                <a:latin typeface="Consolas" panose="020B0609020204030204" pitchFamily="49" charset="0"/>
+              </a:rPr>
+              <a:t>=UTC"</a:t>
+            </a:r>
+            <a:r>
+              <a:rPr lang="de-CH" i="1" dirty="0">
+                <a:solidFill>
+                  <a:srgbClr val="008080"/>
+                </a:solidFill>
+                <a:latin typeface="Consolas" panose="020B0609020204030204" pitchFamily="49" charset="0"/>
+              </a:rPr>
+              <a:t>/&gt;</a:t>
+            </a:r>
+          </a:p>
+          <a:p>
+            <a:pPr marL="0" indent="0">
+              <a:buNone/>
+            </a:pPr>
+            <a:r>
+              <a:rPr lang="en-US" dirty="0">
+                <a:solidFill>
+                  <a:srgbClr val="008080"/>
+                </a:solidFill>
+                <a:latin typeface="Consolas" panose="020B0609020204030204" pitchFamily="49" charset="0"/>
+              </a:rPr>
+              <a:t>…</a:t>
+            </a:r>
+            <a:endParaRPr lang="de-CH" dirty="0">
+              <a:solidFill>
+                <a:srgbClr val="008080"/>
+              </a:solidFill>
+              <a:latin typeface="Consolas" panose="020B0609020204030204" pitchFamily="49" charset="0"/>
+            </a:endParaRPr>
+          </a:p>
+          <a:p>
+            <a:pPr marL="0" indent="0">
+              <a:buNone/>
+            </a:pPr>
+            <a:r>
+              <a:rPr lang="de-CH" dirty="0">
+                <a:solidFill>
+                  <a:srgbClr val="008080"/>
+                </a:solidFill>
+                <a:latin typeface="Consolas" panose="020B0609020204030204" pitchFamily="49" charset="0"/>
+              </a:rPr>
+              <a:t>&lt;/</a:t>
+            </a:r>
+            <a:r>
+              <a:rPr lang="de-CH" dirty="0" err="1">
+                <a:solidFill>
+                  <a:srgbClr val="3F7F7F"/>
+                </a:solidFill>
+                <a:latin typeface="Consolas" panose="020B0609020204030204" pitchFamily="49" charset="0"/>
+              </a:rPr>
+              <a:t>persistence</a:t>
+            </a:r>
+            <a:r>
+              <a:rPr lang="de-CH" dirty="0">
+                <a:solidFill>
+                  <a:srgbClr val="3F7F7F"/>
+                </a:solidFill>
+                <a:latin typeface="Consolas" panose="020B0609020204030204" pitchFamily="49" charset="0"/>
+              </a:rPr>
+              <a:t>-unit</a:t>
+            </a:r>
+            <a:r>
+              <a:rPr lang="de-CH" dirty="0">
+                <a:solidFill>
+                  <a:srgbClr val="008080"/>
+                </a:solidFill>
+                <a:latin typeface="Consolas" panose="020B0609020204030204" pitchFamily="49" charset="0"/>
+              </a:rPr>
+              <a:t>&gt;</a:t>
+            </a:r>
+          </a:p>
+          <a:p>
+            <a:pPr marL="0" indent="0">
+              <a:buNone/>
+            </a:pPr>
+            <a:r>
+              <a:rPr lang="de-CH" dirty="0">
+                <a:solidFill>
+                  <a:srgbClr val="008080"/>
+                </a:solidFill>
+                <a:latin typeface="Consolas" panose="020B0609020204030204" pitchFamily="49" charset="0"/>
+              </a:rPr>
+              <a:t>&lt;/</a:t>
+            </a:r>
+            <a:r>
+              <a:rPr lang="de-CH" dirty="0" err="1">
+                <a:solidFill>
+                  <a:srgbClr val="3F7F7F"/>
+                </a:solidFill>
+                <a:latin typeface="Consolas" panose="020B0609020204030204" pitchFamily="49" charset="0"/>
+              </a:rPr>
+              <a:t>persistence</a:t>
+            </a:r>
+            <a:r>
+              <a:rPr lang="de-CH" dirty="0">
+                <a:solidFill>
+                  <a:srgbClr val="3F7F7F"/>
+                </a:solidFill>
+                <a:latin typeface="Consolas" panose="020B0609020204030204" pitchFamily="49" charset="0"/>
+              </a:rPr>
+              <a:t>&gt;</a:t>
+            </a:r>
+          </a:p>
+          <a:p>
+            <a:pPr marL="0" indent="0">
+              <a:buNone/>
+            </a:pPr>
+            <a:endParaRPr lang="en-US" dirty="0">
+              <a:solidFill>
+                <a:srgbClr val="3F7F7F"/>
+              </a:solidFill>
+              <a:latin typeface="Consolas" panose="020B0609020204030204" pitchFamily="49" charset="0"/>
+            </a:endParaRPr>
+          </a:p>
+          <a:p>
+            <a:pPr marL="0" indent="0">
+              <a:buNone/>
+            </a:pPr>
+            <a:endParaRPr lang="en-US" dirty="0">
+              <a:solidFill>
+                <a:srgbClr val="3F7F7F"/>
+              </a:solidFill>
+              <a:latin typeface="Consolas" panose="020B0609020204030204" pitchFamily="49" charset="0"/>
+            </a:endParaRPr>
+          </a:p>
+          <a:p>
+            <a:pPr marL="0" indent="0">
+              <a:buNone/>
+            </a:pPr>
+            <a:endParaRPr lang="en-US" dirty="0">
+              <a:solidFill>
+                <a:srgbClr val="3F7F7F"/>
+              </a:solidFill>
+              <a:latin typeface="Consolas" panose="020B0609020204030204" pitchFamily="49" charset="0"/>
+            </a:endParaRPr>
+          </a:p>
+          <a:p>
+            <a:pPr marL="0" indent="0">
+              <a:buNone/>
+            </a:pPr>
+            <a:endParaRPr lang="en-US" dirty="0">
+              <a:solidFill>
+                <a:srgbClr val="3F7F7F"/>
+              </a:solidFill>
+              <a:latin typeface="Consolas" panose="020B0609020204030204" pitchFamily="49" charset="0"/>
+            </a:endParaRPr>
+          </a:p>
+          <a:p>
+            <a:pPr marL="0" indent="0">
+              <a:buNone/>
+            </a:pPr>
+            <a:endParaRPr lang="en-US" dirty="0">
+              <a:solidFill>
+                <a:srgbClr val="3F7F7F"/>
+              </a:solidFill>
+              <a:latin typeface="Consolas" panose="020B0609020204030204" pitchFamily="49" charset="0"/>
+            </a:endParaRPr>
+          </a:p>
+          <a:p>
+            <a:pPr marL="0" indent="0">
+              <a:buNone/>
+            </a:pPr>
+            <a:endParaRPr lang="en-US" dirty="0">
+              <a:solidFill>
+                <a:srgbClr val="3F7F7F"/>
+              </a:solidFill>
+              <a:latin typeface="Consolas" panose="020B0609020204030204" pitchFamily="49" charset="0"/>
+            </a:endParaRPr>
+          </a:p>
+          <a:p>
+            <a:pPr marL="0" indent="0">
+              <a:buNone/>
+            </a:pPr>
+            <a:endParaRPr lang="de-CH" dirty="0"/>
           </a:p>
         </p:txBody>
       </p:sp>
     </p:spTree>
     <p:extLst>
       <p:ext uri="{BB962C8B-B14F-4D97-AF65-F5344CB8AC3E}">
-        <p14:creationId xmlns:p14="http://schemas.microsoft.com/office/powerpoint/2010/main" val="800263352"/>
+        <p14:creationId xmlns:p14="http://schemas.microsoft.com/office/powerpoint/2010/main" val="2133003563"/>
       </p:ext>
     </p:extLst>
   </p:cSld>
@@ -3576,40 +4733,10 @@
       </p:grpSpPr>
       <p:sp>
         <p:nvSpPr>
-          <p:cNvPr id="2" name="Titel 1"/>
-          <p:cNvSpPr>
-            <a:spLocks noGrp="1"/>
-          </p:cNvSpPr>
-          <p:nvPr>
-            <p:ph type="title"/>
-          </p:nvPr>
-        </p:nvSpPr>
-        <p:spPr/>
-        <p:txBody>
-          <a:bodyPr/>
-          <a:lstStyle/>
-          <a:p>
-            <a:r>
-              <a:rPr lang="en-US" dirty="0"/>
-              <a:t>S</a:t>
-            </a:r>
-            <a:r>
-              <a:rPr lang="de-CH" dirty="0" err="1"/>
-              <a:t>ign</a:t>
-            </a:r>
-            <a:r>
-              <a:rPr lang="de-CH" dirty="0"/>
-              <a:t> Up – Client Side Validation</a:t>
-            </a:r>
-          </a:p>
-        </p:txBody>
-      </p:sp>
-      <p:sp>
-        <p:nvSpPr>
-          <p:cNvPr id="4" name="Inhaltsplatzhalter 3">
+          <p:cNvPr id="3" name="Inhaltsplatzhalter 2">
             <a:extLst>
               <a:ext uri="{FF2B5EF4-FFF2-40B4-BE49-F238E27FC236}">
-                <a16:creationId xmlns:a16="http://schemas.microsoft.com/office/drawing/2014/main" xmlns="" id="{1BE177C7-3EAB-4849-B4C7-09252070B93F}"/>
+                <a16:creationId xmlns:a16="http://schemas.microsoft.com/office/drawing/2014/main" id="{9FA8D05D-3264-44E6-8F29-A7D2A10D2DF0}"/>
               </a:ext>
             </a:extLst>
           </p:cNvPr>
@@ -3620,9 +4747,16 @@
             <p:ph idx="1"/>
           </p:nvPr>
         </p:nvSpPr>
-        <p:spPr/>
-        <p:txBody>
-          <a:bodyPr/>
+        <p:spPr>
+          <a:xfrm>
+            <a:off x="838200" y="358219"/>
+            <a:ext cx="10515600" cy="5818744"/>
+          </a:xfrm>
+        </p:spPr>
+        <p:txBody>
+          <a:bodyPr>
+            <a:normAutofit/>
+          </a:bodyPr>
           <a:lstStyle/>
           <a:p>
             <a:pPr marL="0" indent="0">
@@ -3631,356 +4765,533 @@
             <a:r>
               <a:rPr lang="de-CH" dirty="0">
                 <a:solidFill>
-                  <a:srgbClr val="0000C0"/>
-                </a:solidFill>
-                <a:latin typeface="Consolas" panose="020B0609020204030204" pitchFamily="49" charset="0"/>
-              </a:rPr>
-              <a:t>email</a:t>
-            </a:r>
-            <a:r>
-              <a:rPr lang="de-CH" dirty="0">
-                <a:solidFill>
-                  <a:srgbClr val="000000"/>
-                </a:solidFill>
-                <a:latin typeface="Consolas" panose="020B0609020204030204" pitchFamily="49" charset="0"/>
-              </a:rPr>
-              <a:t> = </a:t>
-            </a:r>
-            <a:r>
-              <a:rPr lang="de-CH" b="1" dirty="0" err="1">
-                <a:solidFill>
-                  <a:srgbClr val="7F0055"/>
-                </a:solidFill>
-                <a:latin typeface="Consolas" panose="020B0609020204030204" pitchFamily="49" charset="0"/>
-              </a:rPr>
-              <a:t>new</a:t>
-            </a:r>
-            <a:r>
-              <a:rPr lang="de-CH" b="1" dirty="0">
-                <a:solidFill>
-                  <a:srgbClr val="000000"/>
-                </a:solidFill>
-                <a:latin typeface="Consolas" panose="020B0609020204030204" pitchFamily="49" charset="0"/>
-              </a:rPr>
-              <a:t> </a:t>
-            </a:r>
-            <a:r>
-              <a:rPr lang="de-CH" b="1" dirty="0" err="1">
-                <a:solidFill>
-                  <a:srgbClr val="000000"/>
-                </a:solidFill>
-                <a:latin typeface="Consolas" panose="020B0609020204030204" pitchFamily="49" charset="0"/>
-              </a:rPr>
-              <a:t>TextField</a:t>
-            </a:r>
-            <a:r>
-              <a:rPr lang="de-CH" b="1" dirty="0">
-                <a:solidFill>
-                  <a:srgbClr val="000000"/>
-                </a:solidFill>
-                <a:latin typeface="Consolas" panose="020B0609020204030204" pitchFamily="49" charset="0"/>
-              </a:rPr>
-              <a:t>();</a:t>
-            </a:r>
-          </a:p>
-          <a:p>
-            <a:pPr marL="0" indent="0">
-              <a:buNone/>
-            </a:pPr>
+                  <a:srgbClr val="646464"/>
+                </a:solidFill>
+                <a:latin typeface="Consolas" panose="020B0609020204030204" pitchFamily="49" charset="0"/>
+              </a:rPr>
+              <a:t>@</a:t>
+            </a:r>
             <a:r>
               <a:rPr lang="de-CH" dirty="0" err="1">
                 <a:solidFill>
-                  <a:srgbClr val="0000C0"/>
-                </a:solidFill>
-                <a:latin typeface="Consolas" panose="020B0609020204030204" pitchFamily="49" charset="0"/>
-              </a:rPr>
-              <a:t>email</a:t>
-            </a:r>
-            <a:r>
-              <a:rPr lang="de-CH" dirty="0" err="1">
-                <a:solidFill>
-                  <a:srgbClr val="000000"/>
-                </a:solidFill>
-                <a:latin typeface="Consolas" panose="020B0609020204030204" pitchFamily="49" charset="0"/>
-              </a:rPr>
-              <a:t>.setCaption</a:t>
-            </a:r>
-            <a:r>
-              <a:rPr lang="de-CH" dirty="0">
-                <a:solidFill>
-                  <a:srgbClr val="000000"/>
-                </a:solidFill>
-                <a:latin typeface="Consolas" panose="020B0609020204030204" pitchFamily="49" charset="0"/>
-              </a:rPr>
-              <a:t>(</a:t>
-            </a:r>
-            <a:r>
-              <a:rPr lang="de-CH" dirty="0">
-                <a:solidFill>
-                  <a:srgbClr val="2A00FF"/>
-                </a:solidFill>
-                <a:latin typeface="Consolas" panose="020B0609020204030204" pitchFamily="49" charset="0"/>
-              </a:rPr>
-              <a:t>"Email </a:t>
-            </a:r>
-            <a:r>
-              <a:rPr lang="de-CH" dirty="0" err="1">
-                <a:solidFill>
-                  <a:srgbClr val="2A00FF"/>
-                </a:solidFill>
-                <a:latin typeface="Consolas" panose="020B0609020204030204" pitchFamily="49" charset="0"/>
-              </a:rPr>
-              <a:t>Address</a:t>
-            </a:r>
-            <a:r>
-              <a:rPr lang="de-CH" dirty="0">
-                <a:solidFill>
-                  <a:srgbClr val="2A00FF"/>
-                </a:solidFill>
-                <a:latin typeface="Consolas" panose="020B0609020204030204" pitchFamily="49" charset="0"/>
-              </a:rPr>
-              <a:t>"</a:t>
-            </a:r>
-            <a:r>
-              <a:rPr lang="de-CH" dirty="0">
-                <a:solidFill>
-                  <a:srgbClr val="000000"/>
-                </a:solidFill>
-                <a:latin typeface="Consolas" panose="020B0609020204030204" pitchFamily="49" charset="0"/>
-              </a:rPr>
-              <a:t>);</a:t>
-            </a:r>
-          </a:p>
-          <a:p>
-            <a:pPr marL="0" indent="0">
-              <a:buNone/>
-            </a:pPr>
-            <a:r>
-              <a:rPr lang="en-US" dirty="0" err="1">
-                <a:solidFill>
-                  <a:srgbClr val="0000C0"/>
-                </a:solidFill>
-                <a:latin typeface="Consolas" panose="020B0609020204030204" pitchFamily="49" charset="0"/>
-              </a:rPr>
-              <a:t>binder</a:t>
-            </a:r>
-            <a:r>
-              <a:rPr lang="en-US" dirty="0" err="1">
-                <a:solidFill>
-                  <a:srgbClr val="000000"/>
-                </a:solidFill>
-                <a:latin typeface="Consolas" panose="020B0609020204030204" pitchFamily="49" charset="0"/>
-              </a:rPr>
-              <a:t>.forField</a:t>
-            </a:r>
-            <a:r>
-              <a:rPr lang="en-US" dirty="0">
-                <a:solidFill>
-                  <a:srgbClr val="000000"/>
-                </a:solidFill>
-                <a:latin typeface="Consolas" panose="020B0609020204030204" pitchFamily="49" charset="0"/>
-              </a:rPr>
-              <a:t>(</a:t>
-            </a:r>
-            <a:r>
-              <a:rPr lang="en-US" dirty="0">
-                <a:solidFill>
-                  <a:srgbClr val="0000C0"/>
-                </a:solidFill>
-                <a:latin typeface="Consolas" panose="020B0609020204030204" pitchFamily="49" charset="0"/>
-              </a:rPr>
-              <a:t>email</a:t>
-            </a:r>
-            <a:r>
-              <a:rPr lang="en-US" dirty="0">
-                <a:solidFill>
-                  <a:srgbClr val="000000"/>
-                </a:solidFill>
-                <a:latin typeface="Consolas" panose="020B0609020204030204" pitchFamily="49" charset="0"/>
-              </a:rPr>
-              <a:t>).</a:t>
-            </a:r>
-            <a:r>
-              <a:rPr lang="en-US" dirty="0" err="1">
-                <a:solidFill>
-                  <a:srgbClr val="000000"/>
-                </a:solidFill>
-                <a:latin typeface="Consolas" panose="020B0609020204030204" pitchFamily="49" charset="0"/>
-              </a:rPr>
-              <a:t>withValidator</a:t>
-            </a:r>
-            <a:r>
-              <a:rPr lang="en-US" dirty="0">
-                <a:solidFill>
-                  <a:srgbClr val="000000"/>
-                </a:solidFill>
-                <a:latin typeface="Consolas" panose="020B0609020204030204" pitchFamily="49" charset="0"/>
-              </a:rPr>
-              <a:t>(</a:t>
-            </a:r>
-            <a:r>
-              <a:rPr lang="en-US" b="1" dirty="0">
-                <a:solidFill>
-                  <a:srgbClr val="7F0055"/>
-                </a:solidFill>
-                <a:latin typeface="Consolas" panose="020B0609020204030204" pitchFamily="49" charset="0"/>
-              </a:rPr>
-              <a:t>new</a:t>
-            </a:r>
-            <a:r>
-              <a:rPr lang="en-US" b="1" dirty="0">
-                <a:solidFill>
-                  <a:srgbClr val="000000"/>
-                </a:solidFill>
-                <a:latin typeface="Consolas" panose="020B0609020204030204" pitchFamily="49" charset="0"/>
-              </a:rPr>
-              <a:t> </a:t>
-            </a:r>
-            <a:r>
-              <a:rPr lang="en-US" b="1" dirty="0" err="1">
-                <a:solidFill>
-                  <a:srgbClr val="000000"/>
-                </a:solidFill>
-                <a:latin typeface="Consolas" panose="020B0609020204030204" pitchFamily="49" charset="0"/>
-              </a:rPr>
-              <a:t>EmailValidator</a:t>
-            </a:r>
-            <a:r>
-              <a:rPr lang="en-US" b="1" dirty="0">
-                <a:solidFill>
-                  <a:srgbClr val="000000"/>
-                </a:solidFill>
-                <a:latin typeface="Consolas" panose="020B0609020204030204" pitchFamily="49" charset="0"/>
-              </a:rPr>
-              <a:t>(</a:t>
-            </a:r>
-            <a:r>
-              <a:rPr lang="en-US" b="1" dirty="0">
-                <a:solidFill>
-                  <a:srgbClr val="2A00FF"/>
-                </a:solidFill>
-                <a:latin typeface="Consolas" panose="020B0609020204030204" pitchFamily="49" charset="0"/>
-              </a:rPr>
-              <a:t>"This is not a valid email address"</a:t>
-            </a:r>
-            <a:r>
-              <a:rPr lang="en-US" b="1" dirty="0">
-                <a:solidFill>
-                  <a:srgbClr val="000000"/>
-                </a:solidFill>
-                <a:latin typeface="Consolas" panose="020B0609020204030204" pitchFamily="49" charset="0"/>
-              </a:rPr>
-              <a:t>))</a:t>
-            </a:r>
-          </a:p>
-          <a:p>
-            <a:pPr marL="0" indent="0">
-              <a:buNone/>
-            </a:pPr>
-            <a:r>
-              <a:rPr lang="de-CH" dirty="0">
-                <a:solidFill>
-                  <a:srgbClr val="000000"/>
-                </a:solidFill>
-                <a:latin typeface="Consolas" panose="020B0609020204030204" pitchFamily="49" charset="0"/>
-              </a:rPr>
-              <a:t>	.bind(</a:t>
-            </a:r>
-            <a:r>
-              <a:rPr lang="de-CH" dirty="0" err="1">
-                <a:solidFill>
-                  <a:srgbClr val="000000"/>
+                  <a:srgbClr val="646464"/>
                 </a:solidFill>
                 <a:highlight>
                   <a:srgbClr val="D4D4D4"/>
                 </a:highlight>
                 <a:latin typeface="Consolas" panose="020B0609020204030204" pitchFamily="49" charset="0"/>
               </a:rPr>
+              <a:t>Id</a:t>
+            </a:r>
+            <a:endParaRPr lang="de-CH" dirty="0">
+              <a:solidFill>
+                <a:srgbClr val="646464"/>
+              </a:solidFill>
+              <a:highlight>
+                <a:srgbClr val="D4D4D4"/>
+              </a:highlight>
+              <a:latin typeface="Consolas" panose="020B0609020204030204" pitchFamily="49" charset="0"/>
+            </a:endParaRPr>
+          </a:p>
+          <a:p>
+            <a:pPr marL="0" indent="0">
+              <a:buNone/>
+            </a:pPr>
+            <a:r>
+              <a:rPr lang="de-CH" dirty="0">
+                <a:solidFill>
+                  <a:srgbClr val="646464"/>
+                </a:solidFill>
+                <a:latin typeface="Consolas" panose="020B0609020204030204" pitchFamily="49" charset="0"/>
+              </a:rPr>
+              <a:t>@</a:t>
+            </a:r>
+            <a:r>
+              <a:rPr lang="de-CH" dirty="0" err="1">
+                <a:solidFill>
+                  <a:srgbClr val="646464"/>
+                </a:solidFill>
+                <a:latin typeface="Consolas" panose="020B0609020204030204" pitchFamily="49" charset="0"/>
+              </a:rPr>
+              <a:t>GeneratedValue</a:t>
+            </a:r>
+            <a:endParaRPr lang="de-CH" dirty="0">
+              <a:solidFill>
+                <a:srgbClr val="646464"/>
+              </a:solidFill>
+              <a:latin typeface="Consolas" panose="020B0609020204030204" pitchFamily="49" charset="0"/>
+            </a:endParaRPr>
+          </a:p>
+          <a:p>
+            <a:pPr marL="0" indent="0">
+              <a:buNone/>
+            </a:pPr>
+            <a:r>
+              <a:rPr lang="de-CH" b="1" dirty="0">
+                <a:solidFill>
+                  <a:srgbClr val="7F0055"/>
+                </a:solidFill>
+                <a:latin typeface="Consolas" panose="020B0609020204030204" pitchFamily="49" charset="0"/>
+              </a:rPr>
+              <a:t>private</a:t>
+            </a:r>
+            <a:r>
+              <a:rPr lang="de-CH" b="1" dirty="0">
+                <a:solidFill>
+                  <a:srgbClr val="000000"/>
+                </a:solidFill>
+                <a:latin typeface="Consolas" panose="020B0609020204030204" pitchFamily="49" charset="0"/>
+              </a:rPr>
+              <a:t> </a:t>
+            </a:r>
+            <a:r>
+              <a:rPr lang="de-CH" b="1" dirty="0" err="1">
+                <a:solidFill>
+                  <a:srgbClr val="7F0055"/>
+                </a:solidFill>
+                <a:latin typeface="Consolas" panose="020B0609020204030204" pitchFamily="49" charset="0"/>
+              </a:rPr>
+              <a:t>int</a:t>
+            </a:r>
+            <a:r>
+              <a:rPr lang="de-CH" b="1" dirty="0">
+                <a:solidFill>
+                  <a:srgbClr val="000000"/>
+                </a:solidFill>
+                <a:latin typeface="Consolas" panose="020B0609020204030204" pitchFamily="49" charset="0"/>
+              </a:rPr>
+              <a:t> </a:t>
+            </a:r>
+            <a:r>
+              <a:rPr lang="de-CH" b="1" dirty="0" err="1">
+                <a:solidFill>
+                  <a:srgbClr val="0000C0"/>
+                </a:solidFill>
+                <a:latin typeface="Consolas" panose="020B0609020204030204" pitchFamily="49" charset="0"/>
+              </a:rPr>
+              <a:t>id</a:t>
+            </a:r>
+            <a:r>
+              <a:rPr lang="de-CH" b="1" dirty="0">
+                <a:solidFill>
+                  <a:srgbClr val="000000"/>
+                </a:solidFill>
+                <a:latin typeface="Consolas" panose="020B0609020204030204" pitchFamily="49" charset="0"/>
+              </a:rPr>
+              <a:t>;</a:t>
+            </a:r>
+          </a:p>
+          <a:p>
+            <a:pPr marL="0" indent="0">
+              <a:buNone/>
+            </a:pPr>
+            <a:endParaRPr lang="de-CH" dirty="0">
+              <a:latin typeface="Consolas" panose="020B0609020204030204" pitchFamily="49" charset="0"/>
+            </a:endParaRPr>
+          </a:p>
+          <a:p>
+            <a:pPr marL="0" indent="0">
+              <a:buNone/>
+            </a:pPr>
+            <a:r>
+              <a:rPr lang="de-CH" dirty="0">
+                <a:solidFill>
+                  <a:srgbClr val="646464"/>
+                </a:solidFill>
+                <a:latin typeface="Consolas" panose="020B0609020204030204" pitchFamily="49" charset="0"/>
+              </a:rPr>
+              <a:t>@</a:t>
+            </a:r>
+            <a:r>
+              <a:rPr lang="de-CH" dirty="0" err="1">
+                <a:solidFill>
+                  <a:srgbClr val="646464"/>
+                </a:solidFill>
+                <a:latin typeface="Consolas" panose="020B0609020204030204" pitchFamily="49" charset="0"/>
+              </a:rPr>
+              <a:t>ManyToOne</a:t>
+            </a:r>
+            <a:r>
+              <a:rPr lang="de-CH" dirty="0">
+                <a:solidFill>
+                  <a:srgbClr val="000000"/>
+                </a:solidFill>
+                <a:latin typeface="Consolas" panose="020B0609020204030204" pitchFamily="49" charset="0"/>
+              </a:rPr>
+              <a:t>(</a:t>
+            </a:r>
+            <a:r>
+              <a:rPr lang="de-CH" dirty="0" err="1">
+                <a:solidFill>
+                  <a:srgbClr val="000000"/>
+                </a:solidFill>
+                <a:latin typeface="Consolas" panose="020B0609020204030204" pitchFamily="49" charset="0"/>
+              </a:rPr>
+              <a:t>cascade</a:t>
+            </a:r>
+            <a:r>
+              <a:rPr lang="de-CH" dirty="0">
+                <a:solidFill>
+                  <a:srgbClr val="000000"/>
+                </a:solidFill>
+                <a:latin typeface="Consolas" panose="020B0609020204030204" pitchFamily="49" charset="0"/>
+              </a:rPr>
+              <a:t>=</a:t>
+            </a:r>
+            <a:r>
+              <a:rPr lang="de-CH" dirty="0" err="1">
+                <a:solidFill>
+                  <a:srgbClr val="000000"/>
+                </a:solidFill>
+                <a:latin typeface="Consolas" panose="020B0609020204030204" pitchFamily="49" charset="0"/>
+              </a:rPr>
+              <a:t>CascadeType.</a:t>
+            </a:r>
+            <a:r>
+              <a:rPr lang="de-CH" b="1" i="1" dirty="0" err="1">
+                <a:solidFill>
+                  <a:srgbClr val="0000C0"/>
+                </a:solidFill>
+                <a:latin typeface="Consolas" panose="020B0609020204030204" pitchFamily="49" charset="0"/>
+              </a:rPr>
+              <a:t>PERSIST</a:t>
+            </a:r>
+            <a:r>
+              <a:rPr lang="de-CH" b="1" i="1" dirty="0">
+                <a:solidFill>
+                  <a:srgbClr val="000000"/>
+                </a:solidFill>
+                <a:latin typeface="Consolas" panose="020B0609020204030204" pitchFamily="49" charset="0"/>
+              </a:rPr>
+              <a:t>)</a:t>
+            </a:r>
+          </a:p>
+          <a:p>
+            <a:pPr marL="0" indent="0">
+              <a:buNone/>
+            </a:pPr>
+            <a:r>
+              <a:rPr lang="de-CH" dirty="0">
+                <a:solidFill>
+                  <a:srgbClr val="646464"/>
+                </a:solidFill>
+                <a:latin typeface="Consolas" panose="020B0609020204030204" pitchFamily="49" charset="0"/>
+              </a:rPr>
+              <a:t>@</a:t>
+            </a:r>
+            <a:r>
+              <a:rPr lang="de-CH" dirty="0" err="1">
+                <a:solidFill>
+                  <a:srgbClr val="646464"/>
+                </a:solidFill>
+                <a:latin typeface="Consolas" panose="020B0609020204030204" pitchFamily="49" charset="0"/>
+              </a:rPr>
+              <a:t>JoinColumn</a:t>
+            </a:r>
+            <a:r>
+              <a:rPr lang="de-CH" dirty="0">
+                <a:solidFill>
+                  <a:srgbClr val="000000"/>
+                </a:solidFill>
+                <a:latin typeface="Consolas" panose="020B0609020204030204" pitchFamily="49" charset="0"/>
+              </a:rPr>
+              <a:t>(</a:t>
+            </a:r>
+            <a:r>
+              <a:rPr lang="de-CH" dirty="0" err="1">
+                <a:solidFill>
+                  <a:srgbClr val="000000"/>
+                </a:solidFill>
+                <a:latin typeface="Consolas" panose="020B0609020204030204" pitchFamily="49" charset="0"/>
+              </a:rPr>
+              <a:t>name</a:t>
+            </a:r>
+            <a:r>
+              <a:rPr lang="de-CH" dirty="0">
+                <a:solidFill>
+                  <a:srgbClr val="000000"/>
+                </a:solidFill>
+                <a:latin typeface="Consolas" panose="020B0609020204030204" pitchFamily="49" charset="0"/>
+              </a:rPr>
+              <a:t>=</a:t>
+            </a:r>
+            <a:r>
+              <a:rPr lang="de-CH" dirty="0">
+                <a:solidFill>
+                  <a:srgbClr val="2A00FF"/>
+                </a:solidFill>
+                <a:latin typeface="Consolas" panose="020B0609020204030204" pitchFamily="49" charset="0"/>
+              </a:rPr>
+              <a:t>"LOGINACCOUNT_EMAIL"</a:t>
+            </a:r>
+            <a:r>
+              <a:rPr lang="de-CH" dirty="0">
+                <a:solidFill>
+                  <a:srgbClr val="000000"/>
+                </a:solidFill>
+                <a:latin typeface="Consolas" panose="020B0609020204030204" pitchFamily="49" charset="0"/>
+              </a:rPr>
+              <a:t>)</a:t>
+            </a:r>
+          </a:p>
+          <a:p>
+            <a:pPr marL="0" indent="0">
+              <a:buNone/>
+            </a:pPr>
+            <a:r>
+              <a:rPr lang="de-CH" b="1" dirty="0">
+                <a:solidFill>
+                  <a:srgbClr val="7F0055"/>
+                </a:solidFill>
+                <a:latin typeface="Consolas" panose="020B0609020204030204" pitchFamily="49" charset="0"/>
+              </a:rPr>
+              <a:t>private</a:t>
+            </a:r>
+            <a:r>
+              <a:rPr lang="de-CH" b="1" dirty="0">
+                <a:solidFill>
+                  <a:srgbClr val="000000"/>
+                </a:solidFill>
+                <a:latin typeface="Consolas" panose="020B0609020204030204" pitchFamily="49" charset="0"/>
+              </a:rPr>
+              <a:t> </a:t>
+            </a:r>
+            <a:r>
+              <a:rPr lang="de-CH" b="1" dirty="0" err="1">
+                <a:solidFill>
+                  <a:srgbClr val="000000"/>
+                </a:solidFill>
+                <a:latin typeface="Consolas" panose="020B0609020204030204" pitchFamily="49" charset="0"/>
+              </a:rPr>
               <a:t>LoginAccount</a:t>
             </a:r>
             <a:r>
-              <a:rPr lang="de-CH" dirty="0">
-                <a:solidFill>
-                  <a:srgbClr val="000000"/>
-                </a:solidFill>
-                <a:highlight>
-                  <a:srgbClr val="D4D4D4"/>
-                </a:highlight>
-                <a:latin typeface="Consolas" panose="020B0609020204030204" pitchFamily="49" charset="0"/>
-              </a:rPr>
-              <a:t>::</a:t>
-            </a:r>
-            <a:r>
-              <a:rPr lang="de-CH" dirty="0" err="1">
-                <a:solidFill>
-                  <a:srgbClr val="000000"/>
-                </a:solidFill>
-                <a:highlight>
-                  <a:srgbClr val="D4D4D4"/>
-                </a:highlight>
-                <a:latin typeface="Consolas" panose="020B0609020204030204" pitchFamily="49" charset="0"/>
-              </a:rPr>
-              <a:t>getEmail</a:t>
-            </a:r>
-            <a:r>
-              <a:rPr lang="de-CH" dirty="0">
-                <a:solidFill>
-                  <a:srgbClr val="000000"/>
-                </a:solidFill>
-                <a:highlight>
-                  <a:srgbClr val="D4D4D4"/>
-                </a:highlight>
-                <a:latin typeface="Consolas" panose="020B0609020204030204" pitchFamily="49" charset="0"/>
-              </a:rPr>
-              <a:t>, 	</a:t>
-            </a:r>
-            <a:r>
-              <a:rPr lang="de-CH" dirty="0" err="1">
-                <a:solidFill>
-                  <a:srgbClr val="000000"/>
-                </a:solidFill>
-                <a:highlight>
-                  <a:srgbClr val="D4D4D4"/>
-                </a:highlight>
-                <a:latin typeface="Consolas" panose="020B0609020204030204" pitchFamily="49" charset="0"/>
-              </a:rPr>
-              <a:t>LoginAccount</a:t>
-            </a:r>
-            <a:r>
-              <a:rPr lang="de-CH" dirty="0">
-                <a:solidFill>
-                  <a:srgbClr val="000000"/>
-                </a:solidFill>
-                <a:highlight>
-                  <a:srgbClr val="D4D4D4"/>
-                </a:highlight>
-                <a:latin typeface="Consolas" panose="020B0609020204030204" pitchFamily="49" charset="0"/>
-              </a:rPr>
-              <a:t>::</a:t>
-            </a:r>
-            <a:r>
-              <a:rPr lang="de-CH" dirty="0" err="1">
-                <a:solidFill>
-                  <a:srgbClr val="000000"/>
-                </a:solidFill>
-                <a:highlight>
-                  <a:srgbClr val="D4D4D4"/>
-                </a:highlight>
-                <a:latin typeface="Consolas" panose="020B0609020204030204" pitchFamily="49" charset="0"/>
-              </a:rPr>
-              <a:t>setEmail</a:t>
-            </a:r>
-            <a:r>
-              <a:rPr lang="de-CH" dirty="0">
-                <a:solidFill>
-                  <a:srgbClr val="000000"/>
-                </a:solidFill>
-                <a:highlight>
-                  <a:srgbClr val="D4D4D4"/>
-                </a:highlight>
-                <a:latin typeface="Consolas" panose="020B0609020204030204" pitchFamily="49" charset="0"/>
-              </a:rPr>
-              <a:t>);</a:t>
+              <a:rPr lang="de-CH" b="1" dirty="0">
+                <a:solidFill>
+                  <a:srgbClr val="000000"/>
+                </a:solidFill>
+                <a:latin typeface="Consolas" panose="020B0609020204030204" pitchFamily="49" charset="0"/>
+              </a:rPr>
+              <a:t> </a:t>
+            </a:r>
+            <a:r>
+              <a:rPr lang="de-CH" b="1" dirty="0" err="1">
+                <a:solidFill>
+                  <a:srgbClr val="0000C0"/>
+                </a:solidFill>
+                <a:latin typeface="Consolas" panose="020B0609020204030204" pitchFamily="49" charset="0"/>
+              </a:rPr>
+              <a:t>loginAccount</a:t>
+            </a:r>
+            <a:r>
+              <a:rPr lang="de-CH" b="1" dirty="0">
+                <a:solidFill>
+                  <a:srgbClr val="000000"/>
+                </a:solidFill>
+                <a:latin typeface="Consolas" panose="020B0609020204030204" pitchFamily="49" charset="0"/>
+              </a:rPr>
+              <a:t>;</a:t>
+            </a:r>
+          </a:p>
+          <a:p>
+            <a:pPr marL="0" indent="0">
+              <a:buNone/>
+            </a:pPr>
+            <a:endParaRPr lang="it-IT" dirty="0">
+              <a:solidFill>
+                <a:srgbClr val="646464"/>
+              </a:solidFill>
+              <a:latin typeface="Consolas" panose="020B0609020204030204" pitchFamily="49" charset="0"/>
+            </a:endParaRPr>
+          </a:p>
+          <a:p>
+            <a:pPr marL="0" indent="0">
+              <a:buNone/>
+            </a:pPr>
+            <a:r>
+              <a:rPr lang="it-IT" dirty="0">
+                <a:solidFill>
+                  <a:srgbClr val="646464"/>
+                </a:solidFill>
+                <a:latin typeface="Consolas" panose="020B0609020204030204" pitchFamily="49" charset="0"/>
+              </a:rPr>
+              <a:t>@</a:t>
+            </a:r>
+            <a:r>
+              <a:rPr lang="it-IT" dirty="0" err="1">
+                <a:solidFill>
+                  <a:srgbClr val="646464"/>
+                </a:solidFill>
+                <a:latin typeface="Consolas" panose="020B0609020204030204" pitchFamily="49" charset="0"/>
+              </a:rPr>
+              <a:t>OneToMany</a:t>
+            </a:r>
+            <a:r>
+              <a:rPr lang="it-IT" dirty="0">
+                <a:solidFill>
+                  <a:srgbClr val="000000"/>
+                </a:solidFill>
+                <a:latin typeface="Consolas" panose="020B0609020204030204" pitchFamily="49" charset="0"/>
+              </a:rPr>
+              <a:t>(</a:t>
+            </a:r>
+            <a:r>
+              <a:rPr lang="it-IT" dirty="0" err="1">
+                <a:solidFill>
+                  <a:srgbClr val="000000"/>
+                </a:solidFill>
+                <a:latin typeface="Consolas" panose="020B0609020204030204" pitchFamily="49" charset="0"/>
+              </a:rPr>
+              <a:t>mappedBy</a:t>
+            </a:r>
+            <a:r>
+              <a:rPr lang="it-IT" dirty="0">
+                <a:solidFill>
+                  <a:srgbClr val="000000"/>
+                </a:solidFill>
+                <a:latin typeface="Consolas" panose="020B0609020204030204" pitchFamily="49" charset="0"/>
+              </a:rPr>
+              <a:t> = </a:t>
+            </a:r>
+            <a:r>
+              <a:rPr lang="it-IT" dirty="0">
+                <a:solidFill>
+                  <a:srgbClr val="2A00FF"/>
+                </a:solidFill>
+                <a:latin typeface="Consolas" panose="020B0609020204030204" pitchFamily="49" charset="0"/>
+              </a:rPr>
+              <a:t>"</a:t>
+            </a:r>
+            <a:r>
+              <a:rPr lang="it-IT" dirty="0" err="1">
+                <a:solidFill>
+                  <a:srgbClr val="2A00FF"/>
+                </a:solidFill>
+                <a:latin typeface="Consolas" panose="020B0609020204030204" pitchFamily="49" charset="0"/>
+              </a:rPr>
+              <a:t>loginAccount</a:t>
+            </a:r>
+            <a:r>
+              <a:rPr lang="it-IT" dirty="0">
+                <a:solidFill>
+                  <a:srgbClr val="2A00FF"/>
+                </a:solidFill>
+                <a:latin typeface="Consolas" panose="020B0609020204030204" pitchFamily="49" charset="0"/>
+              </a:rPr>
+              <a:t>"</a:t>
+            </a:r>
+            <a:r>
+              <a:rPr lang="it-IT" dirty="0">
+                <a:solidFill>
+                  <a:srgbClr val="000000"/>
+                </a:solidFill>
+                <a:latin typeface="Consolas" panose="020B0609020204030204" pitchFamily="49" charset="0"/>
+              </a:rPr>
+              <a:t>, </a:t>
+            </a:r>
+            <a:r>
+              <a:rPr lang="it-IT" dirty="0" err="1">
+                <a:solidFill>
+                  <a:srgbClr val="000000"/>
+                </a:solidFill>
+                <a:latin typeface="Consolas" panose="020B0609020204030204" pitchFamily="49" charset="0"/>
+              </a:rPr>
+              <a:t>cascade</a:t>
+            </a:r>
+            <a:r>
+              <a:rPr lang="it-IT" dirty="0">
+                <a:solidFill>
+                  <a:srgbClr val="000000"/>
+                </a:solidFill>
+                <a:latin typeface="Consolas" panose="020B0609020204030204" pitchFamily="49" charset="0"/>
+              </a:rPr>
+              <a:t>=</a:t>
+            </a:r>
+            <a:r>
+              <a:rPr lang="it-IT" dirty="0" err="1">
+                <a:solidFill>
+                  <a:srgbClr val="000000"/>
+                </a:solidFill>
+                <a:latin typeface="Consolas" panose="020B0609020204030204" pitchFamily="49" charset="0"/>
+              </a:rPr>
+              <a:t>CascadeType.</a:t>
+            </a:r>
+            <a:r>
+              <a:rPr lang="it-IT" b="1" i="1" dirty="0" err="1">
+                <a:solidFill>
+                  <a:srgbClr val="0000C0"/>
+                </a:solidFill>
+                <a:latin typeface="Consolas" panose="020B0609020204030204" pitchFamily="49" charset="0"/>
+              </a:rPr>
+              <a:t>PERSIST</a:t>
+            </a:r>
+            <a:r>
+              <a:rPr lang="it-IT" b="1" i="1" dirty="0">
+                <a:solidFill>
+                  <a:srgbClr val="000000"/>
+                </a:solidFill>
+                <a:latin typeface="Consolas" panose="020B0609020204030204" pitchFamily="49" charset="0"/>
+              </a:rPr>
+              <a:t>)</a:t>
+            </a:r>
+          </a:p>
+          <a:p>
+            <a:pPr marL="0" indent="0">
+              <a:buNone/>
+            </a:pPr>
+            <a:r>
+              <a:rPr lang="de-CH" b="1" dirty="0">
+                <a:solidFill>
+                  <a:srgbClr val="7F0055"/>
+                </a:solidFill>
+                <a:latin typeface="Consolas" panose="020B0609020204030204" pitchFamily="49" charset="0"/>
+              </a:rPr>
+              <a:t>private</a:t>
+            </a:r>
+            <a:r>
+              <a:rPr lang="de-CH" b="1" dirty="0">
+                <a:solidFill>
+                  <a:srgbClr val="000000"/>
+                </a:solidFill>
+                <a:latin typeface="Consolas" panose="020B0609020204030204" pitchFamily="49" charset="0"/>
+              </a:rPr>
+              <a:t> Set&lt;</a:t>
+            </a:r>
+            <a:r>
+              <a:rPr lang="de-CH" b="1" dirty="0" err="1">
+                <a:solidFill>
+                  <a:srgbClr val="000000"/>
+                </a:solidFill>
+                <a:latin typeface="Consolas" panose="020B0609020204030204" pitchFamily="49" charset="0"/>
+              </a:rPr>
+              <a:t>CalmDownExercise</a:t>
+            </a:r>
+            <a:r>
+              <a:rPr lang="de-CH" b="1" dirty="0">
+                <a:solidFill>
+                  <a:srgbClr val="000000"/>
+                </a:solidFill>
+                <a:latin typeface="Consolas" panose="020B0609020204030204" pitchFamily="49" charset="0"/>
+              </a:rPr>
+              <a:t>&gt; </a:t>
+            </a:r>
+            <a:r>
+              <a:rPr lang="de-CH" b="1" dirty="0" err="1">
+                <a:solidFill>
+                  <a:srgbClr val="0000C0"/>
+                </a:solidFill>
+                <a:latin typeface="Consolas" panose="020B0609020204030204" pitchFamily="49" charset="0"/>
+              </a:rPr>
+              <a:t>calmDownExercises</a:t>
+            </a:r>
+            <a:r>
+              <a:rPr lang="de-CH" b="1" dirty="0">
+                <a:solidFill>
+                  <a:srgbClr val="000000"/>
+                </a:solidFill>
+                <a:latin typeface="Consolas" panose="020B0609020204030204" pitchFamily="49" charset="0"/>
+              </a:rPr>
+              <a:t>;</a:t>
             </a:r>
             <a:endParaRPr lang="de-CH" dirty="0"/>
           </a:p>
@@ -3989,7 +5300,7 @@
     </p:spTree>
     <p:extLst>
       <p:ext uri="{BB962C8B-B14F-4D97-AF65-F5344CB8AC3E}">
-        <p14:creationId xmlns:p14="http://schemas.microsoft.com/office/powerpoint/2010/main" val="476015163"/>
+        <p14:creationId xmlns:p14="http://schemas.microsoft.com/office/powerpoint/2010/main" val="252097818"/>
       </p:ext>
     </p:extLst>
   </p:cSld>
@@ -4021,7 +5332,7 @@
           <p:cNvPr id="2" name="Titel 1">
             <a:extLst>
               <a:ext uri="{FF2B5EF4-FFF2-40B4-BE49-F238E27FC236}">
-                <a16:creationId xmlns:a16="http://schemas.microsoft.com/office/drawing/2014/main" xmlns="" id="{A8374660-D150-4433-B606-00CDC0EFC0D8}"/>
+                <a16:creationId xmlns:a16="http://schemas.microsoft.com/office/drawing/2014/main" id="{018CCBB4-34F7-4042-8B5A-7ABE6B7B2746}"/>
               </a:ext>
             </a:extLst>
           </p:cNvPr>
@@ -4039,7 +5350,7 @@
           <a:p>
             <a:r>
               <a:rPr lang="en-US" dirty="0"/>
-              <a:t>Persistence</a:t>
+              <a:t>Emergency Buttons</a:t>
             </a:r>
             <a:endParaRPr lang="de-CH" dirty="0"/>
           </a:p>
@@ -4050,7 +5361,7 @@
           <p:cNvPr id="3" name="Inhaltsplatzhalter 2">
             <a:extLst>
               <a:ext uri="{FF2B5EF4-FFF2-40B4-BE49-F238E27FC236}">
-                <a16:creationId xmlns:a16="http://schemas.microsoft.com/office/drawing/2014/main" xmlns="" id="{135645D6-6EDB-442C-9DA1-653A2790DC12}"/>
+                <a16:creationId xmlns:a16="http://schemas.microsoft.com/office/drawing/2014/main" id="{DB14BDEC-9AB4-4588-8A7C-560D4EE66141}"/>
               </a:ext>
             </a:extLst>
           </p:cNvPr>
@@ -4064,7 +5375,7 @@
         <p:spPr/>
         <p:txBody>
           <a:bodyPr>
-            <a:normAutofit fontScale="62500" lnSpcReduction="20000"/>
+            <a:normAutofit/>
           </a:bodyPr>
           <a:lstStyle/>
           <a:p>
@@ -4072,746 +5383,232 @@
               <a:buNone/>
             </a:pPr>
             <a:r>
-              <a:rPr lang="de-CH" dirty="0">
-                <a:solidFill>
-                  <a:srgbClr val="008080"/>
-                </a:solidFill>
-                <a:latin typeface="Consolas" panose="020B0609020204030204" pitchFamily="49" charset="0"/>
-              </a:rPr>
-              <a:t>&lt;?</a:t>
-            </a:r>
-            <a:r>
-              <a:rPr lang="de-CH" dirty="0" err="1">
-                <a:solidFill>
-                  <a:srgbClr val="3F7F7F"/>
-                </a:solidFill>
-                <a:latin typeface="Consolas" panose="020B0609020204030204" pitchFamily="49" charset="0"/>
-              </a:rPr>
-              <a:t>xml</a:t>
-            </a:r>
-            <a:r>
-              <a:rPr lang="de-CH" dirty="0">
-                <a:solidFill>
-                  <a:srgbClr val="3F7F7F"/>
-                </a:solidFill>
-                <a:latin typeface="Consolas" panose="020B0609020204030204" pitchFamily="49" charset="0"/>
-              </a:rPr>
-              <a:t> </a:t>
-            </a:r>
-            <a:r>
-              <a:rPr lang="de-CH" dirty="0" err="1">
-                <a:solidFill>
-                  <a:srgbClr val="7F007F"/>
-                </a:solidFill>
-                <a:latin typeface="Consolas" panose="020B0609020204030204" pitchFamily="49" charset="0"/>
-              </a:rPr>
-              <a:t>version</a:t>
-            </a:r>
-            <a:r>
-              <a:rPr lang="de-CH" dirty="0">
-                <a:solidFill>
-                  <a:srgbClr val="000000"/>
-                </a:solidFill>
-                <a:latin typeface="Consolas" panose="020B0609020204030204" pitchFamily="49" charset="0"/>
-              </a:rPr>
-              <a:t>=</a:t>
-            </a:r>
-            <a:r>
-              <a:rPr lang="de-CH" i="1" dirty="0">
-                <a:solidFill>
-                  <a:srgbClr val="2A00FF"/>
-                </a:solidFill>
-                <a:latin typeface="Consolas" panose="020B0609020204030204" pitchFamily="49" charset="0"/>
-              </a:rPr>
-              <a:t>"1.0" </a:t>
-            </a:r>
-            <a:r>
-              <a:rPr lang="de-CH" i="1" dirty="0" err="1">
-                <a:solidFill>
-                  <a:srgbClr val="7F007F"/>
-                </a:solidFill>
-                <a:latin typeface="Consolas" panose="020B0609020204030204" pitchFamily="49" charset="0"/>
-              </a:rPr>
-              <a:t>encoding</a:t>
-            </a:r>
-            <a:r>
-              <a:rPr lang="de-CH" i="1" dirty="0">
-                <a:solidFill>
-                  <a:srgbClr val="000000"/>
-                </a:solidFill>
-                <a:latin typeface="Consolas" panose="020B0609020204030204" pitchFamily="49" charset="0"/>
-              </a:rPr>
-              <a:t>=</a:t>
-            </a:r>
-            <a:r>
-              <a:rPr lang="de-CH" i="1" dirty="0">
-                <a:solidFill>
-                  <a:srgbClr val="2A00FF"/>
-                </a:solidFill>
-                <a:latin typeface="Consolas" panose="020B0609020204030204" pitchFamily="49" charset="0"/>
-              </a:rPr>
-              <a:t>"UTF-8"</a:t>
-            </a:r>
-            <a:r>
-              <a:rPr lang="de-CH" i="1" dirty="0">
-                <a:solidFill>
-                  <a:srgbClr val="008080"/>
-                </a:solidFill>
-                <a:latin typeface="Consolas" panose="020B0609020204030204" pitchFamily="49" charset="0"/>
-              </a:rPr>
-              <a:t>?&gt;</a:t>
-            </a:r>
-          </a:p>
-          <a:p>
-            <a:pPr marL="0" indent="0">
+              <a:rPr lang="en-US" sz="3200" b="1" dirty="0">
+                <a:solidFill>
+                  <a:srgbClr val="7F0055"/>
+                </a:solidFill>
+                <a:latin typeface="Consolas" panose="020B0609020204030204" pitchFamily="49" charset="0"/>
+              </a:rPr>
+              <a:t>public</a:t>
+            </a:r>
+            <a:r>
+              <a:rPr lang="en-US" sz="3200" b="1" dirty="0">
+                <a:solidFill>
+                  <a:srgbClr val="000000"/>
+                </a:solidFill>
+                <a:latin typeface="Consolas" panose="020B0609020204030204" pitchFamily="49" charset="0"/>
+              </a:rPr>
+              <a:t> String </a:t>
+            </a:r>
+            <a:r>
+              <a:rPr lang="en-US" sz="3200" b="1" dirty="0" err="1">
+                <a:solidFill>
+                  <a:srgbClr val="000000"/>
+                </a:solidFill>
+                <a:latin typeface="Consolas" panose="020B0609020204030204" pitchFamily="49" charset="0"/>
+              </a:rPr>
+              <a:t>getMessageLink</a:t>
+            </a:r>
+            <a:r>
+              <a:rPr lang="en-US" sz="3200" b="1" dirty="0">
+                <a:solidFill>
+                  <a:srgbClr val="000000"/>
+                </a:solidFill>
+                <a:latin typeface="Consolas" panose="020B0609020204030204" pitchFamily="49" charset="0"/>
+              </a:rPr>
+              <a:t>() </a:t>
+            </a:r>
+            <a:r>
+              <a:rPr lang="en-US" sz="3200" b="1" dirty="0">
+                <a:solidFill>
+                  <a:srgbClr val="7F0055"/>
+                </a:solidFill>
+                <a:latin typeface="Consolas" panose="020B0609020204030204" pitchFamily="49" charset="0"/>
+              </a:rPr>
+              <a:t>throws</a:t>
+            </a:r>
+            <a:r>
+              <a:rPr lang="en-US" sz="3200" b="1" dirty="0">
+                <a:solidFill>
+                  <a:srgbClr val="000000"/>
+                </a:solidFill>
+                <a:latin typeface="Consolas" panose="020B0609020204030204" pitchFamily="49" charset="0"/>
+              </a:rPr>
+              <a:t> Exception {</a:t>
+            </a:r>
+          </a:p>
+          <a:p>
+            <a:pPr marL="457200" lvl="1" indent="0">
               <a:buNone/>
             </a:pPr>
             <a:r>
-              <a:rPr lang="fr-FR" dirty="0">
-                <a:solidFill>
-                  <a:srgbClr val="008080"/>
-                </a:solidFill>
-                <a:latin typeface="Consolas" panose="020B0609020204030204" pitchFamily="49" charset="0"/>
-              </a:rPr>
-              <a:t>&lt;</a:t>
-            </a:r>
-            <a:r>
-              <a:rPr lang="fr-FR" dirty="0" err="1">
-                <a:solidFill>
-                  <a:srgbClr val="3F7F7F"/>
-                </a:solidFill>
-                <a:latin typeface="Consolas" panose="020B0609020204030204" pitchFamily="49" charset="0"/>
-              </a:rPr>
-              <a:t>persistence</a:t>
-            </a:r>
-            <a:r>
-              <a:rPr lang="fr-FR" dirty="0">
-                <a:solidFill>
-                  <a:srgbClr val="3F7F7F"/>
-                </a:solidFill>
-                <a:latin typeface="Consolas" panose="020B0609020204030204" pitchFamily="49" charset="0"/>
-              </a:rPr>
-              <a:t> </a:t>
-            </a:r>
-            <a:r>
-              <a:rPr lang="fr-FR" dirty="0" err="1">
-                <a:solidFill>
-                  <a:srgbClr val="7F007F"/>
-                </a:solidFill>
-                <a:latin typeface="Consolas" panose="020B0609020204030204" pitchFamily="49" charset="0"/>
-              </a:rPr>
-              <a:t>xmlns</a:t>
-            </a:r>
-            <a:r>
-              <a:rPr lang="fr-FR" dirty="0">
-                <a:solidFill>
-                  <a:srgbClr val="000000"/>
-                </a:solidFill>
-                <a:latin typeface="Consolas" panose="020B0609020204030204" pitchFamily="49" charset="0"/>
-              </a:rPr>
-              <a:t>=</a:t>
-            </a:r>
-            <a:r>
-              <a:rPr lang="fr-FR" i="1" dirty="0">
-                <a:solidFill>
-                  <a:srgbClr val="2A00FF"/>
-                </a:solidFill>
-                <a:latin typeface="Consolas" panose="020B0609020204030204" pitchFamily="49" charset="0"/>
-              </a:rPr>
-              <a:t>"http://java.sun.com/xml/ns/</a:t>
-            </a:r>
-            <a:r>
-              <a:rPr lang="fr-FR" i="1" dirty="0" err="1">
-                <a:solidFill>
-                  <a:srgbClr val="2A00FF"/>
-                </a:solidFill>
-                <a:latin typeface="Consolas" panose="020B0609020204030204" pitchFamily="49" charset="0"/>
-              </a:rPr>
-              <a:t>persistence</a:t>
-            </a:r>
-            <a:r>
-              <a:rPr lang="fr-FR" i="1" dirty="0">
-                <a:solidFill>
-                  <a:srgbClr val="2A00FF"/>
-                </a:solidFill>
-                <a:latin typeface="Consolas" panose="020B0609020204030204" pitchFamily="49" charset="0"/>
-              </a:rPr>
-              <a:t>" </a:t>
-            </a:r>
-            <a:r>
-              <a:rPr lang="fr-FR" i="1" dirty="0" err="1">
-                <a:solidFill>
-                  <a:srgbClr val="7F007F"/>
-                </a:solidFill>
-                <a:latin typeface="Consolas" panose="020B0609020204030204" pitchFamily="49" charset="0"/>
-              </a:rPr>
-              <a:t>xmlns:xsi</a:t>
-            </a:r>
-            <a:r>
-              <a:rPr lang="fr-FR" i="1" dirty="0">
-                <a:solidFill>
-                  <a:srgbClr val="000000"/>
-                </a:solidFill>
-                <a:latin typeface="Consolas" panose="020B0609020204030204" pitchFamily="49" charset="0"/>
-              </a:rPr>
-              <a:t>=</a:t>
-            </a:r>
-            <a:r>
-              <a:rPr lang="fr-FR" i="1" dirty="0">
-                <a:solidFill>
-                  <a:srgbClr val="2A00FF"/>
-                </a:solidFill>
-                <a:latin typeface="Consolas" panose="020B0609020204030204" pitchFamily="49" charset="0"/>
-              </a:rPr>
-              <a:t>"http://www.w3.org/2001/XMLSchema-instance" </a:t>
-            </a:r>
-            <a:r>
-              <a:rPr lang="fr-FR" i="1" dirty="0" err="1">
-                <a:solidFill>
-                  <a:srgbClr val="7F007F"/>
-                </a:solidFill>
-                <a:latin typeface="Consolas" panose="020B0609020204030204" pitchFamily="49" charset="0"/>
-              </a:rPr>
-              <a:t>xsi:schemaLocation</a:t>
-            </a:r>
-            <a:r>
-              <a:rPr lang="fr-FR" i="1" dirty="0">
-                <a:solidFill>
-                  <a:srgbClr val="000000"/>
-                </a:solidFill>
-                <a:latin typeface="Consolas" panose="020B0609020204030204" pitchFamily="49" charset="0"/>
-              </a:rPr>
-              <a:t>=</a:t>
-            </a:r>
-            <a:r>
-              <a:rPr lang="fr-FR" i="1" dirty="0">
-                <a:solidFill>
-                  <a:srgbClr val="2A00FF"/>
-                </a:solidFill>
-                <a:latin typeface="Consolas" panose="020B0609020204030204" pitchFamily="49" charset="0"/>
-              </a:rPr>
-              <a:t>"http://java.sun.com/xml/ns/</a:t>
-            </a:r>
-            <a:r>
-              <a:rPr lang="fr-FR" i="1" dirty="0" err="1">
-                <a:solidFill>
-                  <a:srgbClr val="2A00FF"/>
-                </a:solidFill>
-                <a:latin typeface="Consolas" panose="020B0609020204030204" pitchFamily="49" charset="0"/>
-              </a:rPr>
-              <a:t>persistence</a:t>
-            </a:r>
-            <a:r>
-              <a:rPr lang="fr-FR" i="1" dirty="0">
-                <a:solidFill>
-                  <a:srgbClr val="2A00FF"/>
-                </a:solidFill>
-                <a:latin typeface="Consolas" panose="020B0609020204030204" pitchFamily="49" charset="0"/>
-              </a:rPr>
-              <a:t> persistence_1_0.xsd" </a:t>
-            </a:r>
-            <a:r>
-              <a:rPr lang="fr-FR" i="1" dirty="0">
-                <a:solidFill>
-                  <a:srgbClr val="7F007F"/>
-                </a:solidFill>
-                <a:latin typeface="Consolas" panose="020B0609020204030204" pitchFamily="49" charset="0"/>
-              </a:rPr>
-              <a:t>version</a:t>
-            </a:r>
-            <a:r>
-              <a:rPr lang="fr-FR" i="1" dirty="0">
-                <a:solidFill>
-                  <a:srgbClr val="000000"/>
-                </a:solidFill>
-                <a:latin typeface="Consolas" panose="020B0609020204030204" pitchFamily="49" charset="0"/>
-              </a:rPr>
-              <a:t>=</a:t>
-            </a:r>
-            <a:r>
-              <a:rPr lang="fr-FR" i="1" dirty="0">
-                <a:solidFill>
-                  <a:srgbClr val="2A00FF"/>
-                </a:solidFill>
-                <a:latin typeface="Consolas" panose="020B0609020204030204" pitchFamily="49" charset="0"/>
-              </a:rPr>
-              <a:t>"1.0"</a:t>
-            </a:r>
-            <a:r>
-              <a:rPr lang="fr-FR" i="1" dirty="0">
-                <a:solidFill>
-                  <a:srgbClr val="008080"/>
-                </a:solidFill>
-                <a:latin typeface="Consolas" panose="020B0609020204030204" pitchFamily="49" charset="0"/>
-              </a:rPr>
-              <a:t>&gt;</a:t>
-            </a:r>
-          </a:p>
-          <a:p>
-            <a:pPr marL="0" indent="0">
-              <a:buNone/>
-            </a:pPr>
-            <a:r>
-              <a:rPr lang="de-CH" dirty="0">
-                <a:solidFill>
-                  <a:srgbClr val="000000"/>
-                </a:solidFill>
-                <a:latin typeface="Consolas" panose="020B0609020204030204" pitchFamily="49" charset="0"/>
-              </a:rPr>
-              <a:t>    </a:t>
-            </a:r>
-            <a:r>
-              <a:rPr lang="de-CH" dirty="0">
-                <a:solidFill>
-                  <a:srgbClr val="008080"/>
-                </a:solidFill>
-                <a:latin typeface="Consolas" panose="020B0609020204030204" pitchFamily="49" charset="0"/>
-              </a:rPr>
-              <a:t>&lt;</a:t>
-            </a:r>
-            <a:r>
-              <a:rPr lang="de-CH" dirty="0" err="1">
-                <a:solidFill>
-                  <a:srgbClr val="3F7F7F"/>
-                </a:solidFill>
-                <a:latin typeface="Consolas" panose="020B0609020204030204" pitchFamily="49" charset="0"/>
-              </a:rPr>
-              <a:t>persistence</a:t>
-            </a:r>
-            <a:r>
-              <a:rPr lang="de-CH" dirty="0">
-                <a:solidFill>
-                  <a:srgbClr val="3F7F7F"/>
-                </a:solidFill>
-                <a:latin typeface="Consolas" panose="020B0609020204030204" pitchFamily="49" charset="0"/>
-              </a:rPr>
-              <a:t>-unit </a:t>
-            </a:r>
-            <a:r>
-              <a:rPr lang="de-CH" dirty="0" err="1">
-                <a:solidFill>
-                  <a:srgbClr val="7F007F"/>
-                </a:solidFill>
-                <a:latin typeface="Consolas" panose="020B0609020204030204" pitchFamily="49" charset="0"/>
-              </a:rPr>
-              <a:t>name</a:t>
-            </a:r>
-            <a:r>
-              <a:rPr lang="de-CH" dirty="0">
-                <a:solidFill>
-                  <a:srgbClr val="000000"/>
-                </a:solidFill>
-                <a:latin typeface="Consolas" panose="020B0609020204030204" pitchFamily="49" charset="0"/>
-              </a:rPr>
-              <a:t>=</a:t>
-            </a:r>
-            <a:r>
-              <a:rPr lang="de-CH" i="1" dirty="0">
-                <a:solidFill>
-                  <a:srgbClr val="2A00FF"/>
-                </a:solidFill>
-                <a:latin typeface="Consolas" panose="020B0609020204030204" pitchFamily="49" charset="0"/>
-              </a:rPr>
-              <a:t>"</a:t>
-            </a:r>
-            <a:r>
-              <a:rPr lang="de-CH" i="1" dirty="0" err="1">
-                <a:solidFill>
-                  <a:srgbClr val="2A00FF"/>
-                </a:solidFill>
-                <a:latin typeface="Consolas" panose="020B0609020204030204" pitchFamily="49" charset="0"/>
-              </a:rPr>
-              <a:t>borderlinecare</a:t>
-            </a:r>
-            <a:r>
-              <a:rPr lang="de-CH" i="1" dirty="0">
-                <a:solidFill>
-                  <a:srgbClr val="2A00FF"/>
-                </a:solidFill>
-                <a:latin typeface="Consolas" panose="020B0609020204030204" pitchFamily="49" charset="0"/>
-              </a:rPr>
-              <a:t>" </a:t>
-            </a:r>
-            <a:r>
-              <a:rPr lang="de-CH" i="1" dirty="0">
-                <a:solidFill>
-                  <a:srgbClr val="7F007F"/>
-                </a:solidFill>
-                <a:latin typeface="Consolas" panose="020B0609020204030204" pitchFamily="49" charset="0"/>
-              </a:rPr>
-              <a:t>transaction-type</a:t>
-            </a:r>
-            <a:r>
-              <a:rPr lang="de-CH" i="1" dirty="0">
-                <a:solidFill>
-                  <a:srgbClr val="000000"/>
-                </a:solidFill>
-                <a:latin typeface="Consolas" panose="020B0609020204030204" pitchFamily="49" charset="0"/>
-              </a:rPr>
-              <a:t>=</a:t>
-            </a:r>
-            <a:r>
-              <a:rPr lang="de-CH" i="1" dirty="0">
-                <a:solidFill>
-                  <a:srgbClr val="2A00FF"/>
-                </a:solidFill>
-                <a:latin typeface="Consolas" panose="020B0609020204030204" pitchFamily="49" charset="0"/>
-              </a:rPr>
-              <a:t>"RESOURCE_LOCAL"</a:t>
-            </a:r>
-            <a:r>
-              <a:rPr lang="de-CH" i="1" dirty="0">
-                <a:solidFill>
-                  <a:srgbClr val="008080"/>
-                </a:solidFill>
-                <a:latin typeface="Consolas" panose="020B0609020204030204" pitchFamily="49" charset="0"/>
-              </a:rPr>
-              <a:t>&gt;</a:t>
-            </a:r>
-          </a:p>
-          <a:p>
-            <a:pPr marL="0" indent="0">
-              <a:buNone/>
-            </a:pPr>
-            <a:r>
-              <a:rPr lang="en-US" i="1" dirty="0">
-                <a:solidFill>
-                  <a:srgbClr val="008080"/>
+              <a:rPr lang="en-US" sz="2800" b="1" dirty="0">
+                <a:solidFill>
+                  <a:srgbClr val="7F0055"/>
                 </a:solidFill>
                 <a:latin typeface="Consolas" panose="020B0609020204030204" pitchFamily="49" charset="0"/>
               </a:rPr>
               <a:t>…</a:t>
             </a:r>
-            <a:endParaRPr lang="de-CH" i="1" dirty="0">
+            <a:endParaRPr lang="de-CH" sz="2800" dirty="0">
               <a:solidFill>
-                <a:srgbClr val="008080"/>
+                <a:srgbClr val="000000"/>
               </a:solidFill>
               <a:latin typeface="Consolas" panose="020B0609020204030204" pitchFamily="49" charset="0"/>
             </a:endParaRPr>
           </a:p>
           <a:p>
-            <a:pPr marL="0" indent="0">
+            <a:pPr marL="457200" lvl="1" indent="0">
               <a:buNone/>
             </a:pPr>
             <a:r>
-              <a:rPr lang="de-CH" dirty="0">
-                <a:solidFill>
-                  <a:srgbClr val="008080"/>
-                </a:solidFill>
-                <a:latin typeface="Consolas" panose="020B0609020204030204" pitchFamily="49" charset="0"/>
-              </a:rPr>
-              <a:t>&lt;</a:t>
-            </a:r>
-            <a:r>
-              <a:rPr lang="de-CH" dirty="0" err="1">
-                <a:solidFill>
-                  <a:srgbClr val="3F7F7F"/>
-                </a:solidFill>
-                <a:latin typeface="Consolas" panose="020B0609020204030204" pitchFamily="49" charset="0"/>
-              </a:rPr>
-              <a:t>property</a:t>
-            </a:r>
-            <a:r>
-              <a:rPr lang="de-CH" dirty="0">
-                <a:solidFill>
-                  <a:srgbClr val="3F7F7F"/>
-                </a:solidFill>
-                <a:latin typeface="Consolas" panose="020B0609020204030204" pitchFamily="49" charset="0"/>
-              </a:rPr>
-              <a:t> </a:t>
-            </a:r>
-            <a:r>
-              <a:rPr lang="de-CH" dirty="0" err="1">
-                <a:solidFill>
-                  <a:srgbClr val="7F007F"/>
-                </a:solidFill>
-                <a:latin typeface="Consolas" panose="020B0609020204030204" pitchFamily="49" charset="0"/>
-              </a:rPr>
-              <a:t>name</a:t>
-            </a:r>
-            <a:r>
-              <a:rPr lang="de-CH" dirty="0">
-                <a:solidFill>
-                  <a:srgbClr val="000000"/>
-                </a:solidFill>
-                <a:latin typeface="Consolas" panose="020B0609020204030204" pitchFamily="49" charset="0"/>
-              </a:rPr>
-              <a:t>=</a:t>
-            </a:r>
-            <a:r>
-              <a:rPr lang="de-CH" i="1" dirty="0">
+              <a:rPr lang="en-US" sz="2800" dirty="0">
+                <a:solidFill>
+                  <a:srgbClr val="000000"/>
+                </a:solidFill>
+                <a:latin typeface="Consolas" panose="020B0609020204030204" pitchFamily="49" charset="0"/>
+              </a:rPr>
+              <a:t>String body = </a:t>
+            </a:r>
+            <a:r>
+              <a:rPr lang="en-US" sz="2800" dirty="0">
                 <a:solidFill>
                   <a:srgbClr val="2A00FF"/>
                 </a:solidFill>
                 <a:latin typeface="Consolas" panose="020B0609020204030204" pitchFamily="49" charset="0"/>
               </a:rPr>
+              <a:t>"I need help."</a:t>
+            </a:r>
+            <a:r>
+              <a:rPr lang="en-US" sz="2800" dirty="0">
+                <a:solidFill>
+                  <a:srgbClr val="000000"/>
+                </a:solidFill>
+                <a:latin typeface="Consolas" panose="020B0609020204030204" pitchFamily="49" charset="0"/>
+              </a:rPr>
+              <a:t>;</a:t>
+            </a:r>
+          </a:p>
+          <a:p>
+            <a:pPr marL="457200" lvl="1" indent="0">
+              <a:buNone/>
+            </a:pPr>
+            <a:r>
+              <a:rPr lang="en-US" sz="2800" dirty="0">
+                <a:solidFill>
+                  <a:srgbClr val="000000"/>
+                </a:solidFill>
+                <a:latin typeface="Consolas" panose="020B0609020204030204" pitchFamily="49" charset="0"/>
+              </a:rPr>
+              <a:t>String </a:t>
+            </a:r>
+            <a:r>
+              <a:rPr lang="en-US" sz="2800" dirty="0" err="1">
+                <a:solidFill>
+                  <a:srgbClr val="000000"/>
+                </a:solidFill>
+                <a:latin typeface="Consolas" panose="020B0609020204030204" pitchFamily="49" charset="0"/>
+              </a:rPr>
+              <a:t>fullLink</a:t>
+            </a:r>
+            <a:r>
+              <a:rPr lang="en-US" sz="2800" dirty="0">
+                <a:solidFill>
+                  <a:srgbClr val="000000"/>
+                </a:solidFill>
+                <a:latin typeface="Consolas" panose="020B0609020204030204" pitchFamily="49" charset="0"/>
+              </a:rPr>
+              <a:t> = </a:t>
+            </a:r>
+            <a:r>
+              <a:rPr lang="en-US" sz="2800" dirty="0">
+                <a:solidFill>
+                  <a:srgbClr val="2A00FF"/>
+                </a:solidFill>
+                <a:latin typeface="Consolas" panose="020B0609020204030204" pitchFamily="49" charset="0"/>
+              </a:rPr>
               <a:t>"</a:t>
             </a:r>
             <a:r>
-              <a:rPr lang="de-CH" i="1" dirty="0" err="1">
+              <a:rPr lang="en-US" sz="2800" dirty="0" err="1">
                 <a:solidFill>
                   <a:srgbClr val="2A00FF"/>
                 </a:solidFill>
                 <a:latin typeface="Consolas" panose="020B0609020204030204" pitchFamily="49" charset="0"/>
               </a:rPr>
-              <a:t>javax.persistence.jdbc.driver</a:t>
-            </a:r>
-            <a:r>
-              <a:rPr lang="de-CH" i="1" dirty="0">
+              <a:t>sms</a:t>
+            </a:r>
+            <a:r>
+              <a:rPr lang="en-US" sz="2800" dirty="0">
                 <a:solidFill>
                   <a:srgbClr val="2A00FF"/>
                 </a:solidFill>
                 <a:latin typeface="Consolas" panose="020B0609020204030204" pitchFamily="49" charset="0"/>
               </a:rPr>
-              <a:t>" </a:t>
-            </a:r>
-            <a:r>
-              <a:rPr lang="de-CH" i="1" dirty="0" err="1">
-                <a:solidFill>
-                  <a:srgbClr val="7F007F"/>
-                </a:solidFill>
-                <a:latin typeface="Consolas" panose="020B0609020204030204" pitchFamily="49" charset="0"/>
-              </a:rPr>
-              <a:t>value</a:t>
-            </a:r>
-            <a:r>
-              <a:rPr lang="de-CH" i="1" dirty="0">
-                <a:solidFill>
-                  <a:srgbClr val="000000"/>
-                </a:solidFill>
-                <a:latin typeface="Consolas" panose="020B0609020204030204" pitchFamily="49" charset="0"/>
-              </a:rPr>
-              <a:t>=</a:t>
-            </a:r>
-            <a:r>
-              <a:rPr lang="de-CH" i="1" dirty="0">
+              <a:t>://"</a:t>
+            </a:r>
+            <a:r>
+              <a:rPr lang="en-US" sz="2800" dirty="0">
+                <a:solidFill>
+                  <a:srgbClr val="000000"/>
+                </a:solidFill>
+                <a:latin typeface="Consolas" panose="020B0609020204030204" pitchFamily="49" charset="0"/>
+              </a:rPr>
+              <a:t> + </a:t>
+            </a:r>
+            <a:r>
+              <a:rPr lang="en-US" sz="2800" dirty="0" err="1">
+                <a:solidFill>
+                  <a:srgbClr val="000000"/>
+                </a:solidFill>
+                <a:latin typeface="Consolas" panose="020B0609020204030204" pitchFamily="49" charset="0"/>
+              </a:rPr>
+              <a:t>phoneNumber</a:t>
+            </a:r>
+            <a:r>
+              <a:rPr lang="en-US" sz="2800" dirty="0">
+                <a:solidFill>
+                  <a:srgbClr val="000000"/>
+                </a:solidFill>
+                <a:latin typeface="Consolas" panose="020B0609020204030204" pitchFamily="49" charset="0"/>
+              </a:rPr>
+              <a:t> + </a:t>
+            </a:r>
+            <a:r>
+              <a:rPr lang="en-US" sz="2800" dirty="0">
                 <a:solidFill>
                   <a:srgbClr val="2A00FF"/>
                 </a:solidFill>
                 <a:latin typeface="Consolas" panose="020B0609020204030204" pitchFamily="49" charset="0"/>
               </a:rPr>
-              <a:t>"</a:t>
-            </a:r>
-            <a:r>
-              <a:rPr lang="de-CH" i="1" dirty="0" err="1">
-                <a:solidFill>
-                  <a:srgbClr val="2A00FF"/>
-                </a:solidFill>
-                <a:latin typeface="Consolas" panose="020B0609020204030204" pitchFamily="49" charset="0"/>
-              </a:rPr>
-              <a:t>com.mysql.jdbc.Driver</a:t>
-            </a:r>
-            <a:r>
-              <a:rPr lang="de-CH" i="1" dirty="0">
-                <a:solidFill>
-                  <a:srgbClr val="2A00FF"/>
-                </a:solidFill>
-                <a:latin typeface="Consolas" panose="020B0609020204030204" pitchFamily="49" charset="0"/>
-              </a:rPr>
-              <a:t>"</a:t>
-            </a:r>
-            <a:r>
-              <a:rPr lang="de-CH" i="1" dirty="0">
-                <a:solidFill>
-                  <a:srgbClr val="008080"/>
-                </a:solidFill>
-                <a:latin typeface="Consolas" panose="020B0609020204030204" pitchFamily="49" charset="0"/>
-              </a:rPr>
-              <a:t>/&gt;</a:t>
-            </a:r>
-          </a:p>
-          <a:p>
-            <a:pPr marL="0" indent="0">
+              <a:t>"?body="</a:t>
+            </a:r>
+            <a:r>
+              <a:rPr lang="en-US" sz="2800" dirty="0">
+                <a:solidFill>
+                  <a:srgbClr val="000000"/>
+                </a:solidFill>
+                <a:latin typeface="Consolas" panose="020B0609020204030204" pitchFamily="49" charset="0"/>
+              </a:rPr>
+              <a:t> + body; </a:t>
+            </a:r>
+          </a:p>
+          <a:p>
+            <a:pPr marL="457200" lvl="1" indent="0">
               <a:buNone/>
             </a:pPr>
             <a:r>
-              <a:rPr lang="de-CH" dirty="0">
-                <a:solidFill>
-                  <a:srgbClr val="000000"/>
-                </a:solidFill>
-                <a:latin typeface="Consolas" panose="020B0609020204030204" pitchFamily="49" charset="0"/>
-              </a:rPr>
-              <a:t>            </a:t>
-            </a:r>
-            <a:r>
-              <a:rPr lang="de-CH" dirty="0">
-                <a:solidFill>
-                  <a:srgbClr val="008080"/>
-                </a:solidFill>
-                <a:latin typeface="Consolas" panose="020B0609020204030204" pitchFamily="49" charset="0"/>
-              </a:rPr>
-              <a:t>&lt;</a:t>
-            </a:r>
-            <a:r>
-              <a:rPr lang="de-CH" dirty="0" err="1">
-                <a:solidFill>
-                  <a:srgbClr val="3F7F7F"/>
-                </a:solidFill>
-                <a:latin typeface="Consolas" panose="020B0609020204030204" pitchFamily="49" charset="0"/>
-              </a:rPr>
-              <a:t>property</a:t>
-            </a:r>
-            <a:r>
-              <a:rPr lang="de-CH" dirty="0">
-                <a:solidFill>
-                  <a:srgbClr val="3F7F7F"/>
-                </a:solidFill>
-                <a:latin typeface="Consolas" panose="020B0609020204030204" pitchFamily="49" charset="0"/>
-              </a:rPr>
-              <a:t> </a:t>
-            </a:r>
-            <a:r>
-              <a:rPr lang="de-CH" dirty="0" err="1">
-                <a:solidFill>
-                  <a:srgbClr val="7F007F"/>
-                </a:solidFill>
-                <a:latin typeface="Consolas" panose="020B0609020204030204" pitchFamily="49" charset="0"/>
-              </a:rPr>
-              <a:t>name</a:t>
-            </a:r>
-            <a:r>
-              <a:rPr lang="de-CH" dirty="0">
-                <a:solidFill>
-                  <a:srgbClr val="000000"/>
-                </a:solidFill>
-                <a:latin typeface="Consolas" panose="020B0609020204030204" pitchFamily="49" charset="0"/>
-              </a:rPr>
-              <a:t>=</a:t>
-            </a:r>
-            <a:r>
-              <a:rPr lang="de-CH" i="1" dirty="0">
-                <a:solidFill>
-                  <a:srgbClr val="2A00FF"/>
-                </a:solidFill>
-                <a:latin typeface="Consolas" panose="020B0609020204030204" pitchFamily="49" charset="0"/>
-              </a:rPr>
-              <a:t>"javax.persistence.jdbc.url" </a:t>
-            </a:r>
-            <a:r>
-              <a:rPr lang="de-CH" i="1" dirty="0" err="1">
-                <a:solidFill>
-                  <a:srgbClr val="7F007F"/>
-                </a:solidFill>
-                <a:latin typeface="Consolas" panose="020B0609020204030204" pitchFamily="49" charset="0"/>
-              </a:rPr>
-              <a:t>value</a:t>
-            </a:r>
-            <a:r>
-              <a:rPr lang="de-CH" i="1" dirty="0">
-                <a:solidFill>
-                  <a:srgbClr val="000000"/>
-                </a:solidFill>
-                <a:latin typeface="Consolas" panose="020B0609020204030204" pitchFamily="49" charset="0"/>
-              </a:rPr>
-              <a:t>=</a:t>
-            </a:r>
-            <a:r>
-              <a:rPr lang="de-CH" i="1" dirty="0">
-                <a:solidFill>
-                  <a:srgbClr val="2A00FF"/>
-                </a:solidFill>
-                <a:latin typeface="Consolas" panose="020B0609020204030204" pitchFamily="49" charset="0"/>
-              </a:rPr>
-              <a:t>"</a:t>
-            </a:r>
-            <a:r>
-              <a:rPr lang="de-CH" i="1" dirty="0" err="1">
-                <a:solidFill>
-                  <a:srgbClr val="2A00FF"/>
-                </a:solidFill>
-                <a:latin typeface="Consolas" panose="020B0609020204030204" pitchFamily="49" charset="0"/>
-              </a:rPr>
-              <a:t>jdbc:mysql</a:t>
-            </a:r>
-            <a:r>
-              <a:rPr lang="de-CH" i="1" dirty="0">
-                <a:solidFill>
-                  <a:srgbClr val="2A00FF"/>
-                </a:solidFill>
-                <a:latin typeface="Consolas" panose="020B0609020204030204" pitchFamily="49" charset="0"/>
-              </a:rPr>
-              <a:t>://</a:t>
-            </a:r>
-            <a:r>
-              <a:rPr lang="de-CH" i="1" dirty="0" err="1">
-                <a:solidFill>
-                  <a:srgbClr val="2A00FF"/>
-                </a:solidFill>
-                <a:latin typeface="Consolas" panose="020B0609020204030204" pitchFamily="49" charset="0"/>
-              </a:rPr>
-              <a:t>localhost</a:t>
-            </a:r>
-            <a:r>
-              <a:rPr lang="de-CH" i="1" dirty="0">
-                <a:solidFill>
-                  <a:srgbClr val="2A00FF"/>
-                </a:solidFill>
-                <a:latin typeface="Consolas" panose="020B0609020204030204" pitchFamily="49" charset="0"/>
-              </a:rPr>
-              <a:t>/</a:t>
-            </a:r>
-            <a:r>
-              <a:rPr lang="de-CH" i="1" dirty="0" err="1">
-                <a:solidFill>
-                  <a:srgbClr val="2A00FF"/>
-                </a:solidFill>
-                <a:latin typeface="Consolas" panose="020B0609020204030204" pitchFamily="49" charset="0"/>
-              </a:rPr>
-              <a:t>borderlinecare?useTimezone</a:t>
-            </a:r>
-            <a:r>
-              <a:rPr lang="de-CH" i="1" dirty="0">
-                <a:solidFill>
-                  <a:srgbClr val="2A00FF"/>
-                </a:solidFill>
-                <a:latin typeface="Consolas" panose="020B0609020204030204" pitchFamily="49" charset="0"/>
-              </a:rPr>
-              <a:t>=</a:t>
-            </a:r>
-            <a:r>
-              <a:rPr lang="de-CH" i="1" dirty="0" err="1">
-                <a:solidFill>
-                  <a:srgbClr val="2A00FF"/>
-                </a:solidFill>
-                <a:latin typeface="Consolas" panose="020B0609020204030204" pitchFamily="49" charset="0"/>
-              </a:rPr>
-              <a:t>true&amp;amp;serverTimezone</a:t>
-            </a:r>
-            <a:r>
-              <a:rPr lang="de-CH" i="1" dirty="0">
-                <a:solidFill>
-                  <a:srgbClr val="2A00FF"/>
-                </a:solidFill>
-                <a:latin typeface="Consolas" panose="020B0609020204030204" pitchFamily="49" charset="0"/>
-              </a:rPr>
-              <a:t>=UTC"</a:t>
-            </a:r>
-            <a:r>
-              <a:rPr lang="de-CH" i="1" dirty="0">
-                <a:solidFill>
-                  <a:srgbClr val="008080"/>
-                </a:solidFill>
-                <a:latin typeface="Consolas" panose="020B0609020204030204" pitchFamily="49" charset="0"/>
-              </a:rPr>
-              <a:t>/&gt;</a:t>
-            </a:r>
-          </a:p>
-          <a:p>
-            <a:pPr marL="0" indent="0">
-              <a:buNone/>
-            </a:pPr>
-            <a:r>
-              <a:rPr lang="en-US" dirty="0">
-                <a:solidFill>
-                  <a:srgbClr val="008080"/>
+              <a:rPr lang="de-CH" sz="2800" dirty="0">
+                <a:solidFill>
+                  <a:srgbClr val="000000"/>
                 </a:solidFill>
                 <a:latin typeface="Consolas" panose="020B0609020204030204" pitchFamily="49" charset="0"/>
               </a:rPr>
               <a:t>…</a:t>
             </a:r>
-            <a:endParaRPr lang="de-CH" dirty="0">
+            <a:endParaRPr lang="de-CH" sz="2800" b="1" dirty="0">
               <a:solidFill>
-                <a:srgbClr val="008080"/>
+                <a:srgbClr val="000000"/>
               </a:solidFill>
               <a:latin typeface="Consolas" panose="020B0609020204030204" pitchFamily="49" charset="0"/>
             </a:endParaRPr>
@@ -4821,152 +5618,22 @@
               <a:buNone/>
             </a:pPr>
             <a:r>
-              <a:rPr lang="de-CH" dirty="0">
-                <a:solidFill>
-                  <a:srgbClr val="008080"/>
-                </a:solidFill>
-                <a:latin typeface="Consolas" panose="020B0609020204030204" pitchFamily="49" charset="0"/>
-              </a:rPr>
-              <a:t>&lt;/</a:t>
-            </a:r>
-            <a:r>
-              <a:rPr lang="de-CH" dirty="0" err="1">
-                <a:solidFill>
-                  <a:srgbClr val="3F7F7F"/>
-                </a:solidFill>
-                <a:latin typeface="Consolas" panose="020B0609020204030204" pitchFamily="49" charset="0"/>
-              </a:rPr>
-              <a:t>persistence</a:t>
-            </a:r>
-            <a:r>
-              <a:rPr lang="de-CH" dirty="0">
-                <a:solidFill>
-                  <a:srgbClr val="3F7F7F"/>
-                </a:solidFill>
-                <a:latin typeface="Consolas" panose="020B0609020204030204" pitchFamily="49" charset="0"/>
-              </a:rPr>
-              <a:t>-unit</a:t>
-            </a:r>
-            <a:r>
-              <a:rPr lang="de-CH" dirty="0">
-                <a:solidFill>
-                  <a:srgbClr val="008080"/>
-                </a:solidFill>
-                <a:latin typeface="Consolas" panose="020B0609020204030204" pitchFamily="49" charset="0"/>
-              </a:rPr>
-              <a:t>&gt;</a:t>
-            </a:r>
-          </a:p>
-          <a:p>
-            <a:pPr marL="0" indent="0">
-              <a:buNone/>
-            </a:pPr>
-            <a:r>
-              <a:rPr lang="de-CH" dirty="0">
-                <a:solidFill>
-                  <a:srgbClr val="008080"/>
-                </a:solidFill>
-                <a:latin typeface="Consolas" panose="020B0609020204030204" pitchFamily="49" charset="0"/>
-              </a:rPr>
-              <a:t>&lt;/</a:t>
-            </a:r>
-            <a:r>
-              <a:rPr lang="de-CH" dirty="0" err="1">
-                <a:solidFill>
-                  <a:srgbClr val="3F7F7F"/>
-                </a:solidFill>
-                <a:latin typeface="Consolas" panose="020B0609020204030204" pitchFamily="49" charset="0"/>
-              </a:rPr>
-              <a:t>persistence</a:t>
-            </a:r>
-            <a:r>
-              <a:rPr lang="de-CH" dirty="0">
-                <a:solidFill>
-                  <a:srgbClr val="3F7F7F"/>
-                </a:solidFill>
-                <a:latin typeface="Consolas" panose="020B0609020204030204" pitchFamily="49" charset="0"/>
-              </a:rPr>
-              <a:t>&gt;</a:t>
-            </a:r>
-          </a:p>
-          <a:p>
-            <a:pPr marL="0" indent="0">
-              <a:buNone/>
-            </a:pPr>
-            <a:endParaRPr lang="en-US" dirty="0">
-              <a:solidFill>
-                <a:srgbClr val="3F7F7F"/>
-              </a:solidFill>
-              <a:latin typeface="Consolas" panose="020B0609020204030204" pitchFamily="49" charset="0"/>
-            </a:endParaRPr>
-          </a:p>
-          <a:p>
-            <a:pPr marL="0" indent="0">
-              <a:buNone/>
-            </a:pPr>
-            <a:endParaRPr lang="en-US" dirty="0">
-              <a:solidFill>
-                <a:srgbClr val="3F7F7F"/>
-              </a:solidFill>
-              <a:latin typeface="Consolas" panose="020B0609020204030204" pitchFamily="49" charset="0"/>
-            </a:endParaRPr>
-          </a:p>
-          <a:p>
-            <a:pPr marL="0" indent="0">
-              <a:buNone/>
-            </a:pPr>
-            <a:endParaRPr lang="en-US" dirty="0">
-              <a:solidFill>
-                <a:srgbClr val="3F7F7F"/>
-              </a:solidFill>
-              <a:latin typeface="Consolas" panose="020B0609020204030204" pitchFamily="49" charset="0"/>
-            </a:endParaRPr>
-          </a:p>
-          <a:p>
-            <a:pPr marL="0" indent="0">
-              <a:buNone/>
-            </a:pPr>
-            <a:endParaRPr lang="en-US" dirty="0">
-              <a:solidFill>
-                <a:srgbClr val="3F7F7F"/>
-              </a:solidFill>
-              <a:latin typeface="Consolas" panose="020B0609020204030204" pitchFamily="49" charset="0"/>
-            </a:endParaRPr>
-          </a:p>
-          <a:p>
-            <a:pPr marL="0" indent="0">
-              <a:buNone/>
-            </a:pPr>
-            <a:endParaRPr lang="en-US" dirty="0">
-              <a:solidFill>
-                <a:srgbClr val="3F7F7F"/>
-              </a:solidFill>
-              <a:latin typeface="Consolas" panose="020B0609020204030204" pitchFamily="49" charset="0"/>
-            </a:endParaRPr>
-          </a:p>
-          <a:p>
-            <a:pPr marL="0" indent="0">
-              <a:buNone/>
-            </a:pPr>
-            <a:endParaRPr lang="en-US" dirty="0">
-              <a:solidFill>
-                <a:srgbClr val="3F7F7F"/>
-              </a:solidFill>
-              <a:latin typeface="Consolas" panose="020B0609020204030204" pitchFamily="49" charset="0"/>
-            </a:endParaRPr>
-          </a:p>
-          <a:p>
-            <a:pPr marL="0" indent="0">
-              <a:buNone/>
-            </a:pPr>
-            <a:endParaRPr lang="de-CH" dirty="0"/>
+              <a:rPr lang="de-CH" sz="3200" dirty="0">
+                <a:solidFill>
+                  <a:srgbClr val="000000"/>
+                </a:solidFill>
+                <a:latin typeface="Consolas" panose="020B0609020204030204" pitchFamily="49" charset="0"/>
+              </a:rPr>
+              <a:t>}</a:t>
+            </a:r>
+            <a:endParaRPr lang="de-CH" sz="3200" dirty="0"/>
           </a:p>
         </p:txBody>
       </p:sp>
     </p:spTree>
     <p:extLst>
       <p:ext uri="{BB962C8B-B14F-4D97-AF65-F5344CB8AC3E}">
-        <p14:creationId xmlns:p14="http://schemas.microsoft.com/office/powerpoint/2010/main" val="2133003563"/>
+        <p14:creationId xmlns:p14="http://schemas.microsoft.com/office/powerpoint/2010/main" val="867228576"/>
       </p:ext>
     </p:extLst>
   </p:cSld>
@@ -4995,10 +5662,39 @@
       </p:grpSpPr>
       <p:sp>
         <p:nvSpPr>
+          <p:cNvPr id="2" name="Titel 1">
+            <a:extLst>
+              <a:ext uri="{FF2B5EF4-FFF2-40B4-BE49-F238E27FC236}">
+                <a16:creationId xmlns:a16="http://schemas.microsoft.com/office/drawing/2014/main" id="{018CCBB4-34F7-4042-8B5A-7ABE6B7B2746}"/>
+              </a:ext>
+            </a:extLst>
+          </p:cNvPr>
+          <p:cNvSpPr>
+            <a:spLocks noGrp="1"/>
+          </p:cNvSpPr>
+          <p:nvPr>
+            <p:ph type="title"/>
+          </p:nvPr>
+        </p:nvSpPr>
+        <p:spPr/>
+        <p:txBody>
+          <a:bodyPr/>
+          <a:lstStyle/>
+          <a:p>
+            <a:r>
+              <a:rPr lang="en-US" dirty="0"/>
+              <a:t>Grid Views</a:t>
+            </a:r>
+            <a:endParaRPr lang="de-CH" dirty="0"/>
+          </a:p>
+        </p:txBody>
+      </p:sp>
+      <p:sp>
+        <p:nvSpPr>
           <p:cNvPr id="3" name="Inhaltsplatzhalter 2">
             <a:extLst>
               <a:ext uri="{FF2B5EF4-FFF2-40B4-BE49-F238E27FC236}">
-                <a16:creationId xmlns:a16="http://schemas.microsoft.com/office/drawing/2014/main" xmlns="" id="{9FA8D05D-3264-44E6-8F29-A7D2A10D2DF0}"/>
+                <a16:creationId xmlns:a16="http://schemas.microsoft.com/office/drawing/2014/main" id="{DB14BDEC-9AB4-4588-8A7C-560D4EE66141}"/>
               </a:ext>
             </a:extLst>
           </p:cNvPr>
@@ -5009,15 +5705,10 @@
             <p:ph idx="1"/>
           </p:nvPr>
         </p:nvSpPr>
-        <p:spPr>
-          <a:xfrm>
-            <a:off x="838200" y="358219"/>
-            <a:ext cx="10515600" cy="5818744"/>
-          </a:xfrm>
-        </p:spPr>
+        <p:spPr/>
         <p:txBody>
           <a:bodyPr>
-            <a:normAutofit/>
+            <a:normAutofit fontScale="85000" lnSpcReduction="20000"/>
           </a:bodyPr>
           <a:lstStyle/>
           <a:p>
@@ -5025,156 +5716,207 @@
               <a:buNone/>
             </a:pPr>
             <a:r>
-              <a:rPr lang="de-CH" dirty="0">
-                <a:solidFill>
-                  <a:srgbClr val="646464"/>
-                </a:solidFill>
-                <a:latin typeface="Consolas" panose="020B0609020204030204" pitchFamily="49" charset="0"/>
-              </a:rPr>
-              <a:t>@</a:t>
-            </a:r>
-            <a:r>
-              <a:rPr lang="de-CH" dirty="0" err="1">
-                <a:solidFill>
-                  <a:srgbClr val="646464"/>
-                </a:solidFill>
-                <a:highlight>
-                  <a:srgbClr val="D4D4D4"/>
-                </a:highlight>
-                <a:latin typeface="Consolas" panose="020B0609020204030204" pitchFamily="49" charset="0"/>
-              </a:rPr>
-              <a:t>Id</a:t>
-            </a:r>
-            <a:endParaRPr lang="de-CH" dirty="0">
-              <a:solidFill>
-                <a:srgbClr val="646464"/>
-              </a:solidFill>
-              <a:highlight>
-                <a:srgbClr val="D4D4D4"/>
-              </a:highlight>
-              <a:latin typeface="Consolas" panose="020B0609020204030204" pitchFamily="49" charset="0"/>
-            </a:endParaRPr>
+              <a:rPr lang="de-CH" sz="3200" dirty="0" err="1">
+                <a:solidFill>
+                  <a:srgbClr val="0000C0"/>
+                </a:solidFill>
+                <a:latin typeface="Consolas" panose="020B0609020204030204" pitchFamily="49" charset="0"/>
+              </a:rPr>
+              <a:t>grid</a:t>
+            </a:r>
+            <a:r>
+              <a:rPr lang="de-CH" sz="3200" dirty="0">
+                <a:solidFill>
+                  <a:srgbClr val="000000"/>
+                </a:solidFill>
+                <a:latin typeface="Consolas" panose="020B0609020204030204" pitchFamily="49" charset="0"/>
+              </a:rPr>
+              <a:t> = </a:t>
+            </a:r>
+            <a:r>
+              <a:rPr lang="de-CH" sz="3200" b="1" dirty="0" err="1">
+                <a:solidFill>
+                  <a:srgbClr val="7F0055"/>
+                </a:solidFill>
+                <a:latin typeface="Consolas" panose="020B0609020204030204" pitchFamily="49" charset="0"/>
+              </a:rPr>
+              <a:t>new</a:t>
+            </a:r>
+            <a:r>
+              <a:rPr lang="de-CH" sz="3200" b="1" dirty="0">
+                <a:solidFill>
+                  <a:srgbClr val="000000"/>
+                </a:solidFill>
+                <a:latin typeface="Consolas" panose="020B0609020204030204" pitchFamily="49" charset="0"/>
+              </a:rPr>
+              <a:t> Grid&lt;&gt;();</a:t>
+            </a:r>
           </a:p>
           <a:p>
             <a:pPr marL="0" indent="0">
               <a:buNone/>
             </a:pPr>
             <a:r>
-              <a:rPr lang="de-CH" dirty="0">
-                <a:solidFill>
-                  <a:srgbClr val="646464"/>
-                </a:solidFill>
-                <a:latin typeface="Consolas" panose="020B0609020204030204" pitchFamily="49" charset="0"/>
-              </a:rPr>
-              <a:t>@</a:t>
-            </a:r>
-            <a:r>
-              <a:rPr lang="de-CH" dirty="0" err="1">
-                <a:solidFill>
-                  <a:srgbClr val="646464"/>
-                </a:solidFill>
-                <a:latin typeface="Consolas" panose="020B0609020204030204" pitchFamily="49" charset="0"/>
-              </a:rPr>
-              <a:t>GeneratedValue</a:t>
-            </a:r>
-            <a:endParaRPr lang="de-CH" dirty="0">
-              <a:solidFill>
-                <a:srgbClr val="646464"/>
-              </a:solidFill>
-              <a:latin typeface="Consolas" panose="020B0609020204030204" pitchFamily="49" charset="0"/>
-            </a:endParaRPr>
+              <a:rPr lang="en-US" sz="3200" dirty="0">
+                <a:solidFill>
+                  <a:srgbClr val="3F7F5F"/>
+                </a:solidFill>
+                <a:latin typeface="Consolas" panose="020B0609020204030204" pitchFamily="49" charset="0"/>
+              </a:rPr>
+              <a:t>// create two columns, set the ID's and add the captions</a:t>
+            </a:r>
           </a:p>
           <a:p>
             <a:pPr marL="0" indent="0">
               <a:buNone/>
             </a:pPr>
             <a:r>
-              <a:rPr lang="de-CH" b="1" dirty="0">
-                <a:solidFill>
-                  <a:srgbClr val="7F0055"/>
-                </a:solidFill>
-                <a:latin typeface="Consolas" panose="020B0609020204030204" pitchFamily="49" charset="0"/>
-              </a:rPr>
-              <a:t>private</a:t>
-            </a:r>
-            <a:r>
-              <a:rPr lang="de-CH" b="1" dirty="0">
-                <a:solidFill>
-                  <a:srgbClr val="000000"/>
-                </a:solidFill>
-                <a:latin typeface="Consolas" panose="020B0609020204030204" pitchFamily="49" charset="0"/>
-              </a:rPr>
-              <a:t> </a:t>
-            </a:r>
-            <a:r>
-              <a:rPr lang="de-CH" b="1" dirty="0" err="1">
-                <a:solidFill>
-                  <a:srgbClr val="7F0055"/>
-                </a:solidFill>
-                <a:latin typeface="Consolas" panose="020B0609020204030204" pitchFamily="49" charset="0"/>
-              </a:rPr>
-              <a:t>int</a:t>
-            </a:r>
-            <a:r>
-              <a:rPr lang="de-CH" b="1" dirty="0">
-                <a:solidFill>
-                  <a:srgbClr val="000000"/>
-                </a:solidFill>
-                <a:latin typeface="Consolas" panose="020B0609020204030204" pitchFamily="49" charset="0"/>
-              </a:rPr>
-              <a:t> </a:t>
-            </a:r>
-            <a:r>
-              <a:rPr lang="de-CH" b="1" dirty="0" err="1">
+              <a:rPr lang="en-US" sz="3200" dirty="0">
+                <a:solidFill>
+                  <a:srgbClr val="000000"/>
+                </a:solidFill>
+                <a:latin typeface="Consolas" panose="020B0609020204030204" pitchFamily="49" charset="0"/>
+              </a:rPr>
+              <a:t>Column&lt;Contact, ?&gt; </a:t>
+            </a:r>
+            <a:r>
+              <a:rPr lang="en-US" sz="3200" dirty="0" err="1">
+                <a:solidFill>
+                  <a:srgbClr val="6A3E3E"/>
+                </a:solidFill>
+                <a:latin typeface="Consolas" panose="020B0609020204030204" pitchFamily="49" charset="0"/>
+              </a:rPr>
+              <a:t>columnName</a:t>
+            </a:r>
+            <a:r>
+              <a:rPr lang="en-US" sz="3200" dirty="0">
+                <a:solidFill>
+                  <a:srgbClr val="000000"/>
+                </a:solidFill>
+                <a:latin typeface="Consolas" panose="020B0609020204030204" pitchFamily="49" charset="0"/>
+              </a:rPr>
+              <a:t> = </a:t>
+            </a:r>
+            <a:r>
+              <a:rPr lang="en-US" sz="3200" dirty="0" err="1">
                 <a:solidFill>
                   <a:srgbClr val="0000C0"/>
                 </a:solidFill>
                 <a:latin typeface="Consolas" panose="020B0609020204030204" pitchFamily="49" charset="0"/>
               </a:rPr>
-              <a:t>id</a:t>
-            </a:r>
-            <a:r>
-              <a:rPr lang="de-CH" b="1" dirty="0">
-                <a:solidFill>
-                  <a:srgbClr val="000000"/>
-                </a:solidFill>
-                <a:latin typeface="Consolas" panose="020B0609020204030204" pitchFamily="49" charset="0"/>
-              </a:rPr>
-              <a:t>;</a:t>
+              <a:t>grid</a:t>
+            </a:r>
+            <a:r>
+              <a:rPr lang="en-US" sz="3200" dirty="0" err="1">
+                <a:solidFill>
+                  <a:srgbClr val="000000"/>
+                </a:solidFill>
+                <a:latin typeface="Consolas" panose="020B0609020204030204" pitchFamily="49" charset="0"/>
+              </a:rPr>
+              <a:t>.addColumn</a:t>
+            </a:r>
+            <a:r>
+              <a:rPr lang="en-US" sz="3200" dirty="0">
+                <a:solidFill>
+                  <a:srgbClr val="000000"/>
+                </a:solidFill>
+                <a:latin typeface="Consolas" panose="020B0609020204030204" pitchFamily="49" charset="0"/>
+              </a:rPr>
+              <a:t>(Contact::</a:t>
+            </a:r>
+            <a:r>
+              <a:rPr lang="en-US" sz="3200" dirty="0" err="1">
+                <a:solidFill>
+                  <a:srgbClr val="000000"/>
+                </a:solidFill>
+                <a:latin typeface="Consolas" panose="020B0609020204030204" pitchFamily="49" charset="0"/>
+              </a:rPr>
+              <a:t>getName</a:t>
+            </a:r>
+            <a:r>
+              <a:rPr lang="en-US" sz="3200" dirty="0">
+                <a:solidFill>
+                  <a:srgbClr val="000000"/>
+                </a:solidFill>
+                <a:latin typeface="Consolas" panose="020B0609020204030204" pitchFamily="49" charset="0"/>
+              </a:rPr>
+              <a:t>);</a:t>
             </a:r>
           </a:p>
           <a:p>
             <a:pPr marL="0" indent="0">
               <a:buNone/>
             </a:pPr>
-            <a:endParaRPr lang="de-CH" dirty="0">
-              <a:latin typeface="Consolas" panose="020B0609020204030204" pitchFamily="49" charset="0"/>
-            </a:endParaRPr>
+            <a:r>
+              <a:rPr lang="de-CH" sz="3200" dirty="0" err="1">
+                <a:solidFill>
+                  <a:srgbClr val="6A3E3E"/>
+                </a:solidFill>
+                <a:latin typeface="Consolas" panose="020B0609020204030204" pitchFamily="49" charset="0"/>
+              </a:rPr>
+              <a:t>columnName</a:t>
+            </a:r>
+            <a:r>
+              <a:rPr lang="de-CH" sz="3200" dirty="0" err="1">
+                <a:solidFill>
+                  <a:srgbClr val="000000"/>
+                </a:solidFill>
+                <a:latin typeface="Consolas" panose="020B0609020204030204" pitchFamily="49" charset="0"/>
+              </a:rPr>
+              <a:t>.setId</a:t>
+            </a:r>
+            <a:r>
+              <a:rPr lang="de-CH" sz="3200" dirty="0">
+                <a:solidFill>
+                  <a:srgbClr val="000000"/>
+                </a:solidFill>
+                <a:latin typeface="Consolas" panose="020B0609020204030204" pitchFamily="49" charset="0"/>
+              </a:rPr>
+              <a:t>(</a:t>
+            </a:r>
+            <a:r>
+              <a:rPr lang="de-CH" sz="3200" dirty="0">
+                <a:solidFill>
+                  <a:srgbClr val="2A00FF"/>
+                </a:solidFill>
+                <a:latin typeface="Consolas" panose="020B0609020204030204" pitchFamily="49" charset="0"/>
+              </a:rPr>
+              <a:t>"Name"</a:t>
+            </a:r>
+            <a:r>
+              <a:rPr lang="de-CH" sz="3200" dirty="0">
+                <a:solidFill>
+                  <a:srgbClr val="000000"/>
+                </a:solidFill>
+                <a:latin typeface="Consolas" panose="020B0609020204030204" pitchFamily="49" charset="0"/>
+              </a:rPr>
+              <a:t>);</a:t>
+            </a:r>
           </a:p>
           <a:p>
             <a:pPr marL="0" indent="0">
               <a:buNone/>
             </a:pPr>
             <a:r>
-              <a:rPr lang="de-CH" dirty="0">
-                <a:solidFill>
-                  <a:srgbClr val="646464"/>
-                </a:solidFill>
-                <a:latin typeface="Consolas" panose="020B0609020204030204" pitchFamily="49" charset="0"/>
-              </a:rPr>
-              <a:t>@</a:t>
-            </a:r>
-            <a:r>
-              <a:rPr lang="de-CH" dirty="0" err="1">
-                <a:solidFill>
-                  <a:srgbClr val="646464"/>
-                </a:solidFill>
-                <a:latin typeface="Consolas" panose="020B0609020204030204" pitchFamily="49" charset="0"/>
-              </a:rPr>
-              <a:t>ManyToOne</a:t>
-            </a:r>
-            <a:r>
-              <a:rPr lang="de-CH" dirty="0">
+              <a:rPr lang="de-CH" sz="3200" dirty="0" err="1">
+                <a:solidFill>
+                  <a:srgbClr val="6A3E3E"/>
+                </a:solidFill>
+                <a:latin typeface="Consolas" panose="020B0609020204030204" pitchFamily="49" charset="0"/>
+              </a:rPr>
+              <a:t>columnName</a:t>
+            </a:r>
+            <a:r>
+              <a:rPr lang="de-CH" sz="3200" dirty="0" err="1">
+                <a:solidFill>
+                  <a:srgbClr val="000000"/>
+                </a:solidFill>
+                <a:latin typeface="Consolas" panose="020B0609020204030204" pitchFamily="49" charset="0"/>
+              </a:rPr>
+              <a:t>.setCaption</a:t>
+            </a:r>
+            <a:r>
+              <a:rPr lang="de-CH" sz="3200" dirty="0">
                 <a:solidFill>
                   <a:srgbClr val="000000"/>
                 </a:solidFill>
@@ -5183,49 +5925,99 @@
               <a:t>(</a:t>
             </a:r>
             <a:r>
-              <a:rPr lang="de-CH" dirty="0" err="1">
-                <a:solidFill>
-                  <a:srgbClr val="000000"/>
-                </a:solidFill>
-                <a:latin typeface="Consolas" panose="020B0609020204030204" pitchFamily="49" charset="0"/>
-              </a:rPr>
-              <a:t>cascade</a:t>
-            </a:r>
-            <a:r>
-              <a:rPr lang="de-CH" dirty="0">
-                <a:solidFill>
-                  <a:srgbClr val="000000"/>
-                </a:solidFill>
-                <a:latin typeface="Consolas" panose="020B0609020204030204" pitchFamily="49" charset="0"/>
-              </a:rPr>
-              <a:t>=</a:t>
-            </a:r>
-            <a:r>
-              <a:rPr lang="de-CH" dirty="0" err="1">
-                <a:solidFill>
-                  <a:srgbClr val="000000"/>
-                </a:solidFill>
-                <a:latin typeface="Consolas" panose="020B0609020204030204" pitchFamily="49" charset="0"/>
-              </a:rPr>
-              <a:t>CascadeType.</a:t>
-            </a:r>
-            <a:r>
-              <a:rPr lang="de-CH" b="1" i="1" dirty="0" err="1">
+              <a:rPr lang="de-CH" sz="3200" dirty="0">
+                <a:solidFill>
+                  <a:srgbClr val="2A00FF"/>
+                </a:solidFill>
+                <a:latin typeface="Consolas" panose="020B0609020204030204" pitchFamily="49" charset="0"/>
+              </a:rPr>
+              <a:t>"Name"</a:t>
+            </a:r>
+            <a:r>
+              <a:rPr lang="de-CH" sz="3200" dirty="0">
+                <a:solidFill>
+                  <a:srgbClr val="000000"/>
+                </a:solidFill>
+                <a:latin typeface="Consolas" panose="020B0609020204030204" pitchFamily="49" charset="0"/>
+              </a:rPr>
+              <a:t>);</a:t>
+            </a:r>
+          </a:p>
+          <a:p>
+            <a:pPr marL="0" indent="0">
+              <a:buNone/>
+            </a:pPr>
+            <a:r>
+              <a:rPr lang="en-US" sz="3200" dirty="0">
+                <a:solidFill>
+                  <a:srgbClr val="000000"/>
+                </a:solidFill>
+                <a:latin typeface="Consolas" panose="020B0609020204030204" pitchFamily="49" charset="0"/>
+              </a:rPr>
+              <a:t>Column&lt;Contact, ?&gt; </a:t>
+            </a:r>
+            <a:r>
+              <a:rPr lang="en-US" sz="3200" dirty="0" err="1">
+                <a:solidFill>
+                  <a:srgbClr val="6A3E3E"/>
+                </a:solidFill>
+                <a:latin typeface="Consolas" panose="020B0609020204030204" pitchFamily="49" charset="0"/>
+              </a:rPr>
+              <a:t>columnPhoneNumber</a:t>
+            </a:r>
+            <a:r>
+              <a:rPr lang="en-US" sz="3200" dirty="0">
+                <a:solidFill>
+                  <a:srgbClr val="000000"/>
+                </a:solidFill>
+                <a:latin typeface="Consolas" panose="020B0609020204030204" pitchFamily="49" charset="0"/>
+              </a:rPr>
+              <a:t> = </a:t>
+            </a:r>
+            <a:r>
+              <a:rPr lang="en-US" sz="3200" dirty="0" err="1">
                 <a:solidFill>
                   <a:srgbClr val="0000C0"/>
                 </a:solidFill>
                 <a:latin typeface="Consolas" panose="020B0609020204030204" pitchFamily="49" charset="0"/>
               </a:rPr>
-              <a:t>PERSIST</a:t>
-            </a:r>
-            <a:r>
-              <a:rPr lang="de-CH" b="1" i="1" dirty="0">
-                <a:solidFill>
-                  <a:srgbClr val="000000"/>
-                </a:solidFill>
-                <a:latin typeface="Consolas" panose="020B0609020204030204" pitchFamily="49" charset="0"/>
-              </a:rPr>
-              <a:t>)</a:t>
+              <a:t>grid</a:t>
+            </a:r>
+            <a:r>
+              <a:rPr lang="en-US" sz="3200" dirty="0" err="1">
+                <a:solidFill>
+                  <a:srgbClr val="000000"/>
+                </a:solidFill>
+                <a:latin typeface="Consolas" panose="020B0609020204030204" pitchFamily="49" charset="0"/>
+              </a:rPr>
+              <a:t>.addColumn</a:t>
+            </a:r>
+            <a:r>
+              <a:rPr lang="en-US" sz="3200" dirty="0">
+                <a:solidFill>
+                  <a:srgbClr val="000000"/>
+                </a:solidFill>
+                <a:latin typeface="Consolas" panose="020B0609020204030204" pitchFamily="49" charset="0"/>
+              </a:rPr>
+              <a:t>(Contact::</a:t>
+            </a:r>
+            <a:r>
+              <a:rPr lang="en-US" sz="3200" dirty="0" err="1">
+                <a:solidFill>
+                  <a:srgbClr val="000000"/>
+                </a:solidFill>
+                <a:latin typeface="Consolas" panose="020B0609020204030204" pitchFamily="49" charset="0"/>
+              </a:rPr>
+              <a:t>getPhoneNumber</a:t>
+            </a:r>
+            <a:r>
+              <a:rPr lang="en-US" sz="3200" dirty="0">
+                <a:solidFill>
+                  <a:srgbClr val="000000"/>
+                </a:solidFill>
+                <a:latin typeface="Consolas" panose="020B0609020204030204" pitchFamily="49" charset="0"/>
+              </a:rPr>
+              <a:t>);</a:t>
             </a:r>
           </a:p>
           <a:p>
@@ -5233,25 +6025,25 @@
               <a:buNone/>
             </a:pPr>
             <a:r>
-              <a:rPr lang="de-CH" dirty="0">
-                <a:solidFill>
-                  <a:srgbClr val="646464"/>
-                </a:solidFill>
-                <a:latin typeface="Consolas" panose="020B0609020204030204" pitchFamily="49" charset="0"/>
-              </a:rPr>
-              <a:t>@</a:t>
-            </a:r>
-            <a:r>
-              <a:rPr lang="de-CH" dirty="0" err="1">
-                <a:solidFill>
-                  <a:srgbClr val="646464"/>
-                </a:solidFill>
-                <a:latin typeface="Consolas" panose="020B0609020204030204" pitchFamily="49" charset="0"/>
-              </a:rPr>
-              <a:t>JoinColumn</a:t>
-            </a:r>
-            <a:r>
-              <a:rPr lang="de-CH" dirty="0">
+              <a:rPr lang="de-CH" sz="3200" dirty="0" err="1">
+                <a:solidFill>
+                  <a:srgbClr val="6A3E3E"/>
+                </a:solidFill>
+                <a:latin typeface="Consolas" panose="020B0609020204030204" pitchFamily="49" charset="0"/>
+              </a:rPr>
+              <a:t>columnPhoneNumber</a:t>
+            </a:r>
+            <a:r>
+              <a:rPr lang="de-CH" sz="3200" dirty="0" err="1">
+                <a:solidFill>
+                  <a:srgbClr val="000000"/>
+                </a:solidFill>
+                <a:latin typeface="Consolas" panose="020B0609020204030204" pitchFamily="49" charset="0"/>
+              </a:rPr>
+              <a:t>.setId</a:t>
+            </a:r>
+            <a:r>
+              <a:rPr lang="de-CH" sz="3200" dirty="0">
                 <a:solidFill>
                   <a:srgbClr val="000000"/>
                 </a:solidFill>
@@ -5260,40 +6052,40 @@
               <a:t>(</a:t>
             </a:r>
             <a:r>
-              <a:rPr lang="de-CH" dirty="0" err="1">
-                <a:solidFill>
-                  <a:srgbClr val="000000"/>
-                </a:solidFill>
-                <a:latin typeface="Consolas" panose="020B0609020204030204" pitchFamily="49" charset="0"/>
-              </a:rPr>
-              <a:t>name</a:t>
-            </a:r>
-            <a:r>
-              <a:rPr lang="de-CH" dirty="0">
-                <a:solidFill>
-                  <a:srgbClr val="000000"/>
-                </a:solidFill>
-                <a:latin typeface="Consolas" panose="020B0609020204030204" pitchFamily="49" charset="0"/>
-              </a:rPr>
-              <a:t>=</a:t>
-            </a:r>
-            <a:r>
-              <a:rPr lang="de-CH" dirty="0">
+              <a:rPr lang="de-CH" sz="3200" dirty="0">
                 <a:solidFill>
                   <a:srgbClr val="2A00FF"/>
                 </a:solidFill>
                 <a:latin typeface="Consolas" panose="020B0609020204030204" pitchFamily="49" charset="0"/>
               </a:rPr>
-              <a:t>"LOGINACCOUNT_EMAIL"</a:t>
-            </a:r>
-            <a:r>
-              <a:rPr lang="de-CH" dirty="0">
-                <a:solidFill>
-                  <a:srgbClr val="000000"/>
-                </a:solidFill>
-                <a:latin typeface="Consolas" panose="020B0609020204030204" pitchFamily="49" charset="0"/>
-              </a:rPr>
-              <a:t>)</a:t>
+              <a:t>"</a:t>
+            </a:r>
+            <a:r>
+              <a:rPr lang="de-CH" sz="3200" dirty="0" err="1">
+                <a:solidFill>
+                  <a:srgbClr val="2A00FF"/>
+                </a:solidFill>
+                <a:latin typeface="Consolas" panose="020B0609020204030204" pitchFamily="49" charset="0"/>
+              </a:rPr>
+              <a:t>Phonenumber</a:t>
+            </a:r>
+            <a:r>
+              <a:rPr lang="de-CH" sz="3200" dirty="0">
+                <a:solidFill>
+                  <a:srgbClr val="2A00FF"/>
+                </a:solidFill>
+                <a:latin typeface="Consolas" panose="020B0609020204030204" pitchFamily="49" charset="0"/>
+              </a:rPr>
+              <a:t>"</a:t>
+            </a:r>
+            <a:r>
+              <a:rPr lang="de-CH" sz="3200" dirty="0">
+                <a:solidFill>
+                  <a:srgbClr val="000000"/>
+                </a:solidFill>
+                <a:latin typeface="Consolas" panose="020B0609020204030204" pitchFamily="49" charset="0"/>
+              </a:rPr>
+              <a:t>);</a:t>
             </a:r>
           </a:p>
           <a:p>
@@ -5301,95 +6093,25 @@
               <a:buNone/>
             </a:pPr>
             <a:r>
-              <a:rPr lang="de-CH" b="1" dirty="0">
-                <a:solidFill>
-                  <a:srgbClr val="7F0055"/>
-                </a:solidFill>
-                <a:latin typeface="Consolas" panose="020B0609020204030204" pitchFamily="49" charset="0"/>
-              </a:rPr>
-              <a:t>private</a:t>
-            </a:r>
-            <a:r>
-              <a:rPr lang="de-CH" b="1" dirty="0">
-                <a:solidFill>
-                  <a:srgbClr val="000000"/>
-                </a:solidFill>
-                <a:latin typeface="Consolas" panose="020B0609020204030204" pitchFamily="49" charset="0"/>
-              </a:rPr>
-              <a:t> </a:t>
-            </a:r>
-            <a:r>
-              <a:rPr lang="de-CH" b="1" dirty="0" err="1">
-                <a:solidFill>
-                  <a:srgbClr val="000000"/>
-                </a:solidFill>
-                <a:latin typeface="Consolas" panose="020B0609020204030204" pitchFamily="49" charset="0"/>
-              </a:rPr>
-              <a:t>LoginAccount</a:t>
-            </a:r>
-            <a:r>
-              <a:rPr lang="de-CH" b="1" dirty="0">
-                <a:solidFill>
-                  <a:srgbClr val="000000"/>
-                </a:solidFill>
-                <a:latin typeface="Consolas" panose="020B0609020204030204" pitchFamily="49" charset="0"/>
-              </a:rPr>
-              <a:t> </a:t>
-            </a:r>
-            <a:r>
-              <a:rPr lang="de-CH" b="1" dirty="0" err="1">
-                <a:solidFill>
-                  <a:srgbClr val="0000C0"/>
-                </a:solidFill>
-                <a:latin typeface="Consolas" panose="020B0609020204030204" pitchFamily="49" charset="0"/>
-              </a:rPr>
-              <a:t>loginAccount</a:t>
-            </a:r>
-            <a:r>
-              <a:rPr lang="de-CH" b="1" dirty="0">
-                <a:solidFill>
-                  <a:srgbClr val="000000"/>
-                </a:solidFill>
-                <a:latin typeface="Consolas" panose="020B0609020204030204" pitchFamily="49" charset="0"/>
-              </a:rPr>
-              <a:t>;</a:t>
-            </a:r>
-          </a:p>
-          <a:p>
-            <a:pPr marL="0" indent="0">
-              <a:buNone/>
-            </a:pPr>
-            <a:endParaRPr lang="it-IT" dirty="0">
-              <a:solidFill>
-                <a:srgbClr val="646464"/>
-              </a:solidFill>
-              <a:latin typeface="Consolas" panose="020B0609020204030204" pitchFamily="49" charset="0"/>
-            </a:endParaRPr>
-          </a:p>
-          <a:p>
-            <a:pPr marL="0" indent="0">
-              <a:buNone/>
-            </a:pPr>
-            <a:r>
-              <a:rPr lang="it-IT" dirty="0">
-                <a:solidFill>
-                  <a:srgbClr val="646464"/>
-                </a:solidFill>
-                <a:latin typeface="Consolas" panose="020B0609020204030204" pitchFamily="49" charset="0"/>
-              </a:rPr>
-              <a:t>@</a:t>
-            </a:r>
-            <a:r>
-              <a:rPr lang="it-IT" dirty="0" err="1">
-                <a:solidFill>
-                  <a:srgbClr val="646464"/>
-                </a:solidFill>
-                <a:latin typeface="Consolas" panose="020B0609020204030204" pitchFamily="49" charset="0"/>
-              </a:rPr>
-              <a:t>OneToMany</a:t>
-            </a:r>
-            <a:r>
-              <a:rPr lang="it-IT" dirty="0">
+              <a:rPr lang="de-CH" sz="3200" dirty="0" err="1">
+                <a:solidFill>
+                  <a:srgbClr val="6A3E3E"/>
+                </a:solidFill>
+                <a:latin typeface="Consolas" panose="020B0609020204030204" pitchFamily="49" charset="0"/>
+              </a:rPr>
+              <a:t>columnPhoneNumber</a:t>
+            </a:r>
+            <a:r>
+              <a:rPr lang="de-CH" sz="3200" dirty="0" err="1">
+                <a:solidFill>
+                  <a:srgbClr val="000000"/>
+                </a:solidFill>
+                <a:latin typeface="Consolas" panose="020B0609020204030204" pitchFamily="49" charset="0"/>
+              </a:rPr>
+              <a:t>.setCaption</a:t>
+            </a:r>
+            <a:r>
+              <a:rPr lang="de-CH" sz="3200" dirty="0">
                 <a:solidFill>
                   <a:srgbClr val="000000"/>
                 </a:solidFill>
@@ -5398,25 +6120,7 @@
               <a:t>(</a:t>
             </a:r>
             <a:r>
-              <a:rPr lang="it-IT" dirty="0" err="1">
-                <a:solidFill>
-                  <a:srgbClr val="000000"/>
-                </a:solidFill>
-                <a:latin typeface="Consolas" panose="020B0609020204030204" pitchFamily="49" charset="0"/>
-              </a:rPr>
-              <a:t>mappedBy</a:t>
-            </a:r>
-            <a:r>
-              <a:rPr lang="it-IT" dirty="0">
-                <a:solidFill>
-                  <a:srgbClr val="000000"/>
-                </a:solidFill>
-                <a:latin typeface="Consolas" panose="020B0609020204030204" pitchFamily="49" charset="0"/>
-              </a:rPr>
-              <a:t> = </a:t>
-            </a:r>
-            <a:r>
-              <a:rPr lang="it-IT" dirty="0">
+              <a:rPr lang="de-CH" sz="3200" dirty="0">
                 <a:solidFill>
                   <a:srgbClr val="2A00FF"/>
                 </a:solidFill>
@@ -5425,16 +6129,16 @@
               <a:t>"</a:t>
             </a:r>
             <a:r>
-              <a:rPr lang="it-IT" dirty="0" err="1">
+              <a:rPr lang="de-CH" sz="3200" dirty="0" err="1">
                 <a:solidFill>
                   <a:srgbClr val="2A00FF"/>
                 </a:solidFill>
                 <a:latin typeface="Consolas" panose="020B0609020204030204" pitchFamily="49" charset="0"/>
               </a:rPr>
-              <a:t>loginAccount</a:t>
-            </a:r>
-            <a:r>
-              <a:rPr lang="it-IT" dirty="0">
+              <a:t>Phonenumber</a:t>
+            </a:r>
+            <a:r>
+              <a:rPr lang="de-CH" sz="3200" dirty="0">
                 <a:solidFill>
                   <a:srgbClr val="2A00FF"/>
                 </a:solidFill>
@@ -5443,126 +6147,22 @@
               <a:t>"</a:t>
             </a:r>
             <a:r>
-              <a:rPr lang="it-IT" dirty="0">
-                <a:solidFill>
-                  <a:srgbClr val="000000"/>
-                </a:solidFill>
-                <a:latin typeface="Consolas" panose="020B0609020204030204" pitchFamily="49" charset="0"/>
-              </a:rPr>
-              <a:t>, </a:t>
-            </a:r>
-            <a:r>
-              <a:rPr lang="it-IT" dirty="0" err="1">
-                <a:solidFill>
-                  <a:srgbClr val="000000"/>
-                </a:solidFill>
-                <a:latin typeface="Consolas" panose="020B0609020204030204" pitchFamily="49" charset="0"/>
-              </a:rPr>
-              <a:t>cascade</a:t>
-            </a:r>
-            <a:r>
-              <a:rPr lang="it-IT" dirty="0">
-                <a:solidFill>
-                  <a:srgbClr val="000000"/>
-                </a:solidFill>
-                <a:latin typeface="Consolas" panose="020B0609020204030204" pitchFamily="49" charset="0"/>
-              </a:rPr>
-              <a:t>=</a:t>
-            </a:r>
-            <a:r>
-              <a:rPr lang="it-IT" dirty="0" err="1">
-                <a:solidFill>
-                  <a:srgbClr val="000000"/>
-                </a:solidFill>
-                <a:latin typeface="Consolas" panose="020B0609020204030204" pitchFamily="49" charset="0"/>
-              </a:rPr>
-              <a:t>CascadeType.</a:t>
-            </a:r>
-            <a:r>
-              <a:rPr lang="it-IT" b="1" i="1" dirty="0" err="1">
-                <a:solidFill>
-                  <a:srgbClr val="0000C0"/>
-                </a:solidFill>
-                <a:latin typeface="Consolas" panose="020B0609020204030204" pitchFamily="49" charset="0"/>
-              </a:rPr>
-              <a:t>PERSIST</a:t>
-            </a:r>
-            <a:r>
-              <a:rPr lang="it-IT" b="1" i="1" dirty="0">
-                <a:solidFill>
-                  <a:srgbClr val="000000"/>
-                </a:solidFill>
-                <a:latin typeface="Consolas" panose="020B0609020204030204" pitchFamily="49" charset="0"/>
-              </a:rPr>
-              <a:t>)</a:t>
-            </a:r>
-          </a:p>
-          <a:p>
-            <a:pPr marL="0" indent="0">
-              <a:buNone/>
-            </a:pPr>
-            <a:r>
-              <a:rPr lang="de-CH" b="1" dirty="0">
-                <a:solidFill>
-                  <a:srgbClr val="7F0055"/>
-                </a:solidFill>
-                <a:latin typeface="Consolas" panose="020B0609020204030204" pitchFamily="49" charset="0"/>
-              </a:rPr>
-              <a:t>private</a:t>
-            </a:r>
-            <a:r>
-              <a:rPr lang="de-CH" b="1" dirty="0">
-                <a:solidFill>
-                  <a:srgbClr val="000000"/>
-                </a:solidFill>
-                <a:latin typeface="Consolas" panose="020B0609020204030204" pitchFamily="49" charset="0"/>
-              </a:rPr>
-              <a:t> Set&lt;</a:t>
-            </a:r>
-            <a:r>
-              <a:rPr lang="de-CH" b="1" dirty="0" err="1">
-                <a:solidFill>
-                  <a:srgbClr val="000000"/>
-                </a:solidFill>
-                <a:latin typeface="Consolas" panose="020B0609020204030204" pitchFamily="49" charset="0"/>
-              </a:rPr>
-              <a:t>CalmDownExercise</a:t>
-            </a:r>
-            <a:r>
-              <a:rPr lang="de-CH" b="1" dirty="0">
-                <a:solidFill>
-                  <a:srgbClr val="000000"/>
-                </a:solidFill>
-                <a:latin typeface="Consolas" panose="020B0609020204030204" pitchFamily="49" charset="0"/>
-              </a:rPr>
-              <a:t>&gt; </a:t>
-            </a:r>
-            <a:r>
-              <a:rPr lang="de-CH" b="1" dirty="0" err="1">
-                <a:solidFill>
-                  <a:srgbClr val="0000C0"/>
-                </a:solidFill>
-                <a:latin typeface="Consolas" panose="020B0609020204030204" pitchFamily="49" charset="0"/>
-              </a:rPr>
-              <a:t>calmDownExercises</a:t>
-            </a:r>
-            <a:r>
-              <a:rPr lang="de-CH" b="1" dirty="0">
-                <a:solidFill>
-                  <a:srgbClr val="000000"/>
-                </a:solidFill>
-                <a:latin typeface="Consolas" panose="020B0609020204030204" pitchFamily="49" charset="0"/>
-              </a:rPr>
-              <a:t>;</a:t>
-            </a:r>
-            <a:endParaRPr lang="de-CH" dirty="0"/>
+              <a:rPr lang="de-CH" sz="3200" dirty="0">
+                <a:solidFill>
+                  <a:srgbClr val="000000"/>
+                </a:solidFill>
+                <a:latin typeface="Consolas" panose="020B0609020204030204" pitchFamily="49" charset="0"/>
+              </a:rPr>
+              <a:t>);</a:t>
+            </a:r>
+            <a:endParaRPr lang="de-CH" sz="3200" dirty="0"/>
           </a:p>
         </p:txBody>
       </p:sp>
     </p:spTree>
     <p:extLst>
       <p:ext uri="{BB962C8B-B14F-4D97-AF65-F5344CB8AC3E}">
-        <p14:creationId xmlns:p14="http://schemas.microsoft.com/office/powerpoint/2010/main" val="252097818"/>
+        <p14:creationId xmlns:p14="http://schemas.microsoft.com/office/powerpoint/2010/main" val="2885958848"/>
       </p:ext>
     </p:extLst>
   </p:cSld>
@@ -5591,10 +6191,33 @@
       </p:grpSpPr>
       <p:sp>
         <p:nvSpPr>
-          <p:cNvPr id="2" name="Titel 1">
+          <p:cNvPr id="2" name="Titel 1"/>
+          <p:cNvSpPr>
+            <a:spLocks noGrp="1"/>
+          </p:cNvSpPr>
+          <p:nvPr>
+            <p:ph type="title"/>
+          </p:nvPr>
+        </p:nvSpPr>
+        <p:spPr/>
+        <p:txBody>
+          <a:bodyPr/>
+          <a:lstStyle/>
+          <a:p>
+            <a:r>
+              <a:rPr lang="de-CH" dirty="0" err="1"/>
+              <a:t>Contributions</a:t>
+            </a:r>
+            <a:endParaRPr lang="de-CH" dirty="0"/>
+          </a:p>
+        </p:txBody>
+      </p:sp>
+      <p:sp>
+        <p:nvSpPr>
+          <p:cNvPr id="3" name="Inhaltsplatzhalter 2">
             <a:extLst>
               <a:ext uri="{FF2B5EF4-FFF2-40B4-BE49-F238E27FC236}">
-                <a16:creationId xmlns:a16="http://schemas.microsoft.com/office/drawing/2014/main" xmlns="" id="{018CCBB4-34F7-4042-8B5A-7ABE6B7B2746}"/>
+                <a16:creationId xmlns:a16="http://schemas.microsoft.com/office/drawing/2014/main" id="{64638A87-DF53-41F7-80F1-05C8FBC11759}"/>
               </a:ext>
             </a:extLst>
           </p:cNvPr>
@@ -5602,7 +6225,7 @@
             <a:spLocks noGrp="1"/>
           </p:cNvSpPr>
           <p:nvPr>
-            <p:ph type="title"/>
+            <p:ph idx="1"/>
           </p:nvPr>
         </p:nvSpPr>
         <p:spPr/>
@@ -5612,290 +6235,40 @@
           <a:p>
             <a:r>
               <a:rPr lang="en-US" dirty="0"/>
-              <a:t>Emergency Buttons</a:t>
+              <a:t>Martin: Diary</a:t>
+            </a:r>
+          </a:p>
+          <a:p>
+            <a:r>
+              <a:rPr lang="en-US" dirty="0"/>
+              <a:t>André: Settings</a:t>
+            </a:r>
+          </a:p>
+          <a:p>
+            <a:r>
+              <a:rPr lang="en-US" dirty="0"/>
+              <a:t>Claudio: Login / Sign Up</a:t>
+            </a:r>
+          </a:p>
+          <a:p>
+            <a:r>
+              <a:rPr lang="en-US" dirty="0"/>
+              <a:t>Joël: Main View / Roaster</a:t>
+            </a:r>
+          </a:p>
+          <a:p>
+            <a:r>
+              <a:rPr lang="en-US" dirty="0"/>
+              <a:t>Patrick: Persistence / Scrum Master</a:t>
             </a:r>
             <a:endParaRPr lang="de-CH" dirty="0"/>
-          </a:p>
-        </p:txBody>
-      </p:sp>
-      <p:sp>
-        <p:nvSpPr>
-          <p:cNvPr id="3" name="Inhaltsplatzhalter 2">
-            <a:extLst>
-              <a:ext uri="{FF2B5EF4-FFF2-40B4-BE49-F238E27FC236}">
-                <a16:creationId xmlns:a16="http://schemas.microsoft.com/office/drawing/2014/main" xmlns="" id="{DB14BDEC-9AB4-4588-8A7C-560D4EE66141}"/>
-              </a:ext>
-            </a:extLst>
-          </p:cNvPr>
-          <p:cNvSpPr>
-            <a:spLocks noGrp="1"/>
-          </p:cNvSpPr>
-          <p:nvPr>
-            <p:ph idx="1"/>
-          </p:nvPr>
-        </p:nvSpPr>
-        <p:spPr/>
-        <p:txBody>
-          <a:bodyPr>
-            <a:normAutofit/>
-          </a:bodyPr>
-          <a:lstStyle/>
-          <a:p>
-            <a:pPr marL="0" indent="0">
-              <a:buNone/>
-            </a:pPr>
-            <a:r>
-              <a:rPr lang="en-US" sz="3200" b="1" dirty="0">
-                <a:solidFill>
-                  <a:srgbClr val="7F0055"/>
-                </a:solidFill>
-                <a:latin typeface="Consolas" panose="020B0609020204030204" pitchFamily="49" charset="0"/>
-              </a:rPr>
-              <a:t>public</a:t>
-            </a:r>
-            <a:r>
-              <a:rPr lang="en-US" sz="3200" b="1" dirty="0">
-                <a:solidFill>
-                  <a:srgbClr val="000000"/>
-                </a:solidFill>
-                <a:latin typeface="Consolas" panose="020B0609020204030204" pitchFamily="49" charset="0"/>
-              </a:rPr>
-              <a:t> String </a:t>
-            </a:r>
-            <a:r>
-              <a:rPr lang="en-US" sz="3200" b="1" dirty="0" err="1">
-                <a:solidFill>
-                  <a:srgbClr val="000000"/>
-                </a:solidFill>
-                <a:latin typeface="Consolas" panose="020B0609020204030204" pitchFamily="49" charset="0"/>
-              </a:rPr>
-              <a:t>getMessageLink</a:t>
-            </a:r>
-            <a:r>
-              <a:rPr lang="en-US" sz="3200" b="1" dirty="0">
-                <a:solidFill>
-                  <a:srgbClr val="000000"/>
-                </a:solidFill>
-                <a:latin typeface="Consolas" panose="020B0609020204030204" pitchFamily="49" charset="0"/>
-              </a:rPr>
-              <a:t>() </a:t>
-            </a:r>
-            <a:r>
-              <a:rPr lang="en-US" sz="3200" b="1" dirty="0">
-                <a:solidFill>
-                  <a:srgbClr val="7F0055"/>
-                </a:solidFill>
-                <a:latin typeface="Consolas" panose="020B0609020204030204" pitchFamily="49" charset="0"/>
-              </a:rPr>
-              <a:t>throws</a:t>
-            </a:r>
-            <a:r>
-              <a:rPr lang="en-US" sz="3200" b="1" dirty="0">
-                <a:solidFill>
-                  <a:srgbClr val="000000"/>
-                </a:solidFill>
-                <a:latin typeface="Consolas" panose="020B0609020204030204" pitchFamily="49" charset="0"/>
-              </a:rPr>
-              <a:t> Exception {</a:t>
-            </a:r>
-          </a:p>
-          <a:p>
-            <a:pPr marL="457200" lvl="1" indent="0">
-              <a:buNone/>
-            </a:pPr>
-            <a:r>
-              <a:rPr lang="en-US" sz="2800" b="1" dirty="0">
-                <a:solidFill>
-                  <a:srgbClr val="7F0055"/>
-                </a:solidFill>
-                <a:latin typeface="Consolas" panose="020B0609020204030204" pitchFamily="49" charset="0"/>
-              </a:rPr>
-              <a:t>…</a:t>
-            </a:r>
-            <a:endParaRPr lang="de-CH" sz="2800" dirty="0">
-              <a:solidFill>
-                <a:srgbClr val="000000"/>
-              </a:solidFill>
-              <a:latin typeface="Consolas" panose="020B0609020204030204" pitchFamily="49" charset="0"/>
-            </a:endParaRPr>
-          </a:p>
-          <a:p>
-            <a:pPr marL="457200" lvl="1" indent="0">
-              <a:buNone/>
-            </a:pPr>
-            <a:r>
-              <a:rPr lang="en-US" sz="2800" dirty="0">
-                <a:solidFill>
-                  <a:srgbClr val="000000"/>
-                </a:solidFill>
-                <a:latin typeface="Consolas" panose="020B0609020204030204" pitchFamily="49" charset="0"/>
-              </a:rPr>
-              <a:t>String body = </a:t>
-            </a:r>
-            <a:r>
-              <a:rPr lang="en-US" sz="2800" dirty="0">
-                <a:solidFill>
-                  <a:srgbClr val="2A00FF"/>
-                </a:solidFill>
-                <a:latin typeface="Consolas" panose="020B0609020204030204" pitchFamily="49" charset="0"/>
-              </a:rPr>
-              <a:t>"I need help."</a:t>
-            </a:r>
-            <a:r>
-              <a:rPr lang="en-US" sz="2800" dirty="0">
-                <a:solidFill>
-                  <a:srgbClr val="000000"/>
-                </a:solidFill>
-                <a:latin typeface="Consolas" panose="020B0609020204030204" pitchFamily="49" charset="0"/>
-              </a:rPr>
-              <a:t>;</a:t>
-            </a:r>
-          </a:p>
-          <a:p>
-            <a:pPr marL="457200" lvl="1" indent="0">
-              <a:buNone/>
-            </a:pPr>
-            <a:r>
-              <a:rPr lang="en-US" sz="2800" dirty="0">
-                <a:solidFill>
-                  <a:srgbClr val="000000"/>
-                </a:solidFill>
-                <a:latin typeface="Consolas" panose="020B0609020204030204" pitchFamily="49" charset="0"/>
-              </a:rPr>
-              <a:t>String </a:t>
-            </a:r>
-            <a:r>
-              <a:rPr lang="en-US" sz="2800" dirty="0" err="1">
-                <a:solidFill>
-                  <a:srgbClr val="000000"/>
-                </a:solidFill>
-                <a:latin typeface="Consolas" panose="020B0609020204030204" pitchFamily="49" charset="0"/>
-              </a:rPr>
-              <a:t>fullLink</a:t>
-            </a:r>
-            <a:r>
-              <a:rPr lang="en-US" sz="2800" dirty="0">
-                <a:solidFill>
-                  <a:srgbClr val="000000"/>
-                </a:solidFill>
-                <a:latin typeface="Consolas" panose="020B0609020204030204" pitchFamily="49" charset="0"/>
-              </a:rPr>
-              <a:t> = </a:t>
-            </a:r>
-            <a:r>
-              <a:rPr lang="en-US" sz="2800" dirty="0">
-                <a:solidFill>
-                  <a:srgbClr val="2A00FF"/>
-                </a:solidFill>
-                <a:latin typeface="Consolas" panose="020B0609020204030204" pitchFamily="49" charset="0"/>
-              </a:rPr>
-              <a:t>"</a:t>
-            </a:r>
-            <a:r>
-              <a:rPr lang="en-US" sz="2800" dirty="0" err="1">
-                <a:solidFill>
-                  <a:srgbClr val="2A00FF"/>
-                </a:solidFill>
-                <a:latin typeface="Consolas" panose="020B0609020204030204" pitchFamily="49" charset="0"/>
-              </a:rPr>
-              <a:t>sms</a:t>
-            </a:r>
-            <a:r>
-              <a:rPr lang="en-US" sz="2800" dirty="0">
-                <a:solidFill>
-                  <a:srgbClr val="2A00FF"/>
-                </a:solidFill>
-                <a:latin typeface="Consolas" panose="020B0609020204030204" pitchFamily="49" charset="0"/>
-              </a:rPr>
-              <a:t>://"</a:t>
-            </a:r>
-            <a:r>
-              <a:rPr lang="en-US" sz="2800" dirty="0">
-                <a:solidFill>
-                  <a:srgbClr val="000000"/>
-                </a:solidFill>
-                <a:latin typeface="Consolas" panose="020B0609020204030204" pitchFamily="49" charset="0"/>
-              </a:rPr>
-              <a:t> + </a:t>
-            </a:r>
-            <a:r>
-              <a:rPr lang="en-US" sz="2800" dirty="0" err="1">
-                <a:solidFill>
-                  <a:srgbClr val="000000"/>
-                </a:solidFill>
-                <a:latin typeface="Consolas" panose="020B0609020204030204" pitchFamily="49" charset="0"/>
-              </a:rPr>
-              <a:t>phoneNumber</a:t>
-            </a:r>
-            <a:r>
-              <a:rPr lang="en-US" sz="2800" dirty="0">
-                <a:solidFill>
-                  <a:srgbClr val="000000"/>
-                </a:solidFill>
-                <a:latin typeface="Consolas" panose="020B0609020204030204" pitchFamily="49" charset="0"/>
-              </a:rPr>
-              <a:t> + </a:t>
-            </a:r>
-            <a:r>
-              <a:rPr lang="en-US" sz="2800" dirty="0">
-                <a:solidFill>
-                  <a:srgbClr val="2A00FF"/>
-                </a:solidFill>
-                <a:latin typeface="Consolas" panose="020B0609020204030204" pitchFamily="49" charset="0"/>
-              </a:rPr>
-              <a:t>"?body="</a:t>
-            </a:r>
-            <a:r>
-              <a:rPr lang="en-US" sz="2800" dirty="0">
-                <a:solidFill>
-                  <a:srgbClr val="000000"/>
-                </a:solidFill>
-                <a:latin typeface="Consolas" panose="020B0609020204030204" pitchFamily="49" charset="0"/>
-              </a:rPr>
-              <a:t> + body; </a:t>
-            </a:r>
-          </a:p>
-          <a:p>
-            <a:pPr marL="457200" lvl="1" indent="0">
-              <a:buNone/>
-            </a:pPr>
-            <a:r>
-              <a:rPr lang="de-CH" sz="2800" dirty="0">
-                <a:solidFill>
-                  <a:srgbClr val="000000"/>
-                </a:solidFill>
-                <a:latin typeface="Consolas" panose="020B0609020204030204" pitchFamily="49" charset="0"/>
-              </a:rPr>
-              <a:t>…</a:t>
-            </a:r>
-            <a:endParaRPr lang="de-CH" sz="2800" b="1" dirty="0">
-              <a:solidFill>
-                <a:srgbClr val="000000"/>
-              </a:solidFill>
-              <a:latin typeface="Consolas" panose="020B0609020204030204" pitchFamily="49" charset="0"/>
-            </a:endParaRPr>
-          </a:p>
-          <a:p>
-            <a:pPr marL="0" indent="0">
-              <a:buNone/>
-            </a:pPr>
-            <a:r>
-              <a:rPr lang="de-CH" sz="3200" dirty="0">
-                <a:solidFill>
-                  <a:srgbClr val="000000"/>
-                </a:solidFill>
-                <a:latin typeface="Consolas" panose="020B0609020204030204" pitchFamily="49" charset="0"/>
-              </a:rPr>
-              <a:t>}</a:t>
-            </a:r>
-            <a:endParaRPr lang="de-CH" sz="3200" dirty="0"/>
           </a:p>
         </p:txBody>
       </p:sp>
     </p:spTree>
     <p:extLst>
       <p:ext uri="{BB962C8B-B14F-4D97-AF65-F5344CB8AC3E}">
-        <p14:creationId xmlns:p14="http://schemas.microsoft.com/office/powerpoint/2010/main" val="867228576"/>
+        <p14:creationId xmlns:p14="http://schemas.microsoft.com/office/powerpoint/2010/main" val="726713197"/>
       </p:ext>
     </p:extLst>
   </p:cSld>

--- a/doc/CS01/task14/cs1-task14-presentation.pptx
+++ b/doc/CS01/task14/cs1-task14-presentation.pptx
@@ -11,10 +11,12 @@
     <p:sldId id="263" r:id="rId5"/>
     <p:sldId id="274" r:id="rId6"/>
     <p:sldId id="276" r:id="rId7"/>
-    <p:sldId id="275" r:id="rId8"/>
-    <p:sldId id="278" r:id="rId9"/>
-    <p:sldId id="264" r:id="rId10"/>
-    <p:sldId id="277" r:id="rId11"/>
+    <p:sldId id="279" r:id="rId8"/>
+    <p:sldId id="275" r:id="rId9"/>
+    <p:sldId id="278" r:id="rId10"/>
+    <p:sldId id="264" r:id="rId11"/>
+    <p:sldId id="277" r:id="rId12"/>
+    <p:sldId id="280" r:id="rId13"/>
   </p:sldIdLst>
   <p:sldSz cx="12192000" cy="6858000"/>
   <p:notesSz cx="6858000" cy="9144000"/>
@@ -256,7 +258,7 @@
           <a:p>
             <a:fld id="{AEE3A045-6375-4E19-9858-CCC701FC405B}" type="datetimeFigureOut">
               <a:rPr lang="de-CH" smtClean="0"/>
-              <a:t>15.06.2017</a:t>
+              <a:t>16.06.2017</a:t>
             </a:fld>
             <a:endParaRPr lang="de-CH"/>
           </a:p>
@@ -426,7 +428,7 @@
           <a:p>
             <a:fld id="{AEE3A045-6375-4E19-9858-CCC701FC405B}" type="datetimeFigureOut">
               <a:rPr lang="de-CH" smtClean="0"/>
-              <a:t>15.06.2017</a:t>
+              <a:t>16.06.2017</a:t>
             </a:fld>
             <a:endParaRPr lang="de-CH"/>
           </a:p>
@@ -606,7 +608,7 @@
           <a:p>
             <a:fld id="{AEE3A045-6375-4E19-9858-CCC701FC405B}" type="datetimeFigureOut">
               <a:rPr lang="de-CH" smtClean="0"/>
-              <a:t>15.06.2017</a:t>
+              <a:t>16.06.2017</a:t>
             </a:fld>
             <a:endParaRPr lang="de-CH"/>
           </a:p>
@@ -776,7 +778,7 @@
           <a:p>
             <a:fld id="{AEE3A045-6375-4E19-9858-CCC701FC405B}" type="datetimeFigureOut">
               <a:rPr lang="de-CH" smtClean="0"/>
-              <a:t>15.06.2017</a:t>
+              <a:t>16.06.2017</a:t>
             </a:fld>
             <a:endParaRPr lang="de-CH"/>
           </a:p>
@@ -1022,7 +1024,7 @@
           <a:p>
             <a:fld id="{AEE3A045-6375-4E19-9858-CCC701FC405B}" type="datetimeFigureOut">
               <a:rPr lang="de-CH" smtClean="0"/>
-              <a:t>15.06.2017</a:t>
+              <a:t>16.06.2017</a:t>
             </a:fld>
             <a:endParaRPr lang="de-CH"/>
           </a:p>
@@ -1254,7 +1256,7 @@
           <a:p>
             <a:fld id="{AEE3A045-6375-4E19-9858-CCC701FC405B}" type="datetimeFigureOut">
               <a:rPr lang="de-CH" smtClean="0"/>
-              <a:t>15.06.2017</a:t>
+              <a:t>16.06.2017</a:t>
             </a:fld>
             <a:endParaRPr lang="de-CH"/>
           </a:p>
@@ -1621,7 +1623,7 @@
           <a:p>
             <a:fld id="{AEE3A045-6375-4E19-9858-CCC701FC405B}" type="datetimeFigureOut">
               <a:rPr lang="de-CH" smtClean="0"/>
-              <a:t>15.06.2017</a:t>
+              <a:t>16.06.2017</a:t>
             </a:fld>
             <a:endParaRPr lang="de-CH"/>
           </a:p>
@@ -1739,7 +1741,7 @@
           <a:p>
             <a:fld id="{AEE3A045-6375-4E19-9858-CCC701FC405B}" type="datetimeFigureOut">
               <a:rPr lang="de-CH" smtClean="0"/>
-              <a:t>15.06.2017</a:t>
+              <a:t>16.06.2017</a:t>
             </a:fld>
             <a:endParaRPr lang="de-CH"/>
           </a:p>
@@ -1834,7 +1836,7 @@
           <a:p>
             <a:fld id="{AEE3A045-6375-4E19-9858-CCC701FC405B}" type="datetimeFigureOut">
               <a:rPr lang="de-CH" smtClean="0"/>
-              <a:t>15.06.2017</a:t>
+              <a:t>16.06.2017</a:t>
             </a:fld>
             <a:endParaRPr lang="de-CH"/>
           </a:p>
@@ -2111,7 +2113,7 @@
           <a:p>
             <a:fld id="{AEE3A045-6375-4E19-9858-CCC701FC405B}" type="datetimeFigureOut">
               <a:rPr lang="de-CH" smtClean="0"/>
-              <a:t>15.06.2017</a:t>
+              <a:t>16.06.2017</a:t>
             </a:fld>
             <a:endParaRPr lang="de-CH"/>
           </a:p>
@@ -2364,7 +2366,7 @@
           <a:p>
             <a:fld id="{AEE3A045-6375-4E19-9858-CCC701FC405B}" type="datetimeFigureOut">
               <a:rPr lang="de-CH" smtClean="0"/>
-              <a:t>15.06.2017</a:t>
+              <a:t>16.06.2017</a:t>
             </a:fld>
             <a:endParaRPr lang="de-CH"/>
           </a:p>
@@ -2577,7 +2579,7 @@
           <a:p>
             <a:fld id="{AEE3A045-6375-4E19-9858-CCC701FC405B}" type="datetimeFigureOut">
               <a:rPr lang="de-CH" smtClean="0"/>
-              <a:t>15.06.2017</a:t>
+              <a:t>16.06.2017</a:t>
             </a:fld>
             <a:endParaRPr lang="de-CH"/>
           </a:p>
@@ -3064,7 +3066,7 @@
       </p:grpSpPr>
       <p:sp>
         <p:nvSpPr>
-          <p:cNvPr id="2" name="Title 1"/>
+          <p:cNvPr id="2" name="Titel 1"/>
           <p:cNvSpPr>
             <a:spLocks noGrp="1"/>
           </p:cNvSpPr>
@@ -3078,6 +3080,148 @@
           <a:lstStyle/>
           <a:p>
             <a:r>
+              <a:rPr lang="de-CH" dirty="0" err="1"/>
+              <a:t>Contributions</a:t>
+            </a:r>
+            <a:endParaRPr lang="de-CH" dirty="0"/>
+          </a:p>
+        </p:txBody>
+      </p:sp>
+      <p:sp>
+        <p:nvSpPr>
+          <p:cNvPr id="3" name="Inhaltsplatzhalter 2">
+            <a:extLst>
+              <a:ext uri="{FF2B5EF4-FFF2-40B4-BE49-F238E27FC236}">
+                <a16:creationId xmlns:a16="http://schemas.microsoft.com/office/drawing/2014/main" id="{64638A87-DF53-41F7-80F1-05C8FBC11759}"/>
+              </a:ext>
+            </a:extLst>
+          </p:cNvPr>
+          <p:cNvSpPr>
+            <a:spLocks noGrp="1"/>
+          </p:cNvSpPr>
+          <p:nvPr>
+            <p:ph idx="1"/>
+          </p:nvPr>
+        </p:nvSpPr>
+        <p:spPr/>
+        <p:txBody>
+          <a:bodyPr/>
+          <a:lstStyle/>
+          <a:p>
+            <a:r>
+              <a:rPr lang="en-US" dirty="0"/>
+              <a:t>Martin: </a:t>
+            </a:r>
+            <a:r>
+              <a:rPr lang="en-US" dirty="0" smtClean="0"/>
+              <a:t>Diary</a:t>
+            </a:r>
+            <a:endParaRPr lang="en-US" dirty="0"/>
+          </a:p>
+          <a:p>
+            <a:r>
+              <a:rPr lang="en-US" dirty="0"/>
+              <a:t>André: </a:t>
+            </a:r>
+            <a:r>
+              <a:rPr lang="en-US" dirty="0" smtClean="0"/>
+              <a:t>Settings</a:t>
+            </a:r>
+            <a:endParaRPr lang="en-US" dirty="0"/>
+          </a:p>
+          <a:p>
+            <a:r>
+              <a:rPr lang="en-US" dirty="0"/>
+              <a:t>Claudio: Login / Sign Up</a:t>
+            </a:r>
+          </a:p>
+          <a:p>
+            <a:r>
+              <a:rPr lang="en-US" dirty="0"/>
+              <a:t>Joël: Main </a:t>
+            </a:r>
+            <a:r>
+              <a:rPr lang="en-US" dirty="0" smtClean="0"/>
+              <a:t>View / State Pattern </a:t>
+            </a:r>
+            <a:r>
+              <a:rPr lang="en-US" dirty="0"/>
+              <a:t>/ Roaster</a:t>
+            </a:r>
+          </a:p>
+          <a:p>
+            <a:r>
+              <a:rPr lang="en-US" dirty="0"/>
+              <a:t>Patrick: </a:t>
+            </a:r>
+            <a:r>
+              <a:rPr lang="en-US" dirty="0" smtClean="0"/>
+              <a:t>Persistence (JPA, Entity) / Exercises </a:t>
+            </a:r>
+            <a:r>
+              <a:rPr lang="en-US" dirty="0"/>
+              <a:t>/ Scrum </a:t>
+            </a:r>
+            <a:r>
+              <a:rPr lang="en-US" dirty="0" smtClean="0"/>
+              <a:t>Master</a:t>
+            </a:r>
+          </a:p>
+          <a:p>
+            <a:r>
+              <a:rPr lang="en-US" dirty="0" smtClean="0"/>
+              <a:t>Sandro: Contacts</a:t>
+            </a:r>
+            <a:endParaRPr lang="de-CH" dirty="0"/>
+          </a:p>
+        </p:txBody>
+      </p:sp>
+    </p:spTree>
+    <p:extLst>
+      <p:ext uri="{BB962C8B-B14F-4D97-AF65-F5344CB8AC3E}">
+        <p14:creationId xmlns:p14="http://schemas.microsoft.com/office/powerpoint/2010/main" val="726713197"/>
+      </p:ext>
+    </p:extLst>
+  </p:cSld>
+  <p:clrMapOvr>
+    <a:masterClrMapping/>
+  </p:clrMapOvr>
+</p:sld>
+</file>
+
+<file path=ppt/slides/slide11.xml><?xml version="1.0" encoding="utf-8"?>
+<p:sld xmlns:a="http://schemas.openxmlformats.org/drawingml/2006/main" xmlns:r="http://schemas.openxmlformats.org/officeDocument/2006/relationships" xmlns:p="http://schemas.openxmlformats.org/presentationml/2006/main">
+  <p:cSld>
+    <p:spTree>
+      <p:nvGrpSpPr>
+        <p:cNvPr id="1" name=""/>
+        <p:cNvGrpSpPr/>
+        <p:nvPr/>
+      </p:nvGrpSpPr>
+      <p:grpSpPr>
+        <a:xfrm>
+          <a:off x="0" y="0"/>
+          <a:ext cx="0" cy="0"/>
+          <a:chOff x="0" y="0"/>
+          <a:chExt cx="0" cy="0"/>
+        </a:xfrm>
+      </p:grpSpPr>
+      <p:sp>
+        <p:nvSpPr>
+          <p:cNvPr id="2" name="Title 1"/>
+          <p:cNvSpPr>
+            <a:spLocks noGrp="1"/>
+          </p:cNvSpPr>
+          <p:nvPr>
+            <p:ph type="title"/>
+          </p:nvPr>
+        </p:nvSpPr>
+        <p:spPr/>
+        <p:txBody>
+          <a:bodyPr/>
+          <a:lstStyle/>
+          <a:p>
+            <a:r>
               <a:rPr lang="de-CH" dirty="0"/>
               <a:t>Lessons learnt</a:t>
             </a:r>
@@ -3128,8 +3272,19 @@
           <a:p>
             <a:r>
               <a:rPr lang="de-CH" dirty="0"/>
-              <a:t>State Event</a:t>
-            </a:r>
+              <a:t>State </a:t>
+            </a:r>
+            <a:r>
+              <a:rPr lang="de-CH" dirty="0" smtClean="0"/>
+              <a:t>Event</a:t>
+            </a:r>
+          </a:p>
+          <a:p>
+            <a:r>
+              <a:rPr lang="de-CH" dirty="0" err="1" smtClean="0"/>
+              <a:t>Maven</a:t>
+            </a:r>
+            <a:endParaRPr lang="de-CH" dirty="0"/>
           </a:p>
           <a:p>
             <a:r>
@@ -3149,6 +3304,102 @@
     <p:extLst>
       <p:ext uri="{BB962C8B-B14F-4D97-AF65-F5344CB8AC3E}">
         <p14:creationId xmlns:p14="http://schemas.microsoft.com/office/powerpoint/2010/main" val="2652800997"/>
+      </p:ext>
+    </p:extLst>
+  </p:cSld>
+  <p:clrMapOvr>
+    <a:masterClrMapping/>
+  </p:clrMapOvr>
+</p:sld>
+</file>
+
+<file path=ppt/slides/slide12.xml><?xml version="1.0" encoding="utf-8"?>
+<p:sld xmlns:a="http://schemas.openxmlformats.org/drawingml/2006/main" xmlns:r="http://schemas.openxmlformats.org/officeDocument/2006/relationships" xmlns:p="http://schemas.openxmlformats.org/presentationml/2006/main">
+  <p:cSld>
+    <p:spTree>
+      <p:nvGrpSpPr>
+        <p:cNvPr id="1" name=""/>
+        <p:cNvGrpSpPr/>
+        <p:nvPr/>
+      </p:nvGrpSpPr>
+      <p:grpSpPr>
+        <a:xfrm>
+          <a:off x="0" y="0"/>
+          <a:ext cx="0" cy="0"/>
+          <a:chOff x="0" y="0"/>
+          <a:chExt cx="0" cy="0"/>
+        </a:xfrm>
+      </p:grpSpPr>
+      <p:sp>
+        <p:nvSpPr>
+          <p:cNvPr id="2" name="Titel 1"/>
+          <p:cNvSpPr>
+            <a:spLocks noGrp="1"/>
+          </p:cNvSpPr>
+          <p:nvPr>
+            <p:ph type="title"/>
+          </p:nvPr>
+        </p:nvSpPr>
+        <p:spPr/>
+        <p:txBody>
+          <a:bodyPr/>
+          <a:lstStyle/>
+          <a:p>
+            <a:r>
+              <a:rPr lang="de-CH" dirty="0" err="1" smtClean="0"/>
+              <a:t>Scrum</a:t>
+            </a:r>
+            <a:r>
+              <a:rPr lang="de-CH" dirty="0" smtClean="0"/>
+              <a:t> </a:t>
+            </a:r>
+            <a:r>
+              <a:rPr lang="de-CH" dirty="0" err="1" smtClean="0"/>
+              <a:t>retrospective</a:t>
+            </a:r>
+            <a:endParaRPr lang="de-CH" dirty="0"/>
+          </a:p>
+        </p:txBody>
+      </p:sp>
+      <p:sp>
+        <p:nvSpPr>
+          <p:cNvPr id="3" name="Inhaltsplatzhalter 2"/>
+          <p:cNvSpPr>
+            <a:spLocks noGrp="1"/>
+          </p:cNvSpPr>
+          <p:nvPr>
+            <p:ph idx="1"/>
+          </p:nvPr>
+        </p:nvSpPr>
+        <p:spPr/>
+        <p:txBody>
+          <a:bodyPr/>
+          <a:lstStyle/>
+          <a:p>
+            <a:r>
+              <a:rPr lang="de-CH" dirty="0" smtClean="0"/>
+              <a:t>Gute Einschätzung pro Sprint </a:t>
+            </a:r>
+          </a:p>
+          <a:p>
+            <a:r>
+              <a:rPr lang="de-CH" dirty="0" smtClean="0"/>
+              <a:t>Überarbeiten einzelner Funktionen</a:t>
+            </a:r>
+          </a:p>
+          <a:p>
+            <a:r>
+              <a:rPr lang="de-CH" dirty="0" smtClean="0"/>
+              <a:t>Gute Zusammenarbeit im Team</a:t>
+            </a:r>
+            <a:endParaRPr lang="de-CH" dirty="0"/>
+          </a:p>
+        </p:txBody>
+      </p:sp>
+    </p:spTree>
+    <p:extLst>
+      <p:ext uri="{BB962C8B-B14F-4D97-AF65-F5344CB8AC3E}">
+        <p14:creationId xmlns:p14="http://schemas.microsoft.com/office/powerpoint/2010/main" val="3695791454"/>
       </p:ext>
     </p:extLst>
   </p:cSld>
@@ -5329,42 +5580,7 @@
       </p:grpSpPr>
       <p:sp>
         <p:nvSpPr>
-          <p:cNvPr id="2" name="Titel 1">
-            <a:extLst>
-              <a:ext uri="{FF2B5EF4-FFF2-40B4-BE49-F238E27FC236}">
-                <a16:creationId xmlns:a16="http://schemas.microsoft.com/office/drawing/2014/main" id="{018CCBB4-34F7-4042-8B5A-7ABE6B7B2746}"/>
-              </a:ext>
-            </a:extLst>
-          </p:cNvPr>
-          <p:cNvSpPr>
-            <a:spLocks noGrp="1"/>
-          </p:cNvSpPr>
-          <p:nvPr>
-            <p:ph type="title"/>
-          </p:nvPr>
-        </p:nvSpPr>
-        <p:spPr/>
-        <p:txBody>
-          <a:bodyPr/>
-          <a:lstStyle/>
-          <a:p>
-            <a:r>
-              <a:rPr lang="en-US" dirty="0"/>
-              <a:t>Emergency Buttons</a:t>
-            </a:r>
-            <a:endParaRPr lang="de-CH" dirty="0"/>
-          </a:p>
-        </p:txBody>
-      </p:sp>
-      <p:sp>
-        <p:nvSpPr>
-          <p:cNvPr id="3" name="Inhaltsplatzhalter 2">
-            <a:extLst>
-              <a:ext uri="{FF2B5EF4-FFF2-40B4-BE49-F238E27FC236}">
-                <a16:creationId xmlns:a16="http://schemas.microsoft.com/office/drawing/2014/main" id="{DB14BDEC-9AB4-4588-8A7C-560D4EE66141}"/>
-              </a:ext>
-            </a:extLst>
-          </p:cNvPr>
+          <p:cNvPr id="3" name="Inhaltsplatzhalter 2"/>
           <p:cNvSpPr>
             <a:spLocks noGrp="1"/>
           </p:cNvSpPr>
@@ -5372,10 +5588,15 @@
             <p:ph idx="1"/>
           </p:nvPr>
         </p:nvSpPr>
-        <p:spPr/>
+        <p:spPr>
+          <a:xfrm>
+            <a:off x="230909" y="397164"/>
+            <a:ext cx="11868727" cy="5779799"/>
+          </a:xfrm>
+        </p:spPr>
         <p:txBody>
           <a:bodyPr>
-            <a:normAutofit/>
+            <a:normAutofit fontScale="85000" lnSpcReduction="10000"/>
           </a:bodyPr>
           <a:lstStyle/>
           <a:p>
@@ -5383,7 +5604,21 @@
               <a:buNone/>
             </a:pPr>
             <a:r>
-              <a:rPr lang="en-US" sz="3200" b="1" dirty="0">
+              <a:rPr lang="en-US" dirty="0">
+                <a:solidFill>
+                  <a:srgbClr val="3F7F5F"/>
+                </a:solidFill>
+                <a:latin typeface="Consolas" panose="020B0609020204030204" pitchFamily="49" charset="0"/>
+              </a:rPr>
+              <a:t>//Generate secure password with PBKDF2 encryption</a:t>
+            </a:r>
+          </a:p>
+          <a:p>
+            <a:pPr marL="0" indent="0">
+              <a:buNone/>
+            </a:pPr>
+            <a:r>
+              <a:rPr lang="de-CH" b="1" dirty="0" err="1">
                 <a:solidFill>
                   <a:srgbClr val="7F0055"/>
                 </a:solidFill>
@@ -5392,7 +5627,25 @@
               <a:t>public</a:t>
             </a:r>
             <a:r>
-              <a:rPr lang="en-US" sz="3200" b="1" dirty="0">
+              <a:rPr lang="de-CH" b="1" dirty="0">
+                <a:solidFill>
+                  <a:srgbClr val="000000"/>
+                </a:solidFill>
+                <a:latin typeface="Consolas" panose="020B0609020204030204" pitchFamily="49" charset="0"/>
+              </a:rPr>
+              <a:t> </a:t>
+            </a:r>
+            <a:r>
+              <a:rPr lang="de-CH" b="1" dirty="0" err="1">
+                <a:solidFill>
+                  <a:srgbClr val="7F0055"/>
+                </a:solidFill>
+                <a:latin typeface="Consolas" panose="020B0609020204030204" pitchFamily="49" charset="0"/>
+              </a:rPr>
+              <a:t>static</a:t>
+            </a:r>
+            <a:r>
+              <a:rPr lang="de-CH" b="1" dirty="0">
                 <a:solidFill>
                   <a:srgbClr val="000000"/>
                 </a:solidFill>
@@ -5401,25 +5654,43 @@
               <a:t> String </a:t>
             </a:r>
             <a:r>
-              <a:rPr lang="en-US" sz="3200" b="1" dirty="0" err="1">
-                <a:solidFill>
-                  <a:srgbClr val="000000"/>
-                </a:solidFill>
-                <a:latin typeface="Consolas" panose="020B0609020204030204" pitchFamily="49" charset="0"/>
-              </a:rPr>
-              <a:t>getMessageLink</a:t>
-            </a:r>
-            <a:r>
-              <a:rPr lang="en-US" sz="3200" b="1" dirty="0">
-                <a:solidFill>
-                  <a:srgbClr val="000000"/>
-                </a:solidFill>
-                <a:latin typeface="Consolas" panose="020B0609020204030204" pitchFamily="49" charset="0"/>
-              </a:rPr>
-              <a:t>() </a:t>
-            </a:r>
-            <a:r>
-              <a:rPr lang="en-US" sz="3200" b="1" dirty="0">
+              <a:rPr lang="de-CH" b="1" dirty="0" err="1">
+                <a:solidFill>
+                  <a:srgbClr val="000000"/>
+                </a:solidFill>
+                <a:latin typeface="Consolas" panose="020B0609020204030204" pitchFamily="49" charset="0"/>
+              </a:rPr>
+              <a:t>generateStorngPasswordHash</a:t>
+            </a:r>
+            <a:r>
+              <a:rPr lang="de-CH" b="1" dirty="0">
+                <a:solidFill>
+                  <a:srgbClr val="000000"/>
+                </a:solidFill>
+                <a:latin typeface="Consolas" panose="020B0609020204030204" pitchFamily="49" charset="0"/>
+              </a:rPr>
+              <a:t>(String </a:t>
+            </a:r>
+            <a:r>
+              <a:rPr lang="de-CH" b="1" dirty="0" err="1">
+                <a:solidFill>
+                  <a:srgbClr val="6A3E3E"/>
+                </a:solidFill>
+                <a:latin typeface="Consolas" panose="020B0609020204030204" pitchFamily="49" charset="0"/>
+              </a:rPr>
+              <a:t>password</a:t>
+            </a:r>
+            <a:r>
+              <a:rPr lang="de-CH" b="1" dirty="0">
+                <a:solidFill>
+                  <a:srgbClr val="000000"/>
+                </a:solidFill>
+                <a:latin typeface="Consolas" panose="020B0609020204030204" pitchFamily="49" charset="0"/>
+              </a:rPr>
+              <a:t>) </a:t>
+            </a:r>
+            <a:r>
+              <a:rPr lang="de-CH" b="1" dirty="0" err="1">
                 <a:solidFill>
                   <a:srgbClr val="7F0055"/>
                 </a:solidFill>
@@ -5428,29 +5699,42 @@
               <a:t>throws</a:t>
             </a:r>
             <a:r>
-              <a:rPr lang="en-US" sz="3200" b="1" dirty="0">
-                <a:solidFill>
-                  <a:srgbClr val="000000"/>
-                </a:solidFill>
-                <a:latin typeface="Consolas" panose="020B0609020204030204" pitchFamily="49" charset="0"/>
-              </a:rPr>
-              <a:t> Exception {</a:t>
-            </a:r>
-          </a:p>
-          <a:p>
-            <a:pPr marL="457200" lvl="1" indent="0">
-              <a:buNone/>
-            </a:pPr>
-            <a:r>
-              <a:rPr lang="en-US" sz="2800" b="1" dirty="0">
-                <a:solidFill>
-                  <a:srgbClr val="7F0055"/>
-                </a:solidFill>
-                <a:latin typeface="Consolas" panose="020B0609020204030204" pitchFamily="49" charset="0"/>
-              </a:rPr>
-              <a:t>…</a:t>
-            </a:r>
-            <a:endParaRPr lang="de-CH" sz="2800" dirty="0">
+              <a:rPr lang="de-CH" b="1" dirty="0">
+                <a:solidFill>
+                  <a:srgbClr val="000000"/>
+                </a:solidFill>
+                <a:latin typeface="Consolas" panose="020B0609020204030204" pitchFamily="49" charset="0"/>
+              </a:rPr>
+              <a:t> </a:t>
+            </a:r>
+            <a:r>
+              <a:rPr lang="de-CH" b="1" dirty="0" err="1">
+                <a:solidFill>
+                  <a:srgbClr val="000000"/>
+                </a:solidFill>
+                <a:latin typeface="Consolas" panose="020B0609020204030204" pitchFamily="49" charset="0"/>
+              </a:rPr>
+              <a:t>NoSuchAlgorithmException</a:t>
+            </a:r>
+            <a:r>
+              <a:rPr lang="de-CH" b="1" dirty="0">
+                <a:solidFill>
+                  <a:srgbClr val="000000"/>
+                </a:solidFill>
+                <a:latin typeface="Consolas" panose="020B0609020204030204" pitchFamily="49" charset="0"/>
+              </a:rPr>
+              <a:t>, </a:t>
+            </a:r>
+            <a:r>
+              <a:rPr lang="de-CH" b="1" dirty="0" err="1">
+                <a:solidFill>
+                  <a:srgbClr val="000000"/>
+                </a:solidFill>
+                <a:latin typeface="Consolas" panose="020B0609020204030204" pitchFamily="49" charset="0"/>
+              </a:rPr>
+              <a:t>InvalidKeySpecException</a:t>
+            </a:r>
+            <a:endParaRPr lang="de-CH" b="1" dirty="0">
               <a:solidFill>
                 <a:srgbClr val="000000"/>
               </a:solidFill>
@@ -5458,61 +5742,523 @@
             </a:endParaRPr>
           </a:p>
           <a:p>
-            <a:pPr marL="457200" lvl="1" indent="0">
+            <a:pPr marL="0" indent="0">
               <a:buNone/>
             </a:pPr>
             <a:r>
-              <a:rPr lang="en-US" sz="2800" dirty="0">
-                <a:solidFill>
-                  <a:srgbClr val="000000"/>
-                </a:solidFill>
-                <a:latin typeface="Consolas" panose="020B0609020204030204" pitchFamily="49" charset="0"/>
-              </a:rPr>
-              <a:t>String body = </a:t>
-            </a:r>
-            <a:r>
-              <a:rPr lang="en-US" sz="2800" dirty="0">
+              <a:rPr lang="de-CH" dirty="0">
+                <a:solidFill>
+                  <a:srgbClr val="000000"/>
+                </a:solidFill>
+                <a:latin typeface="Consolas" panose="020B0609020204030204" pitchFamily="49" charset="0"/>
+              </a:rPr>
+              <a:t>    {</a:t>
+            </a:r>
+          </a:p>
+          <a:p>
+            <a:pPr marL="0" indent="0">
+              <a:buNone/>
+            </a:pPr>
+            <a:r>
+              <a:rPr lang="de-CH" dirty="0">
+                <a:solidFill>
+                  <a:srgbClr val="000000"/>
+                </a:solidFill>
+                <a:latin typeface="Consolas" panose="020B0609020204030204" pitchFamily="49" charset="0"/>
+              </a:rPr>
+              <a:t>        </a:t>
+            </a:r>
+            <a:r>
+              <a:rPr lang="de-CH" b="1" dirty="0" err="1">
+                <a:solidFill>
+                  <a:srgbClr val="7F0055"/>
+                </a:solidFill>
+                <a:latin typeface="Consolas" panose="020B0609020204030204" pitchFamily="49" charset="0"/>
+              </a:rPr>
+              <a:t>int</a:t>
+            </a:r>
+            <a:r>
+              <a:rPr lang="de-CH" b="1" dirty="0">
+                <a:solidFill>
+                  <a:srgbClr val="000000"/>
+                </a:solidFill>
+                <a:latin typeface="Consolas" panose="020B0609020204030204" pitchFamily="49" charset="0"/>
+              </a:rPr>
+              <a:t> </a:t>
+            </a:r>
+            <a:r>
+              <a:rPr lang="de-CH" b="1" dirty="0" err="1">
+                <a:solidFill>
+                  <a:srgbClr val="6A3E3E"/>
+                </a:solidFill>
+                <a:latin typeface="Consolas" panose="020B0609020204030204" pitchFamily="49" charset="0"/>
+              </a:rPr>
+              <a:t>iterations</a:t>
+            </a:r>
+            <a:r>
+              <a:rPr lang="de-CH" b="1" dirty="0">
+                <a:solidFill>
+                  <a:srgbClr val="000000"/>
+                </a:solidFill>
+                <a:latin typeface="Consolas" panose="020B0609020204030204" pitchFamily="49" charset="0"/>
+              </a:rPr>
+              <a:t> = 1000;</a:t>
+            </a:r>
+          </a:p>
+          <a:p>
+            <a:pPr marL="0" indent="0">
+              <a:buNone/>
+            </a:pPr>
+            <a:r>
+              <a:rPr lang="de-CH" dirty="0">
+                <a:solidFill>
+                  <a:srgbClr val="000000"/>
+                </a:solidFill>
+                <a:latin typeface="Consolas" panose="020B0609020204030204" pitchFamily="49" charset="0"/>
+              </a:rPr>
+              <a:t>        </a:t>
+            </a:r>
+            <a:r>
+              <a:rPr lang="de-CH" b="1" dirty="0" err="1">
+                <a:solidFill>
+                  <a:srgbClr val="7F0055"/>
+                </a:solidFill>
+                <a:latin typeface="Consolas" panose="020B0609020204030204" pitchFamily="49" charset="0"/>
+              </a:rPr>
+              <a:t>char</a:t>
+            </a:r>
+            <a:r>
+              <a:rPr lang="de-CH" b="1" dirty="0">
+                <a:solidFill>
+                  <a:srgbClr val="000000"/>
+                </a:solidFill>
+                <a:latin typeface="Consolas" panose="020B0609020204030204" pitchFamily="49" charset="0"/>
+              </a:rPr>
+              <a:t>[] </a:t>
+            </a:r>
+            <a:r>
+              <a:rPr lang="de-CH" b="1" dirty="0" err="1">
+                <a:solidFill>
+                  <a:srgbClr val="6A3E3E"/>
+                </a:solidFill>
+                <a:latin typeface="Consolas" panose="020B0609020204030204" pitchFamily="49" charset="0"/>
+              </a:rPr>
+              <a:t>chars</a:t>
+            </a:r>
+            <a:r>
+              <a:rPr lang="de-CH" b="1" dirty="0">
+                <a:solidFill>
+                  <a:srgbClr val="000000"/>
+                </a:solidFill>
+                <a:latin typeface="Consolas" panose="020B0609020204030204" pitchFamily="49" charset="0"/>
+              </a:rPr>
+              <a:t> = </a:t>
+            </a:r>
+            <a:r>
+              <a:rPr lang="de-CH" b="1" dirty="0" err="1">
+                <a:solidFill>
+                  <a:srgbClr val="6A3E3E"/>
+                </a:solidFill>
+                <a:latin typeface="Consolas" panose="020B0609020204030204" pitchFamily="49" charset="0"/>
+              </a:rPr>
+              <a:t>password</a:t>
+            </a:r>
+            <a:r>
+              <a:rPr lang="de-CH" b="1" dirty="0" err="1">
+                <a:solidFill>
+                  <a:srgbClr val="000000"/>
+                </a:solidFill>
+                <a:latin typeface="Consolas" panose="020B0609020204030204" pitchFamily="49" charset="0"/>
+              </a:rPr>
+              <a:t>.toCharArray</a:t>
+            </a:r>
+            <a:r>
+              <a:rPr lang="de-CH" b="1" dirty="0">
+                <a:solidFill>
+                  <a:srgbClr val="000000"/>
+                </a:solidFill>
+                <a:latin typeface="Consolas" panose="020B0609020204030204" pitchFamily="49" charset="0"/>
+              </a:rPr>
+              <a:t>();</a:t>
+            </a:r>
+          </a:p>
+          <a:p>
+            <a:pPr marL="0" indent="0">
+              <a:buNone/>
+            </a:pPr>
+            <a:r>
+              <a:rPr lang="de-CH" dirty="0">
+                <a:solidFill>
+                  <a:srgbClr val="000000"/>
+                </a:solidFill>
+                <a:latin typeface="Consolas" panose="020B0609020204030204" pitchFamily="49" charset="0"/>
+              </a:rPr>
+              <a:t>        </a:t>
+            </a:r>
+            <a:r>
+              <a:rPr lang="de-CH" b="1" dirty="0" err="1">
+                <a:solidFill>
+                  <a:srgbClr val="7F0055"/>
+                </a:solidFill>
+                <a:latin typeface="Consolas" panose="020B0609020204030204" pitchFamily="49" charset="0"/>
+              </a:rPr>
+              <a:t>byte</a:t>
+            </a:r>
+            <a:r>
+              <a:rPr lang="de-CH" b="1" dirty="0">
+                <a:solidFill>
+                  <a:srgbClr val="000000"/>
+                </a:solidFill>
+                <a:latin typeface="Consolas" panose="020B0609020204030204" pitchFamily="49" charset="0"/>
+              </a:rPr>
+              <a:t>[] </a:t>
+            </a:r>
+            <a:r>
+              <a:rPr lang="de-CH" b="1" dirty="0" err="1">
+                <a:solidFill>
+                  <a:srgbClr val="6A3E3E"/>
+                </a:solidFill>
+                <a:latin typeface="Consolas" panose="020B0609020204030204" pitchFamily="49" charset="0"/>
+              </a:rPr>
+              <a:t>salt</a:t>
+            </a:r>
+            <a:r>
+              <a:rPr lang="de-CH" b="1" dirty="0">
+                <a:solidFill>
+                  <a:srgbClr val="000000"/>
+                </a:solidFill>
+                <a:latin typeface="Consolas" panose="020B0609020204030204" pitchFamily="49" charset="0"/>
+              </a:rPr>
+              <a:t> = </a:t>
+            </a:r>
+            <a:r>
+              <a:rPr lang="de-CH" b="1" i="1" dirty="0" err="1">
+                <a:solidFill>
+                  <a:srgbClr val="000000"/>
+                </a:solidFill>
+                <a:latin typeface="Consolas" panose="020B0609020204030204" pitchFamily="49" charset="0"/>
+              </a:rPr>
+              <a:t>getSalt</a:t>
+            </a:r>
+            <a:r>
+              <a:rPr lang="de-CH" b="1" i="1" dirty="0">
+                <a:solidFill>
+                  <a:srgbClr val="000000"/>
+                </a:solidFill>
+                <a:latin typeface="Consolas" panose="020B0609020204030204" pitchFamily="49" charset="0"/>
+              </a:rPr>
+              <a:t>();</a:t>
+            </a:r>
+          </a:p>
+          <a:p>
+            <a:pPr marL="0" indent="0">
+              <a:buNone/>
+            </a:pPr>
+            <a:r>
+              <a:rPr lang="de-CH" dirty="0">
+                <a:solidFill>
+                  <a:srgbClr val="000000"/>
+                </a:solidFill>
+                <a:latin typeface="Consolas" panose="020B0609020204030204" pitchFamily="49" charset="0"/>
+              </a:rPr>
+              <a:t>         </a:t>
+            </a:r>
+          </a:p>
+          <a:p>
+            <a:pPr marL="0" indent="0">
+              <a:buNone/>
+            </a:pPr>
+            <a:r>
+              <a:rPr lang="en-US" dirty="0">
+                <a:solidFill>
+                  <a:srgbClr val="000000"/>
+                </a:solidFill>
+                <a:latin typeface="Consolas" panose="020B0609020204030204" pitchFamily="49" charset="0"/>
+              </a:rPr>
+              <a:t>        </a:t>
+            </a:r>
+            <a:r>
+              <a:rPr lang="en-US" dirty="0" err="1">
+                <a:solidFill>
+                  <a:srgbClr val="000000"/>
+                </a:solidFill>
+                <a:latin typeface="Consolas" panose="020B0609020204030204" pitchFamily="49" charset="0"/>
+              </a:rPr>
+              <a:t>PBEKeySpec</a:t>
+            </a:r>
+            <a:r>
+              <a:rPr lang="en-US" dirty="0">
+                <a:solidFill>
+                  <a:srgbClr val="000000"/>
+                </a:solidFill>
+                <a:latin typeface="Consolas" panose="020B0609020204030204" pitchFamily="49" charset="0"/>
+              </a:rPr>
+              <a:t> </a:t>
+            </a:r>
+            <a:r>
+              <a:rPr lang="en-US" dirty="0">
+                <a:solidFill>
+                  <a:srgbClr val="6A3E3E"/>
+                </a:solidFill>
+                <a:latin typeface="Consolas" panose="020B0609020204030204" pitchFamily="49" charset="0"/>
+              </a:rPr>
+              <a:t>spec</a:t>
+            </a:r>
+            <a:r>
+              <a:rPr lang="en-US" dirty="0">
+                <a:solidFill>
+                  <a:srgbClr val="000000"/>
+                </a:solidFill>
+                <a:latin typeface="Consolas" panose="020B0609020204030204" pitchFamily="49" charset="0"/>
+              </a:rPr>
+              <a:t> = </a:t>
+            </a:r>
+            <a:r>
+              <a:rPr lang="en-US" b="1" dirty="0">
+                <a:solidFill>
+                  <a:srgbClr val="7F0055"/>
+                </a:solidFill>
+                <a:latin typeface="Consolas" panose="020B0609020204030204" pitchFamily="49" charset="0"/>
+              </a:rPr>
+              <a:t>new</a:t>
+            </a:r>
+            <a:r>
+              <a:rPr lang="en-US" b="1" dirty="0">
+                <a:solidFill>
+                  <a:srgbClr val="000000"/>
+                </a:solidFill>
+                <a:latin typeface="Consolas" panose="020B0609020204030204" pitchFamily="49" charset="0"/>
+              </a:rPr>
+              <a:t> </a:t>
+            </a:r>
+            <a:r>
+              <a:rPr lang="en-US" b="1" dirty="0" err="1" smtClean="0">
+                <a:solidFill>
+                  <a:srgbClr val="000000"/>
+                </a:solidFill>
+                <a:latin typeface="Consolas" panose="020B0609020204030204" pitchFamily="49" charset="0"/>
+              </a:rPr>
+              <a:t>PBEKeySpec</a:t>
+            </a:r>
+            <a:r>
+              <a:rPr lang="en-US" b="1" dirty="0" smtClean="0">
+                <a:solidFill>
+                  <a:srgbClr val="000000"/>
+                </a:solidFill>
+                <a:latin typeface="Consolas" panose="020B0609020204030204" pitchFamily="49" charset="0"/>
+              </a:rPr>
+              <a:t>(</a:t>
+            </a:r>
+            <a:r>
+              <a:rPr lang="en-US" b="1" dirty="0" smtClean="0">
+                <a:solidFill>
+                  <a:srgbClr val="6A3E3E"/>
+                </a:solidFill>
+                <a:latin typeface="Consolas" panose="020B0609020204030204" pitchFamily="49" charset="0"/>
+              </a:rPr>
+              <a:t>chars</a:t>
+            </a:r>
+            <a:r>
+              <a:rPr lang="en-US" b="1" dirty="0" smtClean="0">
+                <a:solidFill>
+                  <a:srgbClr val="000000"/>
+                </a:solidFill>
+                <a:latin typeface="Consolas" panose="020B0609020204030204" pitchFamily="49" charset="0"/>
+              </a:rPr>
+              <a:t>,</a:t>
+            </a:r>
+            <a:r>
+              <a:rPr lang="en-US" b="1" dirty="0" smtClean="0">
+                <a:solidFill>
+                  <a:srgbClr val="6A3E3E"/>
+                </a:solidFill>
+                <a:latin typeface="Consolas" panose="020B0609020204030204" pitchFamily="49" charset="0"/>
+              </a:rPr>
+              <a:t>salt</a:t>
+            </a:r>
+            <a:r>
+              <a:rPr lang="en-US" b="1" dirty="0" smtClean="0">
+                <a:solidFill>
+                  <a:srgbClr val="000000"/>
+                </a:solidFill>
+                <a:latin typeface="Consolas" panose="020B0609020204030204" pitchFamily="49" charset="0"/>
+              </a:rPr>
+              <a:t>,</a:t>
+            </a:r>
+            <a:r>
+              <a:rPr lang="en-US" b="1" dirty="0" smtClean="0">
+                <a:solidFill>
+                  <a:srgbClr val="6A3E3E"/>
+                </a:solidFill>
+                <a:latin typeface="Consolas" panose="020B0609020204030204" pitchFamily="49" charset="0"/>
+              </a:rPr>
+              <a:t>iterations</a:t>
+            </a:r>
+            <a:r>
+              <a:rPr lang="en-US" b="1" dirty="0" smtClean="0">
+                <a:solidFill>
+                  <a:srgbClr val="000000"/>
+                </a:solidFill>
+                <a:latin typeface="Consolas" panose="020B0609020204030204" pitchFamily="49" charset="0"/>
+              </a:rPr>
+              <a:t>,64*8</a:t>
+            </a:r>
+            <a:r>
+              <a:rPr lang="en-US" b="1" dirty="0">
+                <a:solidFill>
+                  <a:srgbClr val="000000"/>
+                </a:solidFill>
+                <a:latin typeface="Consolas" panose="020B0609020204030204" pitchFamily="49" charset="0"/>
+              </a:rPr>
+              <a:t>);</a:t>
+            </a:r>
+          </a:p>
+          <a:p>
+            <a:pPr marL="0" indent="0">
+              <a:buNone/>
+            </a:pPr>
+            <a:r>
+              <a:rPr lang="de-CH" dirty="0">
+                <a:solidFill>
+                  <a:srgbClr val="000000"/>
+                </a:solidFill>
+                <a:latin typeface="Consolas" panose="020B0609020204030204" pitchFamily="49" charset="0"/>
+              </a:rPr>
+              <a:t>        </a:t>
+            </a:r>
+            <a:r>
+              <a:rPr lang="de-CH" dirty="0" err="1">
+                <a:solidFill>
+                  <a:srgbClr val="000000"/>
+                </a:solidFill>
+                <a:latin typeface="Consolas" panose="020B0609020204030204" pitchFamily="49" charset="0"/>
+              </a:rPr>
+              <a:t>SecretKeyFactory</a:t>
+            </a:r>
+            <a:r>
+              <a:rPr lang="de-CH" dirty="0">
+                <a:solidFill>
+                  <a:srgbClr val="000000"/>
+                </a:solidFill>
+                <a:latin typeface="Consolas" panose="020B0609020204030204" pitchFamily="49" charset="0"/>
+              </a:rPr>
+              <a:t> </a:t>
+            </a:r>
+            <a:r>
+              <a:rPr lang="de-CH" dirty="0" err="1">
+                <a:solidFill>
+                  <a:srgbClr val="6A3E3E"/>
+                </a:solidFill>
+                <a:latin typeface="Consolas" panose="020B0609020204030204" pitchFamily="49" charset="0"/>
+              </a:rPr>
+              <a:t>skf</a:t>
+            </a:r>
+            <a:r>
+              <a:rPr lang="de-CH" dirty="0">
+                <a:solidFill>
+                  <a:srgbClr val="000000"/>
+                </a:solidFill>
+                <a:latin typeface="Consolas" panose="020B0609020204030204" pitchFamily="49" charset="0"/>
+              </a:rPr>
+              <a:t> = </a:t>
+            </a:r>
+            <a:r>
+              <a:rPr lang="de-CH" dirty="0" smtClean="0">
+                <a:solidFill>
+                  <a:srgbClr val="000000"/>
+                </a:solidFill>
+                <a:latin typeface="Consolas" panose="020B0609020204030204" pitchFamily="49" charset="0"/>
+              </a:rPr>
+              <a:t>									</a:t>
+            </a:r>
+            <a:r>
+              <a:rPr lang="de-CH" dirty="0" err="1" smtClean="0">
+                <a:solidFill>
+                  <a:srgbClr val="000000"/>
+                </a:solidFill>
+                <a:latin typeface="Consolas" panose="020B0609020204030204" pitchFamily="49" charset="0"/>
+              </a:rPr>
+              <a:t>SecretKeyFactory.</a:t>
+            </a:r>
+            <a:r>
+              <a:rPr lang="de-CH" i="1" dirty="0" err="1" smtClean="0">
+                <a:solidFill>
+                  <a:srgbClr val="000000"/>
+                </a:solidFill>
+                <a:latin typeface="Consolas" panose="020B0609020204030204" pitchFamily="49" charset="0"/>
+              </a:rPr>
+              <a:t>getInstance</a:t>
+            </a:r>
+            <a:r>
+              <a:rPr lang="de-CH" i="1" dirty="0">
+                <a:solidFill>
+                  <a:srgbClr val="000000"/>
+                </a:solidFill>
+                <a:latin typeface="Consolas" panose="020B0609020204030204" pitchFamily="49" charset="0"/>
+              </a:rPr>
+              <a:t>(</a:t>
+            </a:r>
+            <a:r>
+              <a:rPr lang="de-CH" i="1" dirty="0">
                 <a:solidFill>
                   <a:srgbClr val="2A00FF"/>
                 </a:solidFill>
                 <a:latin typeface="Consolas" panose="020B0609020204030204" pitchFamily="49" charset="0"/>
               </a:rPr>
-              <a:t>"I need help."</a:t>
-            </a:r>
-            <a:r>
-              <a:rPr lang="en-US" sz="2800" dirty="0">
-                <a:solidFill>
-                  <a:srgbClr val="000000"/>
-                </a:solidFill>
-                <a:latin typeface="Consolas" panose="020B0609020204030204" pitchFamily="49" charset="0"/>
-              </a:rPr>
-              <a:t>;</a:t>
-            </a:r>
-          </a:p>
-          <a:p>
-            <a:pPr marL="457200" lvl="1" indent="0">
+              <a:t>"PBKDF2WithHmacSHA1"</a:t>
+            </a:r>
+            <a:r>
+              <a:rPr lang="de-CH" i="1" dirty="0">
+                <a:solidFill>
+                  <a:srgbClr val="000000"/>
+                </a:solidFill>
+                <a:latin typeface="Consolas" panose="020B0609020204030204" pitchFamily="49" charset="0"/>
+              </a:rPr>
+              <a:t>);</a:t>
+            </a:r>
+          </a:p>
+          <a:p>
+            <a:pPr marL="0" indent="0">
               <a:buNone/>
             </a:pPr>
             <a:r>
-              <a:rPr lang="en-US" sz="2800" dirty="0">
-                <a:solidFill>
-                  <a:srgbClr val="000000"/>
-                </a:solidFill>
-                <a:latin typeface="Consolas" panose="020B0609020204030204" pitchFamily="49" charset="0"/>
-              </a:rPr>
-              <a:t>String </a:t>
-            </a:r>
-            <a:r>
-              <a:rPr lang="en-US" sz="2800" dirty="0" err="1">
-                <a:solidFill>
-                  <a:srgbClr val="000000"/>
-                </a:solidFill>
-                <a:latin typeface="Consolas" panose="020B0609020204030204" pitchFamily="49" charset="0"/>
-              </a:rPr>
-              <a:t>fullLink</a:t>
-            </a:r>
-            <a:r>
-              <a:rPr lang="en-US" sz="2800" dirty="0">
+              <a:rPr lang="de-CH" dirty="0">
+                <a:solidFill>
+                  <a:srgbClr val="000000"/>
+                </a:solidFill>
+                <a:latin typeface="Consolas" panose="020B0609020204030204" pitchFamily="49" charset="0"/>
+              </a:rPr>
+              <a:t>        </a:t>
+            </a:r>
+            <a:r>
+              <a:rPr lang="de-CH" b="1" dirty="0" err="1">
+                <a:solidFill>
+                  <a:srgbClr val="7F0055"/>
+                </a:solidFill>
+                <a:latin typeface="Consolas" panose="020B0609020204030204" pitchFamily="49" charset="0"/>
+              </a:rPr>
+              <a:t>byte</a:t>
+            </a:r>
+            <a:r>
+              <a:rPr lang="de-CH" b="1" dirty="0">
+                <a:solidFill>
+                  <a:srgbClr val="000000"/>
+                </a:solidFill>
+                <a:latin typeface="Consolas" panose="020B0609020204030204" pitchFamily="49" charset="0"/>
+              </a:rPr>
+              <a:t>[] </a:t>
+            </a:r>
+            <a:r>
+              <a:rPr lang="de-CH" b="1" dirty="0" err="1">
+                <a:solidFill>
+                  <a:srgbClr val="6A3E3E"/>
+                </a:solidFill>
+                <a:latin typeface="Consolas" panose="020B0609020204030204" pitchFamily="49" charset="0"/>
+              </a:rPr>
+              <a:t>hash</a:t>
+            </a:r>
+            <a:r>
+              <a:rPr lang="de-CH" b="1" dirty="0">
                 <a:solidFill>
                   <a:srgbClr val="000000"/>
                 </a:solidFill>
@@ -5521,119 +6267,257 @@
               <a:t> = </a:t>
             </a:r>
             <a:r>
-              <a:rPr lang="en-US" sz="2800" dirty="0">
+              <a:rPr lang="de-CH" b="1" dirty="0" err="1">
+                <a:solidFill>
+                  <a:srgbClr val="6A3E3E"/>
+                </a:solidFill>
+                <a:latin typeface="Consolas" panose="020B0609020204030204" pitchFamily="49" charset="0"/>
+              </a:rPr>
+              <a:t>skf</a:t>
+            </a:r>
+            <a:r>
+              <a:rPr lang="de-CH" b="1" dirty="0" err="1">
+                <a:solidFill>
+                  <a:srgbClr val="000000"/>
+                </a:solidFill>
+                <a:latin typeface="Consolas" panose="020B0609020204030204" pitchFamily="49" charset="0"/>
+              </a:rPr>
+              <a:t>.generateSecret</a:t>
+            </a:r>
+            <a:r>
+              <a:rPr lang="de-CH" b="1" dirty="0">
+                <a:solidFill>
+                  <a:srgbClr val="000000"/>
+                </a:solidFill>
+                <a:latin typeface="Consolas" panose="020B0609020204030204" pitchFamily="49" charset="0"/>
+              </a:rPr>
+              <a:t>(</a:t>
+            </a:r>
+            <a:r>
+              <a:rPr lang="de-CH" b="1" dirty="0" err="1">
+                <a:solidFill>
+                  <a:srgbClr val="6A3E3E"/>
+                </a:solidFill>
+                <a:latin typeface="Consolas" panose="020B0609020204030204" pitchFamily="49" charset="0"/>
+              </a:rPr>
+              <a:t>spec</a:t>
+            </a:r>
+            <a:r>
+              <a:rPr lang="de-CH" b="1" dirty="0">
+                <a:solidFill>
+                  <a:srgbClr val="000000"/>
+                </a:solidFill>
+                <a:latin typeface="Consolas" panose="020B0609020204030204" pitchFamily="49" charset="0"/>
+              </a:rPr>
+              <a:t>).</a:t>
+            </a:r>
+            <a:r>
+              <a:rPr lang="de-CH" b="1" dirty="0" err="1">
+                <a:solidFill>
+                  <a:srgbClr val="000000"/>
+                </a:solidFill>
+                <a:latin typeface="Consolas" panose="020B0609020204030204" pitchFamily="49" charset="0"/>
+              </a:rPr>
+              <a:t>getEncoded</a:t>
+            </a:r>
+            <a:r>
+              <a:rPr lang="de-CH" b="1" dirty="0">
+                <a:solidFill>
+                  <a:srgbClr val="000000"/>
+                </a:solidFill>
+                <a:latin typeface="Consolas" panose="020B0609020204030204" pitchFamily="49" charset="0"/>
+              </a:rPr>
+              <a:t>();</a:t>
+            </a:r>
+          </a:p>
+          <a:p>
+            <a:pPr marL="0" indent="0">
+              <a:buNone/>
+            </a:pPr>
+            <a:r>
+              <a:rPr lang="de-CH" dirty="0">
+                <a:solidFill>
+                  <a:srgbClr val="000000"/>
+                </a:solidFill>
+                <a:latin typeface="Consolas" panose="020B0609020204030204" pitchFamily="49" charset="0"/>
+              </a:rPr>
+              <a:t>        </a:t>
+            </a:r>
+            <a:r>
+              <a:rPr lang="de-CH" b="1" dirty="0" err="1">
+                <a:solidFill>
+                  <a:srgbClr val="7F0055"/>
+                </a:solidFill>
+                <a:latin typeface="Consolas" panose="020B0609020204030204" pitchFamily="49" charset="0"/>
+              </a:rPr>
+              <a:t>return</a:t>
+            </a:r>
+            <a:r>
+              <a:rPr lang="de-CH" b="1" dirty="0">
+                <a:solidFill>
+                  <a:srgbClr val="000000"/>
+                </a:solidFill>
+                <a:latin typeface="Consolas" panose="020B0609020204030204" pitchFamily="49" charset="0"/>
+              </a:rPr>
+              <a:t> </a:t>
+            </a:r>
+            <a:r>
+              <a:rPr lang="de-CH" b="1" dirty="0" err="1">
+                <a:solidFill>
+                  <a:srgbClr val="6A3E3E"/>
+                </a:solidFill>
+                <a:latin typeface="Consolas" panose="020B0609020204030204" pitchFamily="49" charset="0"/>
+              </a:rPr>
+              <a:t>iterations</a:t>
+            </a:r>
+            <a:r>
+              <a:rPr lang="de-CH" b="1" dirty="0">
+                <a:solidFill>
+                  <a:srgbClr val="000000"/>
+                </a:solidFill>
+                <a:latin typeface="Consolas" panose="020B0609020204030204" pitchFamily="49" charset="0"/>
+              </a:rPr>
+              <a:t> + </a:t>
+            </a:r>
+            <a:r>
+              <a:rPr lang="de-CH" b="1" dirty="0">
                 <a:solidFill>
                   <a:srgbClr val="2A00FF"/>
                 </a:solidFill>
                 <a:latin typeface="Consolas" panose="020B0609020204030204" pitchFamily="49" charset="0"/>
               </a:rPr>
-              <a:t>"</a:t>
-            </a:r>
-            <a:r>
-              <a:rPr lang="en-US" sz="2800" dirty="0" err="1">
+              <a:t>":"</a:t>
+            </a:r>
+            <a:r>
+              <a:rPr lang="de-CH" b="1" dirty="0">
+                <a:solidFill>
+                  <a:srgbClr val="000000"/>
+                </a:solidFill>
+                <a:latin typeface="Consolas" panose="020B0609020204030204" pitchFamily="49" charset="0"/>
+              </a:rPr>
+              <a:t> + </a:t>
+            </a:r>
+            <a:r>
+              <a:rPr lang="de-CH" b="1" i="1" dirty="0" err="1">
+                <a:solidFill>
+                  <a:srgbClr val="000000"/>
+                </a:solidFill>
+                <a:latin typeface="Consolas" panose="020B0609020204030204" pitchFamily="49" charset="0"/>
+              </a:rPr>
+              <a:t>toHex</a:t>
+            </a:r>
+            <a:r>
+              <a:rPr lang="de-CH" b="1" i="1" dirty="0">
+                <a:solidFill>
+                  <a:srgbClr val="000000"/>
+                </a:solidFill>
+                <a:latin typeface="Consolas" panose="020B0609020204030204" pitchFamily="49" charset="0"/>
+              </a:rPr>
+              <a:t>(</a:t>
+            </a:r>
+            <a:r>
+              <a:rPr lang="de-CH" b="1" i="1" dirty="0" err="1">
+                <a:solidFill>
+                  <a:srgbClr val="6A3E3E"/>
+                </a:solidFill>
+                <a:latin typeface="Consolas" panose="020B0609020204030204" pitchFamily="49" charset="0"/>
+              </a:rPr>
+              <a:t>salt</a:t>
+            </a:r>
+            <a:r>
+              <a:rPr lang="de-CH" b="1" i="1" dirty="0">
+                <a:solidFill>
+                  <a:srgbClr val="000000"/>
+                </a:solidFill>
+                <a:latin typeface="Consolas" panose="020B0609020204030204" pitchFamily="49" charset="0"/>
+              </a:rPr>
+              <a:t>) + </a:t>
+            </a:r>
+            <a:r>
+              <a:rPr lang="de-CH" b="1" i="1" dirty="0">
                 <a:solidFill>
                   <a:srgbClr val="2A00FF"/>
                 </a:solidFill>
                 <a:latin typeface="Consolas" panose="020B0609020204030204" pitchFamily="49" charset="0"/>
               </a:rPr>
-              <a:t>sms</a:t>
-            </a:r>
-            <a:r>
-              <a:rPr lang="en-US" sz="2800" dirty="0">
-                <a:solidFill>
-                  <a:srgbClr val="2A00FF"/>
-                </a:solidFill>
-                <a:latin typeface="Consolas" panose="020B0609020204030204" pitchFamily="49" charset="0"/>
-              </a:rPr>
-              <a:t>://"</a:t>
-            </a:r>
-            <a:r>
-              <a:rPr lang="en-US" sz="2800" dirty="0">
-                <a:solidFill>
-                  <a:srgbClr val="000000"/>
-                </a:solidFill>
-                <a:latin typeface="Consolas" panose="020B0609020204030204" pitchFamily="49" charset="0"/>
-              </a:rPr>
-              <a:t> + </a:t>
-            </a:r>
-            <a:r>
-              <a:rPr lang="en-US" sz="2800" dirty="0" err="1">
-                <a:solidFill>
-                  <a:srgbClr val="000000"/>
-                </a:solidFill>
-                <a:latin typeface="Consolas" panose="020B0609020204030204" pitchFamily="49" charset="0"/>
-              </a:rPr>
-              <a:t>phoneNumber</a:t>
-            </a:r>
-            <a:r>
-              <a:rPr lang="en-US" sz="2800" dirty="0">
-                <a:solidFill>
-                  <a:srgbClr val="000000"/>
-                </a:solidFill>
-                <a:latin typeface="Consolas" panose="020B0609020204030204" pitchFamily="49" charset="0"/>
-              </a:rPr>
-              <a:t> + </a:t>
-            </a:r>
-            <a:r>
-              <a:rPr lang="en-US" sz="2800" dirty="0">
-                <a:solidFill>
-                  <a:srgbClr val="2A00FF"/>
-                </a:solidFill>
-                <a:latin typeface="Consolas" panose="020B0609020204030204" pitchFamily="49" charset="0"/>
-              </a:rPr>
-              <a:t>"?body="</a:t>
-            </a:r>
-            <a:r>
-              <a:rPr lang="en-US" sz="2800" dirty="0">
-                <a:solidFill>
-                  <a:srgbClr val="000000"/>
-                </a:solidFill>
-                <a:latin typeface="Consolas" panose="020B0609020204030204" pitchFamily="49" charset="0"/>
-              </a:rPr>
-              <a:t> + body; </a:t>
-            </a:r>
-          </a:p>
-          <a:p>
-            <a:pPr marL="457200" lvl="1" indent="0">
+              <a:t>":"</a:t>
+            </a:r>
+            <a:r>
+              <a:rPr lang="de-CH" b="1" i="1" dirty="0">
+                <a:solidFill>
+                  <a:srgbClr val="000000"/>
+                </a:solidFill>
+                <a:latin typeface="Consolas" panose="020B0609020204030204" pitchFamily="49" charset="0"/>
+              </a:rPr>
+              <a:t> </a:t>
+            </a:r>
+            <a:r>
+              <a:rPr lang="de-CH" b="1" i="1" dirty="0" smtClean="0">
+                <a:solidFill>
+                  <a:srgbClr val="000000"/>
+                </a:solidFill>
+                <a:latin typeface="Consolas" panose="020B0609020204030204" pitchFamily="49" charset="0"/>
+              </a:rPr>
+              <a:t>+ </a:t>
+            </a:r>
+            <a:r>
+              <a:rPr lang="de-CH" b="1" i="1" dirty="0" err="1" smtClean="0">
+                <a:solidFill>
+                  <a:srgbClr val="000000"/>
+                </a:solidFill>
+                <a:latin typeface="Consolas" panose="020B0609020204030204" pitchFamily="49" charset="0"/>
+              </a:rPr>
+              <a:t>toHex</a:t>
+            </a:r>
+            <a:r>
+              <a:rPr lang="de-CH" b="1" i="1" dirty="0" smtClean="0">
+                <a:solidFill>
+                  <a:srgbClr val="000000"/>
+                </a:solidFill>
+                <a:latin typeface="Consolas" panose="020B0609020204030204" pitchFamily="49" charset="0"/>
+              </a:rPr>
+              <a:t>(</a:t>
+            </a:r>
+            <a:r>
+              <a:rPr lang="de-CH" b="1" i="1" dirty="0" err="1" smtClean="0">
+                <a:solidFill>
+                  <a:srgbClr val="6A3E3E"/>
+                </a:solidFill>
+                <a:latin typeface="Consolas" panose="020B0609020204030204" pitchFamily="49" charset="0"/>
+              </a:rPr>
+              <a:t>hash</a:t>
+            </a:r>
+            <a:r>
+              <a:rPr lang="de-CH" b="1" i="1" dirty="0">
+                <a:solidFill>
+                  <a:srgbClr val="000000"/>
+                </a:solidFill>
+                <a:latin typeface="Consolas" panose="020B0609020204030204" pitchFamily="49" charset="0"/>
+              </a:rPr>
+              <a:t>);</a:t>
+            </a:r>
+          </a:p>
+          <a:p>
+            <a:pPr marL="0" indent="0">
               <a:buNone/>
             </a:pPr>
             <a:r>
-              <a:rPr lang="de-CH" sz="2800" dirty="0">
-                <a:solidFill>
-                  <a:srgbClr val="000000"/>
-                </a:solidFill>
-                <a:latin typeface="Consolas" panose="020B0609020204030204" pitchFamily="49" charset="0"/>
-              </a:rPr>
-              <a:t>…</a:t>
-            </a:r>
-            <a:endParaRPr lang="de-CH" sz="2800" b="1" dirty="0">
-              <a:solidFill>
-                <a:srgbClr val="000000"/>
-              </a:solidFill>
-              <a:latin typeface="Consolas" panose="020B0609020204030204" pitchFamily="49" charset="0"/>
-            </a:endParaRPr>
-          </a:p>
-          <a:p>
-            <a:pPr marL="0" indent="0">
-              <a:buNone/>
-            </a:pPr>
-            <a:r>
-              <a:rPr lang="de-CH" sz="3200" dirty="0">
-                <a:solidFill>
-                  <a:srgbClr val="000000"/>
-                </a:solidFill>
-                <a:latin typeface="Consolas" panose="020B0609020204030204" pitchFamily="49" charset="0"/>
-              </a:rPr>
-              <a:t>}</a:t>
-            </a:r>
-            <a:endParaRPr lang="de-CH" sz="3200" dirty="0"/>
+              <a:rPr lang="de-CH" dirty="0">
+                <a:solidFill>
+                  <a:srgbClr val="000000"/>
+                </a:solidFill>
+                <a:latin typeface="Consolas" panose="020B0609020204030204" pitchFamily="49" charset="0"/>
+              </a:rPr>
+              <a:t>    }</a:t>
+            </a:r>
+            <a:endParaRPr lang="de-CH" dirty="0"/>
           </a:p>
         </p:txBody>
       </p:sp>
     </p:spTree>
     <p:extLst>
       <p:ext uri="{BB962C8B-B14F-4D97-AF65-F5344CB8AC3E}">
-        <p14:creationId xmlns:p14="http://schemas.microsoft.com/office/powerpoint/2010/main" val="867228576"/>
+        <p14:creationId xmlns:p14="http://schemas.microsoft.com/office/powerpoint/2010/main" val="3835049540"/>
       </p:ext>
     </p:extLst>
   </p:cSld>
@@ -5683,7 +6567,7 @@
           <a:p>
             <a:r>
               <a:rPr lang="en-US" dirty="0"/>
-              <a:t>Grid Views</a:t>
+              <a:t>Emergency Buttons</a:t>
             </a:r>
             <a:endParaRPr lang="de-CH" dirty="0"/>
           </a:p>
@@ -5708,7 +6592,7 @@
         <p:spPr/>
         <p:txBody>
           <a:bodyPr>
-            <a:normAutofit fontScale="85000" lnSpcReduction="20000"/>
+            <a:normAutofit/>
           </a:bodyPr>
           <a:lstStyle/>
           <a:p>
@@ -5716,14 +6600,240 @@
               <a:buNone/>
             </a:pPr>
             <a:r>
-              <a:rPr lang="de-CH" sz="3200" dirty="0" err="1">
-                <a:solidFill>
-                  <a:srgbClr val="0000C0"/>
-                </a:solidFill>
-                <a:latin typeface="Consolas" panose="020B0609020204030204" pitchFamily="49" charset="0"/>
-              </a:rPr>
-              <a:t>grid</a:t>
-            </a:r>
+              <a:rPr lang="en-US" sz="3200" b="1" dirty="0">
+                <a:solidFill>
+                  <a:srgbClr val="7F0055"/>
+                </a:solidFill>
+                <a:latin typeface="Consolas" panose="020B0609020204030204" pitchFamily="49" charset="0"/>
+              </a:rPr>
+              <a:t>public</a:t>
+            </a:r>
+            <a:r>
+              <a:rPr lang="en-US" sz="3200" b="1" dirty="0">
+                <a:solidFill>
+                  <a:srgbClr val="000000"/>
+                </a:solidFill>
+                <a:latin typeface="Consolas" panose="020B0609020204030204" pitchFamily="49" charset="0"/>
+              </a:rPr>
+              <a:t> String </a:t>
+            </a:r>
+            <a:r>
+              <a:rPr lang="en-US" sz="3200" b="1" dirty="0" err="1">
+                <a:solidFill>
+                  <a:srgbClr val="000000"/>
+                </a:solidFill>
+                <a:latin typeface="Consolas" panose="020B0609020204030204" pitchFamily="49" charset="0"/>
+              </a:rPr>
+              <a:t>getMessageLink</a:t>
+            </a:r>
+            <a:r>
+              <a:rPr lang="en-US" sz="3200" b="1" dirty="0">
+                <a:solidFill>
+                  <a:srgbClr val="000000"/>
+                </a:solidFill>
+                <a:latin typeface="Consolas" panose="020B0609020204030204" pitchFamily="49" charset="0"/>
+              </a:rPr>
+              <a:t>() </a:t>
+            </a:r>
+            <a:r>
+              <a:rPr lang="en-US" sz="3200" b="1" dirty="0">
+                <a:solidFill>
+                  <a:srgbClr val="7F0055"/>
+                </a:solidFill>
+                <a:latin typeface="Consolas" panose="020B0609020204030204" pitchFamily="49" charset="0"/>
+              </a:rPr>
+              <a:t>throws</a:t>
+            </a:r>
+            <a:r>
+              <a:rPr lang="en-US" sz="3200" b="1" dirty="0">
+                <a:solidFill>
+                  <a:srgbClr val="000000"/>
+                </a:solidFill>
+                <a:latin typeface="Consolas" panose="020B0609020204030204" pitchFamily="49" charset="0"/>
+              </a:rPr>
+              <a:t> Exception {</a:t>
+            </a:r>
+          </a:p>
+          <a:p>
+            <a:pPr marL="457200" lvl="1" indent="0">
+              <a:buNone/>
+            </a:pPr>
+            <a:r>
+              <a:rPr lang="en-US" sz="2800" b="1" dirty="0">
+                <a:solidFill>
+                  <a:srgbClr val="7F0055"/>
+                </a:solidFill>
+                <a:latin typeface="Consolas" panose="020B0609020204030204" pitchFamily="49" charset="0"/>
+              </a:rPr>
+              <a:t>…</a:t>
+            </a:r>
+            <a:endParaRPr lang="de-CH" sz="2800" dirty="0">
+              <a:solidFill>
+                <a:srgbClr val="000000"/>
+              </a:solidFill>
+              <a:latin typeface="Consolas" panose="020B0609020204030204" pitchFamily="49" charset="0"/>
+            </a:endParaRPr>
+          </a:p>
+          <a:p>
+            <a:pPr marL="457200" lvl="1" indent="0">
+              <a:buNone/>
+            </a:pPr>
+            <a:r>
+              <a:rPr lang="en-US" sz="2800" dirty="0">
+                <a:solidFill>
+                  <a:srgbClr val="000000"/>
+                </a:solidFill>
+                <a:latin typeface="Consolas" panose="020B0609020204030204" pitchFamily="49" charset="0"/>
+              </a:rPr>
+              <a:t>String body = </a:t>
+            </a:r>
+            <a:r>
+              <a:rPr lang="en-US" sz="2800" dirty="0">
+                <a:solidFill>
+                  <a:srgbClr val="2A00FF"/>
+                </a:solidFill>
+                <a:latin typeface="Consolas" panose="020B0609020204030204" pitchFamily="49" charset="0"/>
+              </a:rPr>
+              <a:t>"I need help."</a:t>
+            </a:r>
+            <a:r>
+              <a:rPr lang="en-US" sz="2800" dirty="0">
+                <a:solidFill>
+                  <a:srgbClr val="000000"/>
+                </a:solidFill>
+                <a:latin typeface="Consolas" panose="020B0609020204030204" pitchFamily="49" charset="0"/>
+              </a:rPr>
+              <a:t>;</a:t>
+            </a:r>
+          </a:p>
+          <a:p>
+            <a:pPr marL="457200" lvl="1" indent="0">
+              <a:buNone/>
+            </a:pPr>
+            <a:r>
+              <a:rPr lang="en-US" sz="2800" dirty="0">
+                <a:solidFill>
+                  <a:srgbClr val="000000"/>
+                </a:solidFill>
+                <a:latin typeface="Consolas" panose="020B0609020204030204" pitchFamily="49" charset="0"/>
+              </a:rPr>
+              <a:t>String </a:t>
+            </a:r>
+            <a:r>
+              <a:rPr lang="en-US" sz="2800" dirty="0" err="1">
+                <a:solidFill>
+                  <a:srgbClr val="000000"/>
+                </a:solidFill>
+                <a:latin typeface="Consolas" panose="020B0609020204030204" pitchFamily="49" charset="0"/>
+              </a:rPr>
+              <a:t>fullLink</a:t>
+            </a:r>
+            <a:r>
+              <a:rPr lang="en-US" sz="2800" dirty="0">
+                <a:solidFill>
+                  <a:srgbClr val="000000"/>
+                </a:solidFill>
+                <a:latin typeface="Consolas" panose="020B0609020204030204" pitchFamily="49" charset="0"/>
+              </a:rPr>
+              <a:t> = </a:t>
+            </a:r>
+            <a:r>
+              <a:rPr lang="en-US" sz="2800" dirty="0">
+                <a:solidFill>
+                  <a:srgbClr val="2A00FF"/>
+                </a:solidFill>
+                <a:latin typeface="Consolas" panose="020B0609020204030204" pitchFamily="49" charset="0"/>
+              </a:rPr>
+              <a:t>"</a:t>
+            </a:r>
+            <a:r>
+              <a:rPr lang="en-US" sz="2800" dirty="0" err="1">
+                <a:solidFill>
+                  <a:srgbClr val="2A00FF"/>
+                </a:solidFill>
+                <a:latin typeface="Consolas" panose="020B0609020204030204" pitchFamily="49" charset="0"/>
+              </a:rPr>
+              <a:t>sms</a:t>
+            </a:r>
+            <a:r>
+              <a:rPr lang="en-US" sz="2800" dirty="0">
+                <a:solidFill>
+                  <a:srgbClr val="2A00FF"/>
+                </a:solidFill>
+                <a:latin typeface="Consolas" panose="020B0609020204030204" pitchFamily="49" charset="0"/>
+              </a:rPr>
+              <a:t>://"</a:t>
+            </a:r>
+            <a:r>
+              <a:rPr lang="en-US" sz="2800" dirty="0">
+                <a:solidFill>
+                  <a:srgbClr val="000000"/>
+                </a:solidFill>
+                <a:latin typeface="Consolas" panose="020B0609020204030204" pitchFamily="49" charset="0"/>
+              </a:rPr>
+              <a:t> + </a:t>
+            </a:r>
+            <a:r>
+              <a:rPr lang="en-US" sz="2800" dirty="0" err="1">
+                <a:solidFill>
+                  <a:srgbClr val="000000"/>
+                </a:solidFill>
+                <a:latin typeface="Consolas" panose="020B0609020204030204" pitchFamily="49" charset="0"/>
+              </a:rPr>
+              <a:t>phoneNumber</a:t>
+            </a:r>
+            <a:r>
+              <a:rPr lang="en-US" sz="2800" dirty="0">
+                <a:solidFill>
+                  <a:srgbClr val="000000"/>
+                </a:solidFill>
+                <a:latin typeface="Consolas" panose="020B0609020204030204" pitchFamily="49" charset="0"/>
+              </a:rPr>
+              <a:t> + </a:t>
+            </a:r>
+            <a:r>
+              <a:rPr lang="en-US" sz="2800" dirty="0">
+                <a:solidFill>
+                  <a:srgbClr val="2A00FF"/>
+                </a:solidFill>
+                <a:latin typeface="Consolas" panose="020B0609020204030204" pitchFamily="49" charset="0"/>
+              </a:rPr>
+              <a:t>"?body="</a:t>
+            </a:r>
+            <a:r>
+              <a:rPr lang="en-US" sz="2800" dirty="0">
+                <a:solidFill>
+                  <a:srgbClr val="000000"/>
+                </a:solidFill>
+                <a:latin typeface="Consolas" panose="020B0609020204030204" pitchFamily="49" charset="0"/>
+              </a:rPr>
+              <a:t> + body; </a:t>
+            </a:r>
+          </a:p>
+          <a:p>
+            <a:pPr marL="457200" lvl="1" indent="0">
+              <a:buNone/>
+            </a:pPr>
+            <a:r>
+              <a:rPr lang="de-CH" sz="2800" dirty="0">
+                <a:solidFill>
+                  <a:srgbClr val="000000"/>
+                </a:solidFill>
+                <a:latin typeface="Consolas" panose="020B0609020204030204" pitchFamily="49" charset="0"/>
+              </a:rPr>
+              <a:t>…</a:t>
+            </a:r>
+            <a:endParaRPr lang="de-CH" sz="2800" b="1" dirty="0">
+              <a:solidFill>
+                <a:srgbClr val="000000"/>
+              </a:solidFill>
+              <a:latin typeface="Consolas" panose="020B0609020204030204" pitchFamily="49" charset="0"/>
+            </a:endParaRPr>
+          </a:p>
+          <a:p>
+            <a:pPr marL="0" indent="0">
+              <a:buNone/>
+            </a:pPr>
             <a:r>
               <a:rPr lang="de-CH" sz="3200" dirty="0">
                 <a:solidFill>
@@ -5731,429 +6841,7 @@
                 </a:solidFill>
                 <a:latin typeface="Consolas" panose="020B0609020204030204" pitchFamily="49" charset="0"/>
               </a:rPr>
-              <a:t> = </a:t>
-            </a:r>
-            <a:r>
-              <a:rPr lang="de-CH" sz="3200" b="1" dirty="0" err="1">
-                <a:solidFill>
-                  <a:srgbClr val="7F0055"/>
-                </a:solidFill>
-                <a:latin typeface="Consolas" panose="020B0609020204030204" pitchFamily="49" charset="0"/>
-              </a:rPr>
-              <a:t>new</a:t>
-            </a:r>
-            <a:r>
-              <a:rPr lang="de-CH" sz="3200" b="1" dirty="0">
-                <a:solidFill>
-                  <a:srgbClr val="000000"/>
-                </a:solidFill>
-                <a:latin typeface="Consolas" panose="020B0609020204030204" pitchFamily="49" charset="0"/>
-              </a:rPr>
-              <a:t> Grid&lt;&gt;();</a:t>
-            </a:r>
-          </a:p>
-          <a:p>
-            <a:pPr marL="0" indent="0">
-              <a:buNone/>
-            </a:pPr>
-            <a:r>
-              <a:rPr lang="en-US" sz="3200" dirty="0">
-                <a:solidFill>
-                  <a:srgbClr val="3F7F5F"/>
-                </a:solidFill>
-                <a:latin typeface="Consolas" panose="020B0609020204030204" pitchFamily="49" charset="0"/>
-              </a:rPr>
-              <a:t>// create two columns, set the ID's and add the captions</a:t>
-            </a:r>
-          </a:p>
-          <a:p>
-            <a:pPr marL="0" indent="0">
-              <a:buNone/>
-            </a:pPr>
-            <a:r>
-              <a:rPr lang="en-US" sz="3200" dirty="0">
-                <a:solidFill>
-                  <a:srgbClr val="000000"/>
-                </a:solidFill>
-                <a:latin typeface="Consolas" panose="020B0609020204030204" pitchFamily="49" charset="0"/>
-              </a:rPr>
-              <a:t>Column&lt;Contact, ?&gt; </a:t>
-            </a:r>
-            <a:r>
-              <a:rPr lang="en-US" sz="3200" dirty="0" err="1">
-                <a:solidFill>
-                  <a:srgbClr val="6A3E3E"/>
-                </a:solidFill>
-                <a:latin typeface="Consolas" panose="020B0609020204030204" pitchFamily="49" charset="0"/>
-              </a:rPr>
-              <a:t>columnName</a:t>
-            </a:r>
-            <a:r>
-              <a:rPr lang="en-US" sz="3200" dirty="0">
-                <a:solidFill>
-                  <a:srgbClr val="000000"/>
-                </a:solidFill>
-                <a:latin typeface="Consolas" panose="020B0609020204030204" pitchFamily="49" charset="0"/>
-              </a:rPr>
-              <a:t> = </a:t>
-            </a:r>
-            <a:r>
-              <a:rPr lang="en-US" sz="3200" dirty="0" err="1">
-                <a:solidFill>
-                  <a:srgbClr val="0000C0"/>
-                </a:solidFill>
-                <a:latin typeface="Consolas" panose="020B0609020204030204" pitchFamily="49" charset="0"/>
-              </a:rPr>
-              <a:t>grid</a:t>
-            </a:r>
-            <a:r>
-              <a:rPr lang="en-US" sz="3200" dirty="0" err="1">
-                <a:solidFill>
-                  <a:srgbClr val="000000"/>
-                </a:solidFill>
-                <a:latin typeface="Consolas" panose="020B0609020204030204" pitchFamily="49" charset="0"/>
-              </a:rPr>
-              <a:t>.addColumn</a:t>
-            </a:r>
-            <a:r>
-              <a:rPr lang="en-US" sz="3200" dirty="0">
-                <a:solidFill>
-                  <a:srgbClr val="000000"/>
-                </a:solidFill>
-                <a:latin typeface="Consolas" panose="020B0609020204030204" pitchFamily="49" charset="0"/>
-              </a:rPr>
-              <a:t>(Contact::</a:t>
-            </a:r>
-            <a:r>
-              <a:rPr lang="en-US" sz="3200" dirty="0" err="1">
-                <a:solidFill>
-                  <a:srgbClr val="000000"/>
-                </a:solidFill>
-                <a:latin typeface="Consolas" panose="020B0609020204030204" pitchFamily="49" charset="0"/>
-              </a:rPr>
-              <a:t>getName</a:t>
-            </a:r>
-            <a:r>
-              <a:rPr lang="en-US" sz="3200" dirty="0">
-                <a:solidFill>
-                  <a:srgbClr val="000000"/>
-                </a:solidFill>
-                <a:latin typeface="Consolas" panose="020B0609020204030204" pitchFamily="49" charset="0"/>
-              </a:rPr>
-              <a:t>);</a:t>
-            </a:r>
-          </a:p>
-          <a:p>
-            <a:pPr marL="0" indent="0">
-              <a:buNone/>
-            </a:pPr>
-            <a:r>
-              <a:rPr lang="de-CH" sz="3200" dirty="0" err="1">
-                <a:solidFill>
-                  <a:srgbClr val="6A3E3E"/>
-                </a:solidFill>
-                <a:latin typeface="Consolas" panose="020B0609020204030204" pitchFamily="49" charset="0"/>
-              </a:rPr>
-              <a:t>columnName</a:t>
-            </a:r>
-            <a:r>
-              <a:rPr lang="de-CH" sz="3200" dirty="0" err="1">
-                <a:solidFill>
-                  <a:srgbClr val="000000"/>
-                </a:solidFill>
-                <a:latin typeface="Consolas" panose="020B0609020204030204" pitchFamily="49" charset="0"/>
-              </a:rPr>
-              <a:t>.setId</a:t>
-            </a:r>
-            <a:r>
-              <a:rPr lang="de-CH" sz="3200" dirty="0">
-                <a:solidFill>
-                  <a:srgbClr val="000000"/>
-                </a:solidFill>
-                <a:latin typeface="Consolas" panose="020B0609020204030204" pitchFamily="49" charset="0"/>
-              </a:rPr>
-              <a:t>(</a:t>
-            </a:r>
-            <a:r>
-              <a:rPr lang="de-CH" sz="3200" dirty="0">
-                <a:solidFill>
-                  <a:srgbClr val="2A00FF"/>
-                </a:solidFill>
-                <a:latin typeface="Consolas" panose="020B0609020204030204" pitchFamily="49" charset="0"/>
-              </a:rPr>
-              <a:t>"Name"</a:t>
-            </a:r>
-            <a:r>
-              <a:rPr lang="de-CH" sz="3200" dirty="0">
-                <a:solidFill>
-                  <a:srgbClr val="000000"/>
-                </a:solidFill>
-                <a:latin typeface="Consolas" panose="020B0609020204030204" pitchFamily="49" charset="0"/>
-              </a:rPr>
-              <a:t>);</a:t>
-            </a:r>
-          </a:p>
-          <a:p>
-            <a:pPr marL="0" indent="0">
-              <a:buNone/>
-            </a:pPr>
-            <a:r>
-              <a:rPr lang="de-CH" sz="3200" dirty="0" err="1">
-                <a:solidFill>
-                  <a:srgbClr val="6A3E3E"/>
-                </a:solidFill>
-                <a:latin typeface="Consolas" panose="020B0609020204030204" pitchFamily="49" charset="0"/>
-              </a:rPr>
-              <a:t>columnName</a:t>
-            </a:r>
-            <a:r>
-              <a:rPr lang="de-CH" sz="3200" dirty="0" err="1">
-                <a:solidFill>
-                  <a:srgbClr val="000000"/>
-                </a:solidFill>
-                <a:latin typeface="Consolas" panose="020B0609020204030204" pitchFamily="49" charset="0"/>
-              </a:rPr>
-              <a:t>.setCaption</a:t>
-            </a:r>
-            <a:r>
-              <a:rPr lang="de-CH" sz="3200" dirty="0">
-                <a:solidFill>
-                  <a:srgbClr val="000000"/>
-                </a:solidFill>
-                <a:latin typeface="Consolas" panose="020B0609020204030204" pitchFamily="49" charset="0"/>
-              </a:rPr>
-              <a:t>(</a:t>
-            </a:r>
-            <a:r>
-              <a:rPr lang="de-CH" sz="3200" dirty="0">
-                <a:solidFill>
-                  <a:srgbClr val="2A00FF"/>
-                </a:solidFill>
-                <a:latin typeface="Consolas" panose="020B0609020204030204" pitchFamily="49" charset="0"/>
-              </a:rPr>
-              <a:t>"Name"</a:t>
-            </a:r>
-            <a:r>
-              <a:rPr lang="de-CH" sz="3200" dirty="0">
-                <a:solidFill>
-                  <a:srgbClr val="000000"/>
-                </a:solidFill>
-                <a:latin typeface="Consolas" panose="020B0609020204030204" pitchFamily="49" charset="0"/>
-              </a:rPr>
-              <a:t>);</a:t>
-            </a:r>
-          </a:p>
-          <a:p>
-            <a:pPr marL="0" indent="0">
-              <a:buNone/>
-            </a:pPr>
-            <a:r>
-              <a:rPr lang="en-US" sz="3200" dirty="0">
-                <a:solidFill>
-                  <a:srgbClr val="000000"/>
-                </a:solidFill>
-                <a:latin typeface="Consolas" panose="020B0609020204030204" pitchFamily="49" charset="0"/>
-              </a:rPr>
-              <a:t>Column&lt;Contact, ?&gt; </a:t>
-            </a:r>
-            <a:r>
-              <a:rPr lang="en-US" sz="3200" dirty="0" err="1">
-                <a:solidFill>
-                  <a:srgbClr val="6A3E3E"/>
-                </a:solidFill>
-                <a:latin typeface="Consolas" panose="020B0609020204030204" pitchFamily="49" charset="0"/>
-              </a:rPr>
-              <a:t>columnPhoneNumber</a:t>
-            </a:r>
-            <a:r>
-              <a:rPr lang="en-US" sz="3200" dirty="0">
-                <a:solidFill>
-                  <a:srgbClr val="000000"/>
-                </a:solidFill>
-                <a:latin typeface="Consolas" panose="020B0609020204030204" pitchFamily="49" charset="0"/>
-              </a:rPr>
-              <a:t> = </a:t>
-            </a:r>
-            <a:r>
-              <a:rPr lang="en-US" sz="3200" dirty="0" err="1">
-                <a:solidFill>
-                  <a:srgbClr val="0000C0"/>
-                </a:solidFill>
-                <a:latin typeface="Consolas" panose="020B0609020204030204" pitchFamily="49" charset="0"/>
-              </a:rPr>
-              <a:t>grid</a:t>
-            </a:r>
-            <a:r>
-              <a:rPr lang="en-US" sz="3200" dirty="0" err="1">
-                <a:solidFill>
-                  <a:srgbClr val="000000"/>
-                </a:solidFill>
-                <a:latin typeface="Consolas" panose="020B0609020204030204" pitchFamily="49" charset="0"/>
-              </a:rPr>
-              <a:t>.addColumn</a:t>
-            </a:r>
-            <a:r>
-              <a:rPr lang="en-US" sz="3200" dirty="0">
-                <a:solidFill>
-                  <a:srgbClr val="000000"/>
-                </a:solidFill>
-                <a:latin typeface="Consolas" panose="020B0609020204030204" pitchFamily="49" charset="0"/>
-              </a:rPr>
-              <a:t>(Contact::</a:t>
-            </a:r>
-            <a:r>
-              <a:rPr lang="en-US" sz="3200" dirty="0" err="1">
-                <a:solidFill>
-                  <a:srgbClr val="000000"/>
-                </a:solidFill>
-                <a:latin typeface="Consolas" panose="020B0609020204030204" pitchFamily="49" charset="0"/>
-              </a:rPr>
-              <a:t>getPhoneNumber</a:t>
-            </a:r>
-            <a:r>
-              <a:rPr lang="en-US" sz="3200" dirty="0">
-                <a:solidFill>
-                  <a:srgbClr val="000000"/>
-                </a:solidFill>
-                <a:latin typeface="Consolas" panose="020B0609020204030204" pitchFamily="49" charset="0"/>
-              </a:rPr>
-              <a:t>);</a:t>
-            </a:r>
-          </a:p>
-          <a:p>
-            <a:pPr marL="0" indent="0">
-              <a:buNone/>
-            </a:pPr>
-            <a:r>
-              <a:rPr lang="de-CH" sz="3200" dirty="0" err="1">
-                <a:solidFill>
-                  <a:srgbClr val="6A3E3E"/>
-                </a:solidFill>
-                <a:latin typeface="Consolas" panose="020B0609020204030204" pitchFamily="49" charset="0"/>
-              </a:rPr>
-              <a:t>columnPhoneNumber</a:t>
-            </a:r>
-            <a:r>
-              <a:rPr lang="de-CH" sz="3200" dirty="0" err="1">
-                <a:solidFill>
-                  <a:srgbClr val="000000"/>
-                </a:solidFill>
-                <a:latin typeface="Consolas" panose="020B0609020204030204" pitchFamily="49" charset="0"/>
-              </a:rPr>
-              <a:t>.setId</a:t>
-            </a:r>
-            <a:r>
-              <a:rPr lang="de-CH" sz="3200" dirty="0">
-                <a:solidFill>
-                  <a:srgbClr val="000000"/>
-                </a:solidFill>
-                <a:latin typeface="Consolas" panose="020B0609020204030204" pitchFamily="49" charset="0"/>
-              </a:rPr>
-              <a:t>(</a:t>
-            </a:r>
-            <a:r>
-              <a:rPr lang="de-CH" sz="3200" dirty="0">
-                <a:solidFill>
-                  <a:srgbClr val="2A00FF"/>
-                </a:solidFill>
-                <a:latin typeface="Consolas" panose="020B0609020204030204" pitchFamily="49" charset="0"/>
-              </a:rPr>
-              <a:t>"</a:t>
-            </a:r>
-            <a:r>
-              <a:rPr lang="de-CH" sz="3200" dirty="0" err="1">
-                <a:solidFill>
-                  <a:srgbClr val="2A00FF"/>
-                </a:solidFill>
-                <a:latin typeface="Consolas" panose="020B0609020204030204" pitchFamily="49" charset="0"/>
-              </a:rPr>
-              <a:t>Phonenumber</a:t>
-            </a:r>
-            <a:r>
-              <a:rPr lang="de-CH" sz="3200" dirty="0">
-                <a:solidFill>
-                  <a:srgbClr val="2A00FF"/>
-                </a:solidFill>
-                <a:latin typeface="Consolas" panose="020B0609020204030204" pitchFamily="49" charset="0"/>
-              </a:rPr>
-              <a:t>"</a:t>
-            </a:r>
-            <a:r>
-              <a:rPr lang="de-CH" sz="3200" dirty="0">
-                <a:solidFill>
-                  <a:srgbClr val="000000"/>
-                </a:solidFill>
-                <a:latin typeface="Consolas" panose="020B0609020204030204" pitchFamily="49" charset="0"/>
-              </a:rPr>
-              <a:t>);</a:t>
-            </a:r>
-          </a:p>
-          <a:p>
-            <a:pPr marL="0" indent="0">
-              <a:buNone/>
-            </a:pPr>
-            <a:r>
-              <a:rPr lang="de-CH" sz="3200" dirty="0" err="1">
-                <a:solidFill>
-                  <a:srgbClr val="6A3E3E"/>
-                </a:solidFill>
-                <a:latin typeface="Consolas" panose="020B0609020204030204" pitchFamily="49" charset="0"/>
-              </a:rPr>
-              <a:t>columnPhoneNumber</a:t>
-            </a:r>
-            <a:r>
-              <a:rPr lang="de-CH" sz="3200" dirty="0" err="1">
-                <a:solidFill>
-                  <a:srgbClr val="000000"/>
-                </a:solidFill>
-                <a:latin typeface="Consolas" panose="020B0609020204030204" pitchFamily="49" charset="0"/>
-              </a:rPr>
-              <a:t>.setCaption</a:t>
-            </a:r>
-            <a:r>
-              <a:rPr lang="de-CH" sz="3200" dirty="0">
-                <a:solidFill>
-                  <a:srgbClr val="000000"/>
-                </a:solidFill>
-                <a:latin typeface="Consolas" panose="020B0609020204030204" pitchFamily="49" charset="0"/>
-              </a:rPr>
-              <a:t>(</a:t>
-            </a:r>
-            <a:r>
-              <a:rPr lang="de-CH" sz="3200" dirty="0">
-                <a:solidFill>
-                  <a:srgbClr val="2A00FF"/>
-                </a:solidFill>
-                <a:latin typeface="Consolas" panose="020B0609020204030204" pitchFamily="49" charset="0"/>
-              </a:rPr>
-              <a:t>"</a:t>
-            </a:r>
-            <a:r>
-              <a:rPr lang="de-CH" sz="3200" dirty="0" err="1">
-                <a:solidFill>
-                  <a:srgbClr val="2A00FF"/>
-                </a:solidFill>
-                <a:latin typeface="Consolas" panose="020B0609020204030204" pitchFamily="49" charset="0"/>
-              </a:rPr>
-              <a:t>Phonenumber</a:t>
-            </a:r>
-            <a:r>
-              <a:rPr lang="de-CH" sz="3200" dirty="0">
-                <a:solidFill>
-                  <a:srgbClr val="2A00FF"/>
-                </a:solidFill>
-                <a:latin typeface="Consolas" panose="020B0609020204030204" pitchFamily="49" charset="0"/>
-              </a:rPr>
-              <a:t>"</a:t>
-            </a:r>
-            <a:r>
-              <a:rPr lang="de-CH" sz="3200" dirty="0">
-                <a:solidFill>
-                  <a:srgbClr val="000000"/>
-                </a:solidFill>
-                <a:latin typeface="Consolas" panose="020B0609020204030204" pitchFamily="49" charset="0"/>
-              </a:rPr>
-              <a:t>);</a:t>
+              <a:t>}</a:t>
             </a:r>
             <a:endParaRPr lang="de-CH" sz="3200" dirty="0"/>
           </a:p>
@@ -6162,7 +6850,7 @@
     </p:spTree>
     <p:extLst>
       <p:ext uri="{BB962C8B-B14F-4D97-AF65-F5344CB8AC3E}">
-        <p14:creationId xmlns:p14="http://schemas.microsoft.com/office/powerpoint/2010/main" val="2885958848"/>
+        <p14:creationId xmlns:p14="http://schemas.microsoft.com/office/powerpoint/2010/main" val="867228576"/>
       </p:ext>
     </p:extLst>
   </p:cSld>
@@ -6191,7 +6879,13 @@
       </p:grpSpPr>
       <p:sp>
         <p:nvSpPr>
-          <p:cNvPr id="2" name="Titel 1"/>
+          <p:cNvPr id="2" name="Titel 1">
+            <a:extLst>
+              <a:ext uri="{FF2B5EF4-FFF2-40B4-BE49-F238E27FC236}">
+                <a16:creationId xmlns:a16="http://schemas.microsoft.com/office/drawing/2014/main" id="{018CCBB4-34F7-4042-8B5A-7ABE6B7B2746}"/>
+              </a:ext>
+            </a:extLst>
+          </p:cNvPr>
           <p:cNvSpPr>
             <a:spLocks noGrp="1"/>
           </p:cNvSpPr>
@@ -6205,8 +6899,8 @@
           <a:lstStyle/>
           <a:p>
             <a:r>
-              <a:rPr lang="de-CH" dirty="0" err="1"/>
-              <a:t>Contributions</a:t>
+              <a:rPr lang="en-US" dirty="0"/>
+              <a:t>Grid Views</a:t>
             </a:r>
             <a:endParaRPr lang="de-CH" dirty="0"/>
           </a:p>
@@ -6217,7 +6911,7 @@
           <p:cNvPr id="3" name="Inhaltsplatzhalter 2">
             <a:extLst>
               <a:ext uri="{FF2B5EF4-FFF2-40B4-BE49-F238E27FC236}">
-                <a16:creationId xmlns:a16="http://schemas.microsoft.com/office/drawing/2014/main" id="{64638A87-DF53-41F7-80F1-05C8FBC11759}"/>
+                <a16:creationId xmlns:a16="http://schemas.microsoft.com/office/drawing/2014/main" id="{DB14BDEC-9AB4-4588-8A7C-560D4EE66141}"/>
               </a:ext>
             </a:extLst>
           </p:cNvPr>
@@ -6230,45 +6924,462 @@
         </p:nvSpPr>
         <p:spPr/>
         <p:txBody>
-          <a:bodyPr/>
+          <a:bodyPr>
+            <a:normAutofit fontScale="85000" lnSpcReduction="20000"/>
+          </a:bodyPr>
           <a:lstStyle/>
           <a:p>
-            <a:r>
-              <a:rPr lang="en-US" dirty="0"/>
-              <a:t>Martin: Diary</a:t>
-            </a:r>
-          </a:p>
-          <a:p>
-            <a:r>
-              <a:rPr lang="en-US" dirty="0"/>
-              <a:t>André: Settings</a:t>
-            </a:r>
-          </a:p>
-          <a:p>
-            <a:r>
-              <a:rPr lang="en-US" dirty="0"/>
-              <a:t>Claudio: Login / Sign Up</a:t>
-            </a:r>
-          </a:p>
-          <a:p>
-            <a:r>
-              <a:rPr lang="en-US" dirty="0"/>
-              <a:t>Joël: Main View / Roaster</a:t>
-            </a:r>
-          </a:p>
-          <a:p>
-            <a:r>
-              <a:rPr lang="en-US" dirty="0"/>
-              <a:t>Patrick: Persistence / Scrum Master</a:t>
-            </a:r>
-            <a:endParaRPr lang="de-CH" dirty="0"/>
+            <a:pPr marL="0" indent="0">
+              <a:buNone/>
+            </a:pPr>
+            <a:r>
+              <a:rPr lang="de-CH" sz="3200" dirty="0" err="1">
+                <a:solidFill>
+                  <a:srgbClr val="0000C0"/>
+                </a:solidFill>
+                <a:latin typeface="Consolas" panose="020B0609020204030204" pitchFamily="49" charset="0"/>
+              </a:rPr>
+              <a:t>grid</a:t>
+            </a:r>
+            <a:r>
+              <a:rPr lang="de-CH" sz="3200" dirty="0">
+                <a:solidFill>
+                  <a:srgbClr val="000000"/>
+                </a:solidFill>
+                <a:latin typeface="Consolas" panose="020B0609020204030204" pitchFamily="49" charset="0"/>
+              </a:rPr>
+              <a:t> = </a:t>
+            </a:r>
+            <a:r>
+              <a:rPr lang="de-CH" sz="3200" b="1" dirty="0" err="1">
+                <a:solidFill>
+                  <a:srgbClr val="7F0055"/>
+                </a:solidFill>
+                <a:latin typeface="Consolas" panose="020B0609020204030204" pitchFamily="49" charset="0"/>
+              </a:rPr>
+              <a:t>new</a:t>
+            </a:r>
+            <a:r>
+              <a:rPr lang="de-CH" sz="3200" b="1" dirty="0">
+                <a:solidFill>
+                  <a:srgbClr val="000000"/>
+                </a:solidFill>
+                <a:latin typeface="Consolas" panose="020B0609020204030204" pitchFamily="49" charset="0"/>
+              </a:rPr>
+              <a:t> Grid&lt;&gt;();</a:t>
+            </a:r>
+          </a:p>
+          <a:p>
+            <a:pPr marL="0" indent="0">
+              <a:buNone/>
+            </a:pPr>
+            <a:r>
+              <a:rPr lang="en-US" sz="3200" dirty="0">
+                <a:solidFill>
+                  <a:srgbClr val="3F7F5F"/>
+                </a:solidFill>
+                <a:latin typeface="Consolas" panose="020B0609020204030204" pitchFamily="49" charset="0"/>
+              </a:rPr>
+              <a:t>// create two columns, set the ID's and add the captions</a:t>
+            </a:r>
+          </a:p>
+          <a:p>
+            <a:pPr marL="0" indent="0">
+              <a:buNone/>
+            </a:pPr>
+            <a:r>
+              <a:rPr lang="en-US" sz="3200" dirty="0">
+                <a:solidFill>
+                  <a:srgbClr val="000000"/>
+                </a:solidFill>
+                <a:latin typeface="Consolas" panose="020B0609020204030204" pitchFamily="49" charset="0"/>
+              </a:rPr>
+              <a:t>Column&lt;Contact, ?&gt; </a:t>
+            </a:r>
+            <a:r>
+              <a:rPr lang="en-US" sz="3200" dirty="0" err="1">
+                <a:solidFill>
+                  <a:srgbClr val="6A3E3E"/>
+                </a:solidFill>
+                <a:latin typeface="Consolas" panose="020B0609020204030204" pitchFamily="49" charset="0"/>
+              </a:rPr>
+              <a:t>columnName</a:t>
+            </a:r>
+            <a:r>
+              <a:rPr lang="en-US" sz="3200" dirty="0">
+                <a:solidFill>
+                  <a:srgbClr val="000000"/>
+                </a:solidFill>
+                <a:latin typeface="Consolas" panose="020B0609020204030204" pitchFamily="49" charset="0"/>
+              </a:rPr>
+              <a:t> = </a:t>
+            </a:r>
+            <a:r>
+              <a:rPr lang="en-US" sz="3200" dirty="0" err="1">
+                <a:solidFill>
+                  <a:srgbClr val="0000C0"/>
+                </a:solidFill>
+                <a:latin typeface="Consolas" panose="020B0609020204030204" pitchFamily="49" charset="0"/>
+              </a:rPr>
+              <a:t>grid</a:t>
+            </a:r>
+            <a:r>
+              <a:rPr lang="en-US" sz="3200" dirty="0" err="1">
+                <a:solidFill>
+                  <a:srgbClr val="000000"/>
+                </a:solidFill>
+                <a:latin typeface="Consolas" panose="020B0609020204030204" pitchFamily="49" charset="0"/>
+              </a:rPr>
+              <a:t>.addColumn</a:t>
+            </a:r>
+            <a:r>
+              <a:rPr lang="en-US" sz="3200" dirty="0">
+                <a:solidFill>
+                  <a:srgbClr val="000000"/>
+                </a:solidFill>
+                <a:latin typeface="Consolas" panose="020B0609020204030204" pitchFamily="49" charset="0"/>
+              </a:rPr>
+              <a:t>(Contact::</a:t>
+            </a:r>
+            <a:r>
+              <a:rPr lang="en-US" sz="3200" dirty="0" err="1">
+                <a:solidFill>
+                  <a:srgbClr val="000000"/>
+                </a:solidFill>
+                <a:latin typeface="Consolas" panose="020B0609020204030204" pitchFamily="49" charset="0"/>
+              </a:rPr>
+              <a:t>getName</a:t>
+            </a:r>
+            <a:r>
+              <a:rPr lang="en-US" sz="3200" dirty="0">
+                <a:solidFill>
+                  <a:srgbClr val="000000"/>
+                </a:solidFill>
+                <a:latin typeface="Consolas" panose="020B0609020204030204" pitchFamily="49" charset="0"/>
+              </a:rPr>
+              <a:t>);</a:t>
+            </a:r>
+          </a:p>
+          <a:p>
+            <a:pPr marL="0" indent="0">
+              <a:buNone/>
+            </a:pPr>
+            <a:r>
+              <a:rPr lang="de-CH" sz="3200" dirty="0" err="1">
+                <a:solidFill>
+                  <a:srgbClr val="6A3E3E"/>
+                </a:solidFill>
+                <a:latin typeface="Consolas" panose="020B0609020204030204" pitchFamily="49" charset="0"/>
+              </a:rPr>
+              <a:t>columnName</a:t>
+            </a:r>
+            <a:r>
+              <a:rPr lang="de-CH" sz="3200" dirty="0" err="1">
+                <a:solidFill>
+                  <a:srgbClr val="000000"/>
+                </a:solidFill>
+                <a:latin typeface="Consolas" panose="020B0609020204030204" pitchFamily="49" charset="0"/>
+              </a:rPr>
+              <a:t>.setId</a:t>
+            </a:r>
+            <a:r>
+              <a:rPr lang="de-CH" sz="3200" dirty="0">
+                <a:solidFill>
+                  <a:srgbClr val="000000"/>
+                </a:solidFill>
+                <a:latin typeface="Consolas" panose="020B0609020204030204" pitchFamily="49" charset="0"/>
+              </a:rPr>
+              <a:t>(</a:t>
+            </a:r>
+            <a:r>
+              <a:rPr lang="de-CH" sz="3200" dirty="0">
+                <a:solidFill>
+                  <a:srgbClr val="2A00FF"/>
+                </a:solidFill>
+                <a:latin typeface="Consolas" panose="020B0609020204030204" pitchFamily="49" charset="0"/>
+              </a:rPr>
+              <a:t>"Name"</a:t>
+            </a:r>
+            <a:r>
+              <a:rPr lang="de-CH" sz="3200" dirty="0">
+                <a:solidFill>
+                  <a:srgbClr val="000000"/>
+                </a:solidFill>
+                <a:latin typeface="Consolas" panose="020B0609020204030204" pitchFamily="49" charset="0"/>
+              </a:rPr>
+              <a:t>);</a:t>
+            </a:r>
+          </a:p>
+          <a:p>
+            <a:pPr marL="0" indent="0">
+              <a:buNone/>
+            </a:pPr>
+            <a:r>
+              <a:rPr lang="de-CH" sz="3200" dirty="0" err="1">
+                <a:solidFill>
+                  <a:srgbClr val="6A3E3E"/>
+                </a:solidFill>
+                <a:latin typeface="Consolas" panose="020B0609020204030204" pitchFamily="49" charset="0"/>
+              </a:rPr>
+              <a:t>columnName</a:t>
+            </a:r>
+            <a:r>
+              <a:rPr lang="de-CH" sz="3200" dirty="0" err="1">
+                <a:solidFill>
+                  <a:srgbClr val="000000"/>
+                </a:solidFill>
+                <a:latin typeface="Consolas" panose="020B0609020204030204" pitchFamily="49" charset="0"/>
+              </a:rPr>
+              <a:t>.setCaption</a:t>
+            </a:r>
+            <a:r>
+              <a:rPr lang="de-CH" sz="3200" dirty="0">
+                <a:solidFill>
+                  <a:srgbClr val="000000"/>
+                </a:solidFill>
+                <a:latin typeface="Consolas" panose="020B0609020204030204" pitchFamily="49" charset="0"/>
+              </a:rPr>
+              <a:t>(</a:t>
+            </a:r>
+            <a:r>
+              <a:rPr lang="de-CH" sz="3200" dirty="0">
+                <a:solidFill>
+                  <a:srgbClr val="2A00FF"/>
+                </a:solidFill>
+                <a:latin typeface="Consolas" panose="020B0609020204030204" pitchFamily="49" charset="0"/>
+              </a:rPr>
+              <a:t>"Name"</a:t>
+            </a:r>
+            <a:r>
+              <a:rPr lang="de-CH" sz="3200" dirty="0">
+                <a:solidFill>
+                  <a:srgbClr val="000000"/>
+                </a:solidFill>
+                <a:latin typeface="Consolas" panose="020B0609020204030204" pitchFamily="49" charset="0"/>
+              </a:rPr>
+              <a:t>);</a:t>
+            </a:r>
+          </a:p>
+          <a:p>
+            <a:pPr marL="0" indent="0">
+              <a:buNone/>
+            </a:pPr>
+            <a:r>
+              <a:rPr lang="en-US" sz="3200" dirty="0">
+                <a:solidFill>
+                  <a:srgbClr val="000000"/>
+                </a:solidFill>
+                <a:latin typeface="Consolas" panose="020B0609020204030204" pitchFamily="49" charset="0"/>
+              </a:rPr>
+              <a:t>Column&lt;Contact, ?&gt; </a:t>
+            </a:r>
+            <a:r>
+              <a:rPr lang="en-US" sz="3200" dirty="0" err="1">
+                <a:solidFill>
+                  <a:srgbClr val="6A3E3E"/>
+                </a:solidFill>
+                <a:latin typeface="Consolas" panose="020B0609020204030204" pitchFamily="49" charset="0"/>
+              </a:rPr>
+              <a:t>columnPhoneNumber</a:t>
+            </a:r>
+            <a:r>
+              <a:rPr lang="en-US" sz="3200" dirty="0">
+                <a:solidFill>
+                  <a:srgbClr val="000000"/>
+                </a:solidFill>
+                <a:latin typeface="Consolas" panose="020B0609020204030204" pitchFamily="49" charset="0"/>
+              </a:rPr>
+              <a:t> = </a:t>
+            </a:r>
+            <a:r>
+              <a:rPr lang="en-US" sz="3200" dirty="0" err="1">
+                <a:solidFill>
+                  <a:srgbClr val="0000C0"/>
+                </a:solidFill>
+                <a:latin typeface="Consolas" panose="020B0609020204030204" pitchFamily="49" charset="0"/>
+              </a:rPr>
+              <a:t>grid</a:t>
+            </a:r>
+            <a:r>
+              <a:rPr lang="en-US" sz="3200" dirty="0" err="1">
+                <a:solidFill>
+                  <a:srgbClr val="000000"/>
+                </a:solidFill>
+                <a:latin typeface="Consolas" panose="020B0609020204030204" pitchFamily="49" charset="0"/>
+              </a:rPr>
+              <a:t>.addColumn</a:t>
+            </a:r>
+            <a:r>
+              <a:rPr lang="en-US" sz="3200" dirty="0">
+                <a:solidFill>
+                  <a:srgbClr val="000000"/>
+                </a:solidFill>
+                <a:latin typeface="Consolas" panose="020B0609020204030204" pitchFamily="49" charset="0"/>
+              </a:rPr>
+              <a:t>(Contact::</a:t>
+            </a:r>
+            <a:r>
+              <a:rPr lang="en-US" sz="3200" dirty="0" err="1">
+                <a:solidFill>
+                  <a:srgbClr val="000000"/>
+                </a:solidFill>
+                <a:latin typeface="Consolas" panose="020B0609020204030204" pitchFamily="49" charset="0"/>
+              </a:rPr>
+              <a:t>getPhoneNumber</a:t>
+            </a:r>
+            <a:r>
+              <a:rPr lang="en-US" sz="3200" dirty="0">
+                <a:solidFill>
+                  <a:srgbClr val="000000"/>
+                </a:solidFill>
+                <a:latin typeface="Consolas" panose="020B0609020204030204" pitchFamily="49" charset="0"/>
+              </a:rPr>
+              <a:t>);</a:t>
+            </a:r>
+          </a:p>
+          <a:p>
+            <a:pPr marL="0" indent="0">
+              <a:buNone/>
+            </a:pPr>
+            <a:r>
+              <a:rPr lang="de-CH" sz="3200" dirty="0" err="1">
+                <a:solidFill>
+                  <a:srgbClr val="6A3E3E"/>
+                </a:solidFill>
+                <a:latin typeface="Consolas" panose="020B0609020204030204" pitchFamily="49" charset="0"/>
+              </a:rPr>
+              <a:t>columnPhoneNumber</a:t>
+            </a:r>
+            <a:r>
+              <a:rPr lang="de-CH" sz="3200" dirty="0" err="1">
+                <a:solidFill>
+                  <a:srgbClr val="000000"/>
+                </a:solidFill>
+                <a:latin typeface="Consolas" panose="020B0609020204030204" pitchFamily="49" charset="0"/>
+              </a:rPr>
+              <a:t>.setId</a:t>
+            </a:r>
+            <a:r>
+              <a:rPr lang="de-CH" sz="3200" dirty="0">
+                <a:solidFill>
+                  <a:srgbClr val="000000"/>
+                </a:solidFill>
+                <a:latin typeface="Consolas" panose="020B0609020204030204" pitchFamily="49" charset="0"/>
+              </a:rPr>
+              <a:t>(</a:t>
+            </a:r>
+            <a:r>
+              <a:rPr lang="de-CH" sz="3200" dirty="0">
+                <a:solidFill>
+                  <a:srgbClr val="2A00FF"/>
+                </a:solidFill>
+                <a:latin typeface="Consolas" panose="020B0609020204030204" pitchFamily="49" charset="0"/>
+              </a:rPr>
+              <a:t>"</a:t>
+            </a:r>
+            <a:r>
+              <a:rPr lang="de-CH" sz="3200" dirty="0" err="1">
+                <a:solidFill>
+                  <a:srgbClr val="2A00FF"/>
+                </a:solidFill>
+                <a:latin typeface="Consolas" panose="020B0609020204030204" pitchFamily="49" charset="0"/>
+              </a:rPr>
+              <a:t>Phonenumber</a:t>
+            </a:r>
+            <a:r>
+              <a:rPr lang="de-CH" sz="3200" dirty="0">
+                <a:solidFill>
+                  <a:srgbClr val="2A00FF"/>
+                </a:solidFill>
+                <a:latin typeface="Consolas" panose="020B0609020204030204" pitchFamily="49" charset="0"/>
+              </a:rPr>
+              <a:t>"</a:t>
+            </a:r>
+            <a:r>
+              <a:rPr lang="de-CH" sz="3200" dirty="0">
+                <a:solidFill>
+                  <a:srgbClr val="000000"/>
+                </a:solidFill>
+                <a:latin typeface="Consolas" panose="020B0609020204030204" pitchFamily="49" charset="0"/>
+              </a:rPr>
+              <a:t>);</a:t>
+            </a:r>
+          </a:p>
+          <a:p>
+            <a:pPr marL="0" indent="0">
+              <a:buNone/>
+            </a:pPr>
+            <a:r>
+              <a:rPr lang="de-CH" sz="3200" dirty="0" err="1">
+                <a:solidFill>
+                  <a:srgbClr val="6A3E3E"/>
+                </a:solidFill>
+                <a:latin typeface="Consolas" panose="020B0609020204030204" pitchFamily="49" charset="0"/>
+              </a:rPr>
+              <a:t>columnPhoneNumber</a:t>
+            </a:r>
+            <a:r>
+              <a:rPr lang="de-CH" sz="3200" dirty="0" err="1">
+                <a:solidFill>
+                  <a:srgbClr val="000000"/>
+                </a:solidFill>
+                <a:latin typeface="Consolas" panose="020B0609020204030204" pitchFamily="49" charset="0"/>
+              </a:rPr>
+              <a:t>.setCaption</a:t>
+            </a:r>
+            <a:r>
+              <a:rPr lang="de-CH" sz="3200" dirty="0">
+                <a:solidFill>
+                  <a:srgbClr val="000000"/>
+                </a:solidFill>
+                <a:latin typeface="Consolas" panose="020B0609020204030204" pitchFamily="49" charset="0"/>
+              </a:rPr>
+              <a:t>(</a:t>
+            </a:r>
+            <a:r>
+              <a:rPr lang="de-CH" sz="3200" dirty="0">
+                <a:solidFill>
+                  <a:srgbClr val="2A00FF"/>
+                </a:solidFill>
+                <a:latin typeface="Consolas" panose="020B0609020204030204" pitchFamily="49" charset="0"/>
+              </a:rPr>
+              <a:t>"</a:t>
+            </a:r>
+            <a:r>
+              <a:rPr lang="de-CH" sz="3200" dirty="0" err="1">
+                <a:solidFill>
+                  <a:srgbClr val="2A00FF"/>
+                </a:solidFill>
+                <a:latin typeface="Consolas" panose="020B0609020204030204" pitchFamily="49" charset="0"/>
+              </a:rPr>
+              <a:t>Phonenumber</a:t>
+            </a:r>
+            <a:r>
+              <a:rPr lang="de-CH" sz="3200" dirty="0">
+                <a:solidFill>
+                  <a:srgbClr val="2A00FF"/>
+                </a:solidFill>
+                <a:latin typeface="Consolas" panose="020B0609020204030204" pitchFamily="49" charset="0"/>
+              </a:rPr>
+              <a:t>"</a:t>
+            </a:r>
+            <a:r>
+              <a:rPr lang="de-CH" sz="3200" dirty="0">
+                <a:solidFill>
+                  <a:srgbClr val="000000"/>
+                </a:solidFill>
+                <a:latin typeface="Consolas" panose="020B0609020204030204" pitchFamily="49" charset="0"/>
+              </a:rPr>
+              <a:t>);</a:t>
+            </a:r>
+            <a:endParaRPr lang="de-CH" sz="3200" dirty="0"/>
           </a:p>
         </p:txBody>
       </p:sp>
     </p:spTree>
     <p:extLst>
       <p:ext uri="{BB962C8B-B14F-4D97-AF65-F5344CB8AC3E}">
-        <p14:creationId xmlns:p14="http://schemas.microsoft.com/office/powerpoint/2010/main" val="726713197"/>
+        <p14:creationId xmlns:p14="http://schemas.microsoft.com/office/powerpoint/2010/main" val="2885958848"/>
       </p:ext>
     </p:extLst>
   </p:cSld>

--- a/doc/CS01/task14/cs1-task14-presentation.pptx
+++ b/doc/CS01/task14/cs1-task14-presentation.pptx
@@ -11,12 +11,10 @@
     <p:sldId id="263" r:id="rId5"/>
     <p:sldId id="274" r:id="rId6"/>
     <p:sldId id="276" r:id="rId7"/>
-    <p:sldId id="279" r:id="rId8"/>
-    <p:sldId id="275" r:id="rId9"/>
-    <p:sldId id="278" r:id="rId10"/>
-    <p:sldId id="264" r:id="rId11"/>
-    <p:sldId id="277" r:id="rId12"/>
-    <p:sldId id="280" r:id="rId13"/>
+    <p:sldId id="275" r:id="rId8"/>
+    <p:sldId id="278" r:id="rId9"/>
+    <p:sldId id="264" r:id="rId10"/>
+    <p:sldId id="277" r:id="rId11"/>
   </p:sldIdLst>
   <p:sldSz cx="12192000" cy="6858000"/>
   <p:notesSz cx="6858000" cy="9144000"/>
@@ -258,7 +256,7 @@
           <a:p>
             <a:fld id="{AEE3A045-6375-4E19-9858-CCC701FC405B}" type="datetimeFigureOut">
               <a:rPr lang="de-CH" smtClean="0"/>
-              <a:t>16.06.2017</a:t>
+              <a:t>15.06.2017</a:t>
             </a:fld>
             <a:endParaRPr lang="de-CH"/>
           </a:p>
@@ -428,7 +426,7 @@
           <a:p>
             <a:fld id="{AEE3A045-6375-4E19-9858-CCC701FC405B}" type="datetimeFigureOut">
               <a:rPr lang="de-CH" smtClean="0"/>
-              <a:t>16.06.2017</a:t>
+              <a:t>15.06.2017</a:t>
             </a:fld>
             <a:endParaRPr lang="de-CH"/>
           </a:p>
@@ -608,7 +606,7 @@
           <a:p>
             <a:fld id="{AEE3A045-6375-4E19-9858-CCC701FC405B}" type="datetimeFigureOut">
               <a:rPr lang="de-CH" smtClean="0"/>
-              <a:t>16.06.2017</a:t>
+              <a:t>15.06.2017</a:t>
             </a:fld>
             <a:endParaRPr lang="de-CH"/>
           </a:p>
@@ -778,7 +776,7 @@
           <a:p>
             <a:fld id="{AEE3A045-6375-4E19-9858-CCC701FC405B}" type="datetimeFigureOut">
               <a:rPr lang="de-CH" smtClean="0"/>
-              <a:t>16.06.2017</a:t>
+              <a:t>15.06.2017</a:t>
             </a:fld>
             <a:endParaRPr lang="de-CH"/>
           </a:p>
@@ -1024,7 +1022,7 @@
           <a:p>
             <a:fld id="{AEE3A045-6375-4E19-9858-CCC701FC405B}" type="datetimeFigureOut">
               <a:rPr lang="de-CH" smtClean="0"/>
-              <a:t>16.06.2017</a:t>
+              <a:t>15.06.2017</a:t>
             </a:fld>
             <a:endParaRPr lang="de-CH"/>
           </a:p>
@@ -1256,7 +1254,7 @@
           <a:p>
             <a:fld id="{AEE3A045-6375-4E19-9858-CCC701FC405B}" type="datetimeFigureOut">
               <a:rPr lang="de-CH" smtClean="0"/>
-              <a:t>16.06.2017</a:t>
+              <a:t>15.06.2017</a:t>
             </a:fld>
             <a:endParaRPr lang="de-CH"/>
           </a:p>
@@ -1623,7 +1621,7 @@
           <a:p>
             <a:fld id="{AEE3A045-6375-4E19-9858-CCC701FC405B}" type="datetimeFigureOut">
               <a:rPr lang="de-CH" smtClean="0"/>
-              <a:t>16.06.2017</a:t>
+              <a:t>15.06.2017</a:t>
             </a:fld>
             <a:endParaRPr lang="de-CH"/>
           </a:p>
@@ -1741,7 +1739,7 @@
           <a:p>
             <a:fld id="{AEE3A045-6375-4E19-9858-CCC701FC405B}" type="datetimeFigureOut">
               <a:rPr lang="de-CH" smtClean="0"/>
-              <a:t>16.06.2017</a:t>
+              <a:t>15.06.2017</a:t>
             </a:fld>
             <a:endParaRPr lang="de-CH"/>
           </a:p>
@@ -1836,7 +1834,7 @@
           <a:p>
             <a:fld id="{AEE3A045-6375-4E19-9858-CCC701FC405B}" type="datetimeFigureOut">
               <a:rPr lang="de-CH" smtClean="0"/>
-              <a:t>16.06.2017</a:t>
+              <a:t>15.06.2017</a:t>
             </a:fld>
             <a:endParaRPr lang="de-CH"/>
           </a:p>
@@ -2113,7 +2111,7 @@
           <a:p>
             <a:fld id="{AEE3A045-6375-4E19-9858-CCC701FC405B}" type="datetimeFigureOut">
               <a:rPr lang="de-CH" smtClean="0"/>
-              <a:t>16.06.2017</a:t>
+              <a:t>15.06.2017</a:t>
             </a:fld>
             <a:endParaRPr lang="de-CH"/>
           </a:p>
@@ -2366,7 +2364,7 @@
           <a:p>
             <a:fld id="{AEE3A045-6375-4E19-9858-CCC701FC405B}" type="datetimeFigureOut">
               <a:rPr lang="de-CH" smtClean="0"/>
-              <a:t>16.06.2017</a:t>
+              <a:t>15.06.2017</a:t>
             </a:fld>
             <a:endParaRPr lang="de-CH"/>
           </a:p>
@@ -2579,7 +2577,7 @@
           <a:p>
             <a:fld id="{AEE3A045-6375-4E19-9858-CCC701FC405B}" type="datetimeFigureOut">
               <a:rPr lang="de-CH" smtClean="0"/>
-              <a:t>16.06.2017</a:t>
+              <a:t>15.06.2017</a:t>
             </a:fld>
             <a:endParaRPr lang="de-CH"/>
           </a:p>
@@ -3066,7 +3064,7 @@
       </p:grpSpPr>
       <p:sp>
         <p:nvSpPr>
-          <p:cNvPr id="2" name="Titel 1"/>
+          <p:cNvPr id="2" name="Title 1"/>
           <p:cNvSpPr>
             <a:spLocks noGrp="1"/>
           </p:cNvSpPr>
@@ -3080,22 +3078,16 @@
           <a:lstStyle/>
           <a:p>
             <a:r>
-              <a:rPr lang="de-CH" dirty="0" err="1"/>
-              <a:t>Contributions</a:t>
-            </a:r>
-            <a:endParaRPr lang="de-CH" dirty="0"/>
-          </a:p>
-        </p:txBody>
-      </p:sp>
-      <p:sp>
-        <p:nvSpPr>
-          <p:cNvPr id="3" name="Inhaltsplatzhalter 2">
-            <a:extLst>
-              <a:ext uri="{FF2B5EF4-FFF2-40B4-BE49-F238E27FC236}">
-                <a16:creationId xmlns:a16="http://schemas.microsoft.com/office/drawing/2014/main" id="{64638A87-DF53-41F7-80F1-05C8FBC11759}"/>
-              </a:ext>
-            </a:extLst>
-          </p:cNvPr>
+              <a:rPr lang="de-CH" dirty="0"/>
+              <a:t>Lessons learnt</a:t>
+            </a:r>
+            <a:endParaRPr lang="en-GB" dirty="0"/>
+          </a:p>
+        </p:txBody>
+      </p:sp>
+      <p:sp>
+        <p:nvSpPr>
+          <p:cNvPr id="3" name="Content Placeholder 2"/>
           <p:cNvSpPr>
             <a:spLocks noGrp="1"/>
           </p:cNvSpPr>
@@ -3110,142 +3102,6 @@
           <a:p>
             <a:r>
               <a:rPr lang="en-US" dirty="0"/>
-              <a:t>Martin: </a:t>
-            </a:r>
-            <a:r>
-              <a:rPr lang="en-US" dirty="0" smtClean="0"/>
-              <a:t>Diary</a:t>
-            </a:r>
-            <a:endParaRPr lang="en-US" dirty="0"/>
-          </a:p>
-          <a:p>
-            <a:r>
-              <a:rPr lang="en-US" dirty="0"/>
-              <a:t>André: </a:t>
-            </a:r>
-            <a:r>
-              <a:rPr lang="en-US" dirty="0" smtClean="0"/>
-              <a:t>Settings</a:t>
-            </a:r>
-            <a:endParaRPr lang="en-US" dirty="0"/>
-          </a:p>
-          <a:p>
-            <a:r>
-              <a:rPr lang="en-US" dirty="0"/>
-              <a:t>Claudio: Login / Sign Up</a:t>
-            </a:r>
-          </a:p>
-          <a:p>
-            <a:r>
-              <a:rPr lang="en-US" dirty="0"/>
-              <a:t>Joël: Main </a:t>
-            </a:r>
-            <a:r>
-              <a:rPr lang="en-US" dirty="0" smtClean="0"/>
-              <a:t>View / State Pattern </a:t>
-            </a:r>
-            <a:r>
-              <a:rPr lang="en-US" dirty="0"/>
-              <a:t>/ Roaster</a:t>
-            </a:r>
-          </a:p>
-          <a:p>
-            <a:r>
-              <a:rPr lang="en-US" dirty="0"/>
-              <a:t>Patrick: </a:t>
-            </a:r>
-            <a:r>
-              <a:rPr lang="en-US" dirty="0" smtClean="0"/>
-              <a:t>Persistence (JPA, Entity) / Exercises </a:t>
-            </a:r>
-            <a:r>
-              <a:rPr lang="en-US" dirty="0"/>
-              <a:t>/ Scrum </a:t>
-            </a:r>
-            <a:r>
-              <a:rPr lang="en-US" dirty="0" smtClean="0"/>
-              <a:t>Master</a:t>
-            </a:r>
-          </a:p>
-          <a:p>
-            <a:r>
-              <a:rPr lang="en-US" dirty="0" smtClean="0"/>
-              <a:t>Sandro: Contacts</a:t>
-            </a:r>
-            <a:endParaRPr lang="de-CH" dirty="0"/>
-          </a:p>
-        </p:txBody>
-      </p:sp>
-    </p:spTree>
-    <p:extLst>
-      <p:ext uri="{BB962C8B-B14F-4D97-AF65-F5344CB8AC3E}">
-        <p14:creationId xmlns:p14="http://schemas.microsoft.com/office/powerpoint/2010/main" val="726713197"/>
-      </p:ext>
-    </p:extLst>
-  </p:cSld>
-  <p:clrMapOvr>
-    <a:masterClrMapping/>
-  </p:clrMapOvr>
-</p:sld>
-</file>
-
-<file path=ppt/slides/slide11.xml><?xml version="1.0" encoding="utf-8"?>
-<p:sld xmlns:a="http://schemas.openxmlformats.org/drawingml/2006/main" xmlns:r="http://schemas.openxmlformats.org/officeDocument/2006/relationships" xmlns:p="http://schemas.openxmlformats.org/presentationml/2006/main">
-  <p:cSld>
-    <p:spTree>
-      <p:nvGrpSpPr>
-        <p:cNvPr id="1" name=""/>
-        <p:cNvGrpSpPr/>
-        <p:nvPr/>
-      </p:nvGrpSpPr>
-      <p:grpSpPr>
-        <a:xfrm>
-          <a:off x="0" y="0"/>
-          <a:ext cx="0" cy="0"/>
-          <a:chOff x="0" y="0"/>
-          <a:chExt cx="0" cy="0"/>
-        </a:xfrm>
-      </p:grpSpPr>
-      <p:sp>
-        <p:nvSpPr>
-          <p:cNvPr id="2" name="Title 1"/>
-          <p:cNvSpPr>
-            <a:spLocks noGrp="1"/>
-          </p:cNvSpPr>
-          <p:nvPr>
-            <p:ph type="title"/>
-          </p:nvPr>
-        </p:nvSpPr>
-        <p:spPr/>
-        <p:txBody>
-          <a:bodyPr/>
-          <a:lstStyle/>
-          <a:p>
-            <a:r>
-              <a:rPr lang="de-CH" dirty="0"/>
-              <a:t>Lessons learnt</a:t>
-            </a:r>
-            <a:endParaRPr lang="en-GB" dirty="0"/>
-          </a:p>
-        </p:txBody>
-      </p:sp>
-      <p:sp>
-        <p:nvSpPr>
-          <p:cNvPr id="3" name="Content Placeholder 2"/>
-          <p:cNvSpPr>
-            <a:spLocks noGrp="1"/>
-          </p:cNvSpPr>
-          <p:nvPr>
-            <p:ph idx="1"/>
-          </p:nvPr>
-        </p:nvSpPr>
-        <p:spPr/>
-        <p:txBody>
-          <a:bodyPr/>
-          <a:lstStyle/>
-          <a:p>
-            <a:r>
-              <a:rPr lang="en-US" dirty="0"/>
               <a:t>Iteration</a:t>
             </a:r>
             <a:endParaRPr lang="de-CH" dirty="0"/>
@@ -3272,19 +3128,8 @@
           <a:p>
             <a:r>
               <a:rPr lang="de-CH" dirty="0"/>
-              <a:t>State </a:t>
-            </a:r>
-            <a:r>
-              <a:rPr lang="de-CH" dirty="0" smtClean="0"/>
-              <a:t>Event</a:t>
-            </a:r>
-          </a:p>
-          <a:p>
-            <a:r>
-              <a:rPr lang="de-CH" dirty="0" err="1" smtClean="0"/>
-              <a:t>Maven</a:t>
-            </a:r>
-            <a:endParaRPr lang="de-CH" dirty="0"/>
+              <a:t>State Event</a:t>
+            </a:r>
           </a:p>
           <a:p>
             <a:r>
@@ -3304,102 +3149,6 @@
     <p:extLst>
       <p:ext uri="{BB962C8B-B14F-4D97-AF65-F5344CB8AC3E}">
         <p14:creationId xmlns:p14="http://schemas.microsoft.com/office/powerpoint/2010/main" val="2652800997"/>
-      </p:ext>
-    </p:extLst>
-  </p:cSld>
-  <p:clrMapOvr>
-    <a:masterClrMapping/>
-  </p:clrMapOvr>
-</p:sld>
-</file>
-
-<file path=ppt/slides/slide12.xml><?xml version="1.0" encoding="utf-8"?>
-<p:sld xmlns:a="http://schemas.openxmlformats.org/drawingml/2006/main" xmlns:r="http://schemas.openxmlformats.org/officeDocument/2006/relationships" xmlns:p="http://schemas.openxmlformats.org/presentationml/2006/main">
-  <p:cSld>
-    <p:spTree>
-      <p:nvGrpSpPr>
-        <p:cNvPr id="1" name=""/>
-        <p:cNvGrpSpPr/>
-        <p:nvPr/>
-      </p:nvGrpSpPr>
-      <p:grpSpPr>
-        <a:xfrm>
-          <a:off x="0" y="0"/>
-          <a:ext cx="0" cy="0"/>
-          <a:chOff x="0" y="0"/>
-          <a:chExt cx="0" cy="0"/>
-        </a:xfrm>
-      </p:grpSpPr>
-      <p:sp>
-        <p:nvSpPr>
-          <p:cNvPr id="2" name="Titel 1"/>
-          <p:cNvSpPr>
-            <a:spLocks noGrp="1"/>
-          </p:cNvSpPr>
-          <p:nvPr>
-            <p:ph type="title"/>
-          </p:nvPr>
-        </p:nvSpPr>
-        <p:spPr/>
-        <p:txBody>
-          <a:bodyPr/>
-          <a:lstStyle/>
-          <a:p>
-            <a:r>
-              <a:rPr lang="de-CH" dirty="0" err="1" smtClean="0"/>
-              <a:t>Scrum</a:t>
-            </a:r>
-            <a:r>
-              <a:rPr lang="de-CH" dirty="0" smtClean="0"/>
-              <a:t> </a:t>
-            </a:r>
-            <a:r>
-              <a:rPr lang="de-CH" dirty="0" err="1" smtClean="0"/>
-              <a:t>retrospective</a:t>
-            </a:r>
-            <a:endParaRPr lang="de-CH" dirty="0"/>
-          </a:p>
-        </p:txBody>
-      </p:sp>
-      <p:sp>
-        <p:nvSpPr>
-          <p:cNvPr id="3" name="Inhaltsplatzhalter 2"/>
-          <p:cNvSpPr>
-            <a:spLocks noGrp="1"/>
-          </p:cNvSpPr>
-          <p:nvPr>
-            <p:ph idx="1"/>
-          </p:nvPr>
-        </p:nvSpPr>
-        <p:spPr/>
-        <p:txBody>
-          <a:bodyPr/>
-          <a:lstStyle/>
-          <a:p>
-            <a:r>
-              <a:rPr lang="de-CH" dirty="0" smtClean="0"/>
-              <a:t>Gute Einschätzung pro Sprint </a:t>
-            </a:r>
-          </a:p>
-          <a:p>
-            <a:r>
-              <a:rPr lang="de-CH" dirty="0" smtClean="0"/>
-              <a:t>Überarbeiten einzelner Funktionen</a:t>
-            </a:r>
-          </a:p>
-          <a:p>
-            <a:r>
-              <a:rPr lang="de-CH" dirty="0" smtClean="0"/>
-              <a:t>Gute Zusammenarbeit im Team</a:t>
-            </a:r>
-            <a:endParaRPr lang="de-CH" dirty="0"/>
-          </a:p>
-        </p:txBody>
-      </p:sp>
-    </p:spTree>
-    <p:extLst>
-      <p:ext uri="{BB962C8B-B14F-4D97-AF65-F5344CB8AC3E}">
-        <p14:creationId xmlns:p14="http://schemas.microsoft.com/office/powerpoint/2010/main" val="3695791454"/>
       </p:ext>
     </p:extLst>
   </p:cSld>
@@ -5580,7 +5329,42 @@
       </p:grpSpPr>
       <p:sp>
         <p:nvSpPr>
-          <p:cNvPr id="3" name="Inhaltsplatzhalter 2"/>
+          <p:cNvPr id="2" name="Titel 1">
+            <a:extLst>
+              <a:ext uri="{FF2B5EF4-FFF2-40B4-BE49-F238E27FC236}">
+                <a16:creationId xmlns:a16="http://schemas.microsoft.com/office/drawing/2014/main" id="{018CCBB4-34F7-4042-8B5A-7ABE6B7B2746}"/>
+              </a:ext>
+            </a:extLst>
+          </p:cNvPr>
+          <p:cNvSpPr>
+            <a:spLocks noGrp="1"/>
+          </p:cNvSpPr>
+          <p:nvPr>
+            <p:ph type="title"/>
+          </p:nvPr>
+        </p:nvSpPr>
+        <p:spPr/>
+        <p:txBody>
+          <a:bodyPr/>
+          <a:lstStyle/>
+          <a:p>
+            <a:r>
+              <a:rPr lang="en-US" dirty="0"/>
+              <a:t>Emergency Buttons</a:t>
+            </a:r>
+            <a:endParaRPr lang="de-CH" dirty="0"/>
+          </a:p>
+        </p:txBody>
+      </p:sp>
+      <p:sp>
+        <p:nvSpPr>
+          <p:cNvPr id="3" name="Inhaltsplatzhalter 2">
+            <a:extLst>
+              <a:ext uri="{FF2B5EF4-FFF2-40B4-BE49-F238E27FC236}">
+                <a16:creationId xmlns:a16="http://schemas.microsoft.com/office/drawing/2014/main" id="{DB14BDEC-9AB4-4588-8A7C-560D4EE66141}"/>
+              </a:ext>
+            </a:extLst>
+          </p:cNvPr>
           <p:cNvSpPr>
             <a:spLocks noGrp="1"/>
           </p:cNvSpPr>
@@ -5588,15 +5372,10 @@
             <p:ph idx="1"/>
           </p:nvPr>
         </p:nvSpPr>
-        <p:spPr>
-          <a:xfrm>
-            <a:off x="230909" y="397164"/>
-            <a:ext cx="11868727" cy="5779799"/>
-          </a:xfrm>
-        </p:spPr>
+        <p:spPr/>
         <p:txBody>
           <a:bodyPr>
-            <a:normAutofit fontScale="85000" lnSpcReduction="10000"/>
+            <a:normAutofit/>
           </a:bodyPr>
           <a:lstStyle/>
           <a:p>
@@ -5604,137 +5383,74 @@
               <a:buNone/>
             </a:pPr>
             <a:r>
-              <a:rPr lang="en-US" dirty="0">
-                <a:solidFill>
-                  <a:srgbClr val="3F7F5F"/>
-                </a:solidFill>
-                <a:latin typeface="Consolas" panose="020B0609020204030204" pitchFamily="49" charset="0"/>
-              </a:rPr>
-              <a:t>//Generate secure password with PBKDF2 encryption</a:t>
-            </a:r>
-          </a:p>
-          <a:p>
-            <a:pPr marL="0" indent="0">
+              <a:rPr lang="en-US" sz="3200" b="1" dirty="0">
+                <a:solidFill>
+                  <a:srgbClr val="7F0055"/>
+                </a:solidFill>
+                <a:latin typeface="Consolas" panose="020B0609020204030204" pitchFamily="49" charset="0"/>
+              </a:rPr>
+              <a:t>public</a:t>
+            </a:r>
+            <a:r>
+              <a:rPr lang="en-US" sz="3200" b="1" dirty="0">
+                <a:solidFill>
+                  <a:srgbClr val="000000"/>
+                </a:solidFill>
+                <a:latin typeface="Consolas" panose="020B0609020204030204" pitchFamily="49" charset="0"/>
+              </a:rPr>
+              <a:t> String </a:t>
+            </a:r>
+            <a:r>
+              <a:rPr lang="en-US" sz="3200" b="1" dirty="0" err="1">
+                <a:solidFill>
+                  <a:srgbClr val="000000"/>
+                </a:solidFill>
+                <a:latin typeface="Consolas" panose="020B0609020204030204" pitchFamily="49" charset="0"/>
+              </a:rPr>
+              <a:t>getMessageLink</a:t>
+            </a:r>
+            <a:r>
+              <a:rPr lang="en-US" sz="3200" b="1" dirty="0">
+                <a:solidFill>
+                  <a:srgbClr val="000000"/>
+                </a:solidFill>
+                <a:latin typeface="Consolas" panose="020B0609020204030204" pitchFamily="49" charset="0"/>
+              </a:rPr>
+              <a:t>() </a:t>
+            </a:r>
+            <a:r>
+              <a:rPr lang="en-US" sz="3200" b="1" dirty="0">
+                <a:solidFill>
+                  <a:srgbClr val="7F0055"/>
+                </a:solidFill>
+                <a:latin typeface="Consolas" panose="020B0609020204030204" pitchFamily="49" charset="0"/>
+              </a:rPr>
+              <a:t>throws</a:t>
+            </a:r>
+            <a:r>
+              <a:rPr lang="en-US" sz="3200" b="1" dirty="0">
+                <a:solidFill>
+                  <a:srgbClr val="000000"/>
+                </a:solidFill>
+                <a:latin typeface="Consolas" panose="020B0609020204030204" pitchFamily="49" charset="0"/>
+              </a:rPr>
+              <a:t> Exception {</a:t>
+            </a:r>
+          </a:p>
+          <a:p>
+            <a:pPr marL="457200" lvl="1" indent="0">
               <a:buNone/>
             </a:pPr>
             <a:r>
-              <a:rPr lang="de-CH" b="1" dirty="0" err="1">
+              <a:rPr lang="en-US" sz="2800" b="1" dirty="0">
                 <a:solidFill>
                   <a:srgbClr val="7F0055"/>
                 </a:solidFill>
                 <a:latin typeface="Consolas" panose="020B0609020204030204" pitchFamily="49" charset="0"/>
               </a:rPr>
-              <a:t>public</a:t>
-            </a:r>
-            <a:r>
-              <a:rPr lang="de-CH" b="1" dirty="0">
-                <a:solidFill>
-                  <a:srgbClr val="000000"/>
-                </a:solidFill>
-                <a:latin typeface="Consolas" panose="020B0609020204030204" pitchFamily="49" charset="0"/>
-              </a:rPr>
-              <a:t> </a:t>
-            </a:r>
-            <a:r>
-              <a:rPr lang="de-CH" b="1" dirty="0" err="1">
-                <a:solidFill>
-                  <a:srgbClr val="7F0055"/>
-                </a:solidFill>
-                <a:latin typeface="Consolas" panose="020B0609020204030204" pitchFamily="49" charset="0"/>
-              </a:rPr>
-              <a:t>static</a:t>
-            </a:r>
-            <a:r>
-              <a:rPr lang="de-CH" b="1" dirty="0">
-                <a:solidFill>
-                  <a:srgbClr val="000000"/>
-                </a:solidFill>
-                <a:latin typeface="Consolas" panose="020B0609020204030204" pitchFamily="49" charset="0"/>
-              </a:rPr>
-              <a:t> String </a:t>
-            </a:r>
-            <a:r>
-              <a:rPr lang="de-CH" b="1" dirty="0" err="1">
-                <a:solidFill>
-                  <a:srgbClr val="000000"/>
-                </a:solidFill>
-                <a:latin typeface="Consolas" panose="020B0609020204030204" pitchFamily="49" charset="0"/>
-              </a:rPr>
-              <a:t>generateStorngPasswordHash</a:t>
-            </a:r>
-            <a:r>
-              <a:rPr lang="de-CH" b="1" dirty="0">
-                <a:solidFill>
-                  <a:srgbClr val="000000"/>
-                </a:solidFill>
-                <a:latin typeface="Consolas" panose="020B0609020204030204" pitchFamily="49" charset="0"/>
-              </a:rPr>
-              <a:t>(String </a:t>
-            </a:r>
-            <a:r>
-              <a:rPr lang="de-CH" b="1" dirty="0" err="1">
-                <a:solidFill>
-                  <a:srgbClr val="6A3E3E"/>
-                </a:solidFill>
-                <a:latin typeface="Consolas" panose="020B0609020204030204" pitchFamily="49" charset="0"/>
-              </a:rPr>
-              <a:t>password</a:t>
-            </a:r>
-            <a:r>
-              <a:rPr lang="de-CH" b="1" dirty="0">
-                <a:solidFill>
-                  <a:srgbClr val="000000"/>
-                </a:solidFill>
-                <a:latin typeface="Consolas" panose="020B0609020204030204" pitchFamily="49" charset="0"/>
-              </a:rPr>
-              <a:t>) </a:t>
-            </a:r>
-            <a:r>
-              <a:rPr lang="de-CH" b="1" dirty="0" err="1">
-                <a:solidFill>
-                  <a:srgbClr val="7F0055"/>
-                </a:solidFill>
-                <a:latin typeface="Consolas" panose="020B0609020204030204" pitchFamily="49" charset="0"/>
-              </a:rPr>
-              <a:t>throws</a:t>
-            </a:r>
-            <a:r>
-              <a:rPr lang="de-CH" b="1" dirty="0">
-                <a:solidFill>
-                  <a:srgbClr val="000000"/>
-                </a:solidFill>
-                <a:latin typeface="Consolas" panose="020B0609020204030204" pitchFamily="49" charset="0"/>
-              </a:rPr>
-              <a:t> </a:t>
-            </a:r>
-            <a:r>
-              <a:rPr lang="de-CH" b="1" dirty="0" err="1">
-                <a:solidFill>
-                  <a:srgbClr val="000000"/>
-                </a:solidFill>
-                <a:latin typeface="Consolas" panose="020B0609020204030204" pitchFamily="49" charset="0"/>
-              </a:rPr>
-              <a:t>NoSuchAlgorithmException</a:t>
-            </a:r>
-            <a:r>
-              <a:rPr lang="de-CH" b="1" dirty="0">
-                <a:solidFill>
-                  <a:srgbClr val="000000"/>
-                </a:solidFill>
-                <a:latin typeface="Consolas" panose="020B0609020204030204" pitchFamily="49" charset="0"/>
-              </a:rPr>
-              <a:t>, </a:t>
-            </a:r>
-            <a:r>
-              <a:rPr lang="de-CH" b="1" dirty="0" err="1">
-                <a:solidFill>
-                  <a:srgbClr val="000000"/>
-                </a:solidFill>
-                <a:latin typeface="Consolas" panose="020B0609020204030204" pitchFamily="49" charset="0"/>
-              </a:rPr>
-              <a:t>InvalidKeySpecException</a:t>
-            </a:r>
-            <a:endParaRPr lang="de-CH" b="1" dirty="0">
+              <a:t>…</a:t>
+            </a:r>
+            <a:endParaRPr lang="de-CH" sz="2800" dirty="0">
               <a:solidFill>
                 <a:srgbClr val="000000"/>
               </a:solidFill>
@@ -5742,782 +5458,182 @@
             </a:endParaRPr>
           </a:p>
           <a:p>
+            <a:pPr marL="457200" lvl="1" indent="0">
+              <a:buNone/>
+            </a:pPr>
+            <a:r>
+              <a:rPr lang="en-US" sz="2800" dirty="0">
+                <a:solidFill>
+                  <a:srgbClr val="000000"/>
+                </a:solidFill>
+                <a:latin typeface="Consolas" panose="020B0609020204030204" pitchFamily="49" charset="0"/>
+              </a:rPr>
+              <a:t>String body = </a:t>
+            </a:r>
+            <a:r>
+              <a:rPr lang="en-US" sz="2800" dirty="0">
+                <a:solidFill>
+                  <a:srgbClr val="2A00FF"/>
+                </a:solidFill>
+                <a:latin typeface="Consolas" panose="020B0609020204030204" pitchFamily="49" charset="0"/>
+              </a:rPr>
+              <a:t>"I need help."</a:t>
+            </a:r>
+            <a:r>
+              <a:rPr lang="en-US" sz="2800" dirty="0">
+                <a:solidFill>
+                  <a:srgbClr val="000000"/>
+                </a:solidFill>
+                <a:latin typeface="Consolas" panose="020B0609020204030204" pitchFamily="49" charset="0"/>
+              </a:rPr>
+              <a:t>;</a:t>
+            </a:r>
+          </a:p>
+          <a:p>
+            <a:pPr marL="457200" lvl="1" indent="0">
+              <a:buNone/>
+            </a:pPr>
+            <a:r>
+              <a:rPr lang="en-US" sz="2800" dirty="0">
+                <a:solidFill>
+                  <a:srgbClr val="000000"/>
+                </a:solidFill>
+                <a:latin typeface="Consolas" panose="020B0609020204030204" pitchFamily="49" charset="0"/>
+              </a:rPr>
+              <a:t>String </a:t>
+            </a:r>
+            <a:r>
+              <a:rPr lang="en-US" sz="2800" dirty="0" err="1">
+                <a:solidFill>
+                  <a:srgbClr val="000000"/>
+                </a:solidFill>
+                <a:latin typeface="Consolas" panose="020B0609020204030204" pitchFamily="49" charset="0"/>
+              </a:rPr>
+              <a:t>fullLink</a:t>
+            </a:r>
+            <a:r>
+              <a:rPr lang="en-US" sz="2800" dirty="0">
+                <a:solidFill>
+                  <a:srgbClr val="000000"/>
+                </a:solidFill>
+                <a:latin typeface="Consolas" panose="020B0609020204030204" pitchFamily="49" charset="0"/>
+              </a:rPr>
+              <a:t> = </a:t>
+            </a:r>
+            <a:r>
+              <a:rPr lang="en-US" sz="2800" dirty="0">
+                <a:solidFill>
+                  <a:srgbClr val="2A00FF"/>
+                </a:solidFill>
+                <a:latin typeface="Consolas" panose="020B0609020204030204" pitchFamily="49" charset="0"/>
+              </a:rPr>
+              <a:t>"</a:t>
+            </a:r>
+            <a:r>
+              <a:rPr lang="en-US" sz="2800" dirty="0" err="1">
+                <a:solidFill>
+                  <a:srgbClr val="2A00FF"/>
+                </a:solidFill>
+                <a:latin typeface="Consolas" panose="020B0609020204030204" pitchFamily="49" charset="0"/>
+              </a:rPr>
+              <a:t>sms</a:t>
+            </a:r>
+            <a:r>
+              <a:rPr lang="en-US" sz="2800" dirty="0">
+                <a:solidFill>
+                  <a:srgbClr val="2A00FF"/>
+                </a:solidFill>
+                <a:latin typeface="Consolas" panose="020B0609020204030204" pitchFamily="49" charset="0"/>
+              </a:rPr>
+              <a:t>://"</a:t>
+            </a:r>
+            <a:r>
+              <a:rPr lang="en-US" sz="2800" dirty="0">
+                <a:solidFill>
+                  <a:srgbClr val="000000"/>
+                </a:solidFill>
+                <a:latin typeface="Consolas" panose="020B0609020204030204" pitchFamily="49" charset="0"/>
+              </a:rPr>
+              <a:t> + </a:t>
+            </a:r>
+            <a:r>
+              <a:rPr lang="en-US" sz="2800" dirty="0" err="1">
+                <a:solidFill>
+                  <a:srgbClr val="000000"/>
+                </a:solidFill>
+                <a:latin typeface="Consolas" panose="020B0609020204030204" pitchFamily="49" charset="0"/>
+              </a:rPr>
+              <a:t>phoneNumber</a:t>
+            </a:r>
+            <a:r>
+              <a:rPr lang="en-US" sz="2800" dirty="0">
+                <a:solidFill>
+                  <a:srgbClr val="000000"/>
+                </a:solidFill>
+                <a:latin typeface="Consolas" panose="020B0609020204030204" pitchFamily="49" charset="0"/>
+              </a:rPr>
+              <a:t> + </a:t>
+            </a:r>
+            <a:r>
+              <a:rPr lang="en-US" sz="2800" dirty="0">
+                <a:solidFill>
+                  <a:srgbClr val="2A00FF"/>
+                </a:solidFill>
+                <a:latin typeface="Consolas" panose="020B0609020204030204" pitchFamily="49" charset="0"/>
+              </a:rPr>
+              <a:t>"?body="</a:t>
+            </a:r>
+            <a:r>
+              <a:rPr lang="en-US" sz="2800" dirty="0">
+                <a:solidFill>
+                  <a:srgbClr val="000000"/>
+                </a:solidFill>
+                <a:latin typeface="Consolas" panose="020B0609020204030204" pitchFamily="49" charset="0"/>
+              </a:rPr>
+              <a:t> + body; </a:t>
+            </a:r>
+          </a:p>
+          <a:p>
+            <a:pPr marL="457200" lvl="1" indent="0">
+              <a:buNone/>
+            </a:pPr>
+            <a:r>
+              <a:rPr lang="de-CH" sz="2800" dirty="0">
+                <a:solidFill>
+                  <a:srgbClr val="000000"/>
+                </a:solidFill>
+                <a:latin typeface="Consolas" panose="020B0609020204030204" pitchFamily="49" charset="0"/>
+              </a:rPr>
+              <a:t>…</a:t>
+            </a:r>
+            <a:endParaRPr lang="de-CH" sz="2800" b="1" dirty="0">
+              <a:solidFill>
+                <a:srgbClr val="000000"/>
+              </a:solidFill>
+              <a:latin typeface="Consolas" panose="020B0609020204030204" pitchFamily="49" charset="0"/>
+            </a:endParaRPr>
+          </a:p>
+          <a:p>
             <a:pPr marL="0" indent="0">
               <a:buNone/>
             </a:pPr>
             <a:r>
-              <a:rPr lang="de-CH" dirty="0">
-                <a:solidFill>
-                  <a:srgbClr val="000000"/>
-                </a:solidFill>
-                <a:latin typeface="Consolas" panose="020B0609020204030204" pitchFamily="49" charset="0"/>
-              </a:rPr>
-              <a:t>    {</a:t>
-            </a:r>
-          </a:p>
-          <a:p>
-            <a:pPr marL="0" indent="0">
-              <a:buNone/>
-            </a:pPr>
-            <a:r>
-              <a:rPr lang="de-CH" dirty="0">
-                <a:solidFill>
-                  <a:srgbClr val="000000"/>
-                </a:solidFill>
-                <a:latin typeface="Consolas" panose="020B0609020204030204" pitchFamily="49" charset="0"/>
-              </a:rPr>
-              <a:t>        </a:t>
-            </a:r>
-            <a:r>
-              <a:rPr lang="de-CH" b="1" dirty="0" err="1">
-                <a:solidFill>
-                  <a:srgbClr val="7F0055"/>
-                </a:solidFill>
-                <a:latin typeface="Consolas" panose="020B0609020204030204" pitchFamily="49" charset="0"/>
-              </a:rPr>
-              <a:t>int</a:t>
-            </a:r>
-            <a:r>
-              <a:rPr lang="de-CH" b="1" dirty="0">
-                <a:solidFill>
-                  <a:srgbClr val="000000"/>
-                </a:solidFill>
-                <a:latin typeface="Consolas" panose="020B0609020204030204" pitchFamily="49" charset="0"/>
-              </a:rPr>
-              <a:t> </a:t>
-            </a:r>
-            <a:r>
-              <a:rPr lang="de-CH" b="1" dirty="0" err="1">
-                <a:solidFill>
-                  <a:srgbClr val="6A3E3E"/>
-                </a:solidFill>
-                <a:latin typeface="Consolas" panose="020B0609020204030204" pitchFamily="49" charset="0"/>
-              </a:rPr>
-              <a:t>iterations</a:t>
-            </a:r>
-            <a:r>
-              <a:rPr lang="de-CH" b="1" dirty="0">
-                <a:solidFill>
-                  <a:srgbClr val="000000"/>
-                </a:solidFill>
-                <a:latin typeface="Consolas" panose="020B0609020204030204" pitchFamily="49" charset="0"/>
-              </a:rPr>
-              <a:t> = 1000;</a:t>
-            </a:r>
-          </a:p>
-          <a:p>
-            <a:pPr marL="0" indent="0">
-              <a:buNone/>
-            </a:pPr>
-            <a:r>
-              <a:rPr lang="de-CH" dirty="0">
-                <a:solidFill>
-                  <a:srgbClr val="000000"/>
-                </a:solidFill>
-                <a:latin typeface="Consolas" panose="020B0609020204030204" pitchFamily="49" charset="0"/>
-              </a:rPr>
-              <a:t>        </a:t>
-            </a:r>
-            <a:r>
-              <a:rPr lang="de-CH" b="1" dirty="0" err="1">
-                <a:solidFill>
-                  <a:srgbClr val="7F0055"/>
-                </a:solidFill>
-                <a:latin typeface="Consolas" panose="020B0609020204030204" pitchFamily="49" charset="0"/>
-              </a:rPr>
-              <a:t>char</a:t>
-            </a:r>
-            <a:r>
-              <a:rPr lang="de-CH" b="1" dirty="0">
-                <a:solidFill>
-                  <a:srgbClr val="000000"/>
-                </a:solidFill>
-                <a:latin typeface="Consolas" panose="020B0609020204030204" pitchFamily="49" charset="0"/>
-              </a:rPr>
-              <a:t>[] </a:t>
-            </a:r>
-            <a:r>
-              <a:rPr lang="de-CH" b="1" dirty="0" err="1">
-                <a:solidFill>
-                  <a:srgbClr val="6A3E3E"/>
-                </a:solidFill>
-                <a:latin typeface="Consolas" panose="020B0609020204030204" pitchFamily="49" charset="0"/>
-              </a:rPr>
-              <a:t>chars</a:t>
-            </a:r>
-            <a:r>
-              <a:rPr lang="de-CH" b="1" dirty="0">
-                <a:solidFill>
-                  <a:srgbClr val="000000"/>
-                </a:solidFill>
-                <a:latin typeface="Consolas" panose="020B0609020204030204" pitchFamily="49" charset="0"/>
-              </a:rPr>
-              <a:t> = </a:t>
-            </a:r>
-            <a:r>
-              <a:rPr lang="de-CH" b="1" dirty="0" err="1">
-                <a:solidFill>
-                  <a:srgbClr val="6A3E3E"/>
-                </a:solidFill>
-                <a:latin typeface="Consolas" panose="020B0609020204030204" pitchFamily="49" charset="0"/>
-              </a:rPr>
-              <a:t>password</a:t>
-            </a:r>
-            <a:r>
-              <a:rPr lang="de-CH" b="1" dirty="0" err="1">
-                <a:solidFill>
-                  <a:srgbClr val="000000"/>
-                </a:solidFill>
-                <a:latin typeface="Consolas" panose="020B0609020204030204" pitchFamily="49" charset="0"/>
-              </a:rPr>
-              <a:t>.toCharArray</a:t>
-            </a:r>
-            <a:r>
-              <a:rPr lang="de-CH" b="1" dirty="0">
-                <a:solidFill>
-                  <a:srgbClr val="000000"/>
-                </a:solidFill>
-                <a:latin typeface="Consolas" panose="020B0609020204030204" pitchFamily="49" charset="0"/>
-              </a:rPr>
-              <a:t>();</a:t>
-            </a:r>
-          </a:p>
-          <a:p>
-            <a:pPr marL="0" indent="0">
-              <a:buNone/>
-            </a:pPr>
-            <a:r>
-              <a:rPr lang="de-CH" dirty="0">
-                <a:solidFill>
-                  <a:srgbClr val="000000"/>
-                </a:solidFill>
-                <a:latin typeface="Consolas" panose="020B0609020204030204" pitchFamily="49" charset="0"/>
-              </a:rPr>
-              <a:t>        </a:t>
-            </a:r>
-            <a:r>
-              <a:rPr lang="de-CH" b="1" dirty="0" err="1">
-                <a:solidFill>
-                  <a:srgbClr val="7F0055"/>
-                </a:solidFill>
-                <a:latin typeface="Consolas" panose="020B0609020204030204" pitchFamily="49" charset="0"/>
-              </a:rPr>
-              <a:t>byte</a:t>
-            </a:r>
-            <a:r>
-              <a:rPr lang="de-CH" b="1" dirty="0">
-                <a:solidFill>
-                  <a:srgbClr val="000000"/>
-                </a:solidFill>
-                <a:latin typeface="Consolas" panose="020B0609020204030204" pitchFamily="49" charset="0"/>
-              </a:rPr>
-              <a:t>[] </a:t>
-            </a:r>
-            <a:r>
-              <a:rPr lang="de-CH" b="1" dirty="0" err="1">
-                <a:solidFill>
-                  <a:srgbClr val="6A3E3E"/>
-                </a:solidFill>
-                <a:latin typeface="Consolas" panose="020B0609020204030204" pitchFamily="49" charset="0"/>
-              </a:rPr>
-              <a:t>salt</a:t>
-            </a:r>
-            <a:r>
-              <a:rPr lang="de-CH" b="1" dirty="0">
-                <a:solidFill>
-                  <a:srgbClr val="000000"/>
-                </a:solidFill>
-                <a:latin typeface="Consolas" panose="020B0609020204030204" pitchFamily="49" charset="0"/>
-              </a:rPr>
-              <a:t> = </a:t>
-            </a:r>
-            <a:r>
-              <a:rPr lang="de-CH" b="1" i="1" dirty="0" err="1">
-                <a:solidFill>
-                  <a:srgbClr val="000000"/>
-                </a:solidFill>
-                <a:latin typeface="Consolas" panose="020B0609020204030204" pitchFamily="49" charset="0"/>
-              </a:rPr>
-              <a:t>getSalt</a:t>
-            </a:r>
-            <a:r>
-              <a:rPr lang="de-CH" b="1" i="1" dirty="0">
-                <a:solidFill>
-                  <a:srgbClr val="000000"/>
-                </a:solidFill>
-                <a:latin typeface="Consolas" panose="020B0609020204030204" pitchFamily="49" charset="0"/>
-              </a:rPr>
-              <a:t>();</a:t>
-            </a:r>
-          </a:p>
-          <a:p>
-            <a:pPr marL="0" indent="0">
-              <a:buNone/>
-            </a:pPr>
-            <a:r>
-              <a:rPr lang="de-CH" dirty="0">
-                <a:solidFill>
-                  <a:srgbClr val="000000"/>
-                </a:solidFill>
-                <a:latin typeface="Consolas" panose="020B0609020204030204" pitchFamily="49" charset="0"/>
-              </a:rPr>
-              <a:t>         </a:t>
-            </a:r>
-          </a:p>
-          <a:p>
-            <a:pPr marL="0" indent="0">
-              <a:buNone/>
-            </a:pPr>
-            <a:r>
-              <a:rPr lang="en-US" dirty="0">
-                <a:solidFill>
-                  <a:srgbClr val="000000"/>
-                </a:solidFill>
-                <a:latin typeface="Consolas" panose="020B0609020204030204" pitchFamily="49" charset="0"/>
-              </a:rPr>
-              <a:t>        </a:t>
-            </a:r>
-            <a:r>
-              <a:rPr lang="en-US" dirty="0" err="1">
-                <a:solidFill>
-                  <a:srgbClr val="000000"/>
-                </a:solidFill>
-                <a:latin typeface="Consolas" panose="020B0609020204030204" pitchFamily="49" charset="0"/>
-              </a:rPr>
-              <a:t>PBEKeySpec</a:t>
-            </a:r>
-            <a:r>
-              <a:rPr lang="en-US" dirty="0">
-                <a:solidFill>
-                  <a:srgbClr val="000000"/>
-                </a:solidFill>
-                <a:latin typeface="Consolas" panose="020B0609020204030204" pitchFamily="49" charset="0"/>
-              </a:rPr>
-              <a:t> </a:t>
-            </a:r>
-            <a:r>
-              <a:rPr lang="en-US" dirty="0">
-                <a:solidFill>
-                  <a:srgbClr val="6A3E3E"/>
-                </a:solidFill>
-                <a:latin typeface="Consolas" panose="020B0609020204030204" pitchFamily="49" charset="0"/>
-              </a:rPr>
-              <a:t>spec</a:t>
-            </a:r>
-            <a:r>
-              <a:rPr lang="en-US" dirty="0">
-                <a:solidFill>
-                  <a:srgbClr val="000000"/>
-                </a:solidFill>
-                <a:latin typeface="Consolas" panose="020B0609020204030204" pitchFamily="49" charset="0"/>
-              </a:rPr>
-              <a:t> = </a:t>
-            </a:r>
-            <a:r>
-              <a:rPr lang="en-US" b="1" dirty="0">
-                <a:solidFill>
-                  <a:srgbClr val="7F0055"/>
-                </a:solidFill>
-                <a:latin typeface="Consolas" panose="020B0609020204030204" pitchFamily="49" charset="0"/>
-              </a:rPr>
-              <a:t>new</a:t>
-            </a:r>
-            <a:r>
-              <a:rPr lang="en-US" b="1" dirty="0">
-                <a:solidFill>
-                  <a:srgbClr val="000000"/>
-                </a:solidFill>
-                <a:latin typeface="Consolas" panose="020B0609020204030204" pitchFamily="49" charset="0"/>
-              </a:rPr>
-              <a:t> </a:t>
-            </a:r>
-            <a:r>
-              <a:rPr lang="en-US" b="1" dirty="0" err="1" smtClean="0">
-                <a:solidFill>
-                  <a:srgbClr val="000000"/>
-                </a:solidFill>
-                <a:latin typeface="Consolas" panose="020B0609020204030204" pitchFamily="49" charset="0"/>
-              </a:rPr>
-              <a:t>PBEKeySpec</a:t>
-            </a:r>
-            <a:r>
-              <a:rPr lang="en-US" b="1" dirty="0" smtClean="0">
-                <a:solidFill>
-                  <a:srgbClr val="000000"/>
-                </a:solidFill>
-                <a:latin typeface="Consolas" panose="020B0609020204030204" pitchFamily="49" charset="0"/>
-              </a:rPr>
-              <a:t>(</a:t>
-            </a:r>
-            <a:r>
-              <a:rPr lang="en-US" b="1" dirty="0" smtClean="0">
-                <a:solidFill>
-                  <a:srgbClr val="6A3E3E"/>
-                </a:solidFill>
-                <a:latin typeface="Consolas" panose="020B0609020204030204" pitchFamily="49" charset="0"/>
-              </a:rPr>
-              <a:t>chars</a:t>
-            </a:r>
-            <a:r>
-              <a:rPr lang="en-US" b="1" dirty="0" smtClean="0">
-                <a:solidFill>
-                  <a:srgbClr val="000000"/>
-                </a:solidFill>
-                <a:latin typeface="Consolas" panose="020B0609020204030204" pitchFamily="49" charset="0"/>
-              </a:rPr>
-              <a:t>,</a:t>
-            </a:r>
-            <a:r>
-              <a:rPr lang="en-US" b="1" dirty="0" smtClean="0">
-                <a:solidFill>
-                  <a:srgbClr val="6A3E3E"/>
-                </a:solidFill>
-                <a:latin typeface="Consolas" panose="020B0609020204030204" pitchFamily="49" charset="0"/>
-              </a:rPr>
-              <a:t>salt</a:t>
-            </a:r>
-            <a:r>
-              <a:rPr lang="en-US" b="1" dirty="0" smtClean="0">
-                <a:solidFill>
-                  <a:srgbClr val="000000"/>
-                </a:solidFill>
-                <a:latin typeface="Consolas" panose="020B0609020204030204" pitchFamily="49" charset="0"/>
-              </a:rPr>
-              <a:t>,</a:t>
-            </a:r>
-            <a:r>
-              <a:rPr lang="en-US" b="1" dirty="0" smtClean="0">
-                <a:solidFill>
-                  <a:srgbClr val="6A3E3E"/>
-                </a:solidFill>
-                <a:latin typeface="Consolas" panose="020B0609020204030204" pitchFamily="49" charset="0"/>
-              </a:rPr>
-              <a:t>iterations</a:t>
-            </a:r>
-            <a:r>
-              <a:rPr lang="en-US" b="1" dirty="0" smtClean="0">
-                <a:solidFill>
-                  <a:srgbClr val="000000"/>
-                </a:solidFill>
-                <a:latin typeface="Consolas" panose="020B0609020204030204" pitchFamily="49" charset="0"/>
-              </a:rPr>
-              <a:t>,64*8</a:t>
-            </a:r>
-            <a:r>
-              <a:rPr lang="en-US" b="1" dirty="0">
-                <a:solidFill>
-                  <a:srgbClr val="000000"/>
-                </a:solidFill>
-                <a:latin typeface="Consolas" panose="020B0609020204030204" pitchFamily="49" charset="0"/>
-              </a:rPr>
-              <a:t>);</a:t>
-            </a:r>
-          </a:p>
-          <a:p>
-            <a:pPr marL="0" indent="0">
-              <a:buNone/>
-            </a:pPr>
-            <a:r>
-              <a:rPr lang="de-CH" dirty="0">
-                <a:solidFill>
-                  <a:srgbClr val="000000"/>
-                </a:solidFill>
-                <a:latin typeface="Consolas" panose="020B0609020204030204" pitchFamily="49" charset="0"/>
-              </a:rPr>
-              <a:t>        </a:t>
-            </a:r>
-            <a:r>
-              <a:rPr lang="de-CH" dirty="0" err="1">
-                <a:solidFill>
-                  <a:srgbClr val="000000"/>
-                </a:solidFill>
-                <a:latin typeface="Consolas" panose="020B0609020204030204" pitchFamily="49" charset="0"/>
-              </a:rPr>
-              <a:t>SecretKeyFactory</a:t>
-            </a:r>
-            <a:r>
-              <a:rPr lang="de-CH" dirty="0">
-                <a:solidFill>
-                  <a:srgbClr val="000000"/>
-                </a:solidFill>
-                <a:latin typeface="Consolas" panose="020B0609020204030204" pitchFamily="49" charset="0"/>
-              </a:rPr>
-              <a:t> </a:t>
-            </a:r>
-            <a:r>
-              <a:rPr lang="de-CH" dirty="0" err="1">
-                <a:solidFill>
-                  <a:srgbClr val="6A3E3E"/>
-                </a:solidFill>
-                <a:latin typeface="Consolas" panose="020B0609020204030204" pitchFamily="49" charset="0"/>
-              </a:rPr>
-              <a:t>skf</a:t>
-            </a:r>
-            <a:r>
-              <a:rPr lang="de-CH" dirty="0">
-                <a:solidFill>
-                  <a:srgbClr val="000000"/>
-                </a:solidFill>
-                <a:latin typeface="Consolas" panose="020B0609020204030204" pitchFamily="49" charset="0"/>
-              </a:rPr>
-              <a:t> = </a:t>
-            </a:r>
-            <a:r>
-              <a:rPr lang="de-CH" dirty="0" smtClean="0">
-                <a:solidFill>
-                  <a:srgbClr val="000000"/>
-                </a:solidFill>
-                <a:latin typeface="Consolas" panose="020B0609020204030204" pitchFamily="49" charset="0"/>
-              </a:rPr>
-              <a:t>									</a:t>
-            </a:r>
-            <a:r>
-              <a:rPr lang="de-CH" dirty="0" err="1" smtClean="0">
-                <a:solidFill>
-                  <a:srgbClr val="000000"/>
-                </a:solidFill>
-                <a:latin typeface="Consolas" panose="020B0609020204030204" pitchFamily="49" charset="0"/>
-              </a:rPr>
-              <a:t>SecretKeyFactory.</a:t>
-            </a:r>
-            <a:r>
-              <a:rPr lang="de-CH" i="1" dirty="0" err="1" smtClean="0">
-                <a:solidFill>
-                  <a:srgbClr val="000000"/>
-                </a:solidFill>
-                <a:latin typeface="Consolas" panose="020B0609020204030204" pitchFamily="49" charset="0"/>
-              </a:rPr>
-              <a:t>getInstance</a:t>
-            </a:r>
-            <a:r>
-              <a:rPr lang="de-CH" i="1" dirty="0">
-                <a:solidFill>
-                  <a:srgbClr val="000000"/>
-                </a:solidFill>
-                <a:latin typeface="Consolas" panose="020B0609020204030204" pitchFamily="49" charset="0"/>
-              </a:rPr>
-              <a:t>(</a:t>
-            </a:r>
-            <a:r>
-              <a:rPr lang="de-CH" i="1" dirty="0">
-                <a:solidFill>
-                  <a:srgbClr val="2A00FF"/>
-                </a:solidFill>
-                <a:latin typeface="Consolas" panose="020B0609020204030204" pitchFamily="49" charset="0"/>
-              </a:rPr>
-              <a:t>"PBKDF2WithHmacSHA1"</a:t>
-            </a:r>
-            <a:r>
-              <a:rPr lang="de-CH" i="1" dirty="0">
-                <a:solidFill>
-                  <a:srgbClr val="000000"/>
-                </a:solidFill>
-                <a:latin typeface="Consolas" panose="020B0609020204030204" pitchFamily="49" charset="0"/>
-              </a:rPr>
-              <a:t>);</a:t>
-            </a:r>
-          </a:p>
-          <a:p>
-            <a:pPr marL="0" indent="0">
-              <a:buNone/>
-            </a:pPr>
-            <a:r>
-              <a:rPr lang="de-CH" dirty="0">
-                <a:solidFill>
-                  <a:srgbClr val="000000"/>
-                </a:solidFill>
-                <a:latin typeface="Consolas" panose="020B0609020204030204" pitchFamily="49" charset="0"/>
-              </a:rPr>
-              <a:t>        </a:t>
-            </a:r>
-            <a:r>
-              <a:rPr lang="de-CH" b="1" dirty="0" err="1">
-                <a:solidFill>
-                  <a:srgbClr val="7F0055"/>
-                </a:solidFill>
-                <a:latin typeface="Consolas" panose="020B0609020204030204" pitchFamily="49" charset="0"/>
-              </a:rPr>
-              <a:t>byte</a:t>
-            </a:r>
-            <a:r>
-              <a:rPr lang="de-CH" b="1" dirty="0">
-                <a:solidFill>
-                  <a:srgbClr val="000000"/>
-                </a:solidFill>
-                <a:latin typeface="Consolas" panose="020B0609020204030204" pitchFamily="49" charset="0"/>
-              </a:rPr>
-              <a:t>[] </a:t>
-            </a:r>
-            <a:r>
-              <a:rPr lang="de-CH" b="1" dirty="0" err="1">
-                <a:solidFill>
-                  <a:srgbClr val="6A3E3E"/>
-                </a:solidFill>
-                <a:latin typeface="Consolas" panose="020B0609020204030204" pitchFamily="49" charset="0"/>
-              </a:rPr>
-              <a:t>hash</a:t>
-            </a:r>
-            <a:r>
-              <a:rPr lang="de-CH" b="1" dirty="0">
-                <a:solidFill>
-                  <a:srgbClr val="000000"/>
-                </a:solidFill>
-                <a:latin typeface="Consolas" panose="020B0609020204030204" pitchFamily="49" charset="0"/>
-              </a:rPr>
-              <a:t> = </a:t>
-            </a:r>
-            <a:r>
-              <a:rPr lang="de-CH" b="1" dirty="0" err="1">
-                <a:solidFill>
-                  <a:srgbClr val="6A3E3E"/>
-                </a:solidFill>
-                <a:latin typeface="Consolas" panose="020B0609020204030204" pitchFamily="49" charset="0"/>
-              </a:rPr>
-              <a:t>skf</a:t>
-            </a:r>
-            <a:r>
-              <a:rPr lang="de-CH" b="1" dirty="0" err="1">
-                <a:solidFill>
-                  <a:srgbClr val="000000"/>
-                </a:solidFill>
-                <a:latin typeface="Consolas" panose="020B0609020204030204" pitchFamily="49" charset="0"/>
-              </a:rPr>
-              <a:t>.generateSecret</a:t>
-            </a:r>
-            <a:r>
-              <a:rPr lang="de-CH" b="1" dirty="0">
-                <a:solidFill>
-                  <a:srgbClr val="000000"/>
-                </a:solidFill>
-                <a:latin typeface="Consolas" panose="020B0609020204030204" pitchFamily="49" charset="0"/>
-              </a:rPr>
-              <a:t>(</a:t>
-            </a:r>
-            <a:r>
-              <a:rPr lang="de-CH" b="1" dirty="0" err="1">
-                <a:solidFill>
-                  <a:srgbClr val="6A3E3E"/>
-                </a:solidFill>
-                <a:latin typeface="Consolas" panose="020B0609020204030204" pitchFamily="49" charset="0"/>
-              </a:rPr>
-              <a:t>spec</a:t>
-            </a:r>
-            <a:r>
-              <a:rPr lang="de-CH" b="1" dirty="0">
-                <a:solidFill>
-                  <a:srgbClr val="000000"/>
-                </a:solidFill>
-                <a:latin typeface="Consolas" panose="020B0609020204030204" pitchFamily="49" charset="0"/>
-              </a:rPr>
-              <a:t>).</a:t>
-            </a:r>
-            <a:r>
-              <a:rPr lang="de-CH" b="1" dirty="0" err="1">
-                <a:solidFill>
-                  <a:srgbClr val="000000"/>
-                </a:solidFill>
-                <a:latin typeface="Consolas" panose="020B0609020204030204" pitchFamily="49" charset="0"/>
-              </a:rPr>
-              <a:t>getEncoded</a:t>
-            </a:r>
-            <a:r>
-              <a:rPr lang="de-CH" b="1" dirty="0">
-                <a:solidFill>
-                  <a:srgbClr val="000000"/>
-                </a:solidFill>
-                <a:latin typeface="Consolas" panose="020B0609020204030204" pitchFamily="49" charset="0"/>
-              </a:rPr>
-              <a:t>();</a:t>
-            </a:r>
-          </a:p>
-          <a:p>
-            <a:pPr marL="0" indent="0">
-              <a:buNone/>
-            </a:pPr>
-            <a:r>
-              <a:rPr lang="de-CH" dirty="0">
-                <a:solidFill>
-                  <a:srgbClr val="000000"/>
-                </a:solidFill>
-                <a:latin typeface="Consolas" panose="020B0609020204030204" pitchFamily="49" charset="0"/>
-              </a:rPr>
-              <a:t>        </a:t>
-            </a:r>
-            <a:r>
-              <a:rPr lang="de-CH" b="1" dirty="0" err="1">
-                <a:solidFill>
-                  <a:srgbClr val="7F0055"/>
-                </a:solidFill>
-                <a:latin typeface="Consolas" panose="020B0609020204030204" pitchFamily="49" charset="0"/>
-              </a:rPr>
-              <a:t>return</a:t>
-            </a:r>
-            <a:r>
-              <a:rPr lang="de-CH" b="1" dirty="0">
-                <a:solidFill>
-                  <a:srgbClr val="000000"/>
-                </a:solidFill>
-                <a:latin typeface="Consolas" panose="020B0609020204030204" pitchFamily="49" charset="0"/>
-              </a:rPr>
-              <a:t> </a:t>
-            </a:r>
-            <a:r>
-              <a:rPr lang="de-CH" b="1" dirty="0" err="1">
-                <a:solidFill>
-                  <a:srgbClr val="6A3E3E"/>
-                </a:solidFill>
-                <a:latin typeface="Consolas" panose="020B0609020204030204" pitchFamily="49" charset="0"/>
-              </a:rPr>
-              <a:t>iterations</a:t>
-            </a:r>
-            <a:r>
-              <a:rPr lang="de-CH" b="1" dirty="0">
-                <a:solidFill>
-                  <a:srgbClr val="000000"/>
-                </a:solidFill>
-                <a:latin typeface="Consolas" panose="020B0609020204030204" pitchFamily="49" charset="0"/>
-              </a:rPr>
-              <a:t> + </a:t>
-            </a:r>
-            <a:r>
-              <a:rPr lang="de-CH" b="1" dirty="0">
-                <a:solidFill>
-                  <a:srgbClr val="2A00FF"/>
-                </a:solidFill>
-                <a:latin typeface="Consolas" panose="020B0609020204030204" pitchFamily="49" charset="0"/>
-              </a:rPr>
-              <a:t>":"</a:t>
-            </a:r>
-            <a:r>
-              <a:rPr lang="de-CH" b="1" dirty="0">
-                <a:solidFill>
-                  <a:srgbClr val="000000"/>
-                </a:solidFill>
-                <a:latin typeface="Consolas" panose="020B0609020204030204" pitchFamily="49" charset="0"/>
-              </a:rPr>
-              <a:t> + </a:t>
-            </a:r>
-            <a:r>
-              <a:rPr lang="de-CH" b="1" i="1" dirty="0" err="1">
-                <a:solidFill>
-                  <a:srgbClr val="000000"/>
-                </a:solidFill>
-                <a:latin typeface="Consolas" panose="020B0609020204030204" pitchFamily="49" charset="0"/>
-              </a:rPr>
-              <a:t>toHex</a:t>
-            </a:r>
-            <a:r>
-              <a:rPr lang="de-CH" b="1" i="1" dirty="0">
-                <a:solidFill>
-                  <a:srgbClr val="000000"/>
-                </a:solidFill>
-                <a:latin typeface="Consolas" panose="020B0609020204030204" pitchFamily="49" charset="0"/>
-              </a:rPr>
-              <a:t>(</a:t>
-            </a:r>
-            <a:r>
-              <a:rPr lang="de-CH" b="1" i="1" dirty="0" err="1">
-                <a:solidFill>
-                  <a:srgbClr val="6A3E3E"/>
-                </a:solidFill>
-                <a:latin typeface="Consolas" panose="020B0609020204030204" pitchFamily="49" charset="0"/>
-              </a:rPr>
-              <a:t>salt</a:t>
-            </a:r>
-            <a:r>
-              <a:rPr lang="de-CH" b="1" i="1" dirty="0">
-                <a:solidFill>
-                  <a:srgbClr val="000000"/>
-                </a:solidFill>
-                <a:latin typeface="Consolas" panose="020B0609020204030204" pitchFamily="49" charset="0"/>
-              </a:rPr>
-              <a:t>) + </a:t>
-            </a:r>
-            <a:r>
-              <a:rPr lang="de-CH" b="1" i="1" dirty="0">
-                <a:solidFill>
-                  <a:srgbClr val="2A00FF"/>
-                </a:solidFill>
-                <a:latin typeface="Consolas" panose="020B0609020204030204" pitchFamily="49" charset="0"/>
-              </a:rPr>
-              <a:t>":"</a:t>
-            </a:r>
-            <a:r>
-              <a:rPr lang="de-CH" b="1" i="1" dirty="0">
-                <a:solidFill>
-                  <a:srgbClr val="000000"/>
-                </a:solidFill>
-                <a:latin typeface="Consolas" panose="020B0609020204030204" pitchFamily="49" charset="0"/>
-              </a:rPr>
-              <a:t> </a:t>
-            </a:r>
-            <a:r>
-              <a:rPr lang="de-CH" b="1" i="1" dirty="0" smtClean="0">
-                <a:solidFill>
-                  <a:srgbClr val="000000"/>
-                </a:solidFill>
-                <a:latin typeface="Consolas" panose="020B0609020204030204" pitchFamily="49" charset="0"/>
-              </a:rPr>
-              <a:t>+ </a:t>
-            </a:r>
-            <a:r>
-              <a:rPr lang="de-CH" b="1" i="1" dirty="0" err="1" smtClean="0">
-                <a:solidFill>
-                  <a:srgbClr val="000000"/>
-                </a:solidFill>
-                <a:latin typeface="Consolas" panose="020B0609020204030204" pitchFamily="49" charset="0"/>
-              </a:rPr>
-              <a:t>toHex</a:t>
-            </a:r>
-            <a:r>
-              <a:rPr lang="de-CH" b="1" i="1" dirty="0" smtClean="0">
-                <a:solidFill>
-                  <a:srgbClr val="000000"/>
-                </a:solidFill>
-                <a:latin typeface="Consolas" panose="020B0609020204030204" pitchFamily="49" charset="0"/>
-              </a:rPr>
-              <a:t>(</a:t>
-            </a:r>
-            <a:r>
-              <a:rPr lang="de-CH" b="1" i="1" dirty="0" err="1" smtClean="0">
-                <a:solidFill>
-                  <a:srgbClr val="6A3E3E"/>
-                </a:solidFill>
-                <a:latin typeface="Consolas" panose="020B0609020204030204" pitchFamily="49" charset="0"/>
-              </a:rPr>
-              <a:t>hash</a:t>
-            </a:r>
-            <a:r>
-              <a:rPr lang="de-CH" b="1" i="1" dirty="0">
-                <a:solidFill>
-                  <a:srgbClr val="000000"/>
-                </a:solidFill>
-                <a:latin typeface="Consolas" panose="020B0609020204030204" pitchFamily="49" charset="0"/>
-              </a:rPr>
-              <a:t>);</a:t>
-            </a:r>
-          </a:p>
-          <a:p>
-            <a:pPr marL="0" indent="0">
-              <a:buNone/>
-            </a:pPr>
-            <a:r>
-              <a:rPr lang="de-CH" dirty="0">
-                <a:solidFill>
-                  <a:srgbClr val="000000"/>
-                </a:solidFill>
-                <a:latin typeface="Consolas" panose="020B0609020204030204" pitchFamily="49" charset="0"/>
-              </a:rPr>
-              <a:t>    }</a:t>
-            </a:r>
-            <a:endParaRPr lang="de-CH" dirty="0"/>
+              <a:rPr lang="de-CH" sz="3200" dirty="0">
+                <a:solidFill>
+                  <a:srgbClr val="000000"/>
+                </a:solidFill>
+                <a:latin typeface="Consolas" panose="020B0609020204030204" pitchFamily="49" charset="0"/>
+              </a:rPr>
+              <a:t>}</a:t>
+            </a:r>
+            <a:endParaRPr lang="de-CH" sz="3200" dirty="0"/>
           </a:p>
         </p:txBody>
       </p:sp>
     </p:spTree>
     <p:extLst>
       <p:ext uri="{BB962C8B-B14F-4D97-AF65-F5344CB8AC3E}">
-        <p14:creationId xmlns:p14="http://schemas.microsoft.com/office/powerpoint/2010/main" val="3835049540"/>
+        <p14:creationId xmlns:p14="http://schemas.microsoft.com/office/powerpoint/2010/main" val="867228576"/>
       </p:ext>
     </p:extLst>
   </p:cSld>
@@ -6567,7 +5683,7 @@
           <a:p>
             <a:r>
               <a:rPr lang="en-US" dirty="0"/>
-              <a:t>Emergency Buttons</a:t>
+              <a:t>Grid Views</a:t>
             </a:r>
             <a:endParaRPr lang="de-CH" dirty="0"/>
           </a:p>
@@ -6592,7 +5708,7 @@
         <p:spPr/>
         <p:txBody>
           <a:bodyPr>
-            <a:normAutofit/>
+            <a:normAutofit fontScale="85000" lnSpcReduction="20000"/>
           </a:bodyPr>
           <a:lstStyle/>
           <a:p>
@@ -6600,136 +5716,257 @@
               <a:buNone/>
             </a:pPr>
             <a:r>
-              <a:rPr lang="en-US" sz="3200" b="1" dirty="0">
+              <a:rPr lang="de-CH" sz="3200" dirty="0" err="1">
+                <a:solidFill>
+                  <a:srgbClr val="0000C0"/>
+                </a:solidFill>
+                <a:latin typeface="Consolas" panose="020B0609020204030204" pitchFamily="49" charset="0"/>
+              </a:rPr>
+              <a:t>grid</a:t>
+            </a:r>
+            <a:r>
+              <a:rPr lang="de-CH" sz="3200" dirty="0">
+                <a:solidFill>
+                  <a:srgbClr val="000000"/>
+                </a:solidFill>
+                <a:latin typeface="Consolas" panose="020B0609020204030204" pitchFamily="49" charset="0"/>
+              </a:rPr>
+              <a:t> = </a:t>
+            </a:r>
+            <a:r>
+              <a:rPr lang="de-CH" sz="3200" b="1" dirty="0" err="1">
                 <a:solidFill>
                   <a:srgbClr val="7F0055"/>
                 </a:solidFill>
                 <a:latin typeface="Consolas" panose="020B0609020204030204" pitchFamily="49" charset="0"/>
               </a:rPr>
-              <a:t>public</a:t>
-            </a:r>
-            <a:r>
-              <a:rPr lang="en-US" sz="3200" b="1" dirty="0">
-                <a:solidFill>
-                  <a:srgbClr val="000000"/>
-                </a:solidFill>
-                <a:latin typeface="Consolas" panose="020B0609020204030204" pitchFamily="49" charset="0"/>
-              </a:rPr>
-              <a:t> String </a:t>
-            </a:r>
-            <a:r>
-              <a:rPr lang="en-US" sz="3200" b="1" dirty="0" err="1">
-                <a:solidFill>
-                  <a:srgbClr val="000000"/>
-                </a:solidFill>
-                <a:latin typeface="Consolas" panose="020B0609020204030204" pitchFamily="49" charset="0"/>
-              </a:rPr>
-              <a:t>getMessageLink</a:t>
-            </a:r>
-            <a:r>
-              <a:rPr lang="en-US" sz="3200" b="1" dirty="0">
-                <a:solidFill>
-                  <a:srgbClr val="000000"/>
-                </a:solidFill>
-                <a:latin typeface="Consolas" panose="020B0609020204030204" pitchFamily="49" charset="0"/>
-              </a:rPr>
-              <a:t>() </a:t>
-            </a:r>
-            <a:r>
-              <a:rPr lang="en-US" sz="3200" b="1" dirty="0">
-                <a:solidFill>
-                  <a:srgbClr val="7F0055"/>
-                </a:solidFill>
-                <a:latin typeface="Consolas" panose="020B0609020204030204" pitchFamily="49" charset="0"/>
-              </a:rPr>
-              <a:t>throws</a:t>
-            </a:r>
-            <a:r>
-              <a:rPr lang="en-US" sz="3200" b="1" dirty="0">
-                <a:solidFill>
-                  <a:srgbClr val="000000"/>
-                </a:solidFill>
-                <a:latin typeface="Consolas" panose="020B0609020204030204" pitchFamily="49" charset="0"/>
-              </a:rPr>
-              <a:t> Exception {</a:t>
-            </a:r>
-          </a:p>
-          <a:p>
-            <a:pPr marL="457200" lvl="1" indent="0">
+              <a:t>new</a:t>
+            </a:r>
+            <a:r>
+              <a:rPr lang="de-CH" sz="3200" b="1" dirty="0">
+                <a:solidFill>
+                  <a:srgbClr val="000000"/>
+                </a:solidFill>
+                <a:latin typeface="Consolas" panose="020B0609020204030204" pitchFamily="49" charset="0"/>
+              </a:rPr>
+              <a:t> Grid&lt;&gt;();</a:t>
+            </a:r>
+          </a:p>
+          <a:p>
+            <a:pPr marL="0" indent="0">
               <a:buNone/>
             </a:pPr>
             <a:r>
-              <a:rPr lang="en-US" sz="2800" b="1" dirty="0">
-                <a:solidFill>
-                  <a:srgbClr val="7F0055"/>
-                </a:solidFill>
-                <a:latin typeface="Consolas" panose="020B0609020204030204" pitchFamily="49" charset="0"/>
-              </a:rPr>
-              <a:t>…</a:t>
-            </a:r>
-            <a:endParaRPr lang="de-CH" sz="2800" dirty="0">
-              <a:solidFill>
-                <a:srgbClr val="000000"/>
-              </a:solidFill>
-              <a:latin typeface="Consolas" panose="020B0609020204030204" pitchFamily="49" charset="0"/>
-            </a:endParaRPr>
-          </a:p>
-          <a:p>
-            <a:pPr marL="457200" lvl="1" indent="0">
+              <a:rPr lang="en-US" sz="3200" dirty="0">
+                <a:solidFill>
+                  <a:srgbClr val="3F7F5F"/>
+                </a:solidFill>
+                <a:latin typeface="Consolas" panose="020B0609020204030204" pitchFamily="49" charset="0"/>
+              </a:rPr>
+              <a:t>// create two columns, set the ID's and add the captions</a:t>
+            </a:r>
+          </a:p>
+          <a:p>
+            <a:pPr marL="0" indent="0">
               <a:buNone/>
             </a:pPr>
             <a:r>
-              <a:rPr lang="en-US" sz="2800" dirty="0">
-                <a:solidFill>
-                  <a:srgbClr val="000000"/>
-                </a:solidFill>
-                <a:latin typeface="Consolas" panose="020B0609020204030204" pitchFamily="49" charset="0"/>
-              </a:rPr>
-              <a:t>String body = </a:t>
-            </a:r>
-            <a:r>
-              <a:rPr lang="en-US" sz="2800" dirty="0">
+              <a:rPr lang="en-US" sz="3200" dirty="0">
+                <a:solidFill>
+                  <a:srgbClr val="000000"/>
+                </a:solidFill>
+                <a:latin typeface="Consolas" panose="020B0609020204030204" pitchFamily="49" charset="0"/>
+              </a:rPr>
+              <a:t>Column&lt;Contact, ?&gt; </a:t>
+            </a:r>
+            <a:r>
+              <a:rPr lang="en-US" sz="3200" dirty="0" err="1">
+                <a:solidFill>
+                  <a:srgbClr val="6A3E3E"/>
+                </a:solidFill>
+                <a:latin typeface="Consolas" panose="020B0609020204030204" pitchFamily="49" charset="0"/>
+              </a:rPr>
+              <a:t>columnName</a:t>
+            </a:r>
+            <a:r>
+              <a:rPr lang="en-US" sz="3200" dirty="0">
+                <a:solidFill>
+                  <a:srgbClr val="000000"/>
+                </a:solidFill>
+                <a:latin typeface="Consolas" panose="020B0609020204030204" pitchFamily="49" charset="0"/>
+              </a:rPr>
+              <a:t> = </a:t>
+            </a:r>
+            <a:r>
+              <a:rPr lang="en-US" sz="3200" dirty="0" err="1">
+                <a:solidFill>
+                  <a:srgbClr val="0000C0"/>
+                </a:solidFill>
+                <a:latin typeface="Consolas" panose="020B0609020204030204" pitchFamily="49" charset="0"/>
+              </a:rPr>
+              <a:t>grid</a:t>
+            </a:r>
+            <a:r>
+              <a:rPr lang="en-US" sz="3200" dirty="0" err="1">
+                <a:solidFill>
+                  <a:srgbClr val="000000"/>
+                </a:solidFill>
+                <a:latin typeface="Consolas" panose="020B0609020204030204" pitchFamily="49" charset="0"/>
+              </a:rPr>
+              <a:t>.addColumn</a:t>
+            </a:r>
+            <a:r>
+              <a:rPr lang="en-US" sz="3200" dirty="0">
+                <a:solidFill>
+                  <a:srgbClr val="000000"/>
+                </a:solidFill>
+                <a:latin typeface="Consolas" panose="020B0609020204030204" pitchFamily="49" charset="0"/>
+              </a:rPr>
+              <a:t>(Contact::</a:t>
+            </a:r>
+            <a:r>
+              <a:rPr lang="en-US" sz="3200" dirty="0" err="1">
+                <a:solidFill>
+                  <a:srgbClr val="000000"/>
+                </a:solidFill>
+                <a:latin typeface="Consolas" panose="020B0609020204030204" pitchFamily="49" charset="0"/>
+              </a:rPr>
+              <a:t>getName</a:t>
+            </a:r>
+            <a:r>
+              <a:rPr lang="en-US" sz="3200" dirty="0">
+                <a:solidFill>
+                  <a:srgbClr val="000000"/>
+                </a:solidFill>
+                <a:latin typeface="Consolas" panose="020B0609020204030204" pitchFamily="49" charset="0"/>
+              </a:rPr>
+              <a:t>);</a:t>
+            </a:r>
+          </a:p>
+          <a:p>
+            <a:pPr marL="0" indent="0">
+              <a:buNone/>
+            </a:pPr>
+            <a:r>
+              <a:rPr lang="de-CH" sz="3200" dirty="0" err="1">
+                <a:solidFill>
+                  <a:srgbClr val="6A3E3E"/>
+                </a:solidFill>
+                <a:latin typeface="Consolas" panose="020B0609020204030204" pitchFamily="49" charset="0"/>
+              </a:rPr>
+              <a:t>columnName</a:t>
+            </a:r>
+            <a:r>
+              <a:rPr lang="de-CH" sz="3200" dirty="0" err="1">
+                <a:solidFill>
+                  <a:srgbClr val="000000"/>
+                </a:solidFill>
+                <a:latin typeface="Consolas" panose="020B0609020204030204" pitchFamily="49" charset="0"/>
+              </a:rPr>
+              <a:t>.setId</a:t>
+            </a:r>
+            <a:r>
+              <a:rPr lang="de-CH" sz="3200" dirty="0">
+                <a:solidFill>
+                  <a:srgbClr val="000000"/>
+                </a:solidFill>
+                <a:latin typeface="Consolas" panose="020B0609020204030204" pitchFamily="49" charset="0"/>
+              </a:rPr>
+              <a:t>(</a:t>
+            </a:r>
+            <a:r>
+              <a:rPr lang="de-CH" sz="3200" dirty="0">
                 <a:solidFill>
                   <a:srgbClr val="2A00FF"/>
                 </a:solidFill>
                 <a:latin typeface="Consolas" panose="020B0609020204030204" pitchFamily="49" charset="0"/>
               </a:rPr>
-              <a:t>"I need help."</a:t>
-            </a:r>
-            <a:r>
-              <a:rPr lang="en-US" sz="2800" dirty="0">
-                <a:solidFill>
-                  <a:srgbClr val="000000"/>
-                </a:solidFill>
-                <a:latin typeface="Consolas" panose="020B0609020204030204" pitchFamily="49" charset="0"/>
-              </a:rPr>
-              <a:t>;</a:t>
-            </a:r>
-          </a:p>
-          <a:p>
-            <a:pPr marL="457200" lvl="1" indent="0">
+              <a:t>"Name"</a:t>
+            </a:r>
+            <a:r>
+              <a:rPr lang="de-CH" sz="3200" dirty="0">
+                <a:solidFill>
+                  <a:srgbClr val="000000"/>
+                </a:solidFill>
+                <a:latin typeface="Consolas" panose="020B0609020204030204" pitchFamily="49" charset="0"/>
+              </a:rPr>
+              <a:t>);</a:t>
+            </a:r>
+          </a:p>
+          <a:p>
+            <a:pPr marL="0" indent="0">
               <a:buNone/>
             </a:pPr>
             <a:r>
-              <a:rPr lang="en-US" sz="2800" dirty="0">
-                <a:solidFill>
-                  <a:srgbClr val="000000"/>
-                </a:solidFill>
-                <a:latin typeface="Consolas" panose="020B0609020204030204" pitchFamily="49" charset="0"/>
-              </a:rPr>
-              <a:t>String </a:t>
-            </a:r>
-            <a:r>
-              <a:rPr lang="en-US" sz="2800" dirty="0" err="1">
-                <a:solidFill>
-                  <a:srgbClr val="000000"/>
-                </a:solidFill>
-                <a:latin typeface="Consolas" panose="020B0609020204030204" pitchFamily="49" charset="0"/>
-              </a:rPr>
-              <a:t>fullLink</a:t>
-            </a:r>
-            <a:r>
-              <a:rPr lang="en-US" sz="2800" dirty="0">
+              <a:rPr lang="de-CH" sz="3200" dirty="0" err="1">
+                <a:solidFill>
+                  <a:srgbClr val="6A3E3E"/>
+                </a:solidFill>
+                <a:latin typeface="Consolas" panose="020B0609020204030204" pitchFamily="49" charset="0"/>
+              </a:rPr>
+              <a:t>columnName</a:t>
+            </a:r>
+            <a:r>
+              <a:rPr lang="de-CH" sz="3200" dirty="0" err="1">
+                <a:solidFill>
+                  <a:srgbClr val="000000"/>
+                </a:solidFill>
+                <a:latin typeface="Consolas" panose="020B0609020204030204" pitchFamily="49" charset="0"/>
+              </a:rPr>
+              <a:t>.setCaption</a:t>
+            </a:r>
+            <a:r>
+              <a:rPr lang="de-CH" sz="3200" dirty="0">
+                <a:solidFill>
+                  <a:srgbClr val="000000"/>
+                </a:solidFill>
+                <a:latin typeface="Consolas" panose="020B0609020204030204" pitchFamily="49" charset="0"/>
+              </a:rPr>
+              <a:t>(</a:t>
+            </a:r>
+            <a:r>
+              <a:rPr lang="de-CH" sz="3200" dirty="0">
+                <a:solidFill>
+                  <a:srgbClr val="2A00FF"/>
+                </a:solidFill>
+                <a:latin typeface="Consolas" panose="020B0609020204030204" pitchFamily="49" charset="0"/>
+              </a:rPr>
+              <a:t>"Name"</a:t>
+            </a:r>
+            <a:r>
+              <a:rPr lang="de-CH" sz="3200" dirty="0">
+                <a:solidFill>
+                  <a:srgbClr val="000000"/>
+                </a:solidFill>
+                <a:latin typeface="Consolas" panose="020B0609020204030204" pitchFamily="49" charset="0"/>
+              </a:rPr>
+              <a:t>);</a:t>
+            </a:r>
+          </a:p>
+          <a:p>
+            <a:pPr marL="0" indent="0">
+              <a:buNone/>
+            </a:pPr>
+            <a:r>
+              <a:rPr lang="en-US" sz="3200" dirty="0">
+                <a:solidFill>
+                  <a:srgbClr val="000000"/>
+                </a:solidFill>
+                <a:latin typeface="Consolas" panose="020B0609020204030204" pitchFamily="49" charset="0"/>
+              </a:rPr>
+              <a:t>Column&lt;Contact, ?&gt; </a:t>
+            </a:r>
+            <a:r>
+              <a:rPr lang="en-US" sz="3200" dirty="0" err="1">
+                <a:solidFill>
+                  <a:srgbClr val="6A3E3E"/>
+                </a:solidFill>
+                <a:latin typeface="Consolas" panose="020B0609020204030204" pitchFamily="49" charset="0"/>
+              </a:rPr>
+              <a:t>columnPhoneNumber</a:t>
+            </a:r>
+            <a:r>
+              <a:rPr lang="en-US" sz="3200" dirty="0">
                 <a:solidFill>
                   <a:srgbClr val="000000"/>
                 </a:solidFill>
@@ -6738,7 +5975,84 @@
               <a:t> = </a:t>
             </a:r>
             <a:r>
-              <a:rPr lang="en-US" sz="2800" dirty="0">
+              <a:rPr lang="en-US" sz="3200" dirty="0" err="1">
+                <a:solidFill>
+                  <a:srgbClr val="0000C0"/>
+                </a:solidFill>
+                <a:latin typeface="Consolas" panose="020B0609020204030204" pitchFamily="49" charset="0"/>
+              </a:rPr>
+              <a:t>grid</a:t>
+            </a:r>
+            <a:r>
+              <a:rPr lang="en-US" sz="3200" dirty="0" err="1">
+                <a:solidFill>
+                  <a:srgbClr val="000000"/>
+                </a:solidFill>
+                <a:latin typeface="Consolas" panose="020B0609020204030204" pitchFamily="49" charset="0"/>
+              </a:rPr>
+              <a:t>.addColumn</a:t>
+            </a:r>
+            <a:r>
+              <a:rPr lang="en-US" sz="3200" dirty="0">
+                <a:solidFill>
+                  <a:srgbClr val="000000"/>
+                </a:solidFill>
+                <a:latin typeface="Consolas" panose="020B0609020204030204" pitchFamily="49" charset="0"/>
+              </a:rPr>
+              <a:t>(Contact::</a:t>
+            </a:r>
+            <a:r>
+              <a:rPr lang="en-US" sz="3200" dirty="0" err="1">
+                <a:solidFill>
+                  <a:srgbClr val="000000"/>
+                </a:solidFill>
+                <a:latin typeface="Consolas" panose="020B0609020204030204" pitchFamily="49" charset="0"/>
+              </a:rPr>
+              <a:t>getPhoneNumber</a:t>
+            </a:r>
+            <a:r>
+              <a:rPr lang="en-US" sz="3200" dirty="0">
+                <a:solidFill>
+                  <a:srgbClr val="000000"/>
+                </a:solidFill>
+                <a:latin typeface="Consolas" panose="020B0609020204030204" pitchFamily="49" charset="0"/>
+              </a:rPr>
+              <a:t>);</a:t>
+            </a:r>
+          </a:p>
+          <a:p>
+            <a:pPr marL="0" indent="0">
+              <a:buNone/>
+            </a:pPr>
+            <a:r>
+              <a:rPr lang="de-CH" sz="3200" dirty="0" err="1">
+                <a:solidFill>
+                  <a:srgbClr val="6A3E3E"/>
+                </a:solidFill>
+                <a:latin typeface="Consolas" panose="020B0609020204030204" pitchFamily="49" charset="0"/>
+              </a:rPr>
+              <a:t>columnPhoneNumber</a:t>
+            </a:r>
+            <a:r>
+              <a:rPr lang="de-CH" sz="3200" dirty="0" err="1">
+                <a:solidFill>
+                  <a:srgbClr val="000000"/>
+                </a:solidFill>
+                <a:latin typeface="Consolas" panose="020B0609020204030204" pitchFamily="49" charset="0"/>
+              </a:rPr>
+              <a:t>.setId</a:t>
+            </a:r>
+            <a:r>
+              <a:rPr lang="de-CH" sz="3200" dirty="0">
+                <a:solidFill>
+                  <a:srgbClr val="000000"/>
+                </a:solidFill>
+                <a:latin typeface="Consolas" panose="020B0609020204030204" pitchFamily="49" charset="0"/>
+              </a:rPr>
+              <a:t>(</a:t>
+            </a:r>
+            <a:r>
+              <a:rPr lang="de-CH" sz="3200" dirty="0">
                 <a:solidFill>
                   <a:srgbClr val="2A00FF"/>
                 </a:solidFill>
@@ -6747,101 +6061,99 @@
               <a:t>"</a:t>
             </a:r>
             <a:r>
-              <a:rPr lang="en-US" sz="2800" dirty="0" err="1">
+              <a:rPr lang="de-CH" sz="3200" dirty="0" err="1">
                 <a:solidFill>
                   <a:srgbClr val="2A00FF"/>
                 </a:solidFill>
                 <a:latin typeface="Consolas" panose="020B0609020204030204" pitchFamily="49" charset="0"/>
               </a:rPr>
-              <a:t>sms</a:t>
-            </a:r>
-            <a:r>
-              <a:rPr lang="en-US" sz="2800" dirty="0">
+              <a:t>Phonenumber</a:t>
+            </a:r>
+            <a:r>
+              <a:rPr lang="de-CH" sz="3200" dirty="0">
                 <a:solidFill>
                   <a:srgbClr val="2A00FF"/>
                 </a:solidFill>
                 <a:latin typeface="Consolas" panose="020B0609020204030204" pitchFamily="49" charset="0"/>
               </a:rPr>
-              <a:t>://"</a:t>
-            </a:r>
-            <a:r>
-              <a:rPr lang="en-US" sz="2800" dirty="0">
-                <a:solidFill>
-                  <a:srgbClr val="000000"/>
-                </a:solidFill>
-                <a:latin typeface="Consolas" panose="020B0609020204030204" pitchFamily="49" charset="0"/>
-              </a:rPr>
-              <a:t> + </a:t>
-            </a:r>
-            <a:r>
-              <a:rPr lang="en-US" sz="2800" dirty="0" err="1">
-                <a:solidFill>
-                  <a:srgbClr val="000000"/>
-                </a:solidFill>
-                <a:latin typeface="Consolas" panose="020B0609020204030204" pitchFamily="49" charset="0"/>
-              </a:rPr>
-              <a:t>phoneNumber</a:t>
-            </a:r>
-            <a:r>
-              <a:rPr lang="en-US" sz="2800" dirty="0">
-                <a:solidFill>
-                  <a:srgbClr val="000000"/>
-                </a:solidFill>
-                <a:latin typeface="Consolas" panose="020B0609020204030204" pitchFamily="49" charset="0"/>
-              </a:rPr>
-              <a:t> + </a:t>
-            </a:r>
-            <a:r>
-              <a:rPr lang="en-US" sz="2800" dirty="0">
+              <a:t>"</a:t>
+            </a:r>
+            <a:r>
+              <a:rPr lang="de-CH" sz="3200" dirty="0">
+                <a:solidFill>
+                  <a:srgbClr val="000000"/>
+                </a:solidFill>
+                <a:latin typeface="Consolas" panose="020B0609020204030204" pitchFamily="49" charset="0"/>
+              </a:rPr>
+              <a:t>);</a:t>
+            </a:r>
+          </a:p>
+          <a:p>
+            <a:pPr marL="0" indent="0">
+              <a:buNone/>
+            </a:pPr>
+            <a:r>
+              <a:rPr lang="de-CH" sz="3200" dirty="0" err="1">
+                <a:solidFill>
+                  <a:srgbClr val="6A3E3E"/>
+                </a:solidFill>
+                <a:latin typeface="Consolas" panose="020B0609020204030204" pitchFamily="49" charset="0"/>
+              </a:rPr>
+              <a:t>columnPhoneNumber</a:t>
+            </a:r>
+            <a:r>
+              <a:rPr lang="de-CH" sz="3200" dirty="0" err="1">
+                <a:solidFill>
+                  <a:srgbClr val="000000"/>
+                </a:solidFill>
+                <a:latin typeface="Consolas" panose="020B0609020204030204" pitchFamily="49" charset="0"/>
+              </a:rPr>
+              <a:t>.setCaption</a:t>
+            </a:r>
+            <a:r>
+              <a:rPr lang="de-CH" sz="3200" dirty="0">
+                <a:solidFill>
+                  <a:srgbClr val="000000"/>
+                </a:solidFill>
+                <a:latin typeface="Consolas" panose="020B0609020204030204" pitchFamily="49" charset="0"/>
+              </a:rPr>
+              <a:t>(</a:t>
+            </a:r>
+            <a:r>
+              <a:rPr lang="de-CH" sz="3200" dirty="0">
                 <a:solidFill>
                   <a:srgbClr val="2A00FF"/>
                 </a:solidFill>
                 <a:latin typeface="Consolas" panose="020B0609020204030204" pitchFamily="49" charset="0"/>
               </a:rPr>
-              <a:t>"?body="</a:t>
-            </a:r>
-            <a:r>
-              <a:rPr lang="en-US" sz="2800" dirty="0">
-                <a:solidFill>
-                  <a:srgbClr val="000000"/>
-                </a:solidFill>
-                <a:latin typeface="Consolas" panose="020B0609020204030204" pitchFamily="49" charset="0"/>
-              </a:rPr>
-              <a:t> + body; </a:t>
-            </a:r>
-          </a:p>
-          <a:p>
-            <a:pPr marL="457200" lvl="1" indent="0">
-              <a:buNone/>
-            </a:pPr>
-            <a:r>
-              <a:rPr lang="de-CH" sz="2800" dirty="0">
-                <a:solidFill>
-                  <a:srgbClr val="000000"/>
-                </a:solidFill>
-                <a:latin typeface="Consolas" panose="020B0609020204030204" pitchFamily="49" charset="0"/>
-              </a:rPr>
-              <a:t>…</a:t>
-            </a:r>
-            <a:endParaRPr lang="de-CH" sz="2800" b="1" dirty="0">
-              <a:solidFill>
-                <a:srgbClr val="000000"/>
-              </a:solidFill>
-              <a:latin typeface="Consolas" panose="020B0609020204030204" pitchFamily="49" charset="0"/>
-            </a:endParaRPr>
-          </a:p>
-          <a:p>
-            <a:pPr marL="0" indent="0">
-              <a:buNone/>
-            </a:pPr>
+              <a:t>"</a:t>
+            </a:r>
+            <a:r>
+              <a:rPr lang="de-CH" sz="3200" dirty="0" err="1">
+                <a:solidFill>
+                  <a:srgbClr val="2A00FF"/>
+                </a:solidFill>
+                <a:latin typeface="Consolas" panose="020B0609020204030204" pitchFamily="49" charset="0"/>
+              </a:rPr>
+              <a:t>Phonenumber</a:t>
+            </a:r>
             <a:r>
               <a:rPr lang="de-CH" sz="3200" dirty="0">
                 <a:solidFill>
-                  <a:srgbClr val="000000"/>
-                </a:solidFill>
-                <a:latin typeface="Consolas" panose="020B0609020204030204" pitchFamily="49" charset="0"/>
-              </a:rPr>
-              <a:t>}</a:t>
+                  <a:srgbClr val="2A00FF"/>
+                </a:solidFill>
+                <a:latin typeface="Consolas" panose="020B0609020204030204" pitchFamily="49" charset="0"/>
+              </a:rPr>
+              <a:t>"</a:t>
+            </a:r>
+            <a:r>
+              <a:rPr lang="de-CH" sz="3200" dirty="0">
+                <a:solidFill>
+                  <a:srgbClr val="000000"/>
+                </a:solidFill>
+                <a:latin typeface="Consolas" panose="020B0609020204030204" pitchFamily="49" charset="0"/>
+              </a:rPr>
+              <a:t>);</a:t>
             </a:r>
             <a:endParaRPr lang="de-CH" sz="3200" dirty="0"/>
           </a:p>
@@ -6850,7 +6162,7 @@
     </p:spTree>
     <p:extLst>
       <p:ext uri="{BB962C8B-B14F-4D97-AF65-F5344CB8AC3E}">
-        <p14:creationId xmlns:p14="http://schemas.microsoft.com/office/powerpoint/2010/main" val="867228576"/>
+        <p14:creationId xmlns:p14="http://schemas.microsoft.com/office/powerpoint/2010/main" val="2885958848"/>
       </p:ext>
     </p:extLst>
   </p:cSld>
@@ -6879,10 +6191,33 @@
       </p:grpSpPr>
       <p:sp>
         <p:nvSpPr>
-          <p:cNvPr id="2" name="Titel 1">
+          <p:cNvPr id="2" name="Titel 1"/>
+          <p:cNvSpPr>
+            <a:spLocks noGrp="1"/>
+          </p:cNvSpPr>
+          <p:nvPr>
+            <p:ph type="title"/>
+          </p:nvPr>
+        </p:nvSpPr>
+        <p:spPr/>
+        <p:txBody>
+          <a:bodyPr/>
+          <a:lstStyle/>
+          <a:p>
+            <a:r>
+              <a:rPr lang="de-CH" dirty="0" err="1"/>
+              <a:t>Contributions</a:t>
+            </a:r>
+            <a:endParaRPr lang="de-CH" dirty="0"/>
+          </a:p>
+        </p:txBody>
+      </p:sp>
+      <p:sp>
+        <p:nvSpPr>
+          <p:cNvPr id="3" name="Inhaltsplatzhalter 2">
             <a:extLst>
               <a:ext uri="{FF2B5EF4-FFF2-40B4-BE49-F238E27FC236}">
-                <a16:creationId xmlns:a16="http://schemas.microsoft.com/office/drawing/2014/main" id="{018CCBB4-34F7-4042-8B5A-7ABE6B7B2746}"/>
+                <a16:creationId xmlns:a16="http://schemas.microsoft.com/office/drawing/2014/main" id="{64638A87-DF53-41F7-80F1-05C8FBC11759}"/>
               </a:ext>
             </a:extLst>
           </p:cNvPr>
@@ -6890,7 +6225,7 @@
             <a:spLocks noGrp="1"/>
           </p:cNvSpPr>
           <p:nvPr>
-            <p:ph type="title"/>
+            <p:ph idx="1"/>
           </p:nvPr>
         </p:nvSpPr>
         <p:spPr/>
@@ -6900,486 +6235,40 @@
           <a:p>
             <a:r>
               <a:rPr lang="en-US" dirty="0"/>
-              <a:t>Grid Views</a:t>
+              <a:t>Martin: Diary</a:t>
+            </a:r>
+          </a:p>
+          <a:p>
+            <a:r>
+              <a:rPr lang="en-US" dirty="0"/>
+              <a:t>André: Settings</a:t>
+            </a:r>
+          </a:p>
+          <a:p>
+            <a:r>
+              <a:rPr lang="en-US" dirty="0"/>
+              <a:t>Claudio: Login / Sign Up</a:t>
+            </a:r>
+          </a:p>
+          <a:p>
+            <a:r>
+              <a:rPr lang="en-US" dirty="0"/>
+              <a:t>Joël: Main View / Roaster</a:t>
+            </a:r>
+          </a:p>
+          <a:p>
+            <a:r>
+              <a:rPr lang="en-US" dirty="0"/>
+              <a:t>Patrick: Persistence / Scrum Master</a:t>
             </a:r>
             <a:endParaRPr lang="de-CH" dirty="0"/>
-          </a:p>
-        </p:txBody>
-      </p:sp>
-      <p:sp>
-        <p:nvSpPr>
-          <p:cNvPr id="3" name="Inhaltsplatzhalter 2">
-            <a:extLst>
-              <a:ext uri="{FF2B5EF4-FFF2-40B4-BE49-F238E27FC236}">
-                <a16:creationId xmlns:a16="http://schemas.microsoft.com/office/drawing/2014/main" id="{DB14BDEC-9AB4-4588-8A7C-560D4EE66141}"/>
-              </a:ext>
-            </a:extLst>
-          </p:cNvPr>
-          <p:cNvSpPr>
-            <a:spLocks noGrp="1"/>
-          </p:cNvSpPr>
-          <p:nvPr>
-            <p:ph idx="1"/>
-          </p:nvPr>
-        </p:nvSpPr>
-        <p:spPr/>
-        <p:txBody>
-          <a:bodyPr>
-            <a:normAutofit fontScale="85000" lnSpcReduction="20000"/>
-          </a:bodyPr>
-          <a:lstStyle/>
-          <a:p>
-            <a:pPr marL="0" indent="0">
-              <a:buNone/>
-            </a:pPr>
-            <a:r>
-              <a:rPr lang="de-CH" sz="3200" dirty="0" err="1">
-                <a:solidFill>
-                  <a:srgbClr val="0000C0"/>
-                </a:solidFill>
-                <a:latin typeface="Consolas" panose="020B0609020204030204" pitchFamily="49" charset="0"/>
-              </a:rPr>
-              <a:t>grid</a:t>
-            </a:r>
-            <a:r>
-              <a:rPr lang="de-CH" sz="3200" dirty="0">
-                <a:solidFill>
-                  <a:srgbClr val="000000"/>
-                </a:solidFill>
-                <a:latin typeface="Consolas" panose="020B0609020204030204" pitchFamily="49" charset="0"/>
-              </a:rPr>
-              <a:t> = </a:t>
-            </a:r>
-            <a:r>
-              <a:rPr lang="de-CH" sz="3200" b="1" dirty="0" err="1">
-                <a:solidFill>
-                  <a:srgbClr val="7F0055"/>
-                </a:solidFill>
-                <a:latin typeface="Consolas" panose="020B0609020204030204" pitchFamily="49" charset="0"/>
-              </a:rPr>
-              <a:t>new</a:t>
-            </a:r>
-            <a:r>
-              <a:rPr lang="de-CH" sz="3200" b="1" dirty="0">
-                <a:solidFill>
-                  <a:srgbClr val="000000"/>
-                </a:solidFill>
-                <a:latin typeface="Consolas" panose="020B0609020204030204" pitchFamily="49" charset="0"/>
-              </a:rPr>
-              <a:t> Grid&lt;&gt;();</a:t>
-            </a:r>
-          </a:p>
-          <a:p>
-            <a:pPr marL="0" indent="0">
-              <a:buNone/>
-            </a:pPr>
-            <a:r>
-              <a:rPr lang="en-US" sz="3200" dirty="0">
-                <a:solidFill>
-                  <a:srgbClr val="3F7F5F"/>
-                </a:solidFill>
-                <a:latin typeface="Consolas" panose="020B0609020204030204" pitchFamily="49" charset="0"/>
-              </a:rPr>
-              <a:t>// create two columns, set the ID's and add the captions</a:t>
-            </a:r>
-          </a:p>
-          <a:p>
-            <a:pPr marL="0" indent="0">
-              <a:buNone/>
-            </a:pPr>
-            <a:r>
-              <a:rPr lang="en-US" sz="3200" dirty="0">
-                <a:solidFill>
-                  <a:srgbClr val="000000"/>
-                </a:solidFill>
-                <a:latin typeface="Consolas" panose="020B0609020204030204" pitchFamily="49" charset="0"/>
-              </a:rPr>
-              <a:t>Column&lt;Contact, ?&gt; </a:t>
-            </a:r>
-            <a:r>
-              <a:rPr lang="en-US" sz="3200" dirty="0" err="1">
-                <a:solidFill>
-                  <a:srgbClr val="6A3E3E"/>
-                </a:solidFill>
-                <a:latin typeface="Consolas" panose="020B0609020204030204" pitchFamily="49" charset="0"/>
-              </a:rPr>
-              <a:t>columnName</a:t>
-            </a:r>
-            <a:r>
-              <a:rPr lang="en-US" sz="3200" dirty="0">
-                <a:solidFill>
-                  <a:srgbClr val="000000"/>
-                </a:solidFill>
-                <a:latin typeface="Consolas" panose="020B0609020204030204" pitchFamily="49" charset="0"/>
-              </a:rPr>
-              <a:t> = </a:t>
-            </a:r>
-            <a:r>
-              <a:rPr lang="en-US" sz="3200" dirty="0" err="1">
-                <a:solidFill>
-                  <a:srgbClr val="0000C0"/>
-                </a:solidFill>
-                <a:latin typeface="Consolas" panose="020B0609020204030204" pitchFamily="49" charset="0"/>
-              </a:rPr>
-              <a:t>grid</a:t>
-            </a:r>
-            <a:r>
-              <a:rPr lang="en-US" sz="3200" dirty="0" err="1">
-                <a:solidFill>
-                  <a:srgbClr val="000000"/>
-                </a:solidFill>
-                <a:latin typeface="Consolas" panose="020B0609020204030204" pitchFamily="49" charset="0"/>
-              </a:rPr>
-              <a:t>.addColumn</a:t>
-            </a:r>
-            <a:r>
-              <a:rPr lang="en-US" sz="3200" dirty="0">
-                <a:solidFill>
-                  <a:srgbClr val="000000"/>
-                </a:solidFill>
-                <a:latin typeface="Consolas" panose="020B0609020204030204" pitchFamily="49" charset="0"/>
-              </a:rPr>
-              <a:t>(Contact::</a:t>
-            </a:r>
-            <a:r>
-              <a:rPr lang="en-US" sz="3200" dirty="0" err="1">
-                <a:solidFill>
-                  <a:srgbClr val="000000"/>
-                </a:solidFill>
-                <a:latin typeface="Consolas" panose="020B0609020204030204" pitchFamily="49" charset="0"/>
-              </a:rPr>
-              <a:t>getName</a:t>
-            </a:r>
-            <a:r>
-              <a:rPr lang="en-US" sz="3200" dirty="0">
-                <a:solidFill>
-                  <a:srgbClr val="000000"/>
-                </a:solidFill>
-                <a:latin typeface="Consolas" panose="020B0609020204030204" pitchFamily="49" charset="0"/>
-              </a:rPr>
-              <a:t>);</a:t>
-            </a:r>
-          </a:p>
-          <a:p>
-            <a:pPr marL="0" indent="0">
-              <a:buNone/>
-            </a:pPr>
-            <a:r>
-              <a:rPr lang="de-CH" sz="3200" dirty="0" err="1">
-                <a:solidFill>
-                  <a:srgbClr val="6A3E3E"/>
-                </a:solidFill>
-                <a:latin typeface="Consolas" panose="020B0609020204030204" pitchFamily="49" charset="0"/>
-              </a:rPr>
-              <a:t>columnName</a:t>
-            </a:r>
-            <a:r>
-              <a:rPr lang="de-CH" sz="3200" dirty="0" err="1">
-                <a:solidFill>
-                  <a:srgbClr val="000000"/>
-                </a:solidFill>
-                <a:latin typeface="Consolas" panose="020B0609020204030204" pitchFamily="49" charset="0"/>
-              </a:rPr>
-              <a:t>.setId</a:t>
-            </a:r>
-            <a:r>
-              <a:rPr lang="de-CH" sz="3200" dirty="0">
-                <a:solidFill>
-                  <a:srgbClr val="000000"/>
-                </a:solidFill>
-                <a:latin typeface="Consolas" panose="020B0609020204030204" pitchFamily="49" charset="0"/>
-              </a:rPr>
-              <a:t>(</a:t>
-            </a:r>
-            <a:r>
-              <a:rPr lang="de-CH" sz="3200" dirty="0">
-                <a:solidFill>
-                  <a:srgbClr val="2A00FF"/>
-                </a:solidFill>
-                <a:latin typeface="Consolas" panose="020B0609020204030204" pitchFamily="49" charset="0"/>
-              </a:rPr>
-              <a:t>"Name"</a:t>
-            </a:r>
-            <a:r>
-              <a:rPr lang="de-CH" sz="3200" dirty="0">
-                <a:solidFill>
-                  <a:srgbClr val="000000"/>
-                </a:solidFill>
-                <a:latin typeface="Consolas" panose="020B0609020204030204" pitchFamily="49" charset="0"/>
-              </a:rPr>
-              <a:t>);</a:t>
-            </a:r>
-          </a:p>
-          <a:p>
-            <a:pPr marL="0" indent="0">
-              <a:buNone/>
-            </a:pPr>
-            <a:r>
-              <a:rPr lang="de-CH" sz="3200" dirty="0" err="1">
-                <a:solidFill>
-                  <a:srgbClr val="6A3E3E"/>
-                </a:solidFill>
-                <a:latin typeface="Consolas" panose="020B0609020204030204" pitchFamily="49" charset="0"/>
-              </a:rPr>
-              <a:t>columnName</a:t>
-            </a:r>
-            <a:r>
-              <a:rPr lang="de-CH" sz="3200" dirty="0" err="1">
-                <a:solidFill>
-                  <a:srgbClr val="000000"/>
-                </a:solidFill>
-                <a:latin typeface="Consolas" panose="020B0609020204030204" pitchFamily="49" charset="0"/>
-              </a:rPr>
-              <a:t>.setCaption</a:t>
-            </a:r>
-            <a:r>
-              <a:rPr lang="de-CH" sz="3200" dirty="0">
-                <a:solidFill>
-                  <a:srgbClr val="000000"/>
-                </a:solidFill>
-                <a:latin typeface="Consolas" panose="020B0609020204030204" pitchFamily="49" charset="0"/>
-              </a:rPr>
-              <a:t>(</a:t>
-            </a:r>
-            <a:r>
-              <a:rPr lang="de-CH" sz="3200" dirty="0">
-                <a:solidFill>
-                  <a:srgbClr val="2A00FF"/>
-                </a:solidFill>
-                <a:latin typeface="Consolas" panose="020B0609020204030204" pitchFamily="49" charset="0"/>
-              </a:rPr>
-              <a:t>"Name"</a:t>
-            </a:r>
-            <a:r>
-              <a:rPr lang="de-CH" sz="3200" dirty="0">
-                <a:solidFill>
-                  <a:srgbClr val="000000"/>
-                </a:solidFill>
-                <a:latin typeface="Consolas" panose="020B0609020204030204" pitchFamily="49" charset="0"/>
-              </a:rPr>
-              <a:t>);</a:t>
-            </a:r>
-          </a:p>
-          <a:p>
-            <a:pPr marL="0" indent="0">
-              <a:buNone/>
-            </a:pPr>
-            <a:r>
-              <a:rPr lang="en-US" sz="3200" dirty="0">
-                <a:solidFill>
-                  <a:srgbClr val="000000"/>
-                </a:solidFill>
-                <a:latin typeface="Consolas" panose="020B0609020204030204" pitchFamily="49" charset="0"/>
-              </a:rPr>
-              <a:t>Column&lt;Contact, ?&gt; </a:t>
-            </a:r>
-            <a:r>
-              <a:rPr lang="en-US" sz="3200" dirty="0" err="1">
-                <a:solidFill>
-                  <a:srgbClr val="6A3E3E"/>
-                </a:solidFill>
-                <a:latin typeface="Consolas" panose="020B0609020204030204" pitchFamily="49" charset="0"/>
-              </a:rPr>
-              <a:t>columnPhoneNumber</a:t>
-            </a:r>
-            <a:r>
-              <a:rPr lang="en-US" sz="3200" dirty="0">
-                <a:solidFill>
-                  <a:srgbClr val="000000"/>
-                </a:solidFill>
-                <a:latin typeface="Consolas" panose="020B0609020204030204" pitchFamily="49" charset="0"/>
-              </a:rPr>
-              <a:t> = </a:t>
-            </a:r>
-            <a:r>
-              <a:rPr lang="en-US" sz="3200" dirty="0" err="1">
-                <a:solidFill>
-                  <a:srgbClr val="0000C0"/>
-                </a:solidFill>
-                <a:latin typeface="Consolas" panose="020B0609020204030204" pitchFamily="49" charset="0"/>
-              </a:rPr>
-              <a:t>grid</a:t>
-            </a:r>
-            <a:r>
-              <a:rPr lang="en-US" sz="3200" dirty="0" err="1">
-                <a:solidFill>
-                  <a:srgbClr val="000000"/>
-                </a:solidFill>
-                <a:latin typeface="Consolas" panose="020B0609020204030204" pitchFamily="49" charset="0"/>
-              </a:rPr>
-              <a:t>.addColumn</a:t>
-            </a:r>
-            <a:r>
-              <a:rPr lang="en-US" sz="3200" dirty="0">
-                <a:solidFill>
-                  <a:srgbClr val="000000"/>
-                </a:solidFill>
-                <a:latin typeface="Consolas" panose="020B0609020204030204" pitchFamily="49" charset="0"/>
-              </a:rPr>
-              <a:t>(Contact::</a:t>
-            </a:r>
-            <a:r>
-              <a:rPr lang="en-US" sz="3200" dirty="0" err="1">
-                <a:solidFill>
-                  <a:srgbClr val="000000"/>
-                </a:solidFill>
-                <a:latin typeface="Consolas" panose="020B0609020204030204" pitchFamily="49" charset="0"/>
-              </a:rPr>
-              <a:t>getPhoneNumber</a:t>
-            </a:r>
-            <a:r>
-              <a:rPr lang="en-US" sz="3200" dirty="0">
-                <a:solidFill>
-                  <a:srgbClr val="000000"/>
-                </a:solidFill>
-                <a:latin typeface="Consolas" panose="020B0609020204030204" pitchFamily="49" charset="0"/>
-              </a:rPr>
-              <a:t>);</a:t>
-            </a:r>
-          </a:p>
-          <a:p>
-            <a:pPr marL="0" indent="0">
-              <a:buNone/>
-            </a:pPr>
-            <a:r>
-              <a:rPr lang="de-CH" sz="3200" dirty="0" err="1">
-                <a:solidFill>
-                  <a:srgbClr val="6A3E3E"/>
-                </a:solidFill>
-                <a:latin typeface="Consolas" panose="020B0609020204030204" pitchFamily="49" charset="0"/>
-              </a:rPr>
-              <a:t>columnPhoneNumber</a:t>
-            </a:r>
-            <a:r>
-              <a:rPr lang="de-CH" sz="3200" dirty="0" err="1">
-                <a:solidFill>
-                  <a:srgbClr val="000000"/>
-                </a:solidFill>
-                <a:latin typeface="Consolas" panose="020B0609020204030204" pitchFamily="49" charset="0"/>
-              </a:rPr>
-              <a:t>.setId</a:t>
-            </a:r>
-            <a:r>
-              <a:rPr lang="de-CH" sz="3200" dirty="0">
-                <a:solidFill>
-                  <a:srgbClr val="000000"/>
-                </a:solidFill>
-                <a:latin typeface="Consolas" panose="020B0609020204030204" pitchFamily="49" charset="0"/>
-              </a:rPr>
-              <a:t>(</a:t>
-            </a:r>
-            <a:r>
-              <a:rPr lang="de-CH" sz="3200" dirty="0">
-                <a:solidFill>
-                  <a:srgbClr val="2A00FF"/>
-                </a:solidFill>
-                <a:latin typeface="Consolas" panose="020B0609020204030204" pitchFamily="49" charset="0"/>
-              </a:rPr>
-              <a:t>"</a:t>
-            </a:r>
-            <a:r>
-              <a:rPr lang="de-CH" sz="3200" dirty="0" err="1">
-                <a:solidFill>
-                  <a:srgbClr val="2A00FF"/>
-                </a:solidFill>
-                <a:latin typeface="Consolas" panose="020B0609020204030204" pitchFamily="49" charset="0"/>
-              </a:rPr>
-              <a:t>Phonenumber</a:t>
-            </a:r>
-            <a:r>
-              <a:rPr lang="de-CH" sz="3200" dirty="0">
-                <a:solidFill>
-                  <a:srgbClr val="2A00FF"/>
-                </a:solidFill>
-                <a:latin typeface="Consolas" panose="020B0609020204030204" pitchFamily="49" charset="0"/>
-              </a:rPr>
-              <a:t>"</a:t>
-            </a:r>
-            <a:r>
-              <a:rPr lang="de-CH" sz="3200" dirty="0">
-                <a:solidFill>
-                  <a:srgbClr val="000000"/>
-                </a:solidFill>
-                <a:latin typeface="Consolas" panose="020B0609020204030204" pitchFamily="49" charset="0"/>
-              </a:rPr>
-              <a:t>);</a:t>
-            </a:r>
-          </a:p>
-          <a:p>
-            <a:pPr marL="0" indent="0">
-              <a:buNone/>
-            </a:pPr>
-            <a:r>
-              <a:rPr lang="de-CH" sz="3200" dirty="0" err="1">
-                <a:solidFill>
-                  <a:srgbClr val="6A3E3E"/>
-                </a:solidFill>
-                <a:latin typeface="Consolas" panose="020B0609020204030204" pitchFamily="49" charset="0"/>
-              </a:rPr>
-              <a:t>columnPhoneNumber</a:t>
-            </a:r>
-            <a:r>
-              <a:rPr lang="de-CH" sz="3200" dirty="0" err="1">
-                <a:solidFill>
-                  <a:srgbClr val="000000"/>
-                </a:solidFill>
-                <a:latin typeface="Consolas" panose="020B0609020204030204" pitchFamily="49" charset="0"/>
-              </a:rPr>
-              <a:t>.setCaption</a:t>
-            </a:r>
-            <a:r>
-              <a:rPr lang="de-CH" sz="3200" dirty="0">
-                <a:solidFill>
-                  <a:srgbClr val="000000"/>
-                </a:solidFill>
-                <a:latin typeface="Consolas" panose="020B0609020204030204" pitchFamily="49" charset="0"/>
-              </a:rPr>
-              <a:t>(</a:t>
-            </a:r>
-            <a:r>
-              <a:rPr lang="de-CH" sz="3200" dirty="0">
-                <a:solidFill>
-                  <a:srgbClr val="2A00FF"/>
-                </a:solidFill>
-                <a:latin typeface="Consolas" panose="020B0609020204030204" pitchFamily="49" charset="0"/>
-              </a:rPr>
-              <a:t>"</a:t>
-            </a:r>
-            <a:r>
-              <a:rPr lang="de-CH" sz="3200" dirty="0" err="1">
-                <a:solidFill>
-                  <a:srgbClr val="2A00FF"/>
-                </a:solidFill>
-                <a:latin typeface="Consolas" panose="020B0609020204030204" pitchFamily="49" charset="0"/>
-              </a:rPr>
-              <a:t>Phonenumber</a:t>
-            </a:r>
-            <a:r>
-              <a:rPr lang="de-CH" sz="3200" dirty="0">
-                <a:solidFill>
-                  <a:srgbClr val="2A00FF"/>
-                </a:solidFill>
-                <a:latin typeface="Consolas" panose="020B0609020204030204" pitchFamily="49" charset="0"/>
-              </a:rPr>
-              <a:t>"</a:t>
-            </a:r>
-            <a:r>
-              <a:rPr lang="de-CH" sz="3200" dirty="0">
-                <a:solidFill>
-                  <a:srgbClr val="000000"/>
-                </a:solidFill>
-                <a:latin typeface="Consolas" panose="020B0609020204030204" pitchFamily="49" charset="0"/>
-              </a:rPr>
-              <a:t>);</a:t>
-            </a:r>
-            <a:endParaRPr lang="de-CH" sz="3200" dirty="0"/>
           </a:p>
         </p:txBody>
       </p:sp>
     </p:spTree>
     <p:extLst>
       <p:ext uri="{BB962C8B-B14F-4D97-AF65-F5344CB8AC3E}">
-        <p14:creationId xmlns:p14="http://schemas.microsoft.com/office/powerpoint/2010/main" val="2885958848"/>
+        <p14:creationId xmlns:p14="http://schemas.microsoft.com/office/powerpoint/2010/main" val="726713197"/>
       </p:ext>
     </p:extLst>
   </p:cSld>
